--- a/201809-FabIoTLab-Objet connecte.pptx
+++ b/201809-FabIoTLab-Objet connecte.pptx
@@ -1,38 +1,46 @@
 
 <file path=ppt/presentation.xml><?xml version="1.0" encoding="utf-8"?>
-<p:presentation xmlns:a="http://schemas.openxmlformats.org/drawingml/2006/main" xmlns:r="http://schemas.openxmlformats.org/officeDocument/2006/relationships" xmlns:p="http://schemas.openxmlformats.org/presentationml/2006/main" saveSubsetFonts="1">
+<p:presentation xmlns:a="http://schemas.openxmlformats.org/drawingml/2006/main" xmlns:r="http://schemas.openxmlformats.org/officeDocument/2006/relationships" xmlns:p="http://schemas.openxmlformats.org/presentationml/2006/main" showSpecialPlsOnTitleSld="0" saveSubsetFonts="1">
   <p:sldMasterIdLst>
     <p:sldMasterId id="2147483660" r:id="rId1"/>
   </p:sldMasterIdLst>
   <p:notesMasterIdLst>
-    <p:notesMasterId r:id="rId27"/>
+    <p:notesMasterId r:id="rId32"/>
   </p:notesMasterIdLst>
+  <p:handoutMasterIdLst>
+    <p:handoutMasterId r:id="rId33"/>
+  </p:handoutMasterIdLst>
   <p:sldIdLst>
     <p:sldId id="256" r:id="rId2"/>
     <p:sldId id="292" r:id="rId3"/>
-    <p:sldId id="258" r:id="rId4"/>
-    <p:sldId id="273" r:id="rId5"/>
-    <p:sldId id="274" r:id="rId6"/>
-    <p:sldId id="259" r:id="rId7"/>
-    <p:sldId id="293" r:id="rId8"/>
-    <p:sldId id="295" r:id="rId9"/>
-    <p:sldId id="296" r:id="rId10"/>
-    <p:sldId id="297" r:id="rId11"/>
-    <p:sldId id="298" r:id="rId12"/>
-    <p:sldId id="299" r:id="rId13"/>
-    <p:sldId id="300" r:id="rId14"/>
-    <p:sldId id="301" r:id="rId15"/>
-    <p:sldId id="302" r:id="rId16"/>
-    <p:sldId id="303" r:id="rId17"/>
-    <p:sldId id="305" r:id="rId18"/>
-    <p:sldId id="306" r:id="rId19"/>
-    <p:sldId id="307" r:id="rId20"/>
-    <p:sldId id="308" r:id="rId21"/>
-    <p:sldId id="309" r:id="rId22"/>
-    <p:sldId id="310" r:id="rId23"/>
-    <p:sldId id="275" r:id="rId24"/>
-    <p:sldId id="266" r:id="rId25"/>
-    <p:sldId id="291" r:id="rId26"/>
+    <p:sldId id="311" r:id="rId4"/>
+    <p:sldId id="258" r:id="rId5"/>
+    <p:sldId id="273" r:id="rId6"/>
+    <p:sldId id="274" r:id="rId7"/>
+    <p:sldId id="259" r:id="rId8"/>
+    <p:sldId id="293" r:id="rId9"/>
+    <p:sldId id="295" r:id="rId10"/>
+    <p:sldId id="296" r:id="rId11"/>
+    <p:sldId id="297" r:id="rId12"/>
+    <p:sldId id="298" r:id="rId13"/>
+    <p:sldId id="299" r:id="rId14"/>
+    <p:sldId id="300" r:id="rId15"/>
+    <p:sldId id="301" r:id="rId16"/>
+    <p:sldId id="302" r:id="rId17"/>
+    <p:sldId id="303" r:id="rId18"/>
+    <p:sldId id="305" r:id="rId19"/>
+    <p:sldId id="306" r:id="rId20"/>
+    <p:sldId id="312" r:id="rId21"/>
+    <p:sldId id="313" r:id="rId22"/>
+    <p:sldId id="314" r:id="rId23"/>
+    <p:sldId id="315" r:id="rId24"/>
+    <p:sldId id="316" r:id="rId25"/>
+    <p:sldId id="307" r:id="rId26"/>
+    <p:sldId id="308" r:id="rId27"/>
+    <p:sldId id="309" r:id="rId28"/>
+    <p:sldId id="275" r:id="rId29"/>
+    <p:sldId id="266" r:id="rId30"/>
+    <p:sldId id="291" r:id="rId31"/>
   </p:sldIdLst>
   <p:sldSz cx="12192000" cy="6858000"/>
   <p:notesSz cx="6858000" cy="9144000"/>
@@ -140,29 +148,54 @@
             <p14:sldId id="292"/>
           </p14:sldIdLst>
         </p14:section>
-        <p14:section name="Introduction" id="{7EF9436B-4AEE-4824-9D4D-C0AF51E109BD}">
+        <p14:section name="Section récapitulative" id="{DB8F7B4B-271C-42E4-820D-5A41778D7843}">
+          <p14:sldIdLst>
+            <p14:sldId id="311"/>
+          </p14:sldIdLst>
+        </p14:section>
+        <p14:section name="Fab-IoT-Lab" id="{7EF9436B-4AEE-4824-9D4D-C0AF51E109BD}">
           <p14:sldIdLst>
             <p14:sldId id="258"/>
             <p14:sldId id="273"/>
             <p14:sldId id="274"/>
             <p14:sldId id="259"/>
+          </p14:sldIdLst>
+        </p14:section>
+        <p14:section name="Microcontrôleur" id="{EF162FA9-BD80-45DC-89CE-72E082FCC661}">
+          <p14:sldIdLst>
             <p14:sldId id="293"/>
             <p14:sldId id="295"/>
             <p14:sldId id="296"/>
             <p14:sldId id="297"/>
             <p14:sldId id="298"/>
             <p14:sldId id="299"/>
+          </p14:sldIdLst>
+        </p14:section>
+        <p14:section name="Servomoteur" id="{3D04415E-25EB-4B32-8339-F01BEF25E62C}">
+          <p14:sldIdLst>
             <p14:sldId id="300"/>
             <p14:sldId id="301"/>
             <p14:sldId id="302"/>
             <p14:sldId id="303"/>
             <p14:sldId id="305"/>
             <p14:sldId id="306"/>
+          </p14:sldIdLst>
+        </p14:section>
+        <p14:section name="Connectivité" id="{60C9ACD0-DFAA-404D-A581-BCDD9B90EE68}">
+          <p14:sldIdLst>
+            <p14:sldId id="312"/>
+            <p14:sldId id="313"/>
+            <p14:sldId id="314"/>
+            <p14:sldId id="315"/>
+            <p14:sldId id="316"/>
             <p14:sldId id="307"/>
             <p14:sldId id="308"/>
             <p14:sldId id="309"/>
-            <p14:sldId id="310"/>
             <p14:sldId id="275"/>
+          </p14:sldIdLst>
+        </p14:section>
+        <p14:section name="Conclusion" id="{632FD5BC-F45B-4B29-A518-694AB73951F4}">
+          <p14:sldIdLst>
             <p14:sldId id="266"/>
             <p14:sldId id="291"/>
           </p14:sldIdLst>
@@ -171,7 +204,7 @@
     </p:ext>
     <p:ext uri="{EFAFB233-063F-42B5-8137-9DF3F51BA10A}">
       <p15:sldGuideLst xmlns:p15="http://schemas.microsoft.com/office/powerpoint/2012/main">
-        <p15:guide id="1" orient="horz" pos="2160" userDrawn="1">
+        <p15:guide id="1" orient="horz" pos="2137" userDrawn="1">
           <p15:clr>
             <a:srgbClr val="A4A3A4"/>
           </p15:clr>
@@ -3042,6 +3075,199 @@
 </dgm:styleDef>
 </file>
 
+<file path=ppt/handoutMasters/handoutMaster1.xml><?xml version="1.0" encoding="utf-8"?>
+<p:handoutMaster xmlns:a="http://schemas.openxmlformats.org/drawingml/2006/main" xmlns:r="http://schemas.openxmlformats.org/officeDocument/2006/relationships" xmlns:p="http://schemas.openxmlformats.org/presentationml/2006/main">
+  <p:cSld>
+    <p:bg>
+      <p:bgRef idx="1001">
+        <a:schemeClr val="bg1"/>
+      </p:bgRef>
+    </p:bg>
+    <p:spTree>
+      <p:nvGrpSpPr>
+        <p:cNvPr id="1" name=""/>
+        <p:cNvGrpSpPr/>
+        <p:nvPr/>
+      </p:nvGrpSpPr>
+      <p:grpSpPr>
+        <a:xfrm>
+          <a:off x="0" y="0"/>
+          <a:ext cx="0" cy="0"/>
+          <a:chOff x="0" y="0"/>
+          <a:chExt cx="0" cy="0"/>
+        </a:xfrm>
+      </p:grpSpPr>
+      <p:sp>
+        <p:nvSpPr>
+          <p:cNvPr id="2" name="Espace réservé de l'en-tête 1">
+            <a:extLst>
+              <a:ext uri="{FF2B5EF4-FFF2-40B4-BE49-F238E27FC236}">
+                <a16:creationId xmlns:a16="http://schemas.microsoft.com/office/drawing/2014/main" id="{36D6ACAF-A833-42F0-8DEE-9FEA79C3F638}"/>
+              </a:ext>
+            </a:extLst>
+          </p:cNvPr>
+          <p:cNvSpPr>
+            <a:spLocks noGrp="1"/>
+          </p:cNvSpPr>
+          <p:nvPr>
+            <p:ph type="hdr" sz="quarter"/>
+          </p:nvPr>
+        </p:nvSpPr>
+        <p:spPr>
+          <a:xfrm>
+            <a:off x="0" y="0"/>
+            <a:ext cx="2971800" cy="458788"/>
+          </a:xfrm>
+          <a:prstGeom prst="rect">
+            <a:avLst/>
+          </a:prstGeom>
+        </p:spPr>
+        <p:txBody>
+          <a:bodyPr vert="horz" lIns="91440" tIns="45720" rIns="91440" bIns="45720" rtlCol="0"/>
+          <a:lstStyle>
+            <a:lvl1pPr algn="l">
+              <a:defRPr sz="1200"/>
+            </a:lvl1pPr>
+          </a:lstStyle>
+          <a:p>
+            <a:endParaRPr lang="fr-BE"/>
+          </a:p>
+        </p:txBody>
+      </p:sp>
+      <p:sp>
+        <p:nvSpPr>
+          <p:cNvPr id="3" name="Espace réservé de la date 2">
+            <a:extLst>
+              <a:ext uri="{FF2B5EF4-FFF2-40B4-BE49-F238E27FC236}">
+                <a16:creationId xmlns:a16="http://schemas.microsoft.com/office/drawing/2014/main" id="{9C1E21A7-17BB-497B-BF40-63C95D3B4917}"/>
+              </a:ext>
+            </a:extLst>
+          </p:cNvPr>
+          <p:cNvSpPr>
+            <a:spLocks noGrp="1"/>
+          </p:cNvSpPr>
+          <p:nvPr>
+            <p:ph type="dt" sz="quarter" idx="1"/>
+          </p:nvPr>
+        </p:nvSpPr>
+        <p:spPr>
+          <a:xfrm>
+            <a:off x="3884613" y="0"/>
+            <a:ext cx="2971800" cy="458788"/>
+          </a:xfrm>
+          <a:prstGeom prst="rect">
+            <a:avLst/>
+          </a:prstGeom>
+        </p:spPr>
+        <p:txBody>
+          <a:bodyPr vert="horz" lIns="91440" tIns="45720" rIns="91440" bIns="45720" rtlCol="0"/>
+          <a:lstStyle>
+            <a:lvl1pPr algn="r">
+              <a:defRPr sz="1200"/>
+            </a:lvl1pPr>
+          </a:lstStyle>
+          <a:p>
+            <a:r>
+              <a:rPr lang="fr-BE"/>
+              <a:t>16-09-18</a:t>
+            </a:r>
+          </a:p>
+        </p:txBody>
+      </p:sp>
+      <p:sp>
+        <p:nvSpPr>
+          <p:cNvPr id="4" name="Espace réservé du pied de page 3">
+            <a:extLst>
+              <a:ext uri="{FF2B5EF4-FFF2-40B4-BE49-F238E27FC236}">
+                <a16:creationId xmlns:a16="http://schemas.microsoft.com/office/drawing/2014/main" id="{C86050FE-75E4-4100-9E7F-A9A3698E2781}"/>
+              </a:ext>
+            </a:extLst>
+          </p:cNvPr>
+          <p:cNvSpPr>
+            <a:spLocks noGrp="1"/>
+          </p:cNvSpPr>
+          <p:nvPr>
+            <p:ph type="ftr" sz="quarter" idx="2"/>
+          </p:nvPr>
+        </p:nvSpPr>
+        <p:spPr>
+          <a:xfrm>
+            <a:off x="0" y="8685213"/>
+            <a:ext cx="2971800" cy="458787"/>
+          </a:xfrm>
+          <a:prstGeom prst="rect">
+            <a:avLst/>
+          </a:prstGeom>
+        </p:spPr>
+        <p:txBody>
+          <a:bodyPr vert="horz" lIns="91440" tIns="45720" rIns="91440" bIns="45720" rtlCol="0" anchor="b"/>
+          <a:lstStyle>
+            <a:lvl1pPr algn="l">
+              <a:defRPr sz="1200"/>
+            </a:lvl1pPr>
+          </a:lstStyle>
+          <a:p>
+            <a:r>
+              <a:rPr lang="fr-FR"/>
+              <a:t>© Copyright 2018 François Roland. Tous droits réservés.</a:t>
+            </a:r>
+            <a:endParaRPr lang="fr-BE"/>
+          </a:p>
+        </p:txBody>
+      </p:sp>
+      <p:sp>
+        <p:nvSpPr>
+          <p:cNvPr id="5" name="Espace réservé du numéro de diapositive 4">
+            <a:extLst>
+              <a:ext uri="{FF2B5EF4-FFF2-40B4-BE49-F238E27FC236}">
+                <a16:creationId xmlns:a16="http://schemas.microsoft.com/office/drawing/2014/main" id="{F25C8ED4-2AE4-4273-A4E1-79E687F7C807}"/>
+              </a:ext>
+            </a:extLst>
+          </p:cNvPr>
+          <p:cNvSpPr>
+            <a:spLocks noGrp="1"/>
+          </p:cNvSpPr>
+          <p:nvPr>
+            <p:ph type="sldNum" sz="quarter" idx="3"/>
+          </p:nvPr>
+        </p:nvSpPr>
+        <p:spPr>
+          <a:xfrm>
+            <a:off x="3884613" y="8685213"/>
+            <a:ext cx="2971800" cy="458787"/>
+          </a:xfrm>
+          <a:prstGeom prst="rect">
+            <a:avLst/>
+          </a:prstGeom>
+        </p:spPr>
+        <p:txBody>
+          <a:bodyPr vert="horz" lIns="91440" tIns="45720" rIns="91440" bIns="45720" rtlCol="0" anchor="b"/>
+          <a:lstStyle>
+            <a:lvl1pPr algn="r">
+              <a:defRPr sz="1200"/>
+            </a:lvl1pPr>
+          </a:lstStyle>
+          <a:p>
+            <a:fld id="{73E9355A-00B4-4C1C-8B42-835F71C20356}" type="slidenum">
+              <a:rPr lang="fr-BE" smtClean="0"/>
+              <a:t>‹N°›</a:t>
+            </a:fld>
+            <a:endParaRPr lang="fr-BE"/>
+          </a:p>
+        </p:txBody>
+      </p:sp>
+    </p:spTree>
+    <p:extLst>
+      <p:ext uri="{BB962C8B-B14F-4D97-AF65-F5344CB8AC3E}">
+        <p14:creationId xmlns:p14="http://schemas.microsoft.com/office/powerpoint/2010/main" val="2671355020"/>
+      </p:ext>
+    </p:extLst>
+  </p:cSld>
+  <p:clrMap bg1="lt1" tx1="dk1" bg2="lt2" tx2="dk2" accent1="accent1" accent2="accent2" accent3="accent3" accent4="accent4" accent5="accent5" accent6="accent6" hlink="hlink" folHlink="folHlink"/>
+  <p:hf hdr="0" dt="0"/>
+</p:handoutMaster>
+</file>
+
 <file path=ppt/notesMasters/notesMaster1.xml><?xml version="1.0" encoding="utf-8"?>
 <p:notesMaster xmlns:a="http://schemas.openxmlformats.org/drawingml/2006/main" xmlns:r="http://schemas.openxmlformats.org/officeDocument/2006/relationships" xmlns:p="http://schemas.openxmlformats.org/presentationml/2006/main">
   <p:cSld>
@@ -3122,11 +3348,10 @@
             </a:lvl1pPr>
           </a:lstStyle>
           <a:p>
-            <a:fld id="{2F46DB11-157D-45FC-A652-1BBC38A60859}" type="datetimeFigureOut">
-              <a:rPr lang="fr-BE" smtClean="0"/>
-              <a:t>14-09-18</a:t>
-            </a:fld>
-            <a:endParaRPr lang="fr-BE"/>
+            <a:r>
+              <a:rPr lang="fr-BE"/>
+              <a:t>16-09-18</a:t>
+            </a:r>
           </a:p>
         </p:txBody>
       </p:sp>
@@ -3250,6 +3475,10 @@
             </a:lvl1pPr>
           </a:lstStyle>
           <a:p>
+            <a:r>
+              <a:rPr lang="fr-FR"/>
+              <a:t>© Copyright 2018 François Roland. Tous droits réservés.</a:t>
+            </a:r>
             <a:endParaRPr lang="fr-BE"/>
           </a:p>
         </p:txBody>
@@ -3297,6 +3526,7 @@
     </p:extLst>
   </p:cSld>
   <p:clrMap bg1="lt1" tx1="dk1" bg2="lt2" tx2="dk2" accent1="accent1" accent2="accent2" accent3="accent3" accent4="accent4" accent5="accent5" accent6="accent6" hlink="hlink" folHlink="folHlink"/>
+  <p:hf hdr="0" dt="0"/>
   <p:notesStyle>
     <a:lvl1pPr marL="0" algn="l" defTabSz="914400" rtl="0" eaLnBrk="1" latinLnBrk="0" hangingPunct="1">
       <a:defRPr sz="1200" kern="1200">
@@ -3457,8 +3687,37 @@
           <a:p>
             <a:fld id="{2E287E8F-1FAE-423F-A76E-7D2F0B0D4198}" type="slidenum">
               <a:rPr lang="fr-BE" smtClean="0"/>
-              <a:t>3</a:t>
+              <a:t>4</a:t>
             </a:fld>
+            <a:endParaRPr lang="fr-BE"/>
+          </a:p>
+        </p:txBody>
+      </p:sp>
+      <p:sp>
+        <p:nvSpPr>
+          <p:cNvPr id="5" name="Espace réservé du pied de page 4">
+            <a:extLst>
+              <a:ext uri="{FF2B5EF4-FFF2-40B4-BE49-F238E27FC236}">
+                <a16:creationId xmlns:a16="http://schemas.microsoft.com/office/drawing/2014/main" id="{4B06B633-6062-428C-8D3B-A9E3902F606A}"/>
+              </a:ext>
+            </a:extLst>
+          </p:cNvPr>
+          <p:cNvSpPr>
+            <a:spLocks noGrp="1"/>
+          </p:cNvSpPr>
+          <p:nvPr>
+            <p:ph type="ftr" sz="quarter" idx="4"/>
+          </p:nvPr>
+        </p:nvSpPr>
+        <p:spPr/>
+        <p:txBody>
+          <a:bodyPr/>
+          <a:lstStyle/>
+          <a:p>
+            <a:r>
+              <a:rPr lang="fr-FR"/>
+              <a:t>© Copyright 2018 François Roland. Tous droits réservés.</a:t>
+            </a:r>
             <a:endParaRPr lang="fr-BE"/>
           </a:p>
         </p:txBody>
@@ -3467,6 +3726,180 @@
     <p:extLst>
       <p:ext uri="{BB962C8B-B14F-4D97-AF65-F5344CB8AC3E}">
         <p14:creationId xmlns:p14="http://schemas.microsoft.com/office/powerpoint/2010/main" val="3673971309"/>
+      </p:ext>
+    </p:extLst>
+  </p:cSld>
+  <p:clrMapOvr>
+    <a:masterClrMapping/>
+  </p:clrMapOvr>
+</p:notes>
+</file>
+
+<file path=ppt/notesSlides/notesSlide10.xml><?xml version="1.0" encoding="utf-8"?>
+<p:notes xmlns:a="http://schemas.openxmlformats.org/drawingml/2006/main" xmlns:r="http://schemas.openxmlformats.org/officeDocument/2006/relationships" xmlns:p="http://schemas.openxmlformats.org/presentationml/2006/main">
+  <p:cSld>
+    <p:spTree>
+      <p:nvGrpSpPr>
+        <p:cNvPr id="1" name=""/>
+        <p:cNvGrpSpPr/>
+        <p:nvPr/>
+      </p:nvGrpSpPr>
+      <p:grpSpPr>
+        <a:xfrm>
+          <a:off x="0" y="0"/>
+          <a:ext cx="0" cy="0"/>
+          <a:chOff x="0" y="0"/>
+          <a:chExt cx="0" cy="0"/>
+        </a:xfrm>
+      </p:grpSpPr>
+      <p:sp>
+        <p:nvSpPr>
+          <p:cNvPr id="2" name="Espace réservé de l'image des diapositives 1"/>
+          <p:cNvSpPr>
+            <a:spLocks noGrp="1" noRot="1" noChangeAspect="1"/>
+          </p:cNvSpPr>
+          <p:nvPr>
+            <p:ph type="sldImg"/>
+          </p:nvPr>
+        </p:nvSpPr>
+        <p:spPr/>
+      </p:sp>
+      <p:sp>
+        <p:nvSpPr>
+          <p:cNvPr id="3" name="Espace réservé des notes 2"/>
+          <p:cNvSpPr>
+            <a:spLocks noGrp="1"/>
+          </p:cNvSpPr>
+          <p:nvPr>
+            <p:ph type="body" idx="1"/>
+          </p:nvPr>
+        </p:nvSpPr>
+        <p:spPr/>
+        <p:txBody>
+          <a:bodyPr/>
+          <a:lstStyle/>
+          <a:p>
+            <a:r>
+              <a:rPr lang="fr-BE" dirty="0"/>
+              <a:t>Si vous voulez aller plus loin, plusieurs ateliers et formations sont disponibles :</a:t>
+            </a:r>
+          </a:p>
+          <a:p>
+            <a:pPr marL="171450" indent="-171450">
+              <a:buFont typeface="Arial" panose="020B0604020202020204" pitchFamily="34" charset="0"/>
+              <a:buChar char="•"/>
+            </a:pPr>
+            <a:r>
+              <a:rPr lang="fr-BE" dirty="0"/>
+              <a:t>Les ateliers </a:t>
+            </a:r>
+            <a:r>
+              <a:rPr lang="fr-BE" dirty="0" err="1"/>
+              <a:t>CRéACTIFS</a:t>
+            </a:r>
+            <a:r>
+              <a:rPr lang="fr-BE" dirty="0"/>
+              <a:t> organisés par l’institut </a:t>
+            </a:r>
+            <a:r>
+              <a:rPr lang="fr-BE" dirty="0" err="1"/>
+              <a:t>Numédiart</a:t>
+            </a:r>
+            <a:r>
+              <a:rPr lang="fr-BE" dirty="0"/>
+              <a:t> de l’UMONS d’ici la fin de l’année</a:t>
+            </a:r>
+          </a:p>
+          <a:p>
+            <a:pPr marL="171450" indent="-171450">
+              <a:buFont typeface="Arial" panose="020B0604020202020204" pitchFamily="34" charset="0"/>
+              <a:buChar char="•"/>
+            </a:pPr>
+            <a:r>
+              <a:rPr lang="fr-BE" dirty="0"/>
+              <a:t>Des formations organisées par </a:t>
+            </a:r>
+            <a:r>
+              <a:rPr lang="fr-BE" dirty="0" err="1"/>
+              <a:t>Technocité</a:t>
+            </a:r>
+            <a:endParaRPr lang="fr-BE" dirty="0"/>
+          </a:p>
+          <a:p>
+            <a:pPr marL="171450" indent="-171450">
+              <a:buFont typeface="Arial" panose="020B0604020202020204" pitchFamily="34" charset="0"/>
+              <a:buChar char="•"/>
+            </a:pPr>
+            <a:endParaRPr lang="fr-BE" dirty="0"/>
+          </a:p>
+          <a:p>
+            <a:pPr marL="0" indent="0">
+              <a:buFont typeface="Arial" panose="020B0604020202020204" pitchFamily="34" charset="0"/>
+              <a:buNone/>
+            </a:pPr>
+            <a:r>
+              <a:rPr lang="fr-BE" dirty="0"/>
+              <a:t>Et pourquoi pas nous contacter pour développer un projet ensemble ?</a:t>
+            </a:r>
+          </a:p>
+        </p:txBody>
+      </p:sp>
+      <p:sp>
+        <p:nvSpPr>
+          <p:cNvPr id="4" name="Espace réservé du numéro de diapositive 3"/>
+          <p:cNvSpPr>
+            <a:spLocks noGrp="1"/>
+          </p:cNvSpPr>
+          <p:nvPr>
+            <p:ph type="sldNum" sz="quarter" idx="10"/>
+          </p:nvPr>
+        </p:nvSpPr>
+        <p:spPr/>
+        <p:txBody>
+          <a:bodyPr/>
+          <a:lstStyle/>
+          <a:p>
+            <a:fld id="{84053696-5A28-49B8-AD53-284C40D5F931}" type="slidenum">
+              <a:rPr lang="fr-BE" smtClean="0"/>
+              <a:t>30</a:t>
+            </a:fld>
+            <a:endParaRPr lang="fr-BE"/>
+          </a:p>
+        </p:txBody>
+      </p:sp>
+      <p:sp>
+        <p:nvSpPr>
+          <p:cNvPr id="5" name="Espace réservé du pied de page 4">
+            <a:extLst>
+              <a:ext uri="{FF2B5EF4-FFF2-40B4-BE49-F238E27FC236}">
+                <a16:creationId xmlns:a16="http://schemas.microsoft.com/office/drawing/2014/main" id="{29F8EFAE-3F3D-4253-AB07-DA8415C6C03E}"/>
+              </a:ext>
+            </a:extLst>
+          </p:cNvPr>
+          <p:cNvSpPr>
+            <a:spLocks noGrp="1"/>
+          </p:cNvSpPr>
+          <p:nvPr>
+            <p:ph type="ftr" sz="quarter" idx="4"/>
+          </p:nvPr>
+        </p:nvSpPr>
+        <p:spPr/>
+        <p:txBody>
+          <a:bodyPr/>
+          <a:lstStyle/>
+          <a:p>
+            <a:r>
+              <a:rPr lang="fr-FR"/>
+              <a:t>© Copyright 2018 François Roland. Tous droits réservés.</a:t>
+            </a:r>
+            <a:endParaRPr lang="fr-BE"/>
+          </a:p>
+        </p:txBody>
+      </p:sp>
+    </p:spTree>
+    <p:extLst>
+      <p:ext uri="{BB962C8B-B14F-4D97-AF65-F5344CB8AC3E}">
+        <p14:creationId xmlns:p14="http://schemas.microsoft.com/office/powerpoint/2010/main" val="3167457621"/>
       </p:ext>
     </p:extLst>
   </p:cSld>
@@ -3685,8 +4118,37 @@
           <a:p>
             <a:fld id="{84053696-5A28-49B8-AD53-284C40D5F931}" type="slidenum">
               <a:rPr lang="fr-BE" smtClean="0"/>
-              <a:t>4</a:t>
+              <a:t>5</a:t>
             </a:fld>
+            <a:endParaRPr lang="fr-BE"/>
+          </a:p>
+        </p:txBody>
+      </p:sp>
+      <p:sp>
+        <p:nvSpPr>
+          <p:cNvPr id="5" name="Espace réservé du pied de page 4">
+            <a:extLst>
+              <a:ext uri="{FF2B5EF4-FFF2-40B4-BE49-F238E27FC236}">
+                <a16:creationId xmlns:a16="http://schemas.microsoft.com/office/drawing/2014/main" id="{5B9515B6-A69B-477C-91B3-2B8B77D74444}"/>
+              </a:ext>
+            </a:extLst>
+          </p:cNvPr>
+          <p:cNvSpPr>
+            <a:spLocks noGrp="1"/>
+          </p:cNvSpPr>
+          <p:nvPr>
+            <p:ph type="ftr" sz="quarter" idx="4"/>
+          </p:nvPr>
+        </p:nvSpPr>
+        <p:spPr/>
+        <p:txBody>
+          <a:bodyPr/>
+          <a:lstStyle/>
+          <a:p>
+            <a:r>
+              <a:rPr lang="fr-FR"/>
+              <a:t>© Copyright 2018 François Roland. Tous droits réservés.</a:t>
+            </a:r>
             <a:endParaRPr lang="fr-BE"/>
           </a:p>
         </p:txBody>
@@ -3828,8 +4290,37 @@
           <a:p>
             <a:fld id="{84053696-5A28-49B8-AD53-284C40D5F931}" type="slidenum">
               <a:rPr lang="fr-BE" smtClean="0"/>
-              <a:t>5</a:t>
+              <a:t>6</a:t>
             </a:fld>
+            <a:endParaRPr lang="fr-BE"/>
+          </a:p>
+        </p:txBody>
+      </p:sp>
+      <p:sp>
+        <p:nvSpPr>
+          <p:cNvPr id="5" name="Espace réservé du pied de page 4">
+            <a:extLst>
+              <a:ext uri="{FF2B5EF4-FFF2-40B4-BE49-F238E27FC236}">
+                <a16:creationId xmlns:a16="http://schemas.microsoft.com/office/drawing/2014/main" id="{6126FB13-4597-4E7D-AC26-B7055783DE14}"/>
+              </a:ext>
+            </a:extLst>
+          </p:cNvPr>
+          <p:cNvSpPr>
+            <a:spLocks noGrp="1"/>
+          </p:cNvSpPr>
+          <p:nvPr>
+            <p:ph type="ftr" sz="quarter" idx="4"/>
+          </p:nvPr>
+        </p:nvSpPr>
+        <p:spPr/>
+        <p:txBody>
+          <a:bodyPr/>
+          <a:lstStyle/>
+          <a:p>
+            <a:r>
+              <a:rPr lang="fr-FR"/>
+              <a:t>© Copyright 2018 François Roland. Tous droits réservés.</a:t>
+            </a:r>
             <a:endParaRPr lang="fr-BE"/>
           </a:p>
         </p:txBody>
@@ -3984,8 +4475,37 @@
           <a:p>
             <a:fld id="{84053696-5A28-49B8-AD53-284C40D5F931}" type="slidenum">
               <a:rPr lang="fr-BE" smtClean="0"/>
-              <a:t>6</a:t>
+              <a:t>7</a:t>
             </a:fld>
+            <a:endParaRPr lang="fr-BE"/>
+          </a:p>
+        </p:txBody>
+      </p:sp>
+      <p:sp>
+        <p:nvSpPr>
+          <p:cNvPr id="5" name="Espace réservé du pied de page 4">
+            <a:extLst>
+              <a:ext uri="{FF2B5EF4-FFF2-40B4-BE49-F238E27FC236}">
+                <a16:creationId xmlns:a16="http://schemas.microsoft.com/office/drawing/2014/main" id="{43D07EB7-8D5B-4EFC-9220-43FE80162F1F}"/>
+              </a:ext>
+            </a:extLst>
+          </p:cNvPr>
+          <p:cNvSpPr>
+            <a:spLocks noGrp="1"/>
+          </p:cNvSpPr>
+          <p:nvPr>
+            <p:ph type="ftr" sz="quarter" idx="4"/>
+          </p:nvPr>
+        </p:nvSpPr>
+        <p:spPr/>
+        <p:txBody>
+          <a:bodyPr/>
+          <a:lstStyle/>
+          <a:p>
+            <a:r>
+              <a:rPr lang="fr-FR"/>
+              <a:t>© Copyright 2018 François Roland. Tous droits réservés.</a:t>
+            </a:r>
             <a:endParaRPr lang="fr-BE"/>
           </a:p>
         </p:txBody>
@@ -4068,8 +4588,37 @@
           <a:p>
             <a:fld id="{2E287E8F-1FAE-423F-A76E-7D2F0B0D4198}" type="slidenum">
               <a:rPr lang="fr-BE" smtClean="0"/>
-              <a:t>8</a:t>
+              <a:t>9</a:t>
             </a:fld>
+            <a:endParaRPr lang="fr-BE"/>
+          </a:p>
+        </p:txBody>
+      </p:sp>
+      <p:sp>
+        <p:nvSpPr>
+          <p:cNvPr id="5" name="Espace réservé du pied de page 4">
+            <a:extLst>
+              <a:ext uri="{FF2B5EF4-FFF2-40B4-BE49-F238E27FC236}">
+                <a16:creationId xmlns:a16="http://schemas.microsoft.com/office/drawing/2014/main" id="{4F610A37-22C6-4EEA-AB88-88BCF3410187}"/>
+              </a:ext>
+            </a:extLst>
+          </p:cNvPr>
+          <p:cNvSpPr>
+            <a:spLocks noGrp="1"/>
+          </p:cNvSpPr>
+          <p:nvPr>
+            <p:ph type="ftr" sz="quarter" idx="4"/>
+          </p:nvPr>
+        </p:nvSpPr>
+        <p:spPr/>
+        <p:txBody>
+          <a:bodyPr/>
+          <a:lstStyle/>
+          <a:p>
+            <a:r>
+              <a:rPr lang="fr-FR"/>
+              <a:t>© Copyright 2018 François Roland. Tous droits réservés.</a:t>
+            </a:r>
             <a:endParaRPr lang="fr-BE"/>
           </a:p>
         </p:txBody>
@@ -4261,8 +4810,37 @@
           <a:p>
             <a:fld id="{2E287E8F-1FAE-423F-A76E-7D2F0B0D4198}" type="slidenum">
               <a:rPr lang="fr-BE" smtClean="0"/>
-              <a:t>10</a:t>
+              <a:t>11</a:t>
             </a:fld>
+            <a:endParaRPr lang="fr-BE"/>
+          </a:p>
+        </p:txBody>
+      </p:sp>
+      <p:sp>
+        <p:nvSpPr>
+          <p:cNvPr id="5" name="Espace réservé du pied de page 4">
+            <a:extLst>
+              <a:ext uri="{FF2B5EF4-FFF2-40B4-BE49-F238E27FC236}">
+                <a16:creationId xmlns:a16="http://schemas.microsoft.com/office/drawing/2014/main" id="{F69FB9E5-358E-49B5-87A2-AF59740860B5}"/>
+              </a:ext>
+            </a:extLst>
+          </p:cNvPr>
+          <p:cNvSpPr>
+            <a:spLocks noGrp="1"/>
+          </p:cNvSpPr>
+          <p:nvPr>
+            <p:ph type="ftr" sz="quarter" idx="4"/>
+          </p:nvPr>
+        </p:nvSpPr>
+        <p:spPr/>
+        <p:txBody>
+          <a:bodyPr/>
+          <a:lstStyle/>
+          <a:p>
+            <a:r>
+              <a:rPr lang="fr-FR"/>
+              <a:t>© Copyright 2018 François Roland. Tous droits réservés.</a:t>
+            </a:r>
             <a:endParaRPr lang="fr-BE"/>
           </a:p>
         </p:txBody>
@@ -4326,98 +4904,41 @@
           <a:p>
             <a:r>
               <a:rPr lang="fr-BE" dirty="0"/>
-              <a:t>Je voudrais remercier :</a:t>
-            </a:r>
-          </a:p>
-          <a:p>
-            <a:pPr marL="171450" indent="-171450">
-              <a:buFont typeface="Arial" panose="020B0604020202020204" pitchFamily="34" charset="0"/>
-              <a:buChar char="•"/>
-            </a:pPr>
+              <a:t>Le </a:t>
+            </a:r>
+            <a:r>
+              <a:rPr lang="fr-BE" dirty="0" err="1"/>
+              <a:t>WiFi</a:t>
+            </a:r>
             <a:r>
               <a:rPr lang="fr-BE" dirty="0"/>
-              <a:t>Le Fonds Européen de Développement Régional pour le financement du projet </a:t>
+              <a:t> est un protocole de communication sans fil.</a:t>
+            </a:r>
+          </a:p>
+          <a:p>
+            <a:r>
+              <a:rPr lang="fr-BE" dirty="0"/>
+              <a:t>Un réseau </a:t>
             </a:r>
             <a:r>
               <a:rPr lang="fr-BE" dirty="0" err="1"/>
-              <a:t>Fab</a:t>
+              <a:t>WiFi</a:t>
             </a:r>
             <a:r>
               <a:rPr lang="fr-BE" dirty="0"/>
-              <a:t>-IoT-</a:t>
-            </a:r>
-            <a:r>
-              <a:rPr lang="fr-BE" dirty="0" err="1"/>
-              <a:t>Lab</a:t>
-            </a:r>
-            <a:endParaRPr lang="fr-BE" dirty="0"/>
-          </a:p>
-          <a:p>
-            <a:pPr marL="171450" indent="-171450">
-              <a:buFont typeface="Arial" panose="020B0604020202020204" pitchFamily="34" charset="0"/>
-              <a:buChar char="•"/>
-            </a:pPr>
-            <a:r>
-              <a:rPr lang="fr-BE" dirty="0"/>
-              <a:t>Les Jeunesses Scientifiques de Belgique pour le prêt des ordinateurs</a:t>
-            </a:r>
-          </a:p>
-          <a:p>
-            <a:pPr marL="171450" indent="-171450">
-              <a:buFont typeface="Arial" panose="020B0604020202020204" pitchFamily="34" charset="0"/>
-              <a:buChar char="•"/>
-            </a:pPr>
-            <a:r>
-              <a:rPr lang="fr-BE" dirty="0"/>
-              <a:t>Le </a:t>
-            </a:r>
-            <a:r>
-              <a:rPr lang="fr-BE" dirty="0" err="1"/>
-              <a:t>FabLab</a:t>
-            </a:r>
-            <a:r>
-              <a:rPr lang="fr-BE" dirty="0"/>
-              <a:t> Mons pour l’impression des objets</a:t>
-            </a:r>
-          </a:p>
-          <a:p>
-            <a:pPr marL="171450" indent="-171450">
-              <a:buFont typeface="Arial" panose="020B0604020202020204" pitchFamily="34" charset="0"/>
-              <a:buChar char="•"/>
-            </a:pPr>
-            <a:r>
-              <a:rPr lang="fr-BE" dirty="0"/>
-              <a:t>L’</a:t>
-            </a:r>
-            <a:r>
-              <a:rPr lang="fr-BE" dirty="0" err="1"/>
-              <a:t>Universié</a:t>
-            </a:r>
-            <a:r>
-              <a:rPr lang="fr-BE" dirty="0"/>
-              <a:t> de Mons</a:t>
-            </a:r>
-          </a:p>
-          <a:p>
-            <a:pPr marL="171450" indent="-171450">
-              <a:buFont typeface="Arial" panose="020B0604020202020204" pitchFamily="34" charset="0"/>
-              <a:buChar char="•"/>
-            </a:pPr>
-            <a:r>
-              <a:rPr lang="fr-BE" dirty="0"/>
-              <a:t>Creative Valley pour l’organisation de cette journée</a:t>
-            </a:r>
-          </a:p>
-        </p:txBody>
-      </p:sp>
-      <p:sp>
-        <p:nvSpPr>
-          <p:cNvPr id="4" name="Espace réservé du numéro de diapositive 3"/>
-          <p:cNvSpPr>
-            <a:spLocks noGrp="1"/>
-          </p:cNvSpPr>
-          <p:nvPr>
-            <p:ph type="sldNum" sz="quarter" idx="10"/>
+              <a:t> permet de relier plusieurs appareils par ondes radio.</a:t>
+            </a:r>
+          </a:p>
+        </p:txBody>
+      </p:sp>
+      <p:sp>
+        <p:nvSpPr>
+          <p:cNvPr id="4" name="Espace réservé du pied de page 3"/>
+          <p:cNvSpPr>
+            <a:spLocks noGrp="1"/>
+          </p:cNvSpPr>
+          <p:nvPr>
+            <p:ph type="ftr" sz="quarter" idx="4"/>
           </p:nvPr>
         </p:nvSpPr>
         <p:spPr/>
@@ -4425,9 +4946,32 @@
           <a:bodyPr/>
           <a:lstStyle/>
           <a:p>
-            <a:fld id="{84053696-5A28-49B8-AD53-284C40D5F931}" type="slidenum">
+            <a:r>
+              <a:rPr lang="fr-FR"/>
+              <a:t>© Copyright 2018 François Roland. Tous droits réservés.</a:t>
+            </a:r>
+            <a:endParaRPr lang="fr-BE"/>
+          </a:p>
+        </p:txBody>
+      </p:sp>
+      <p:sp>
+        <p:nvSpPr>
+          <p:cNvPr id="5" name="Espace réservé du numéro de diapositive 4"/>
+          <p:cNvSpPr>
+            <a:spLocks noGrp="1"/>
+          </p:cNvSpPr>
+          <p:nvPr>
+            <p:ph type="sldNum" sz="quarter" idx="5"/>
+          </p:nvPr>
+        </p:nvSpPr>
+        <p:spPr/>
+        <p:txBody>
+          <a:bodyPr/>
+          <a:lstStyle/>
+          <a:p>
+            <a:fld id="{2E287E8F-1FAE-423F-A76E-7D2F0B0D4198}" type="slidenum">
               <a:rPr lang="fr-BE" smtClean="0"/>
-              <a:t>23</a:t>
+              <a:t>21</a:t>
             </a:fld>
             <a:endParaRPr lang="fr-BE"/>
           </a:p>
@@ -4436,7 +4980,7 @@
     </p:spTree>
     <p:extLst>
       <p:ext uri="{BB962C8B-B14F-4D97-AF65-F5344CB8AC3E}">
-        <p14:creationId xmlns:p14="http://schemas.microsoft.com/office/powerpoint/2010/main" val="1327230796"/>
+        <p14:creationId xmlns:p14="http://schemas.microsoft.com/office/powerpoint/2010/main" val="3771664528"/>
       </p:ext>
     </p:extLst>
   </p:cSld>
@@ -4490,7 +5034,89 @@
           <a:bodyPr/>
           <a:lstStyle/>
           <a:p>
+            <a:r>
+              <a:rPr lang="fr-BE" dirty="0"/>
+              <a:t>Je voudrais remercier :</a:t>
+            </a:r>
+          </a:p>
+          <a:p>
+            <a:pPr marL="171450" indent="-171450">
+              <a:buFont typeface="Arial" panose="020B0604020202020204" pitchFamily="34" charset="0"/>
+              <a:buChar char="•"/>
+            </a:pPr>
+            <a:r>
+              <a:rPr lang="fr-BE" dirty="0"/>
+              <a:t>Le Fonds Européen de Développement Régional pour le financement du projet </a:t>
+            </a:r>
+            <a:r>
+              <a:rPr lang="fr-BE" dirty="0" err="1"/>
+              <a:t>Fab</a:t>
+            </a:r>
+            <a:r>
+              <a:rPr lang="fr-BE" dirty="0"/>
+              <a:t>-IoT-</a:t>
+            </a:r>
+            <a:r>
+              <a:rPr lang="fr-BE" dirty="0" err="1"/>
+              <a:t>Lab</a:t>
+            </a:r>
             <a:endParaRPr lang="fr-BE" dirty="0"/>
+          </a:p>
+          <a:p>
+            <a:pPr marL="171450" indent="-171450">
+              <a:buFont typeface="Arial" panose="020B0604020202020204" pitchFamily="34" charset="0"/>
+              <a:buChar char="•"/>
+            </a:pPr>
+            <a:r>
+              <a:rPr lang="fr-BE" dirty="0"/>
+              <a:t>Les Jeunesses Scientifiques de Belgique pour le prêt des ordinateurs</a:t>
+            </a:r>
+          </a:p>
+          <a:p>
+            <a:pPr marL="171450" indent="-171450">
+              <a:buFont typeface="Arial" panose="020B0604020202020204" pitchFamily="34" charset="0"/>
+              <a:buChar char="•"/>
+            </a:pPr>
+            <a:r>
+              <a:rPr lang="fr-BE" dirty="0"/>
+              <a:t>Le </a:t>
+            </a:r>
+            <a:r>
+              <a:rPr lang="fr-BE" dirty="0" err="1"/>
+              <a:t>FabLab</a:t>
+            </a:r>
+            <a:r>
+              <a:rPr lang="fr-BE" dirty="0"/>
+              <a:t> Mons pour l’impression des objets</a:t>
+            </a:r>
+          </a:p>
+          <a:p>
+            <a:pPr marL="171450" indent="-171450">
+              <a:buFont typeface="Arial" panose="020B0604020202020204" pitchFamily="34" charset="0"/>
+              <a:buChar char="•"/>
+            </a:pPr>
+            <a:r>
+              <a:rPr lang="fr-BE" dirty="0"/>
+              <a:t>L’</a:t>
+            </a:r>
+            <a:r>
+              <a:rPr lang="fr-BE" dirty="0" err="1"/>
+              <a:t>Universié</a:t>
+            </a:r>
+            <a:r>
+              <a:rPr lang="fr-BE" dirty="0"/>
+              <a:t> de Mons</a:t>
+            </a:r>
+          </a:p>
+          <a:p>
+            <a:pPr marL="171450" indent="-171450">
+              <a:buFont typeface="Arial" panose="020B0604020202020204" pitchFamily="34" charset="0"/>
+              <a:buChar char="•"/>
+            </a:pPr>
+            <a:r>
+              <a:rPr lang="fr-BE" dirty="0"/>
+              <a:t>Creative Valley pour l’organisation de cette journée</a:t>
+            </a:r>
           </a:p>
         </p:txBody>
       </p:sp>
@@ -4511,8 +5137,37 @@
           <a:p>
             <a:fld id="{84053696-5A28-49B8-AD53-284C40D5F931}" type="slidenum">
               <a:rPr lang="fr-BE" smtClean="0"/>
-              <a:t>24</a:t>
+              <a:t>28</a:t>
             </a:fld>
+            <a:endParaRPr lang="fr-BE"/>
+          </a:p>
+        </p:txBody>
+      </p:sp>
+      <p:sp>
+        <p:nvSpPr>
+          <p:cNvPr id="5" name="Espace réservé du pied de page 4">
+            <a:extLst>
+              <a:ext uri="{FF2B5EF4-FFF2-40B4-BE49-F238E27FC236}">
+                <a16:creationId xmlns:a16="http://schemas.microsoft.com/office/drawing/2014/main" id="{E9C86DDE-5128-45CD-8025-172C210E280E}"/>
+              </a:ext>
+            </a:extLst>
+          </p:cNvPr>
+          <p:cNvSpPr>
+            <a:spLocks noGrp="1"/>
+          </p:cNvSpPr>
+          <p:nvPr>
+            <p:ph type="ftr" sz="quarter" idx="4"/>
+          </p:nvPr>
+        </p:nvSpPr>
+        <p:spPr/>
+        <p:txBody>
+          <a:bodyPr/>
+          <a:lstStyle/>
+          <a:p>
+            <a:r>
+              <a:rPr lang="fr-FR"/>
+              <a:t>© Copyright 2018 François Roland. Tous droits réservés.</a:t>
+            </a:r>
             <a:endParaRPr lang="fr-BE"/>
           </a:p>
         </p:txBody>
@@ -4520,7 +5175,7 @@
     </p:spTree>
     <p:extLst>
       <p:ext uri="{BB962C8B-B14F-4D97-AF65-F5344CB8AC3E}">
-        <p14:creationId xmlns:p14="http://schemas.microsoft.com/office/powerpoint/2010/main" val="607362799"/>
+        <p14:creationId xmlns:p14="http://schemas.microsoft.com/office/powerpoint/2010/main" val="1327230796"/>
       </p:ext>
     </p:extLst>
   </p:cSld>
@@ -4574,68 +5229,7 @@
           <a:bodyPr/>
           <a:lstStyle/>
           <a:p>
-            <a:r>
-              <a:rPr lang="fr-BE" dirty="0"/>
-              <a:t>Si vous voulez aller plus loin, plusieurs ateliers et formations sont disponibles :</a:t>
-            </a:r>
-          </a:p>
-          <a:p>
-            <a:pPr marL="171450" indent="-171450">
-              <a:buFont typeface="Arial" panose="020B0604020202020204" pitchFamily="34" charset="0"/>
-              <a:buChar char="•"/>
-            </a:pPr>
-            <a:r>
-              <a:rPr lang="fr-BE" dirty="0"/>
-              <a:t>Les ateliers </a:t>
-            </a:r>
-            <a:r>
-              <a:rPr lang="fr-BE" dirty="0" err="1"/>
-              <a:t>CRéACTIFS</a:t>
-            </a:r>
-            <a:r>
-              <a:rPr lang="fr-BE" dirty="0"/>
-              <a:t> organisés par l’institut </a:t>
-            </a:r>
-            <a:r>
-              <a:rPr lang="fr-BE" dirty="0" err="1"/>
-              <a:t>Numédiart</a:t>
-            </a:r>
-            <a:r>
-              <a:rPr lang="fr-BE" dirty="0"/>
-              <a:t> de l’UMONS d’ici la fin de l’année</a:t>
-            </a:r>
-          </a:p>
-          <a:p>
-            <a:pPr marL="171450" indent="-171450">
-              <a:buFont typeface="Arial" panose="020B0604020202020204" pitchFamily="34" charset="0"/>
-              <a:buChar char="•"/>
-            </a:pPr>
-            <a:r>
-              <a:rPr lang="fr-BE" dirty="0"/>
-              <a:t>Des formations organisées par </a:t>
-            </a:r>
-            <a:r>
-              <a:rPr lang="fr-BE" dirty="0" err="1"/>
-              <a:t>Technocité</a:t>
-            </a:r>
             <a:endParaRPr lang="fr-BE" dirty="0"/>
-          </a:p>
-          <a:p>
-            <a:pPr marL="171450" indent="-171450">
-              <a:buFont typeface="Arial" panose="020B0604020202020204" pitchFamily="34" charset="0"/>
-              <a:buChar char="•"/>
-            </a:pPr>
-            <a:endParaRPr lang="fr-BE" dirty="0"/>
-          </a:p>
-          <a:p>
-            <a:pPr marL="0" indent="0">
-              <a:buFont typeface="Arial" panose="020B0604020202020204" pitchFamily="34" charset="0"/>
-              <a:buNone/>
-            </a:pPr>
-            <a:r>
-              <a:rPr lang="fr-BE" dirty="0"/>
-              <a:t>Et pourquoi pas nous contacter pour développer un projet ensemble ?</a:t>
-            </a:r>
           </a:p>
         </p:txBody>
       </p:sp>
@@ -4656,8 +5250,37 @@
           <a:p>
             <a:fld id="{84053696-5A28-49B8-AD53-284C40D5F931}" type="slidenum">
               <a:rPr lang="fr-BE" smtClean="0"/>
-              <a:t>25</a:t>
+              <a:t>29</a:t>
             </a:fld>
+            <a:endParaRPr lang="fr-BE"/>
+          </a:p>
+        </p:txBody>
+      </p:sp>
+      <p:sp>
+        <p:nvSpPr>
+          <p:cNvPr id="5" name="Espace réservé du pied de page 4">
+            <a:extLst>
+              <a:ext uri="{FF2B5EF4-FFF2-40B4-BE49-F238E27FC236}">
+                <a16:creationId xmlns:a16="http://schemas.microsoft.com/office/drawing/2014/main" id="{70E39755-49EA-4CDB-9A63-8267008917C2}"/>
+              </a:ext>
+            </a:extLst>
+          </p:cNvPr>
+          <p:cNvSpPr>
+            <a:spLocks noGrp="1"/>
+          </p:cNvSpPr>
+          <p:nvPr>
+            <p:ph type="ftr" sz="quarter" idx="4"/>
+          </p:nvPr>
+        </p:nvSpPr>
+        <p:spPr/>
+        <p:txBody>
+          <a:bodyPr/>
+          <a:lstStyle/>
+          <a:p>
+            <a:r>
+              <a:rPr lang="fr-FR"/>
+              <a:t>© Copyright 2018 François Roland. Tous droits réservés.</a:t>
+            </a:r>
             <a:endParaRPr lang="fr-BE"/>
           </a:p>
         </p:txBody>
@@ -4665,7 +5288,7 @@
     </p:spTree>
     <p:extLst>
       <p:ext uri="{BB962C8B-B14F-4D97-AF65-F5344CB8AC3E}">
-        <p14:creationId xmlns:p14="http://schemas.microsoft.com/office/powerpoint/2010/main" val="3167457621"/>
+        <p14:creationId xmlns:p14="http://schemas.microsoft.com/office/powerpoint/2010/main" val="607362799"/>
       </p:ext>
     </p:extLst>
   </p:cSld>
@@ -4804,9 +5427,9 @@
           <a:bodyPr/>
           <a:lstStyle/>
           <a:p>
-            <a:fld id="{537907FA-41D5-418E-B73E-9B7D9AD83411}" type="datetimeFigureOut">
+            <a:fld id="{3A567DEB-8635-4319-A1E1-9377413CA911}" type="datetime1">
               <a:rPr lang="fr-BE" smtClean="0"/>
-              <a:t>14-09-18</a:t>
+              <a:t>16-09-18</a:t>
             </a:fld>
             <a:endParaRPr lang="fr-BE"/>
           </a:p>
@@ -4974,9 +5597,9 @@
           <a:bodyPr/>
           <a:lstStyle/>
           <a:p>
-            <a:fld id="{537907FA-41D5-418E-B73E-9B7D9AD83411}" type="datetimeFigureOut">
+            <a:fld id="{0CBE051F-498F-4C45-80EC-ED9104545F83}" type="datetime1">
               <a:rPr lang="fr-BE" smtClean="0"/>
-              <a:t>14-09-18</a:t>
+              <a:t>16-09-18</a:t>
             </a:fld>
             <a:endParaRPr lang="fr-BE"/>
           </a:p>
@@ -5154,9 +5777,9 @@
           <a:bodyPr/>
           <a:lstStyle/>
           <a:p>
-            <a:fld id="{537907FA-41D5-418E-B73E-9B7D9AD83411}" type="datetimeFigureOut">
+            <a:fld id="{EFC1E6E9-C1D5-47F6-BDB5-7600151E1073}" type="datetime1">
               <a:rPr lang="fr-BE" smtClean="0"/>
-              <a:t>14-09-18</a:t>
+              <a:t>16-09-18</a:t>
             </a:fld>
             <a:endParaRPr lang="fr-BE"/>
           </a:p>
@@ -5324,9 +5947,9 @@
           <a:bodyPr/>
           <a:lstStyle/>
           <a:p>
-            <a:fld id="{537907FA-41D5-418E-B73E-9B7D9AD83411}" type="datetimeFigureOut">
+            <a:fld id="{A3363593-CB55-4106-9932-2FA27BBDB81C}" type="datetime1">
               <a:rPr lang="fr-BE" smtClean="0"/>
-              <a:t>14-09-18</a:t>
+              <a:t>16-09-18</a:t>
             </a:fld>
             <a:endParaRPr lang="fr-BE"/>
           </a:p>
@@ -5570,9 +6193,9 @@
           <a:bodyPr/>
           <a:lstStyle/>
           <a:p>
-            <a:fld id="{537907FA-41D5-418E-B73E-9B7D9AD83411}" type="datetimeFigureOut">
+            <a:fld id="{50E5FA2B-2087-48F8-8BDE-3B823FFE30DF}" type="datetime1">
               <a:rPr lang="fr-BE" smtClean="0"/>
-              <a:t>14-09-18</a:t>
+              <a:t>16-09-18</a:t>
             </a:fld>
             <a:endParaRPr lang="fr-BE"/>
           </a:p>
@@ -5802,9 +6425,9 @@
           <a:bodyPr/>
           <a:lstStyle/>
           <a:p>
-            <a:fld id="{537907FA-41D5-418E-B73E-9B7D9AD83411}" type="datetimeFigureOut">
+            <a:fld id="{14535104-D043-4D85-A0FA-80DEDC5FE087}" type="datetime1">
               <a:rPr lang="fr-BE" smtClean="0"/>
-              <a:t>14-09-18</a:t>
+              <a:t>16-09-18</a:t>
             </a:fld>
             <a:endParaRPr lang="fr-BE"/>
           </a:p>
@@ -6169,9 +6792,9 @@
           <a:bodyPr/>
           <a:lstStyle/>
           <a:p>
-            <a:fld id="{537907FA-41D5-418E-B73E-9B7D9AD83411}" type="datetimeFigureOut">
+            <a:fld id="{062387A1-EBA7-4196-A57D-48155766B455}" type="datetime1">
               <a:rPr lang="fr-BE" smtClean="0"/>
-              <a:t>14-09-18</a:t>
+              <a:t>16-09-18</a:t>
             </a:fld>
             <a:endParaRPr lang="fr-BE"/>
           </a:p>
@@ -6287,9 +6910,9 @@
           <a:bodyPr/>
           <a:lstStyle/>
           <a:p>
-            <a:fld id="{537907FA-41D5-418E-B73E-9B7D9AD83411}" type="datetimeFigureOut">
+            <a:fld id="{A41267EF-624E-4A1F-BF99-3633CECA0E02}" type="datetime1">
               <a:rPr lang="fr-BE" smtClean="0"/>
-              <a:t>14-09-18</a:t>
+              <a:t>16-09-18</a:t>
             </a:fld>
             <a:endParaRPr lang="fr-BE"/>
           </a:p>
@@ -6382,9 +7005,9 @@
           <a:bodyPr/>
           <a:lstStyle/>
           <a:p>
-            <a:fld id="{537907FA-41D5-418E-B73E-9B7D9AD83411}" type="datetimeFigureOut">
+            <a:fld id="{FDD99070-9B2D-47B1-873E-A4CCF3DE25AC}" type="datetime1">
               <a:rPr lang="fr-BE" smtClean="0"/>
-              <a:t>14-09-18</a:t>
+              <a:t>16-09-18</a:t>
             </a:fld>
             <a:endParaRPr lang="fr-BE"/>
           </a:p>
@@ -6659,9 +7282,9 @@
           <a:bodyPr/>
           <a:lstStyle/>
           <a:p>
-            <a:fld id="{537907FA-41D5-418E-B73E-9B7D9AD83411}" type="datetimeFigureOut">
+            <a:fld id="{7B4102C4-C38C-45D4-A46D-D72F1FCEEF1A}" type="datetime1">
               <a:rPr lang="fr-BE" smtClean="0"/>
-              <a:t>14-09-18</a:t>
+              <a:t>16-09-18</a:t>
             </a:fld>
             <a:endParaRPr lang="fr-BE"/>
           </a:p>
@@ -6916,9 +7539,9 @@
           <a:bodyPr/>
           <a:lstStyle/>
           <a:p>
-            <a:fld id="{537907FA-41D5-418E-B73E-9B7D9AD83411}" type="datetimeFigureOut">
+            <a:fld id="{4439CAD1-362D-4610-9313-3B594B7118BE}" type="datetime1">
               <a:rPr lang="fr-BE" smtClean="0"/>
-              <a:t>14-09-18</a:t>
+              <a:t>16-09-18</a:t>
             </a:fld>
             <a:endParaRPr lang="fr-BE"/>
           </a:p>
@@ -7129,9 +7752,9 @@
             </a:lvl1pPr>
           </a:lstStyle>
           <a:p>
-            <a:fld id="{537907FA-41D5-418E-B73E-9B7D9AD83411}" type="datetimeFigureOut">
+            <a:fld id="{8591E4D5-B6AB-4D27-AEB3-3F0BF7D7AF83}" type="datetime1">
               <a:rPr lang="fr-BE" smtClean="0"/>
-              <a:t>14-09-18</a:t>
+              <a:t>16-09-18</a:t>
             </a:fld>
             <a:endParaRPr lang="fr-BE"/>
           </a:p>
@@ -7236,6 +7859,7 @@
     <p:sldLayoutId id="2147483670" r:id="rId10"/>
     <p:sldLayoutId id="2147483671" r:id="rId11"/>
   </p:sldLayoutIdLst>
+  <p:hf hdr="0" ftr="0" dt="0"/>
   <p:txStyles>
     <p:titleStyle>
       <a:lvl1pPr algn="l" defTabSz="914400" rtl="0" eaLnBrk="1" latinLnBrk="0" hangingPunct="1">
@@ -7768,6 +8392,14 @@
 <file path=ppt/slides/slide10.xml><?xml version="1.0" encoding="utf-8"?>
 <p:sld xmlns:a="http://schemas.openxmlformats.org/drawingml/2006/main" xmlns:r="http://schemas.openxmlformats.org/officeDocument/2006/relationships" xmlns:p="http://schemas.openxmlformats.org/presentationml/2006/main">
   <p:cSld>
+    <p:bg>
+      <p:bgPr>
+        <a:solidFill>
+          <a:schemeClr val="bg1"/>
+        </a:solidFill>
+        <a:effectLst/>
+      </p:bgPr>
+    </p:bg>
     <p:spTree>
       <p:nvGrpSpPr>
         <p:cNvPr id="1" name=""/>
@@ -7784,10 +8416,10 @@
       </p:grpSpPr>
       <p:sp>
         <p:nvSpPr>
-          <p:cNvPr id="2" name="Titre 1">
+          <p:cNvPr id="3" name="Espace réservé du numéro de diapositive 2">
             <a:extLst>
               <a:ext uri="{FF2B5EF4-FFF2-40B4-BE49-F238E27FC236}">
-                <a16:creationId xmlns:a16="http://schemas.microsoft.com/office/drawing/2014/main" id="{E7253B32-417E-4C48-918C-CE54FDF90181}"/>
+                <a16:creationId xmlns:a16="http://schemas.microsoft.com/office/drawing/2014/main" id="{70C30EE5-C252-4845-A179-99C2E75D386C}"/>
               </a:ext>
             </a:extLst>
           </p:cNvPr>
@@ -7795,7 +8427,7 @@
             <a:spLocks noGrp="1"/>
           </p:cNvSpPr>
           <p:nvPr>
-            <p:ph type="title"/>
+            <p:ph type="sldNum" sz="quarter" idx="12"/>
           </p:nvPr>
         </p:nvSpPr>
         <p:spPr/>
@@ -7803,45 +8435,67 @@
           <a:bodyPr/>
           <a:lstStyle/>
           <a:p>
-            <a:r>
-              <a:rPr lang="fr-BE" dirty="0"/>
-              <a:t>Exercice 1</a:t>
-            </a:r>
-          </a:p>
-        </p:txBody>
-      </p:sp>
-      <p:sp>
-        <p:nvSpPr>
-          <p:cNvPr id="3" name="Espace réservé du contenu 2">
+            <a:fld id="{7D3627B9-1F90-4568-B521-4CB3E5CC102E}" type="slidenum">
+              <a:rPr lang="fr-BE" smtClean="0"/>
+              <a:t>10</a:t>
+            </a:fld>
+            <a:endParaRPr lang="fr-BE"/>
+          </a:p>
+        </p:txBody>
+      </p:sp>
+      <p:pic>
+        <p:nvPicPr>
+          <p:cNvPr id="9" name="Picture 2" descr="https://acrobotic.com/media/wysiwyg/products/esp8266_devkit_horizontal-01.png">
             <a:extLst>
               <a:ext uri="{FF2B5EF4-FFF2-40B4-BE49-F238E27FC236}">
-                <a16:creationId xmlns:a16="http://schemas.microsoft.com/office/drawing/2014/main" id="{C190E0AF-5E1E-48CB-861F-7CA9A2AD777B}"/>
+                <a16:creationId xmlns:a16="http://schemas.microsoft.com/office/drawing/2014/main" id="{1729906A-2629-40F0-8577-C8AC046533DD}"/>
               </a:ext>
             </a:extLst>
           </p:cNvPr>
-          <p:cNvSpPr>
-            <a:spLocks noGrp="1"/>
-          </p:cNvSpPr>
-          <p:nvPr>
-            <p:ph idx="1"/>
-          </p:nvPr>
-        </p:nvSpPr>
-        <p:spPr/>
-        <p:txBody>
-          <a:bodyPr/>
-          <a:lstStyle/>
-          <a:p>
-            <a:r>
-              <a:rPr lang="fr-BE" dirty="0"/>
-              <a:t>Faire clignoter la LED</a:t>
-            </a:r>
-          </a:p>
-        </p:txBody>
-      </p:sp>
+          <p:cNvPicPr>
+            <a:picLocks noGrp="1" noChangeAspect="1" noChangeArrowheads="1"/>
+          </p:cNvPicPr>
+          <p:nvPr>
+            <p:ph idx="4294967295"/>
+          </p:nvPr>
+        </p:nvPicPr>
+        <p:blipFill>
+          <a:blip r:embed="rId2">
+            <a:extLst>
+              <a:ext uri="{28A0092B-C50C-407E-A947-70E740481C1C}">
+                <a14:useLocalDpi xmlns:a14="http://schemas.microsoft.com/office/drawing/2010/main" val="0"/>
+              </a:ext>
+            </a:extLst>
+          </a:blip>
+          <a:srcRect/>
+          <a:stretch>
+            <a:fillRect/>
+          </a:stretch>
+        </p:blipFill>
+        <p:spPr bwMode="auto">
+          <a:xfrm>
+            <a:off x="1416050" y="-185738"/>
+            <a:ext cx="9359900" cy="7229476"/>
+          </a:xfrm>
+          <a:prstGeom prst="rect">
+            <a:avLst/>
+          </a:prstGeom>
+          <a:noFill/>
+          <a:extLst>
+            <a:ext uri="{909E8E84-426E-40DD-AFC4-6F175D3DCCD1}">
+              <a14:hiddenFill xmlns:a14="http://schemas.microsoft.com/office/drawing/2010/main">
+                <a:solidFill>
+                  <a:srgbClr val="FFFFFF"/>
+                </a:solidFill>
+              </a14:hiddenFill>
+            </a:ext>
+          </a:extLst>
+        </p:spPr>
+      </p:pic>
     </p:spTree>
     <p:extLst>
       <p:ext uri="{BB962C8B-B14F-4D97-AF65-F5344CB8AC3E}">
-        <p14:creationId xmlns:p14="http://schemas.microsoft.com/office/powerpoint/2010/main" val="3145874301"/>
+        <p14:creationId xmlns:p14="http://schemas.microsoft.com/office/powerpoint/2010/main" val="4074127439"/>
       </p:ext>
     </p:extLst>
   </p:cSld>
@@ -7873,7 +8527,7 @@
           <p:cNvPr id="2" name="Titre 1">
             <a:extLst>
               <a:ext uri="{FF2B5EF4-FFF2-40B4-BE49-F238E27FC236}">
-                <a16:creationId xmlns:a16="http://schemas.microsoft.com/office/drawing/2014/main" id="{46C634C0-9572-4976-A098-7D7FEE55D519}"/>
+                <a16:creationId xmlns:a16="http://schemas.microsoft.com/office/drawing/2014/main" id="{E7253B32-417E-4C48-918C-CE54FDF90181}"/>
               </a:ext>
             </a:extLst>
           </p:cNvPr>
@@ -7891,7 +8545,7 @@
           <a:p>
             <a:r>
               <a:rPr lang="fr-BE" dirty="0"/>
-              <a:t>Exercice 2</a:t>
+              <a:t>Exercice 1</a:t>
             </a:r>
           </a:p>
         </p:txBody>
@@ -7901,7 +8555,7 @@
           <p:cNvPr id="3" name="Espace réservé du contenu 2">
             <a:extLst>
               <a:ext uri="{FF2B5EF4-FFF2-40B4-BE49-F238E27FC236}">
-                <a16:creationId xmlns:a16="http://schemas.microsoft.com/office/drawing/2014/main" id="{AB687D2F-A2CD-4AF6-B076-65D05AA934C0}"/>
+                <a16:creationId xmlns:a16="http://schemas.microsoft.com/office/drawing/2014/main" id="{C190E0AF-5E1E-48CB-861F-7CA9A2AD777B}"/>
               </a:ext>
             </a:extLst>
           </p:cNvPr>
@@ -7919,15 +8573,44 @@
           <a:p>
             <a:r>
               <a:rPr lang="fr-BE" dirty="0"/>
-              <a:t>Afficher un message sur la console</a:t>
-            </a:r>
+              <a:t>Faire clignoter la LED</a:t>
+            </a:r>
+          </a:p>
+        </p:txBody>
+      </p:sp>
+      <p:sp>
+        <p:nvSpPr>
+          <p:cNvPr id="5" name="Espace réservé du numéro de diapositive 4">
+            <a:extLst>
+              <a:ext uri="{FF2B5EF4-FFF2-40B4-BE49-F238E27FC236}">
+                <a16:creationId xmlns:a16="http://schemas.microsoft.com/office/drawing/2014/main" id="{95A66774-C3BB-4F2A-ABE4-88A87D52382F}"/>
+              </a:ext>
+            </a:extLst>
+          </p:cNvPr>
+          <p:cNvSpPr>
+            <a:spLocks noGrp="1"/>
+          </p:cNvSpPr>
+          <p:nvPr>
+            <p:ph type="sldNum" sz="quarter" idx="12"/>
+          </p:nvPr>
+        </p:nvSpPr>
+        <p:spPr/>
+        <p:txBody>
+          <a:bodyPr/>
+          <a:lstStyle/>
+          <a:p>
+            <a:fld id="{7D3627B9-1F90-4568-B521-4CB3E5CC102E}" type="slidenum">
+              <a:rPr lang="fr-BE" smtClean="0"/>
+              <a:t>11</a:t>
+            </a:fld>
+            <a:endParaRPr lang="fr-BE"/>
           </a:p>
         </p:txBody>
       </p:sp>
     </p:spTree>
     <p:extLst>
       <p:ext uri="{BB962C8B-B14F-4D97-AF65-F5344CB8AC3E}">
-        <p14:creationId xmlns:p14="http://schemas.microsoft.com/office/powerpoint/2010/main" val="3215653391"/>
+        <p14:creationId xmlns:p14="http://schemas.microsoft.com/office/powerpoint/2010/main" val="3145874301"/>
       </p:ext>
     </p:extLst>
   </p:cSld>
@@ -7959,6 +8642,121 @@
           <p:cNvPr id="2" name="Titre 1">
             <a:extLst>
               <a:ext uri="{FF2B5EF4-FFF2-40B4-BE49-F238E27FC236}">
+                <a16:creationId xmlns:a16="http://schemas.microsoft.com/office/drawing/2014/main" id="{46C634C0-9572-4976-A098-7D7FEE55D519}"/>
+              </a:ext>
+            </a:extLst>
+          </p:cNvPr>
+          <p:cNvSpPr>
+            <a:spLocks noGrp="1"/>
+          </p:cNvSpPr>
+          <p:nvPr>
+            <p:ph type="title"/>
+          </p:nvPr>
+        </p:nvSpPr>
+        <p:spPr/>
+        <p:txBody>
+          <a:bodyPr/>
+          <a:lstStyle/>
+          <a:p>
+            <a:r>
+              <a:rPr lang="fr-BE" dirty="0"/>
+              <a:t>Exercice 2</a:t>
+            </a:r>
+          </a:p>
+        </p:txBody>
+      </p:sp>
+      <p:sp>
+        <p:nvSpPr>
+          <p:cNvPr id="3" name="Espace réservé du contenu 2">
+            <a:extLst>
+              <a:ext uri="{FF2B5EF4-FFF2-40B4-BE49-F238E27FC236}">
+                <a16:creationId xmlns:a16="http://schemas.microsoft.com/office/drawing/2014/main" id="{AB687D2F-A2CD-4AF6-B076-65D05AA934C0}"/>
+              </a:ext>
+            </a:extLst>
+          </p:cNvPr>
+          <p:cNvSpPr>
+            <a:spLocks noGrp="1"/>
+          </p:cNvSpPr>
+          <p:nvPr>
+            <p:ph idx="1"/>
+          </p:nvPr>
+        </p:nvSpPr>
+        <p:spPr/>
+        <p:txBody>
+          <a:bodyPr/>
+          <a:lstStyle/>
+          <a:p>
+            <a:r>
+              <a:rPr lang="fr-BE" dirty="0"/>
+              <a:t>Afficher un message sur la console</a:t>
+            </a:r>
+          </a:p>
+        </p:txBody>
+      </p:sp>
+      <p:sp>
+        <p:nvSpPr>
+          <p:cNvPr id="5" name="Espace réservé du numéro de diapositive 4">
+            <a:extLst>
+              <a:ext uri="{FF2B5EF4-FFF2-40B4-BE49-F238E27FC236}">
+                <a16:creationId xmlns:a16="http://schemas.microsoft.com/office/drawing/2014/main" id="{1376EC85-1025-4B01-98B2-C2A358713579}"/>
+              </a:ext>
+            </a:extLst>
+          </p:cNvPr>
+          <p:cNvSpPr>
+            <a:spLocks noGrp="1"/>
+          </p:cNvSpPr>
+          <p:nvPr>
+            <p:ph type="sldNum" sz="quarter" idx="12"/>
+          </p:nvPr>
+        </p:nvSpPr>
+        <p:spPr/>
+        <p:txBody>
+          <a:bodyPr/>
+          <a:lstStyle/>
+          <a:p>
+            <a:fld id="{7D3627B9-1F90-4568-B521-4CB3E5CC102E}" type="slidenum">
+              <a:rPr lang="fr-BE" smtClean="0"/>
+              <a:t>12</a:t>
+            </a:fld>
+            <a:endParaRPr lang="fr-BE"/>
+          </a:p>
+        </p:txBody>
+      </p:sp>
+    </p:spTree>
+    <p:extLst>
+      <p:ext uri="{BB962C8B-B14F-4D97-AF65-F5344CB8AC3E}">
+        <p14:creationId xmlns:p14="http://schemas.microsoft.com/office/powerpoint/2010/main" val="3215653391"/>
+      </p:ext>
+    </p:extLst>
+  </p:cSld>
+  <p:clrMapOvr>
+    <a:masterClrMapping/>
+  </p:clrMapOvr>
+</p:sld>
+</file>
+
+<file path=ppt/slides/slide13.xml><?xml version="1.0" encoding="utf-8"?>
+<p:sld xmlns:a="http://schemas.openxmlformats.org/drawingml/2006/main" xmlns:r="http://schemas.openxmlformats.org/officeDocument/2006/relationships" xmlns:p="http://schemas.openxmlformats.org/presentationml/2006/main">
+  <p:cSld>
+    <p:spTree>
+      <p:nvGrpSpPr>
+        <p:cNvPr id="1" name=""/>
+        <p:cNvGrpSpPr/>
+        <p:nvPr/>
+      </p:nvGrpSpPr>
+      <p:grpSpPr>
+        <a:xfrm>
+          <a:off x="0" y="0"/>
+          <a:ext cx="0" cy="0"/>
+          <a:chOff x="0" y="0"/>
+          <a:chExt cx="0" cy="0"/>
+        </a:xfrm>
+      </p:grpSpPr>
+      <p:sp>
+        <p:nvSpPr>
+          <p:cNvPr id="2" name="Titre 1">
+            <a:extLst>
+              <a:ext uri="{FF2B5EF4-FFF2-40B4-BE49-F238E27FC236}">
                 <a16:creationId xmlns:a16="http://schemas.microsoft.com/office/drawing/2014/main" id="{CF7E30A0-B290-4E16-B467-D53A1A0D8E6B}"/>
               </a:ext>
             </a:extLst>
@@ -8007,6 +8805,35 @@
               <a:rPr lang="fr-BE" dirty="0"/>
               <a:t>Contrôler un servomoteur</a:t>
             </a:r>
+          </a:p>
+        </p:txBody>
+      </p:sp>
+      <p:sp>
+        <p:nvSpPr>
+          <p:cNvPr id="5" name="Espace réservé du numéro de diapositive 4">
+            <a:extLst>
+              <a:ext uri="{FF2B5EF4-FFF2-40B4-BE49-F238E27FC236}">
+                <a16:creationId xmlns:a16="http://schemas.microsoft.com/office/drawing/2014/main" id="{29596B56-B6BF-4075-8450-8AD7495E2A93}"/>
+              </a:ext>
+            </a:extLst>
+          </p:cNvPr>
+          <p:cNvSpPr>
+            <a:spLocks noGrp="1"/>
+          </p:cNvSpPr>
+          <p:nvPr>
+            <p:ph type="sldNum" sz="quarter" idx="12"/>
+          </p:nvPr>
+        </p:nvSpPr>
+        <p:spPr/>
+        <p:txBody>
+          <a:bodyPr/>
+          <a:lstStyle/>
+          <a:p>
+            <a:fld id="{7D3627B9-1F90-4568-B521-4CB3E5CC102E}" type="slidenum">
+              <a:rPr lang="fr-BE" smtClean="0"/>
+              <a:t>13</a:t>
+            </a:fld>
+            <a:endParaRPr lang="fr-BE"/>
           </a:p>
         </p:txBody>
       </p:sp>
@@ -8023,7 +8850,7 @@
 </p:sld>
 </file>
 
-<file path=ppt/slides/slide13.xml><?xml version="1.0" encoding="utf-8"?>
+<file path=ppt/slides/slide14.xml><?xml version="1.0" encoding="utf-8"?>
 <p:sld xmlns:a="http://schemas.openxmlformats.org/drawingml/2006/main" xmlns:r="http://schemas.openxmlformats.org/officeDocument/2006/relationships" xmlns:p="http://schemas.openxmlformats.org/presentationml/2006/main">
   <p:cSld>
     <p:bg>
@@ -8303,6 +9130,35 @@
           </a:p>
         </p:txBody>
       </p:sp>
+      <p:sp>
+        <p:nvSpPr>
+          <p:cNvPr id="5" name="Espace réservé du numéro de diapositive 4">
+            <a:extLst>
+              <a:ext uri="{FF2B5EF4-FFF2-40B4-BE49-F238E27FC236}">
+                <a16:creationId xmlns:a16="http://schemas.microsoft.com/office/drawing/2014/main" id="{6F903D29-6F0A-47C5-AEA6-95FF5B39DBFB}"/>
+              </a:ext>
+            </a:extLst>
+          </p:cNvPr>
+          <p:cNvSpPr>
+            <a:spLocks noGrp="1"/>
+          </p:cNvSpPr>
+          <p:nvPr>
+            <p:ph type="sldNum" sz="quarter" idx="12"/>
+          </p:nvPr>
+        </p:nvSpPr>
+        <p:spPr/>
+        <p:txBody>
+          <a:bodyPr/>
+          <a:lstStyle/>
+          <a:p>
+            <a:fld id="{7D3627B9-1F90-4568-B521-4CB3E5CC102E}" type="slidenum">
+              <a:rPr lang="fr-BE" smtClean="0"/>
+              <a:t>14</a:t>
+            </a:fld>
+            <a:endParaRPr lang="fr-BE"/>
+          </a:p>
+        </p:txBody>
+      </p:sp>
     </p:spTree>
     <p:extLst>
       <p:ext uri="{BB962C8B-B14F-4D97-AF65-F5344CB8AC3E}">
@@ -8316,7 +9172,7 @@
 </p:sld>
 </file>
 
-<file path=ppt/slides/slide14.xml><?xml version="1.0" encoding="utf-8"?>
+<file path=ppt/slides/slide15.xml><?xml version="1.0" encoding="utf-8"?>
 <p:sld xmlns:a="http://schemas.openxmlformats.org/drawingml/2006/main" xmlns:r="http://schemas.openxmlformats.org/officeDocument/2006/relationships" xmlns:p="http://schemas.openxmlformats.org/presentationml/2006/main">
   <p:cSld>
     <p:spTree>
@@ -8465,6 +9321,35 @@
           </a:extLst>
         </p:spPr>
       </p:pic>
+      <p:sp>
+        <p:nvSpPr>
+          <p:cNvPr id="3" name="Espace réservé du numéro de diapositive 2">
+            <a:extLst>
+              <a:ext uri="{FF2B5EF4-FFF2-40B4-BE49-F238E27FC236}">
+                <a16:creationId xmlns:a16="http://schemas.microsoft.com/office/drawing/2014/main" id="{16F7412C-77AB-4B78-8E5A-6A44116282D2}"/>
+              </a:ext>
+            </a:extLst>
+          </p:cNvPr>
+          <p:cNvSpPr>
+            <a:spLocks noGrp="1"/>
+          </p:cNvSpPr>
+          <p:nvPr>
+            <p:ph type="sldNum" sz="quarter" idx="12"/>
+          </p:nvPr>
+        </p:nvSpPr>
+        <p:spPr/>
+        <p:txBody>
+          <a:bodyPr/>
+          <a:lstStyle/>
+          <a:p>
+            <a:fld id="{7D3627B9-1F90-4568-B521-4CB3E5CC102E}" type="slidenum">
+              <a:rPr lang="fr-BE" smtClean="0"/>
+              <a:t>15</a:t>
+            </a:fld>
+            <a:endParaRPr lang="fr-BE"/>
+          </a:p>
+        </p:txBody>
+      </p:sp>
     </p:spTree>
     <p:extLst>
       <p:ext uri="{BB962C8B-B14F-4D97-AF65-F5344CB8AC3E}">
@@ -8478,7 +9363,7 @@
 </p:sld>
 </file>
 
-<file path=ppt/slides/slide15.xml><?xml version="1.0" encoding="utf-8"?>
+<file path=ppt/slides/slide16.xml><?xml version="1.0" encoding="utf-8"?>
 <p:sld xmlns:a="http://schemas.openxmlformats.org/drawingml/2006/main" xmlns:r="http://schemas.openxmlformats.org/officeDocument/2006/relationships" xmlns:p="http://schemas.openxmlformats.org/presentationml/2006/main">
   <p:cSld>
     <p:spTree>
@@ -8668,6 +9553,35 @@
               <a:rPr lang="fr-BE" dirty="0"/>
               <a:t>~1 ms &lt; t &lt; ~2 ms</a:t>
             </a:r>
+          </a:p>
+        </p:txBody>
+      </p:sp>
+      <p:sp>
+        <p:nvSpPr>
+          <p:cNvPr id="3" name="Espace réservé du numéro de diapositive 2">
+            <a:extLst>
+              <a:ext uri="{FF2B5EF4-FFF2-40B4-BE49-F238E27FC236}">
+                <a16:creationId xmlns:a16="http://schemas.microsoft.com/office/drawing/2014/main" id="{0B680D1F-CAD4-48D8-952B-30F413286A5F}"/>
+              </a:ext>
+            </a:extLst>
+          </p:cNvPr>
+          <p:cNvSpPr>
+            <a:spLocks noGrp="1"/>
+          </p:cNvSpPr>
+          <p:nvPr>
+            <p:ph type="sldNum" sz="quarter" idx="12"/>
+          </p:nvPr>
+        </p:nvSpPr>
+        <p:spPr/>
+        <p:txBody>
+          <a:bodyPr/>
+          <a:lstStyle/>
+          <a:p>
+            <a:fld id="{7D3627B9-1F90-4568-B521-4CB3E5CC102E}" type="slidenum">
+              <a:rPr lang="fr-BE" smtClean="0"/>
+              <a:t>16</a:t>
+            </a:fld>
+            <a:endParaRPr lang="fr-BE"/>
           </a:p>
         </p:txBody>
       </p:sp>
@@ -8824,7 +9738,7 @@
 </p:sld>
 </file>
 
-<file path=ppt/slides/slide16.xml><?xml version="1.0" encoding="utf-8"?>
+<file path=ppt/slides/slide17.xml><?xml version="1.0" encoding="utf-8"?>
 <p:sld xmlns:a="http://schemas.openxmlformats.org/drawingml/2006/main" xmlns:r="http://schemas.openxmlformats.org/officeDocument/2006/relationships" xmlns:p="http://schemas.openxmlformats.org/presentationml/2006/main">
   <p:cSld>
     <p:spTree>
@@ -8950,6 +9864,35 @@
               <a:rPr lang="fr-BE" dirty="0"/>
               <a:t>Ca varie d’un servo à l’autre</a:t>
             </a:r>
+          </a:p>
+        </p:txBody>
+      </p:sp>
+      <p:sp>
+        <p:nvSpPr>
+          <p:cNvPr id="4" name="Espace réservé du numéro de diapositive 3">
+            <a:extLst>
+              <a:ext uri="{FF2B5EF4-FFF2-40B4-BE49-F238E27FC236}">
+                <a16:creationId xmlns:a16="http://schemas.microsoft.com/office/drawing/2014/main" id="{8FD1DD38-67B7-4A2B-BFE5-49592E72161E}"/>
+              </a:ext>
+            </a:extLst>
+          </p:cNvPr>
+          <p:cNvSpPr>
+            <a:spLocks noGrp="1"/>
+          </p:cNvSpPr>
+          <p:nvPr>
+            <p:ph type="sldNum" sz="quarter" idx="12"/>
+          </p:nvPr>
+        </p:nvSpPr>
+        <p:spPr/>
+        <p:txBody>
+          <a:bodyPr/>
+          <a:lstStyle/>
+          <a:p>
+            <a:fld id="{7D3627B9-1F90-4568-B521-4CB3E5CC102E}" type="slidenum">
+              <a:rPr lang="fr-BE" smtClean="0"/>
+              <a:t>17</a:t>
+            </a:fld>
+            <a:endParaRPr lang="fr-BE"/>
           </a:p>
         </p:txBody>
       </p:sp>
@@ -9052,92 +9995,6 @@
 </p:sld>
 </file>
 
-<file path=ppt/slides/slide17.xml><?xml version="1.0" encoding="utf-8"?>
-<p:sld xmlns:a="http://schemas.openxmlformats.org/drawingml/2006/main" xmlns:r="http://schemas.openxmlformats.org/officeDocument/2006/relationships" xmlns:p="http://schemas.openxmlformats.org/presentationml/2006/main">
-  <p:cSld>
-    <p:spTree>
-      <p:nvGrpSpPr>
-        <p:cNvPr id="1" name=""/>
-        <p:cNvGrpSpPr/>
-        <p:nvPr/>
-      </p:nvGrpSpPr>
-      <p:grpSpPr>
-        <a:xfrm>
-          <a:off x="0" y="0"/>
-          <a:ext cx="0" cy="0"/>
-          <a:chOff x="0" y="0"/>
-          <a:chExt cx="0" cy="0"/>
-        </a:xfrm>
-      </p:grpSpPr>
-      <p:sp>
-        <p:nvSpPr>
-          <p:cNvPr id="2" name="Titre 1">
-            <a:extLst>
-              <a:ext uri="{FF2B5EF4-FFF2-40B4-BE49-F238E27FC236}">
-                <a16:creationId xmlns:a16="http://schemas.microsoft.com/office/drawing/2014/main" id="{CF7E30A0-B290-4E16-B467-D53A1A0D8E6B}"/>
-              </a:ext>
-            </a:extLst>
-          </p:cNvPr>
-          <p:cNvSpPr>
-            <a:spLocks noGrp="1"/>
-          </p:cNvSpPr>
-          <p:nvPr>
-            <p:ph type="title"/>
-          </p:nvPr>
-        </p:nvSpPr>
-        <p:spPr/>
-        <p:txBody>
-          <a:bodyPr/>
-          <a:lstStyle/>
-          <a:p>
-            <a:r>
-              <a:rPr lang="fr-BE" dirty="0"/>
-              <a:t>Exercice 3</a:t>
-            </a:r>
-          </a:p>
-        </p:txBody>
-      </p:sp>
-      <p:sp>
-        <p:nvSpPr>
-          <p:cNvPr id="3" name="Espace réservé du contenu 2">
-            <a:extLst>
-              <a:ext uri="{FF2B5EF4-FFF2-40B4-BE49-F238E27FC236}">
-                <a16:creationId xmlns:a16="http://schemas.microsoft.com/office/drawing/2014/main" id="{561712A7-9091-4977-BA95-BC39AB981D90}"/>
-              </a:ext>
-            </a:extLst>
-          </p:cNvPr>
-          <p:cNvSpPr>
-            <a:spLocks noGrp="1"/>
-          </p:cNvSpPr>
-          <p:nvPr>
-            <p:ph idx="1"/>
-          </p:nvPr>
-        </p:nvSpPr>
-        <p:spPr/>
-        <p:txBody>
-          <a:bodyPr/>
-          <a:lstStyle/>
-          <a:p>
-            <a:r>
-              <a:rPr lang="fr-BE" dirty="0"/>
-              <a:t>Calibrer le servomoteur</a:t>
-            </a:r>
-          </a:p>
-        </p:txBody>
-      </p:sp>
-    </p:spTree>
-    <p:extLst>
-      <p:ext uri="{BB962C8B-B14F-4D97-AF65-F5344CB8AC3E}">
-        <p14:creationId xmlns:p14="http://schemas.microsoft.com/office/powerpoint/2010/main" val="2974726621"/>
-      </p:ext>
-    </p:extLst>
-  </p:cSld>
-  <p:clrMapOvr>
-    <a:masterClrMapping/>
-  </p:clrMapOvr>
-</p:sld>
-</file>
-
 <file path=ppt/slides/slide18.xml><?xml version="1.0" encoding="utf-8"?>
 <p:sld xmlns:a="http://schemas.openxmlformats.org/drawingml/2006/main" xmlns:r="http://schemas.openxmlformats.org/officeDocument/2006/relationships" xmlns:p="http://schemas.openxmlformats.org/presentationml/2006/main">
   <p:cSld>
@@ -9160,7 +10017,7 @@
           <p:cNvPr id="2" name="Titre 1">
             <a:extLst>
               <a:ext uri="{FF2B5EF4-FFF2-40B4-BE49-F238E27FC236}">
-                <a16:creationId xmlns:a16="http://schemas.microsoft.com/office/drawing/2014/main" id="{ED53924C-752C-48BC-922C-49FC0354DC17}"/>
+                <a16:creationId xmlns:a16="http://schemas.microsoft.com/office/drawing/2014/main" id="{CF7E30A0-B290-4E16-B467-D53A1A0D8E6B}"/>
               </a:ext>
             </a:extLst>
           </p:cNvPr>
@@ -9178,7 +10035,7 @@
           <a:p>
             <a:r>
               <a:rPr lang="fr-BE" dirty="0"/>
-              <a:t>Exercice 4</a:t>
+              <a:t>Exercice 3</a:t>
             </a:r>
           </a:p>
         </p:txBody>
@@ -9188,7 +10045,7 @@
           <p:cNvPr id="3" name="Espace réservé du contenu 2">
             <a:extLst>
               <a:ext uri="{FF2B5EF4-FFF2-40B4-BE49-F238E27FC236}">
-                <a16:creationId xmlns:a16="http://schemas.microsoft.com/office/drawing/2014/main" id="{B2D9B98B-E330-4BD5-8FDF-A261E12E526B}"/>
+                <a16:creationId xmlns:a16="http://schemas.microsoft.com/office/drawing/2014/main" id="{561712A7-9091-4977-BA95-BC39AB981D90}"/>
               </a:ext>
             </a:extLst>
           </p:cNvPr>
@@ -9206,15 +10063,44 @@
           <a:p>
             <a:r>
               <a:rPr lang="fr-BE" dirty="0"/>
-              <a:t>Envoyer l’angle souhaité au servomoteur</a:t>
-            </a:r>
+              <a:t>Calibrer le servomoteur</a:t>
+            </a:r>
+          </a:p>
+        </p:txBody>
+      </p:sp>
+      <p:sp>
+        <p:nvSpPr>
+          <p:cNvPr id="5" name="Espace réservé du numéro de diapositive 4">
+            <a:extLst>
+              <a:ext uri="{FF2B5EF4-FFF2-40B4-BE49-F238E27FC236}">
+                <a16:creationId xmlns:a16="http://schemas.microsoft.com/office/drawing/2014/main" id="{F898B870-352E-43C7-90E9-B4271F6D478E}"/>
+              </a:ext>
+            </a:extLst>
+          </p:cNvPr>
+          <p:cNvSpPr>
+            <a:spLocks noGrp="1"/>
+          </p:cNvSpPr>
+          <p:nvPr>
+            <p:ph type="sldNum" sz="quarter" idx="12"/>
+          </p:nvPr>
+        </p:nvSpPr>
+        <p:spPr/>
+        <p:txBody>
+          <a:bodyPr/>
+          <a:lstStyle/>
+          <a:p>
+            <a:fld id="{7D3627B9-1F90-4568-B521-4CB3E5CC102E}" type="slidenum">
+              <a:rPr lang="fr-BE" smtClean="0"/>
+              <a:t>18</a:t>
+            </a:fld>
+            <a:endParaRPr lang="fr-BE"/>
           </a:p>
         </p:txBody>
       </p:sp>
     </p:spTree>
     <p:extLst>
       <p:ext uri="{BB962C8B-B14F-4D97-AF65-F5344CB8AC3E}">
-        <p14:creationId xmlns:p14="http://schemas.microsoft.com/office/powerpoint/2010/main" val="958880033"/>
+        <p14:creationId xmlns:p14="http://schemas.microsoft.com/office/powerpoint/2010/main" val="2974726621"/>
       </p:ext>
     </p:extLst>
   </p:cSld>
@@ -9246,7 +10132,7 @@
           <p:cNvPr id="2" name="Titre 1">
             <a:extLst>
               <a:ext uri="{FF2B5EF4-FFF2-40B4-BE49-F238E27FC236}">
-                <a16:creationId xmlns:a16="http://schemas.microsoft.com/office/drawing/2014/main" id="{46DB43F5-9381-4300-817E-49CE48E3C137}"/>
+                <a16:creationId xmlns:a16="http://schemas.microsoft.com/office/drawing/2014/main" id="{ED53924C-752C-48BC-922C-49FC0354DC17}"/>
               </a:ext>
             </a:extLst>
           </p:cNvPr>
@@ -9264,7 +10150,7 @@
           <a:p>
             <a:r>
               <a:rPr lang="fr-BE" dirty="0"/>
-              <a:t>Exercice 5</a:t>
+              <a:t>Exercice 4</a:t>
             </a:r>
           </a:p>
         </p:txBody>
@@ -9274,7 +10160,7 @@
           <p:cNvPr id="3" name="Espace réservé du contenu 2">
             <a:extLst>
               <a:ext uri="{FF2B5EF4-FFF2-40B4-BE49-F238E27FC236}">
-                <a16:creationId xmlns:a16="http://schemas.microsoft.com/office/drawing/2014/main" id="{AF426914-CE4A-4748-932A-AA8BA86C8906}"/>
+                <a16:creationId xmlns:a16="http://schemas.microsoft.com/office/drawing/2014/main" id="{B2D9B98B-E330-4BD5-8FDF-A261E12E526B}"/>
               </a:ext>
             </a:extLst>
           </p:cNvPr>
@@ -9292,23 +10178,44 @@
           <a:p>
             <a:r>
               <a:rPr lang="fr-BE" dirty="0"/>
-              <a:t>Se connecter au </a:t>
-            </a:r>
-            <a:r>
-              <a:rPr lang="fr-BE" dirty="0" err="1"/>
-              <a:t>WiFi</a:t>
-            </a:r>
-            <a:r>
-              <a:rPr lang="fr-BE" dirty="0"/>
-              <a:t> et afficher l’adresse IP</a:t>
-            </a:r>
+              <a:t>Envoyer l’angle souhaité au servomoteur</a:t>
+            </a:r>
+          </a:p>
+        </p:txBody>
+      </p:sp>
+      <p:sp>
+        <p:nvSpPr>
+          <p:cNvPr id="5" name="Espace réservé du numéro de diapositive 4">
+            <a:extLst>
+              <a:ext uri="{FF2B5EF4-FFF2-40B4-BE49-F238E27FC236}">
+                <a16:creationId xmlns:a16="http://schemas.microsoft.com/office/drawing/2014/main" id="{EC4AF2FD-F567-479A-B41A-CFFD3219684D}"/>
+              </a:ext>
+            </a:extLst>
+          </p:cNvPr>
+          <p:cNvSpPr>
+            <a:spLocks noGrp="1"/>
+          </p:cNvSpPr>
+          <p:nvPr>
+            <p:ph type="sldNum" sz="quarter" idx="12"/>
+          </p:nvPr>
+        </p:nvSpPr>
+        <p:spPr/>
+        <p:txBody>
+          <a:bodyPr/>
+          <a:lstStyle/>
+          <a:p>
+            <a:fld id="{7D3627B9-1F90-4568-B521-4CB3E5CC102E}" type="slidenum">
+              <a:rPr lang="fr-BE" smtClean="0"/>
+              <a:t>19</a:t>
+            </a:fld>
+            <a:endParaRPr lang="fr-BE"/>
           </a:p>
         </p:txBody>
       </p:sp>
     </p:spTree>
     <p:extLst>
       <p:ext uri="{BB962C8B-B14F-4D97-AF65-F5344CB8AC3E}">
-        <p14:creationId xmlns:p14="http://schemas.microsoft.com/office/powerpoint/2010/main" val="2134143814"/>
+        <p14:creationId xmlns:p14="http://schemas.microsoft.com/office/powerpoint/2010/main" val="958880033"/>
       </p:ext>
     </p:extLst>
   </p:cSld>
@@ -9412,25 +10319,38 @@
           <a:lstStyle/>
           <a:p>
             <a:r>
-              <a:rPr lang="fr-BE" sz="2400"/>
-              <a:t>Chercheur UMONS</a:t>
-            </a:r>
-          </a:p>
-          <a:p>
-            <a:r>
-              <a:rPr lang="fr-BE" sz="2400"/>
-              <a:t>Ingénieur projet Fab-IoT-Lab</a:t>
-            </a:r>
-          </a:p>
-          <a:p>
-            <a:r>
-              <a:rPr lang="fr-BE" sz="2400">
+              <a:rPr lang="fr-BE" sz="2400" dirty="0"/>
+              <a:t>Ingénieur civil</a:t>
+            </a:r>
+          </a:p>
+          <a:p>
+            <a:r>
+              <a:rPr lang="fr-BE" sz="2400" dirty="0"/>
+              <a:t>Ingénieur projet </a:t>
+            </a:r>
+            <a:r>
+              <a:rPr lang="fr-BE" sz="2400" dirty="0" err="1"/>
+              <a:t>Fab</a:t>
+            </a:r>
+            <a:r>
+              <a:rPr lang="fr-BE" sz="2400" dirty="0"/>
+              <a:t>-IoT-</a:t>
+            </a:r>
+            <a:r>
+              <a:rPr lang="fr-BE" sz="2400" dirty="0" err="1"/>
+              <a:t>Lab</a:t>
+            </a:r>
+            <a:endParaRPr lang="fr-BE" sz="2400" dirty="0"/>
+          </a:p>
+          <a:p>
+            <a:r>
+              <a:rPr lang="fr-BE" sz="2400" dirty="0">
                 <a:hlinkClick r:id="rId2"/>
               </a:rPr>
               <a:t>francois@fablabmons.be</a:t>
             </a:r>
             <a:r>
-              <a:rPr lang="fr-BE" sz="2400"/>
+              <a:rPr lang="fr-BE" sz="2400" dirty="0"/>
               <a:t> </a:t>
             </a:r>
           </a:p>
@@ -9438,10 +10358,10 @@
       </p:sp>
       <p:sp>
         <p:nvSpPr>
-          <p:cNvPr id="4" name="Espace réservé du numéro de diapositive 3">
+          <p:cNvPr id="6" name="Espace réservé du numéro de diapositive 5">
             <a:extLst>
               <a:ext uri="{FF2B5EF4-FFF2-40B4-BE49-F238E27FC236}">
-                <a16:creationId xmlns:a16="http://schemas.microsoft.com/office/drawing/2014/main" id="{A66432F0-7840-4B1E-A8A2-A690B4A4D241}"/>
+                <a16:creationId xmlns:a16="http://schemas.microsoft.com/office/drawing/2014/main" id="{8F9ACE96-38A1-411E-A4E4-9994D4532A6B}"/>
               </a:ext>
             </a:extLst>
           </p:cNvPr>
@@ -9452,45 +10372,16 @@
             <p:ph type="sldNum" sz="quarter" idx="12"/>
           </p:nvPr>
         </p:nvSpPr>
-        <p:spPr>
-          <a:xfrm>
-            <a:off x="10571516" y="6033479"/>
-            <a:ext cx="782283" cy="365125"/>
-          </a:xfrm>
-        </p:spPr>
-        <p:txBody>
-          <a:bodyPr>
-            <a:normAutofit/>
-          </a:bodyPr>
+        <p:spPr/>
+        <p:txBody>
+          <a:bodyPr/>
           <a:lstStyle/>
           <a:p>
-            <a:pPr>
-              <a:spcAft>
-                <a:spcPts val="600"/>
-              </a:spcAft>
-            </a:pPr>
-            <a:fld id="{DF8E93BF-75B7-47EB-9B92-DB07C204767B}" type="slidenum">
-              <a:rPr lang="fr-BE" sz="1050">
-                <a:solidFill>
-                  <a:schemeClr val="tx1">
-                    <a:alpha val="80000"/>
-                  </a:schemeClr>
-                </a:solidFill>
-              </a:rPr>
-              <a:pPr>
-                <a:spcAft>
-                  <a:spcPts val="600"/>
-                </a:spcAft>
-              </a:pPr>
+            <a:fld id="{7D3627B9-1F90-4568-B521-4CB3E5CC102E}" type="slidenum">
+              <a:rPr lang="fr-BE" smtClean="0"/>
               <a:t>2</a:t>
             </a:fld>
-            <a:endParaRPr lang="fr-BE" sz="1050">
-              <a:solidFill>
-                <a:schemeClr val="tx1">
-                  <a:alpha val="80000"/>
-                </a:schemeClr>
-              </a:solidFill>
-            </a:endParaRPr>
+            <a:endParaRPr lang="fr-BE"/>
           </a:p>
         </p:txBody>
       </p:sp>
@@ -9510,6 +10401,14 @@
 <file path=ppt/slides/slide20.xml><?xml version="1.0" encoding="utf-8"?>
 <p:sld xmlns:a="http://schemas.openxmlformats.org/drawingml/2006/main" xmlns:r="http://schemas.openxmlformats.org/officeDocument/2006/relationships" xmlns:p="http://schemas.openxmlformats.org/presentationml/2006/main">
   <p:cSld>
+    <p:bg>
+      <p:bgPr>
+        <a:solidFill>
+          <a:schemeClr val="bg1"/>
+        </a:solidFill>
+        <a:effectLst/>
+      </p:bgPr>
+    </p:bg>
     <p:spTree>
       <p:nvGrpSpPr>
         <p:cNvPr id="1" name=""/>
@@ -9526,46 +10425,295 @@
       </p:grpSpPr>
       <p:sp>
         <p:nvSpPr>
-          <p:cNvPr id="2" name="Titre 1">
+          <p:cNvPr id="10" name="Rectangle 9">
             <a:extLst>
               <a:ext uri="{FF2B5EF4-FFF2-40B4-BE49-F238E27FC236}">
-                <a16:creationId xmlns:a16="http://schemas.microsoft.com/office/drawing/2014/main" id="{8FF24F8E-356C-4CC3-BC1E-183A9E686F01}"/>
+                <a16:creationId xmlns:a16="http://schemas.microsoft.com/office/drawing/2014/main" id="{86197D16-FE75-4A0E-A0C9-28C0F04A43DF}"/>
+              </a:ext>
+              <a:ext uri="{C183D7F6-B498-43B3-948B-1728B52AA6E4}">
+                <adec:decorative xmlns:adec="http://schemas.microsoft.com/office/drawing/2017/decorative" val="1"/>
               </a:ext>
             </a:extLst>
           </p:cNvPr>
           <p:cNvSpPr>
-            <a:spLocks noGrp="1"/>
-          </p:cNvSpPr>
-          <p:nvPr>
-            <p:ph type="title"/>
-          </p:nvPr>
-        </p:nvSpPr>
-        <p:spPr/>
-        <p:txBody>
-          <a:bodyPr/>
+            <a:spLocks noGrp="1" noRot="1" noChangeAspect="1" noMove="1" noResize="1" noEditPoints="1" noAdjustHandles="1" noChangeArrowheads="1" noChangeShapeType="1" noTextEdit="1"/>
+          </p:cNvSpPr>
+          <p:nvPr>
+            <p:extLst>
+              <p:ext uri="{386F3935-93C4-4BCD-93E2-E3B085C9AB24}">
+                <p16:designElem xmlns:p16="http://schemas.microsoft.com/office/powerpoint/2015/main" val="1"/>
+              </p:ext>
+            </p:extLst>
+          </p:nvPr>
+        </p:nvSpPr>
+        <p:spPr>
+          <a:xfrm>
+            <a:off x="0" y="0"/>
+            <a:ext cx="12192000" cy="5570220"/>
+          </a:xfrm>
+          <a:prstGeom prst="rect">
+            <a:avLst/>
+          </a:prstGeom>
+          <a:gradFill>
+            <a:gsLst>
+              <a:gs pos="0">
+                <a:schemeClr val="accent1">
+                  <a:lumMod val="90000"/>
+                </a:schemeClr>
+              </a:gs>
+              <a:gs pos="25000">
+                <a:schemeClr val="accent1">
+                  <a:lumMod val="90000"/>
+                </a:schemeClr>
+              </a:gs>
+              <a:gs pos="94000">
+                <a:schemeClr val="bg2">
+                  <a:lumMod val="25000"/>
+                </a:schemeClr>
+              </a:gs>
+              <a:gs pos="100000">
+                <a:schemeClr val="bg2">
+                  <a:lumMod val="25000"/>
+                </a:schemeClr>
+              </a:gs>
+            </a:gsLst>
+            <a:lin ang="4200000" scaled="0"/>
+          </a:gradFill>
+          <a:ln>
+            <a:noFill/>
+          </a:ln>
+        </p:spPr>
+        <p:style>
+          <a:lnRef idx="2">
+            <a:schemeClr val="accent1">
+              <a:shade val="50000"/>
+            </a:schemeClr>
+          </a:lnRef>
+          <a:fillRef idx="1">
+            <a:schemeClr val="accent1"/>
+          </a:fillRef>
+          <a:effectRef idx="0">
+            <a:schemeClr val="accent1"/>
+          </a:effectRef>
+          <a:fontRef idx="minor">
+            <a:schemeClr val="lt1"/>
+          </a:fontRef>
+        </p:style>
+        <p:txBody>
+          <a:bodyPr rtlCol="0" anchor="ctr"/>
           <a:lstStyle/>
           <a:p>
-            <a:r>
-              <a:rPr lang="fr-BE" dirty="0"/>
-              <a:t>Exercice 6</a:t>
-            </a:r>
-          </a:p>
-        </p:txBody>
-      </p:sp>
-      <p:sp>
-        <p:nvSpPr>
-          <p:cNvPr id="3" name="Espace réservé du contenu 2">
+            <a:pPr algn="ctr"/>
+            <a:endParaRPr lang="en-US"/>
+          </a:p>
+        </p:txBody>
+      </p:sp>
+      <p:pic>
+        <p:nvPicPr>
+          <p:cNvPr id="12" name="Picture 11">
             <a:extLst>
               <a:ext uri="{FF2B5EF4-FFF2-40B4-BE49-F238E27FC236}">
-                <a16:creationId xmlns:a16="http://schemas.microsoft.com/office/drawing/2014/main" id="{9EBC696B-CBBE-40F0-942D-93CF2E900B7C}"/>
+                <a16:creationId xmlns:a16="http://schemas.microsoft.com/office/drawing/2014/main" id="{FA8FCEC6-4B30-4FF2-8B32-504BEAEA3A16}"/>
+              </a:ext>
+              <a:ext uri="{C183D7F6-B498-43B3-948B-1728B52AA6E4}">
+                <adec:decorative xmlns:adec="http://schemas.microsoft.com/office/drawing/2017/decorative" val="1"/>
               </a:ext>
             </a:extLst>
           </p:cNvPr>
-          <p:cNvSpPr>
-            <a:spLocks noGrp="1"/>
-          </p:cNvSpPr>
-          <p:nvPr>
-            <p:ph idx="1"/>
+          <p:cNvPicPr>
+            <a:picLocks noGrp="1" noRot="1" noChangeAspect="1" noMove="1" noResize="1" noEditPoints="1" noAdjustHandles="1" noChangeArrowheads="1" noChangeShapeType="1" noCrop="1"/>
+          </p:cNvPicPr>
+          <p:nvPr>
+            <p:extLst>
+              <p:ext uri="{386F3935-93C4-4BCD-93E2-E3B085C9AB24}">
+                <p16:designElem xmlns:p16="http://schemas.microsoft.com/office/powerpoint/2015/main" val="1"/>
+              </p:ext>
+            </p:extLst>
+          </p:nvPr>
+        </p:nvPicPr>
+        <p:blipFill>
+          <a:blip r:embed="rId2">
+            <a:extLst>
+              <a:ext uri="{28A0092B-C50C-407E-A947-70E740481C1C}">
+                <a14:useLocalDpi xmlns:a14="http://schemas.microsoft.com/office/drawing/2010/main" val="0"/>
+              </a:ext>
+            </a:extLst>
+          </a:blip>
+          <a:srcRect t="45716" b="9820"/>
+          <a:stretch>
+            <a:fillRect/>
+          </a:stretch>
+        </p:blipFill>
+        <p:spPr>
+          <a:xfrm>
+            <a:off x="0" y="3808676"/>
+            <a:ext cx="12192000" cy="3049325"/>
+          </a:xfrm>
+          <a:custGeom>
+            <a:avLst/>
+            <a:gdLst>
+              <a:gd name="connsiteX0" fmla="*/ 0 w 12192000"/>
+              <a:gd name="connsiteY0" fmla="*/ 0 h 3049325"/>
+              <a:gd name="connsiteX1" fmla="*/ 12192000 w 12192000"/>
+              <a:gd name="connsiteY1" fmla="*/ 0 h 3049325"/>
+              <a:gd name="connsiteX2" fmla="*/ 12192000 w 12192000"/>
+              <a:gd name="connsiteY2" fmla="*/ 3049325 h 3049325"/>
+              <a:gd name="connsiteX3" fmla="*/ 0 w 12192000"/>
+              <a:gd name="connsiteY3" fmla="*/ 3049325 h 3049325"/>
+            </a:gdLst>
+            <a:ahLst/>
+            <a:cxnLst>
+              <a:cxn ang="0">
+                <a:pos x="connsiteX0" y="connsiteY0"/>
+              </a:cxn>
+              <a:cxn ang="0">
+                <a:pos x="connsiteX1" y="connsiteY1"/>
+              </a:cxn>
+              <a:cxn ang="0">
+                <a:pos x="connsiteX2" y="connsiteY2"/>
+              </a:cxn>
+              <a:cxn ang="0">
+                <a:pos x="connsiteX3" y="connsiteY3"/>
+              </a:cxn>
+            </a:cxnLst>
+            <a:rect l="l" t="t" r="r" b="b"/>
+            <a:pathLst>
+              <a:path w="12192000" h="3049325">
+                <a:moveTo>
+                  <a:pt x="0" y="0"/>
+                </a:moveTo>
+                <a:lnTo>
+                  <a:pt x="12192000" y="0"/>
+                </a:lnTo>
+                <a:lnTo>
+                  <a:pt x="12192000" y="3049325"/>
+                </a:lnTo>
+                <a:lnTo>
+                  <a:pt x="0" y="3049325"/>
+                </a:lnTo>
+                <a:close/>
+              </a:path>
+            </a:pathLst>
+          </a:custGeom>
+        </p:spPr>
+      </p:pic>
+      <p:sp>
+        <p:nvSpPr>
+          <p:cNvPr id="4" name="Titre 3">
+            <a:extLst>
+              <a:ext uri="{FF2B5EF4-FFF2-40B4-BE49-F238E27FC236}">
+                <a16:creationId xmlns:a16="http://schemas.microsoft.com/office/drawing/2014/main" id="{CEB25FC0-11D4-4833-8EE4-FD2FBF67E7A2}"/>
+              </a:ext>
+            </a:extLst>
+          </p:cNvPr>
+          <p:cNvSpPr>
+            <a:spLocks noGrp="1"/>
+          </p:cNvSpPr>
+          <p:nvPr>
+            <p:ph type="title"/>
+          </p:nvPr>
+        </p:nvSpPr>
+        <p:spPr>
+          <a:xfrm>
+            <a:off x="804484" y="1191796"/>
+            <a:ext cx="10021446" cy="2976344"/>
+          </a:xfrm>
+        </p:spPr>
+        <p:txBody>
+          <a:bodyPr vert="horz" lIns="91440" tIns="45720" rIns="91440" bIns="45720" rtlCol="0" anchor="ctr">
+            <a:normAutofit/>
+          </a:bodyPr>
+          <a:lstStyle/>
+          <a:p>
+            <a:r>
+              <a:rPr lang="en-US" sz="6600" kern="1200" dirty="0">
+                <a:solidFill>
+                  <a:srgbClr val="FFFFFF"/>
+                </a:solidFill>
+                <a:latin typeface="+mj-lt"/>
+                <a:ea typeface="+mj-ea"/>
+                <a:cs typeface="+mj-cs"/>
+              </a:rPr>
+              <a:t>Comment connecter mon </a:t>
+            </a:r>
+            <a:r>
+              <a:rPr lang="en-US" sz="6600" kern="1200" dirty="0" err="1">
+                <a:solidFill>
+                  <a:srgbClr val="FFFFFF"/>
+                </a:solidFill>
+                <a:latin typeface="+mj-lt"/>
+                <a:ea typeface="+mj-ea"/>
+                <a:cs typeface="+mj-cs"/>
+              </a:rPr>
+              <a:t>objet</a:t>
+            </a:r>
+            <a:r>
+              <a:rPr lang="en-US" sz="6600" kern="1200" dirty="0">
+                <a:solidFill>
+                  <a:srgbClr val="FFFFFF"/>
+                </a:solidFill>
+                <a:latin typeface="+mj-lt"/>
+                <a:ea typeface="+mj-ea"/>
+                <a:cs typeface="+mj-cs"/>
+              </a:rPr>
+              <a:t> ?</a:t>
+            </a:r>
+          </a:p>
+        </p:txBody>
+      </p:sp>
+      <p:sp>
+        <p:nvSpPr>
+          <p:cNvPr id="5" name="Espace réservé du texte 4">
+            <a:extLst>
+              <a:ext uri="{FF2B5EF4-FFF2-40B4-BE49-F238E27FC236}">
+                <a16:creationId xmlns:a16="http://schemas.microsoft.com/office/drawing/2014/main" id="{2769E723-F259-43EB-ADD7-21B0CBED4F50}"/>
+              </a:ext>
+            </a:extLst>
+          </p:cNvPr>
+          <p:cNvSpPr>
+            <a:spLocks noGrp="1"/>
+          </p:cNvSpPr>
+          <p:nvPr>
+            <p:ph type="body" idx="1"/>
+          </p:nvPr>
+        </p:nvSpPr>
+        <p:spPr>
+          <a:xfrm>
+            <a:off x="804788" y="5318990"/>
+            <a:ext cx="9416898" cy="723670"/>
+          </a:xfrm>
+        </p:spPr>
+        <p:txBody>
+          <a:bodyPr vert="horz" lIns="91440" tIns="45720" rIns="91440" bIns="45720" rtlCol="0" anchor="t">
+            <a:normAutofit/>
+          </a:bodyPr>
+          <a:lstStyle/>
+          <a:p>
+            <a:endParaRPr lang="en-US" sz="1800" kern="1200">
+              <a:solidFill>
+                <a:srgbClr val="000000"/>
+              </a:solidFill>
+              <a:latin typeface="+mn-lt"/>
+              <a:ea typeface="+mn-ea"/>
+              <a:cs typeface="+mn-cs"/>
+            </a:endParaRPr>
+          </a:p>
+        </p:txBody>
+      </p:sp>
+      <p:sp>
+        <p:nvSpPr>
+          <p:cNvPr id="7" name="Espace réservé du numéro de diapositive 6">
+            <a:extLst>
+              <a:ext uri="{FF2B5EF4-FFF2-40B4-BE49-F238E27FC236}">
+                <a16:creationId xmlns:a16="http://schemas.microsoft.com/office/drawing/2014/main" id="{E49AA259-9C22-4861-BFA2-DF9E2BC6F430}"/>
+              </a:ext>
+            </a:extLst>
+          </p:cNvPr>
+          <p:cNvSpPr>
+            <a:spLocks noGrp="1"/>
+          </p:cNvSpPr>
+          <p:nvPr>
+            <p:ph type="sldNum" sz="quarter" idx="12"/>
           </p:nvPr>
         </p:nvSpPr>
         <p:spPr/>
@@ -9573,17 +10721,18 @@
           <a:bodyPr/>
           <a:lstStyle/>
           <a:p>
-            <a:r>
-              <a:rPr lang="fr-BE" dirty="0"/>
-              <a:t>Envoyer une information vers un serveur</a:t>
-            </a:r>
+            <a:fld id="{7D3627B9-1F90-4568-B521-4CB3E5CC102E}" type="slidenum">
+              <a:rPr lang="fr-BE" smtClean="0"/>
+              <a:t>20</a:t>
+            </a:fld>
+            <a:endParaRPr lang="fr-BE"/>
           </a:p>
         </p:txBody>
       </p:sp>
     </p:spTree>
     <p:extLst>
       <p:ext uri="{BB962C8B-B14F-4D97-AF65-F5344CB8AC3E}">
-        <p14:creationId xmlns:p14="http://schemas.microsoft.com/office/powerpoint/2010/main" val="1120077723"/>
+        <p14:creationId xmlns:p14="http://schemas.microsoft.com/office/powerpoint/2010/main" val="2088433875"/>
       </p:ext>
     </p:extLst>
   </p:cSld>
@@ -9596,6 +10745,14 @@
 <file path=ppt/slides/slide21.xml><?xml version="1.0" encoding="utf-8"?>
 <p:sld xmlns:a="http://schemas.openxmlformats.org/drawingml/2006/main" xmlns:r="http://schemas.openxmlformats.org/officeDocument/2006/relationships" xmlns:p="http://schemas.openxmlformats.org/presentationml/2006/main">
   <p:cSld>
+    <p:bg>
+      <p:bgPr>
+        <a:solidFill>
+          <a:schemeClr val="bg1"/>
+        </a:solidFill>
+        <a:effectLst/>
+      </p:bgPr>
+    </p:bg>
     <p:spTree>
       <p:nvGrpSpPr>
         <p:cNvPr id="1" name=""/>
@@ -9612,10 +10769,10 @@
       </p:grpSpPr>
       <p:sp>
         <p:nvSpPr>
-          <p:cNvPr id="2" name="Titre 1">
+          <p:cNvPr id="11" name="Titre 10">
             <a:extLst>
               <a:ext uri="{FF2B5EF4-FFF2-40B4-BE49-F238E27FC236}">
-                <a16:creationId xmlns:a16="http://schemas.microsoft.com/office/drawing/2014/main" id="{D718C334-CD41-4112-92DE-B952B89E10D6}"/>
+                <a16:creationId xmlns:a16="http://schemas.microsoft.com/office/drawing/2014/main" id="{2C50074E-7582-4E6B-BD55-68E451F0C820}"/>
               </a:ext>
             </a:extLst>
           </p:cNvPr>
@@ -9631,27 +10788,60 @@
           <a:bodyPr/>
           <a:lstStyle/>
           <a:p>
-            <a:r>
-              <a:rPr lang="fr-BE" dirty="0"/>
-              <a:t>Exercice 7</a:t>
-            </a:r>
-          </a:p>
-        </p:txBody>
-      </p:sp>
-      <p:sp>
-        <p:nvSpPr>
-          <p:cNvPr id="3" name="Espace réservé du contenu 2">
+            <a:endParaRPr lang="fr-BE"/>
+          </a:p>
+        </p:txBody>
+      </p:sp>
+      <p:pic>
+        <p:nvPicPr>
+          <p:cNvPr id="1026" name="Picture 2" descr="RÃ©sultat de recherche d'images pour &quot;wifi network&quot;">
             <a:extLst>
               <a:ext uri="{FF2B5EF4-FFF2-40B4-BE49-F238E27FC236}">
-                <a16:creationId xmlns:a16="http://schemas.microsoft.com/office/drawing/2014/main" id="{9EB17D71-8B46-438B-BF63-8C435F610624}"/>
+                <a16:creationId xmlns:a16="http://schemas.microsoft.com/office/drawing/2014/main" id="{C5B17685-DEDC-4333-8E9E-A607C66CCDD4}"/>
               </a:ext>
             </a:extLst>
           </p:cNvPr>
-          <p:cNvSpPr>
-            <a:spLocks noGrp="1"/>
-          </p:cNvSpPr>
+          <p:cNvPicPr>
+            <a:picLocks noGrp="1" noChangeAspect="1" noChangeArrowheads="1"/>
+          </p:cNvPicPr>
           <p:nvPr>
             <p:ph idx="1"/>
+          </p:nvPr>
+        </p:nvPicPr>
+        <p:blipFill>
+          <a:blip r:embed="rId3">
+            <a:extLst>
+              <a:ext uri="{28A0092B-C50C-407E-A947-70E740481C1C}">
+                <a14:useLocalDpi xmlns:a14="http://schemas.microsoft.com/office/drawing/2010/main" val="0"/>
+              </a:ext>
+            </a:extLst>
+          </a:blip>
+          <a:srcRect/>
+          <a:stretch>
+            <a:fillRect/>
+          </a:stretch>
+        </p:blipFill>
+        <p:spPr>
+          <a:xfrm>
+            <a:off x="838200" y="279048"/>
+            <a:ext cx="6527007" cy="4351338"/>
+          </a:xfrm>
+        </p:spPr>
+      </p:pic>
+      <p:sp>
+        <p:nvSpPr>
+          <p:cNvPr id="5" name="Espace réservé du numéro de diapositive 4">
+            <a:extLst>
+              <a:ext uri="{FF2B5EF4-FFF2-40B4-BE49-F238E27FC236}">
+                <a16:creationId xmlns:a16="http://schemas.microsoft.com/office/drawing/2014/main" id="{232C31AA-FF22-4A90-858F-42568C923AAE}"/>
+              </a:ext>
+            </a:extLst>
+          </p:cNvPr>
+          <p:cNvSpPr>
+            <a:spLocks noGrp="1"/>
+          </p:cNvSpPr>
+          <p:nvPr>
+            <p:ph type="sldNum" sz="quarter" idx="12"/>
           </p:nvPr>
         </p:nvSpPr>
         <p:spPr/>
@@ -9659,23 +10849,66 @@
           <a:bodyPr/>
           <a:lstStyle/>
           <a:p>
-            <a:r>
-              <a:rPr lang="fr-BE" dirty="0"/>
-              <a:t>Recevoir l’angle souhaité d’un serveur</a:t>
-            </a:r>
-          </a:p>
-          <a:p>
-            <a:r>
-              <a:rPr lang="fr-BE" dirty="0"/>
-              <a:t>Aligner le servo sur l’angle souhaité</a:t>
-            </a:r>
-          </a:p>
-        </p:txBody>
-      </p:sp>
+            <a:fld id="{7D3627B9-1F90-4568-B521-4CB3E5CC102E}" type="slidenum">
+              <a:rPr lang="en-US" smtClean="0"/>
+              <a:pPr/>
+              <a:t>21</a:t>
+            </a:fld>
+            <a:endParaRPr lang="en-US"/>
+          </a:p>
+        </p:txBody>
+      </p:sp>
+      <p:pic>
+        <p:nvPicPr>
+          <p:cNvPr id="1028" name="Picture 4" descr="https://upload.wikimedia.org/wikipedia/commons/thumb/a/ae/WiFi_Logo.svg/815px-WiFi_Logo.svg.png">
+            <a:extLst>
+              <a:ext uri="{FF2B5EF4-FFF2-40B4-BE49-F238E27FC236}">
+                <a16:creationId xmlns:a16="http://schemas.microsoft.com/office/drawing/2014/main" id="{C48EA8F3-2B46-429A-BA43-382B8DC41E07}"/>
+              </a:ext>
+            </a:extLst>
+          </p:cNvPr>
+          <p:cNvPicPr>
+            <a:picLocks noChangeAspect="1" noChangeArrowheads="1"/>
+          </p:cNvPicPr>
+          <p:nvPr/>
+        </p:nvPicPr>
+        <p:blipFill>
+          <a:blip r:embed="rId4">
+            <a:extLst>
+              <a:ext uri="{28A0092B-C50C-407E-A947-70E740481C1C}">
+                <a14:useLocalDpi xmlns:a14="http://schemas.microsoft.com/office/drawing/2010/main" val="0"/>
+              </a:ext>
+            </a:extLst>
+          </a:blip>
+          <a:srcRect/>
+          <a:stretch>
+            <a:fillRect/>
+          </a:stretch>
+        </p:blipFill>
+        <p:spPr bwMode="auto">
+          <a:xfrm>
+            <a:off x="7518708" y="4142093"/>
+            <a:ext cx="3202914" cy="1898169"/>
+          </a:xfrm>
+          <a:prstGeom prst="rect">
+            <a:avLst/>
+          </a:prstGeom>
+          <a:noFill/>
+          <a:extLst>
+            <a:ext uri="{909E8E84-426E-40DD-AFC4-6F175D3DCCD1}">
+              <a14:hiddenFill xmlns:a14="http://schemas.microsoft.com/office/drawing/2010/main">
+                <a:solidFill>
+                  <a:srgbClr val="FFFFFF"/>
+                </a:solidFill>
+              </a14:hiddenFill>
+            </a:ext>
+          </a:extLst>
+        </p:spPr>
+      </p:pic>
     </p:spTree>
     <p:extLst>
       <p:ext uri="{BB962C8B-B14F-4D97-AF65-F5344CB8AC3E}">
-        <p14:creationId xmlns:p14="http://schemas.microsoft.com/office/powerpoint/2010/main" val="591758498"/>
+        <p14:creationId xmlns:p14="http://schemas.microsoft.com/office/powerpoint/2010/main" val="2448713363"/>
       </p:ext>
     </p:extLst>
   </p:cSld>
@@ -9707,7 +10940,7 @@
           <p:cNvPr id="2" name="Titre 1">
             <a:extLst>
               <a:ext uri="{FF2B5EF4-FFF2-40B4-BE49-F238E27FC236}">
-                <a16:creationId xmlns:a16="http://schemas.microsoft.com/office/drawing/2014/main" id="{D25CE605-B4B0-41FF-A09B-F26BF94C5583}"/>
+                <a16:creationId xmlns:a16="http://schemas.microsoft.com/office/drawing/2014/main" id="{AE6319EC-1BA5-4EE2-AA63-9FFF69F7E83E}"/>
               </a:ext>
             </a:extLst>
           </p:cNvPr>
@@ -9725,17 +10958,17 @@
           <a:p>
             <a:r>
               <a:rPr lang="fr-BE" dirty="0"/>
-              <a:t>Exercice 8</a:t>
-            </a:r>
-          </a:p>
-        </p:txBody>
-      </p:sp>
-      <p:sp>
-        <p:nvSpPr>
-          <p:cNvPr id="3" name="Espace réservé du contenu 2">
+              <a:t>Internet Protocol</a:t>
+            </a:r>
+          </a:p>
+        </p:txBody>
+      </p:sp>
+      <p:sp>
+        <p:nvSpPr>
+          <p:cNvPr id="4" name="Espace réservé du numéro de diapositive 3">
             <a:extLst>
               <a:ext uri="{FF2B5EF4-FFF2-40B4-BE49-F238E27FC236}">
-                <a16:creationId xmlns:a16="http://schemas.microsoft.com/office/drawing/2014/main" id="{870D794D-99E5-47BF-8380-3738DFD6386A}"/>
+                <a16:creationId xmlns:a16="http://schemas.microsoft.com/office/drawing/2014/main" id="{6304782B-5E61-459C-A974-4F99A2881FC8}"/>
               </a:ext>
             </a:extLst>
           </p:cNvPr>
@@ -9743,7 +10976,7 @@
             <a:spLocks noGrp="1"/>
           </p:cNvSpPr>
           <p:nvPr>
-            <p:ph idx="1"/>
+            <p:ph type="sldNum" sz="quarter" idx="12"/>
           </p:nvPr>
         </p:nvSpPr>
         <p:spPr/>
@@ -9751,17 +10984,733 @@
           <a:bodyPr/>
           <a:lstStyle/>
           <a:p>
-            <a:r>
-              <a:rPr lang="fr-BE" dirty="0"/>
-              <a:t>Mettre l’exercice 7 en boîte</a:t>
-            </a:r>
-          </a:p>
-        </p:txBody>
-      </p:sp>
+            <a:fld id="{7D3627B9-1F90-4568-B521-4CB3E5CC102E}" type="slidenum">
+              <a:rPr lang="fr-BE" smtClean="0"/>
+              <a:pPr/>
+              <a:t>22</a:t>
+            </a:fld>
+            <a:endParaRPr lang="fr-BE"/>
+          </a:p>
+        </p:txBody>
+      </p:sp>
+      <p:grpSp>
+        <p:nvGrpSpPr>
+          <p:cNvPr id="926" name="Groupe 925">
+            <a:extLst>
+              <a:ext uri="{FF2B5EF4-FFF2-40B4-BE49-F238E27FC236}">
+                <a16:creationId xmlns:a16="http://schemas.microsoft.com/office/drawing/2014/main" id="{FB4E8266-4661-46A9-8BCD-306EA03B4450}"/>
+              </a:ext>
+            </a:extLst>
+          </p:cNvPr>
+          <p:cNvGrpSpPr/>
+          <p:nvPr/>
+        </p:nvGrpSpPr>
+        <p:grpSpPr>
+          <a:xfrm>
+            <a:off x="2582176" y="1578182"/>
+            <a:ext cx="7400024" cy="5279818"/>
+            <a:chOff x="3663219" y="1351335"/>
+            <a:chExt cx="7400024" cy="5279818"/>
+          </a:xfrm>
+        </p:grpSpPr>
+        <p:pic>
+          <p:nvPicPr>
+            <p:cNvPr id="910" name="Graphique 909" descr="Enveloppe">
+              <a:extLst>
+                <a:ext uri="{FF2B5EF4-FFF2-40B4-BE49-F238E27FC236}">
+                  <a16:creationId xmlns:a16="http://schemas.microsoft.com/office/drawing/2014/main" id="{B2D46F52-3EDB-4BBD-A8CB-DADA39580D44}"/>
+                </a:ext>
+              </a:extLst>
+            </p:cNvPr>
+            <p:cNvPicPr>
+              <a:picLocks noChangeAspect="1"/>
+            </p:cNvPicPr>
+            <p:nvPr/>
+          </p:nvPicPr>
+          <p:blipFill>
+            <a:blip r:embed="rId2">
+              <a:extLst>
+                <a:ext uri="{28A0092B-C50C-407E-A947-70E740481C1C}">
+                  <a14:useLocalDpi xmlns:a14="http://schemas.microsoft.com/office/drawing/2010/main" val="0"/>
+                </a:ext>
+                <a:ext uri="{96DAC541-7B7A-43D3-8B79-37D633B846F1}">
+                  <asvg:svgBlip xmlns:asvg="http://schemas.microsoft.com/office/drawing/2016/SVG/main" r:embed="rId3"/>
+                </a:ext>
+              </a:extLst>
+            </a:blip>
+            <a:stretch>
+              <a:fillRect/>
+            </a:stretch>
+          </p:blipFill>
+          <p:spPr>
+            <a:xfrm>
+              <a:off x="4751381" y="1779692"/>
+              <a:ext cx="621707" cy="621707"/>
+            </a:xfrm>
+            <a:prstGeom prst="rect">
+              <a:avLst/>
+            </a:prstGeom>
+          </p:spPr>
+        </p:pic>
+        <p:pic>
+          <p:nvPicPr>
+            <p:cNvPr id="911" name="Graphique 910" descr="Domicile">
+              <a:extLst>
+                <a:ext uri="{FF2B5EF4-FFF2-40B4-BE49-F238E27FC236}">
+                  <a16:creationId xmlns:a16="http://schemas.microsoft.com/office/drawing/2014/main" id="{561036EF-E119-4F65-91FA-2C7EDA6C9B7E}"/>
+                </a:ext>
+              </a:extLst>
+            </p:cNvPr>
+            <p:cNvPicPr>
+              <a:picLocks noChangeAspect="1"/>
+            </p:cNvPicPr>
+            <p:nvPr/>
+          </p:nvPicPr>
+          <p:blipFill>
+            <a:blip r:embed="rId4">
+              <a:extLst>
+                <a:ext uri="{28A0092B-C50C-407E-A947-70E740481C1C}">
+                  <a14:useLocalDpi xmlns:a14="http://schemas.microsoft.com/office/drawing/2010/main" val="0"/>
+                </a:ext>
+                <a:ext uri="{96DAC541-7B7A-43D3-8B79-37D633B846F1}">
+                  <asvg:svgBlip xmlns:asvg="http://schemas.microsoft.com/office/drawing/2016/SVG/main" r:embed="rId5"/>
+                </a:ext>
+              </a:extLst>
+            </a:blip>
+            <a:stretch>
+              <a:fillRect/>
+            </a:stretch>
+          </p:blipFill>
+          <p:spPr>
+            <a:xfrm>
+              <a:off x="3663219" y="1368425"/>
+              <a:ext cx="914400" cy="914400"/>
+            </a:xfrm>
+            <a:prstGeom prst="rect">
+              <a:avLst/>
+            </a:prstGeom>
+          </p:spPr>
+        </p:pic>
+        <p:pic>
+          <p:nvPicPr>
+            <p:cNvPr id="912" name="Graphique 911" descr="Domicile">
+              <a:extLst>
+                <a:ext uri="{FF2B5EF4-FFF2-40B4-BE49-F238E27FC236}">
+                  <a16:creationId xmlns:a16="http://schemas.microsoft.com/office/drawing/2014/main" id="{A63FEAC2-3610-4ACF-9EBB-F4B2C9BFA982}"/>
+                </a:ext>
+              </a:extLst>
+            </p:cNvPr>
+            <p:cNvPicPr>
+              <a:picLocks noChangeAspect="1"/>
+            </p:cNvPicPr>
+            <p:nvPr/>
+          </p:nvPicPr>
+          <p:blipFill>
+            <a:blip r:embed="rId6">
+              <a:extLst>
+                <a:ext uri="{28A0092B-C50C-407E-A947-70E740481C1C}">
+                  <a14:useLocalDpi xmlns:a14="http://schemas.microsoft.com/office/drawing/2010/main" val="0"/>
+                </a:ext>
+                <a:ext uri="{96DAC541-7B7A-43D3-8B79-37D633B846F1}">
+                  <asvg:svgBlip xmlns:asvg="http://schemas.microsoft.com/office/drawing/2016/SVG/main" r:embed="rId7"/>
+                </a:ext>
+              </a:extLst>
+            </a:blip>
+            <a:stretch>
+              <a:fillRect/>
+            </a:stretch>
+          </p:blipFill>
+          <p:spPr>
+            <a:xfrm>
+              <a:off x="6760357" y="5471934"/>
+              <a:ext cx="914400" cy="914400"/>
+            </a:xfrm>
+            <a:prstGeom prst="rect">
+              <a:avLst/>
+            </a:prstGeom>
+          </p:spPr>
+        </p:pic>
+        <p:sp>
+          <p:nvSpPr>
+            <p:cNvPr id="913" name="Ellipse 912">
+              <a:extLst>
+                <a:ext uri="{FF2B5EF4-FFF2-40B4-BE49-F238E27FC236}">
+                  <a16:creationId xmlns:a16="http://schemas.microsoft.com/office/drawing/2014/main" id="{F3DD0F6A-FC62-4D00-8EA4-88F7DD1F1508}"/>
+                </a:ext>
+              </a:extLst>
+            </p:cNvPr>
+            <p:cNvSpPr/>
+            <p:nvPr/>
+          </p:nvSpPr>
+          <p:spPr>
+            <a:xfrm>
+              <a:off x="10729957" y="1653470"/>
+              <a:ext cx="333286" cy="333286"/>
+            </a:xfrm>
+            <a:prstGeom prst="ellipse">
+              <a:avLst/>
+            </a:prstGeom>
+          </p:spPr>
+          <p:style>
+            <a:lnRef idx="2">
+              <a:schemeClr val="dk1">
+                <a:shade val="50000"/>
+              </a:schemeClr>
+            </a:lnRef>
+            <a:fillRef idx="1">
+              <a:schemeClr val="dk1"/>
+            </a:fillRef>
+            <a:effectRef idx="0">
+              <a:schemeClr val="dk1"/>
+            </a:effectRef>
+            <a:fontRef idx="minor">
+              <a:schemeClr val="lt1"/>
+            </a:fontRef>
+          </p:style>
+          <p:txBody>
+            <a:bodyPr rtlCol="0" anchor="ctr"/>
+            <a:lstStyle/>
+            <a:p>
+              <a:pPr algn="ctr"/>
+              <a:endParaRPr lang="fr-BE"/>
+            </a:p>
+          </p:txBody>
+        </p:sp>
+        <p:sp>
+          <p:nvSpPr>
+            <p:cNvPr id="914" name="Ellipse 913">
+              <a:extLst>
+                <a:ext uri="{FF2B5EF4-FFF2-40B4-BE49-F238E27FC236}">
+                  <a16:creationId xmlns:a16="http://schemas.microsoft.com/office/drawing/2014/main" id="{396F795E-1E0E-4DFD-875A-FFFF04A6317C}"/>
+                </a:ext>
+              </a:extLst>
+            </p:cNvPr>
+            <p:cNvSpPr/>
+            <p:nvPr/>
+          </p:nvSpPr>
+          <p:spPr>
+            <a:xfrm>
+              <a:off x="3953776" y="3866751"/>
+              <a:ext cx="333286" cy="333286"/>
+            </a:xfrm>
+            <a:prstGeom prst="ellipse">
+              <a:avLst/>
+            </a:prstGeom>
+          </p:spPr>
+          <p:style>
+            <a:lnRef idx="2">
+              <a:schemeClr val="dk1">
+                <a:shade val="50000"/>
+              </a:schemeClr>
+            </a:lnRef>
+            <a:fillRef idx="1">
+              <a:schemeClr val="dk1"/>
+            </a:fillRef>
+            <a:effectRef idx="0">
+              <a:schemeClr val="dk1"/>
+            </a:effectRef>
+            <a:fontRef idx="minor">
+              <a:schemeClr val="lt1"/>
+            </a:fontRef>
+          </p:style>
+          <p:txBody>
+            <a:bodyPr rtlCol="0" anchor="ctr"/>
+            <a:lstStyle/>
+            <a:p>
+              <a:pPr algn="ctr"/>
+              <a:endParaRPr lang="fr-BE"/>
+            </a:p>
+          </p:txBody>
+        </p:sp>
+        <p:sp>
+          <p:nvSpPr>
+            <p:cNvPr id="915" name="Ellipse 914">
+              <a:extLst>
+                <a:ext uri="{FF2B5EF4-FFF2-40B4-BE49-F238E27FC236}">
+                  <a16:creationId xmlns:a16="http://schemas.microsoft.com/office/drawing/2014/main" id="{D7961BE1-C278-4943-BF49-D6F1386B774F}"/>
+                </a:ext>
+              </a:extLst>
+            </p:cNvPr>
+            <p:cNvSpPr/>
+            <p:nvPr/>
+          </p:nvSpPr>
+          <p:spPr>
+            <a:xfrm>
+              <a:off x="10729957" y="3866751"/>
+              <a:ext cx="333286" cy="333286"/>
+            </a:xfrm>
+            <a:prstGeom prst="ellipse">
+              <a:avLst/>
+            </a:prstGeom>
+          </p:spPr>
+          <p:style>
+            <a:lnRef idx="2">
+              <a:schemeClr val="dk1">
+                <a:shade val="50000"/>
+              </a:schemeClr>
+            </a:lnRef>
+            <a:fillRef idx="1">
+              <a:schemeClr val="dk1"/>
+            </a:fillRef>
+            <a:effectRef idx="0">
+              <a:schemeClr val="dk1"/>
+            </a:effectRef>
+            <a:fontRef idx="minor">
+              <a:schemeClr val="lt1"/>
+            </a:fontRef>
+          </p:style>
+          <p:txBody>
+            <a:bodyPr rtlCol="0" anchor="ctr"/>
+            <a:lstStyle/>
+            <a:p>
+              <a:pPr algn="ctr"/>
+              <a:endParaRPr lang="fr-BE"/>
+            </a:p>
+          </p:txBody>
+        </p:sp>
+        <p:cxnSp>
+          <p:nvCxnSpPr>
+            <p:cNvPr id="916" name="Connecteur droit avec flèche 915">
+              <a:extLst>
+                <a:ext uri="{FF2B5EF4-FFF2-40B4-BE49-F238E27FC236}">
+                  <a16:creationId xmlns:a16="http://schemas.microsoft.com/office/drawing/2014/main" id="{B2B52283-D0E9-4A88-BF20-D2BFCE868AD2}"/>
+                </a:ext>
+              </a:extLst>
+            </p:cNvPr>
+            <p:cNvCxnSpPr>
+              <a:stCxn id="911" idx="3"/>
+              <a:endCxn id="913" idx="2"/>
+            </p:cNvCxnSpPr>
+            <p:nvPr/>
+          </p:nvCxnSpPr>
+          <p:spPr>
+            <a:xfrm flipV="1">
+              <a:off x="4577619" y="1820113"/>
+              <a:ext cx="6152338" cy="5512"/>
+            </a:xfrm>
+            <a:prstGeom prst="straightConnector1">
+              <a:avLst/>
+            </a:prstGeom>
+            <a:ln w="38100" cap="flat" cmpd="sng" algn="ctr">
+              <a:solidFill>
+                <a:schemeClr val="bg1">
+                  <a:lumMod val="65000"/>
+                </a:schemeClr>
+              </a:solidFill>
+              <a:prstDash val="dash"/>
+              <a:round/>
+              <a:headEnd type="none" w="med" len="med"/>
+              <a:tailEnd type="arrow" w="med" len="med"/>
+            </a:ln>
+          </p:spPr>
+          <p:style>
+            <a:lnRef idx="0">
+              <a:scrgbClr r="0" g="0" b="0"/>
+            </a:lnRef>
+            <a:fillRef idx="0">
+              <a:scrgbClr r="0" g="0" b="0"/>
+            </a:fillRef>
+            <a:effectRef idx="0">
+              <a:scrgbClr r="0" g="0" b="0"/>
+            </a:effectRef>
+            <a:fontRef idx="minor">
+              <a:schemeClr val="tx1"/>
+            </a:fontRef>
+          </p:style>
+        </p:cxnSp>
+        <p:cxnSp>
+          <p:nvCxnSpPr>
+            <p:cNvPr id="917" name="Connecteur droit avec flèche 916">
+              <a:extLst>
+                <a:ext uri="{FF2B5EF4-FFF2-40B4-BE49-F238E27FC236}">
+                  <a16:creationId xmlns:a16="http://schemas.microsoft.com/office/drawing/2014/main" id="{7FD82D56-AC3C-4CCA-B756-6E1881CCE3E2}"/>
+                </a:ext>
+              </a:extLst>
+            </p:cNvPr>
+            <p:cNvCxnSpPr>
+              <a:cxnSpLocks/>
+              <a:stCxn id="913" idx="3"/>
+              <a:endCxn id="914" idx="7"/>
+            </p:cNvCxnSpPr>
+            <p:nvPr/>
+          </p:nvCxnSpPr>
+          <p:spPr>
+            <a:xfrm flipH="1">
+              <a:off x="4238253" y="1937947"/>
+              <a:ext cx="6540513" cy="1977613"/>
+            </a:xfrm>
+            <a:prstGeom prst="straightConnector1">
+              <a:avLst/>
+            </a:prstGeom>
+            <a:ln w="38100" cap="flat" cmpd="sng" algn="ctr">
+              <a:solidFill>
+                <a:schemeClr val="bg1">
+                  <a:lumMod val="65000"/>
+                </a:schemeClr>
+              </a:solidFill>
+              <a:prstDash val="dash"/>
+              <a:round/>
+              <a:headEnd type="none" w="med" len="med"/>
+              <a:tailEnd type="arrow" w="med" len="med"/>
+            </a:ln>
+          </p:spPr>
+          <p:style>
+            <a:lnRef idx="0">
+              <a:scrgbClr r="0" g="0" b="0"/>
+            </a:lnRef>
+            <a:fillRef idx="0">
+              <a:scrgbClr r="0" g="0" b="0"/>
+            </a:fillRef>
+            <a:effectRef idx="0">
+              <a:scrgbClr r="0" g="0" b="0"/>
+            </a:effectRef>
+            <a:fontRef idx="minor">
+              <a:schemeClr val="tx1"/>
+            </a:fontRef>
+          </p:style>
+        </p:cxnSp>
+        <p:cxnSp>
+          <p:nvCxnSpPr>
+            <p:cNvPr id="918" name="Connecteur droit avec flèche 917">
+              <a:extLst>
+                <a:ext uri="{FF2B5EF4-FFF2-40B4-BE49-F238E27FC236}">
+                  <a16:creationId xmlns:a16="http://schemas.microsoft.com/office/drawing/2014/main" id="{2FA22DF6-A6F6-4C62-91B9-C51459D62EF7}"/>
+                </a:ext>
+              </a:extLst>
+            </p:cNvPr>
+            <p:cNvCxnSpPr>
+              <a:cxnSpLocks/>
+              <a:stCxn id="914" idx="6"/>
+              <a:endCxn id="915" idx="2"/>
+            </p:cNvCxnSpPr>
+            <p:nvPr/>
+          </p:nvCxnSpPr>
+          <p:spPr>
+            <a:xfrm>
+              <a:off x="4287062" y="4033394"/>
+              <a:ext cx="6442895" cy="0"/>
+            </a:xfrm>
+            <a:prstGeom prst="straightConnector1">
+              <a:avLst/>
+            </a:prstGeom>
+            <a:ln w="38100" cap="flat" cmpd="sng" algn="ctr">
+              <a:solidFill>
+                <a:schemeClr val="bg1">
+                  <a:lumMod val="65000"/>
+                </a:schemeClr>
+              </a:solidFill>
+              <a:prstDash val="dash"/>
+              <a:round/>
+              <a:headEnd type="none" w="med" len="med"/>
+              <a:tailEnd type="arrow" w="med" len="med"/>
+            </a:ln>
+          </p:spPr>
+          <p:style>
+            <a:lnRef idx="0">
+              <a:scrgbClr r="0" g="0" b="0"/>
+            </a:lnRef>
+            <a:fillRef idx="0">
+              <a:scrgbClr r="0" g="0" b="0"/>
+            </a:fillRef>
+            <a:effectRef idx="0">
+              <a:scrgbClr r="0" g="0" b="0"/>
+            </a:effectRef>
+            <a:fontRef idx="minor">
+              <a:schemeClr val="tx1"/>
+            </a:fontRef>
+          </p:style>
+        </p:cxnSp>
+        <p:cxnSp>
+          <p:nvCxnSpPr>
+            <p:cNvPr id="919" name="Connecteur droit avec flèche 918">
+              <a:extLst>
+                <a:ext uri="{FF2B5EF4-FFF2-40B4-BE49-F238E27FC236}">
+                  <a16:creationId xmlns:a16="http://schemas.microsoft.com/office/drawing/2014/main" id="{15009CA4-F731-445E-A7EB-E5BC362F1CAF}"/>
+                </a:ext>
+              </a:extLst>
+            </p:cNvPr>
+            <p:cNvCxnSpPr>
+              <a:cxnSpLocks/>
+              <a:stCxn id="915" idx="3"/>
+              <a:endCxn id="912" idx="0"/>
+            </p:cNvCxnSpPr>
+            <p:nvPr/>
+          </p:nvCxnSpPr>
+          <p:spPr>
+            <a:xfrm flipH="1">
+              <a:off x="7217557" y="4151228"/>
+              <a:ext cx="3561209" cy="1320706"/>
+            </a:xfrm>
+            <a:prstGeom prst="straightConnector1">
+              <a:avLst/>
+            </a:prstGeom>
+            <a:ln w="38100" cap="flat" cmpd="sng" algn="ctr">
+              <a:solidFill>
+                <a:schemeClr val="bg1">
+                  <a:lumMod val="65000"/>
+                </a:schemeClr>
+              </a:solidFill>
+              <a:prstDash val="dash"/>
+              <a:round/>
+              <a:headEnd type="none" w="med" len="med"/>
+              <a:tailEnd type="arrow" w="med" len="med"/>
+            </a:ln>
+          </p:spPr>
+          <p:style>
+            <a:lnRef idx="0">
+              <a:scrgbClr r="0" g="0" b="0"/>
+            </a:lnRef>
+            <a:fillRef idx="0">
+              <a:scrgbClr r="0" g="0" b="0"/>
+            </a:fillRef>
+            <a:effectRef idx="0">
+              <a:scrgbClr r="0" g="0" b="0"/>
+            </a:effectRef>
+            <a:fontRef idx="minor">
+              <a:schemeClr val="tx1"/>
+            </a:fontRef>
+          </p:style>
+        </p:cxnSp>
+        <p:pic>
+          <p:nvPicPr>
+            <p:cNvPr id="920" name="Graphique 919" descr="Avion">
+              <a:extLst>
+                <a:ext uri="{FF2B5EF4-FFF2-40B4-BE49-F238E27FC236}">
+                  <a16:creationId xmlns:a16="http://schemas.microsoft.com/office/drawing/2014/main" id="{B45A25E4-0680-4BB8-AC15-F2227099EEB5}"/>
+                </a:ext>
+              </a:extLst>
+            </p:cNvPr>
+            <p:cNvPicPr>
+              <a:picLocks noChangeAspect="1"/>
+            </p:cNvPicPr>
+            <p:nvPr/>
+          </p:nvPicPr>
+          <p:blipFill>
+            <a:blip r:embed="rId8">
+              <a:extLst>
+                <a:ext uri="{28A0092B-C50C-407E-A947-70E740481C1C}">
+                  <a14:useLocalDpi xmlns:a14="http://schemas.microsoft.com/office/drawing/2010/main" val="0"/>
+                </a:ext>
+                <a:ext uri="{96DAC541-7B7A-43D3-8B79-37D633B846F1}">
+                  <asvg:svgBlip xmlns:asvg="http://schemas.microsoft.com/office/drawing/2016/SVG/main" r:embed="rId9"/>
+                </a:ext>
+              </a:extLst>
+            </a:blip>
+            <a:stretch>
+              <a:fillRect/>
+            </a:stretch>
+          </p:blipFill>
+          <p:spPr>
+            <a:xfrm>
+              <a:off x="6760357" y="2407482"/>
+              <a:ext cx="914400" cy="914400"/>
+            </a:xfrm>
+            <a:prstGeom prst="rect">
+              <a:avLst/>
+            </a:prstGeom>
+          </p:spPr>
+        </p:pic>
+        <p:pic>
+          <p:nvPicPr>
+            <p:cNvPr id="921" name="Graphique 920" descr="Camion">
+              <a:extLst>
+                <a:ext uri="{FF2B5EF4-FFF2-40B4-BE49-F238E27FC236}">
+                  <a16:creationId xmlns:a16="http://schemas.microsoft.com/office/drawing/2014/main" id="{EB75CAE1-EF8F-4C29-B74B-67AC3633FCDE}"/>
+                </a:ext>
+              </a:extLst>
+            </p:cNvPr>
+            <p:cNvPicPr>
+              <a:picLocks noChangeAspect="1"/>
+            </p:cNvPicPr>
+            <p:nvPr/>
+          </p:nvPicPr>
+          <p:blipFill>
+            <a:blip r:embed="rId10">
+              <a:extLst>
+                <a:ext uri="{28A0092B-C50C-407E-A947-70E740481C1C}">
+                  <a14:useLocalDpi xmlns:a14="http://schemas.microsoft.com/office/drawing/2010/main" val="0"/>
+                </a:ext>
+                <a:ext uri="{96DAC541-7B7A-43D3-8B79-37D633B846F1}">
+                  <asvg:svgBlip xmlns:asvg="http://schemas.microsoft.com/office/drawing/2016/SVG/main" r:embed="rId11"/>
+                </a:ext>
+              </a:extLst>
+            </a:blip>
+            <a:stretch>
+              <a:fillRect/>
+            </a:stretch>
+          </p:blipFill>
+          <p:spPr>
+            <a:xfrm>
+              <a:off x="6760357" y="1351335"/>
+              <a:ext cx="914400" cy="914400"/>
+            </a:xfrm>
+            <a:prstGeom prst="rect">
+              <a:avLst/>
+            </a:prstGeom>
+          </p:spPr>
+        </p:pic>
+        <p:pic>
+          <p:nvPicPr>
+            <p:cNvPr id="922" name="Graphique 921" descr="Train">
+              <a:extLst>
+                <a:ext uri="{FF2B5EF4-FFF2-40B4-BE49-F238E27FC236}">
+                  <a16:creationId xmlns:a16="http://schemas.microsoft.com/office/drawing/2014/main" id="{EFCB01C6-C2D1-4197-8BDE-64F058F817BA}"/>
+                </a:ext>
+              </a:extLst>
+            </p:cNvPr>
+            <p:cNvPicPr>
+              <a:picLocks noChangeAspect="1"/>
+            </p:cNvPicPr>
+            <p:nvPr/>
+          </p:nvPicPr>
+          <p:blipFill>
+            <a:blip r:embed="rId12">
+              <a:extLst>
+                <a:ext uri="{28A0092B-C50C-407E-A947-70E740481C1C}">
+                  <a14:useLocalDpi xmlns:a14="http://schemas.microsoft.com/office/drawing/2010/main" val="0"/>
+                </a:ext>
+                <a:ext uri="{96DAC541-7B7A-43D3-8B79-37D633B846F1}">
+                  <asvg:svgBlip xmlns:asvg="http://schemas.microsoft.com/office/drawing/2016/SVG/main" r:embed="rId13"/>
+                </a:ext>
+              </a:extLst>
+            </a:blip>
+            <a:stretch>
+              <a:fillRect/>
+            </a:stretch>
+          </p:blipFill>
+          <p:spPr>
+            <a:xfrm>
+              <a:off x="6760357" y="3767647"/>
+              <a:ext cx="914400" cy="914400"/>
+            </a:xfrm>
+            <a:prstGeom prst="rect">
+              <a:avLst/>
+            </a:prstGeom>
+          </p:spPr>
+        </p:pic>
+        <p:pic>
+          <p:nvPicPr>
+            <p:cNvPr id="923" name="Graphique 922" descr="Fusée">
+              <a:extLst>
+                <a:ext uri="{FF2B5EF4-FFF2-40B4-BE49-F238E27FC236}">
+                  <a16:creationId xmlns:a16="http://schemas.microsoft.com/office/drawing/2014/main" id="{A3D50C19-C1DC-46C3-AB23-B4BD140E22F5}"/>
+                </a:ext>
+              </a:extLst>
+            </p:cNvPr>
+            <p:cNvPicPr>
+              <a:picLocks noChangeAspect="1"/>
+            </p:cNvPicPr>
+            <p:nvPr/>
+          </p:nvPicPr>
+          <p:blipFill>
+            <a:blip r:embed="rId14">
+              <a:extLst>
+                <a:ext uri="{28A0092B-C50C-407E-A947-70E740481C1C}">
+                  <a14:useLocalDpi xmlns:a14="http://schemas.microsoft.com/office/drawing/2010/main" val="0"/>
+                </a:ext>
+                <a:ext uri="{96DAC541-7B7A-43D3-8B79-37D633B846F1}">
+                  <asvg:svgBlip xmlns:asvg="http://schemas.microsoft.com/office/drawing/2016/SVG/main" r:embed="rId15"/>
+                </a:ext>
+              </a:extLst>
+            </a:blip>
+            <a:stretch>
+              <a:fillRect/>
+            </a:stretch>
+          </p:blipFill>
+          <p:spPr>
+            <a:xfrm>
+              <a:off x="8253484" y="4624483"/>
+              <a:ext cx="914400" cy="914400"/>
+            </a:xfrm>
+            <a:prstGeom prst="rect">
+              <a:avLst/>
+            </a:prstGeom>
+          </p:spPr>
+        </p:pic>
+        <p:sp>
+          <p:nvSpPr>
+            <p:cNvPr id="924" name="ZoneTexte 923">
+              <a:extLst>
+                <a:ext uri="{FF2B5EF4-FFF2-40B4-BE49-F238E27FC236}">
+                  <a16:creationId xmlns:a16="http://schemas.microsoft.com/office/drawing/2014/main" id="{881247AB-F31A-426B-84EB-AD01D054FB4C}"/>
+                </a:ext>
+              </a:extLst>
+            </p:cNvPr>
+            <p:cNvSpPr txBox="1"/>
+            <p:nvPr/>
+          </p:nvSpPr>
+          <p:spPr>
+            <a:xfrm>
+              <a:off x="3741888" y="2113319"/>
+              <a:ext cx="808042" cy="369332"/>
+            </a:xfrm>
+            <a:prstGeom prst="rect">
+              <a:avLst/>
+            </a:prstGeom>
+            <a:noFill/>
+          </p:spPr>
+          <p:txBody>
+            <a:bodyPr wrap="none" rtlCol="0">
+              <a:spAutoFit/>
+            </a:bodyPr>
+            <a:lstStyle/>
+            <a:p>
+              <a:r>
+                <a:rPr lang="fr-BE" dirty="0">
+                  <a:solidFill>
+                    <a:schemeClr val="accent3"/>
+                  </a:solidFill>
+                </a:rPr>
+                <a:t>source</a:t>
+              </a:r>
+            </a:p>
+          </p:txBody>
+        </p:sp>
+        <p:sp>
+          <p:nvSpPr>
+            <p:cNvPr id="925" name="ZoneTexte 924">
+              <a:extLst>
+                <a:ext uri="{FF2B5EF4-FFF2-40B4-BE49-F238E27FC236}">
+                  <a16:creationId xmlns:a16="http://schemas.microsoft.com/office/drawing/2014/main" id="{1F56E503-197A-4B39-9681-49F83556EF67}"/>
+                </a:ext>
+              </a:extLst>
+            </p:cNvPr>
+            <p:cNvSpPr txBox="1"/>
+            <p:nvPr/>
+          </p:nvSpPr>
+          <p:spPr>
+            <a:xfrm>
+              <a:off x="6567828" y="6261821"/>
+              <a:ext cx="1299458" cy="369332"/>
+            </a:xfrm>
+            <a:prstGeom prst="rect">
+              <a:avLst/>
+            </a:prstGeom>
+            <a:noFill/>
+          </p:spPr>
+          <p:txBody>
+            <a:bodyPr wrap="none" rtlCol="0">
+              <a:spAutoFit/>
+            </a:bodyPr>
+            <a:lstStyle/>
+            <a:p>
+              <a:pPr algn="ctr"/>
+              <a:r>
+                <a:rPr lang="fr-BE" dirty="0">
+                  <a:solidFill>
+                    <a:schemeClr val="accent5"/>
+                  </a:solidFill>
+                </a:rPr>
+                <a:t>destinataire</a:t>
+              </a:r>
+            </a:p>
+          </p:txBody>
+        </p:sp>
+      </p:grpSp>
     </p:spTree>
     <p:extLst>
       <p:ext uri="{BB962C8B-B14F-4D97-AF65-F5344CB8AC3E}">
-        <p14:creationId xmlns:p14="http://schemas.microsoft.com/office/powerpoint/2010/main" val="2790044662"/>
+        <p14:creationId xmlns:p14="http://schemas.microsoft.com/office/powerpoint/2010/main" val="2060044147"/>
       </p:ext>
     </p:extLst>
   </p:cSld>
@@ -9772,6 +11721,1319 @@
 </file>
 
 <file path=ppt/slides/slide23.xml><?xml version="1.0" encoding="utf-8"?>
+<p:sld xmlns:a="http://schemas.openxmlformats.org/drawingml/2006/main" xmlns:r="http://schemas.openxmlformats.org/officeDocument/2006/relationships" xmlns:p="http://schemas.openxmlformats.org/presentationml/2006/main">
+  <p:cSld>
+    <p:spTree>
+      <p:nvGrpSpPr>
+        <p:cNvPr id="1" name=""/>
+        <p:cNvGrpSpPr/>
+        <p:nvPr/>
+      </p:nvGrpSpPr>
+      <p:grpSpPr>
+        <a:xfrm>
+          <a:off x="0" y="0"/>
+          <a:ext cx="0" cy="0"/>
+          <a:chOff x="0" y="0"/>
+          <a:chExt cx="0" cy="0"/>
+        </a:xfrm>
+      </p:grpSpPr>
+      <p:sp>
+        <p:nvSpPr>
+          <p:cNvPr id="4" name="Espace réservé du numéro de diapositive 3">
+            <a:extLst>
+              <a:ext uri="{FF2B5EF4-FFF2-40B4-BE49-F238E27FC236}">
+                <a16:creationId xmlns:a16="http://schemas.microsoft.com/office/drawing/2014/main" id="{40B29775-FB27-4B50-8AF5-3E0C32DEA5E5}"/>
+              </a:ext>
+            </a:extLst>
+          </p:cNvPr>
+          <p:cNvSpPr>
+            <a:spLocks noGrp="1"/>
+          </p:cNvSpPr>
+          <p:nvPr>
+            <p:ph type="sldNum" sz="quarter" idx="12"/>
+          </p:nvPr>
+        </p:nvSpPr>
+        <p:spPr/>
+        <p:txBody>
+          <a:bodyPr/>
+          <a:lstStyle/>
+          <a:p>
+            <a:fld id="{7D3627B9-1F90-4568-B521-4CB3E5CC102E}" type="slidenum">
+              <a:rPr lang="fr-BE" smtClean="0"/>
+              <a:t>23</a:t>
+            </a:fld>
+            <a:endParaRPr lang="fr-BE"/>
+          </a:p>
+        </p:txBody>
+      </p:sp>
+      <p:grpSp>
+        <p:nvGrpSpPr>
+          <p:cNvPr id="11" name="Groupe 10">
+            <a:extLst>
+              <a:ext uri="{FF2B5EF4-FFF2-40B4-BE49-F238E27FC236}">
+                <a16:creationId xmlns:a16="http://schemas.microsoft.com/office/drawing/2014/main" id="{356683CF-5B42-4C93-A14B-862A590A5C23}"/>
+              </a:ext>
+            </a:extLst>
+          </p:cNvPr>
+          <p:cNvGrpSpPr/>
+          <p:nvPr/>
+        </p:nvGrpSpPr>
+        <p:grpSpPr>
+          <a:xfrm>
+            <a:off x="838198" y="1253331"/>
+            <a:ext cx="10515601" cy="4351339"/>
+            <a:chOff x="838198" y="1823682"/>
+            <a:chExt cx="10515601" cy="4351339"/>
+          </a:xfrm>
+        </p:grpSpPr>
+        <p:sp>
+          <p:nvSpPr>
+            <p:cNvPr id="5" name="Rectangle 4">
+              <a:extLst>
+                <a:ext uri="{FF2B5EF4-FFF2-40B4-BE49-F238E27FC236}">
+                  <a16:creationId xmlns:a16="http://schemas.microsoft.com/office/drawing/2014/main" id="{EF40113C-9193-4407-A0D2-6FF7AE52DA1E}"/>
+                </a:ext>
+              </a:extLst>
+            </p:cNvPr>
+            <p:cNvSpPr/>
+            <p:nvPr/>
+          </p:nvSpPr>
+          <p:spPr>
+            <a:xfrm>
+              <a:off x="838198" y="1823682"/>
+              <a:ext cx="10515601" cy="4351339"/>
+            </a:xfrm>
+            <a:prstGeom prst="rect">
+              <a:avLst/>
+            </a:prstGeom>
+          </p:spPr>
+          <p:style>
+            <a:lnRef idx="2">
+              <a:schemeClr val="dk1"/>
+            </a:lnRef>
+            <a:fillRef idx="1">
+              <a:schemeClr val="lt1"/>
+            </a:fillRef>
+            <a:effectRef idx="0">
+              <a:schemeClr val="dk1"/>
+            </a:effectRef>
+            <a:fontRef idx="minor">
+              <a:schemeClr val="dk1"/>
+            </a:fontRef>
+          </p:style>
+          <p:txBody>
+            <a:bodyPr rtlCol="0" anchor="ctr"/>
+            <a:lstStyle/>
+            <a:p>
+              <a:pPr algn="ctr"/>
+              <a:endParaRPr lang="fr-BE" dirty="0"/>
+            </a:p>
+          </p:txBody>
+        </p:sp>
+        <p:pic>
+          <p:nvPicPr>
+            <p:cNvPr id="2050" name="Picture 2" descr="RÃ©sultat de recherche d'images pour &quot;timbre belge&quot;">
+              <a:extLst>
+                <a:ext uri="{FF2B5EF4-FFF2-40B4-BE49-F238E27FC236}">
+                  <a16:creationId xmlns:a16="http://schemas.microsoft.com/office/drawing/2014/main" id="{FD50EDC6-1F7E-4D01-B2D5-625D5914BB71}"/>
+                </a:ext>
+              </a:extLst>
+            </p:cNvPr>
+            <p:cNvPicPr>
+              <a:picLocks noChangeAspect="1" noChangeArrowheads="1"/>
+            </p:cNvPicPr>
+            <p:nvPr/>
+          </p:nvPicPr>
+          <p:blipFill>
+            <a:blip r:embed="rId2">
+              <a:extLst>
+                <a:ext uri="{28A0092B-C50C-407E-A947-70E740481C1C}">
+                  <a14:useLocalDpi xmlns:a14="http://schemas.microsoft.com/office/drawing/2010/main" val="0"/>
+                </a:ext>
+              </a:extLst>
+            </a:blip>
+            <a:srcRect/>
+            <a:stretch>
+              <a:fillRect/>
+            </a:stretch>
+          </p:blipFill>
+          <p:spPr bwMode="auto">
+            <a:xfrm>
+              <a:off x="9939346" y="2009422"/>
+              <a:ext cx="1240711" cy="1419578"/>
+            </a:xfrm>
+            <a:prstGeom prst="rect">
+              <a:avLst/>
+            </a:prstGeom>
+            <a:noFill/>
+            <a:extLst>
+              <a:ext uri="{909E8E84-426E-40DD-AFC4-6F175D3DCCD1}">
+                <a14:hiddenFill xmlns:a14="http://schemas.microsoft.com/office/drawing/2010/main">
+                  <a:solidFill>
+                    <a:srgbClr val="FFFFFF"/>
+                  </a:solidFill>
+                </a14:hiddenFill>
+              </a:ext>
+            </a:extLst>
+          </p:spPr>
+        </p:pic>
+        <p:sp>
+          <p:nvSpPr>
+            <p:cNvPr id="7" name="Rectangle : coins arrondis 6">
+              <a:extLst>
+                <a:ext uri="{FF2B5EF4-FFF2-40B4-BE49-F238E27FC236}">
+                  <a16:creationId xmlns:a16="http://schemas.microsoft.com/office/drawing/2014/main" id="{0B0081B5-FA47-48A2-B295-5A00B61926E3}"/>
+                </a:ext>
+              </a:extLst>
+            </p:cNvPr>
+            <p:cNvSpPr/>
+            <p:nvPr/>
+          </p:nvSpPr>
+          <p:spPr>
+            <a:xfrm>
+              <a:off x="1011943" y="2009422"/>
+              <a:ext cx="2415821" cy="1016000"/>
+            </a:xfrm>
+            <a:prstGeom prst="roundRect">
+              <a:avLst/>
+            </a:prstGeom>
+          </p:spPr>
+          <p:style>
+            <a:lnRef idx="1">
+              <a:schemeClr val="accent2"/>
+            </a:lnRef>
+            <a:fillRef idx="2">
+              <a:schemeClr val="accent2"/>
+            </a:fillRef>
+            <a:effectRef idx="1">
+              <a:schemeClr val="accent2"/>
+            </a:effectRef>
+            <a:fontRef idx="minor">
+              <a:schemeClr val="dk1"/>
+            </a:fontRef>
+          </p:style>
+          <p:txBody>
+            <a:bodyPr rtlCol="0" anchor="ctr"/>
+            <a:lstStyle/>
+            <a:p>
+              <a:r>
+                <a:rPr lang="fr-BE" dirty="0" err="1"/>
+                <a:t>FabLab</a:t>
+              </a:r>
+              <a:r>
+                <a:rPr lang="fr-BE" dirty="0"/>
+                <a:t> Mons</a:t>
+              </a:r>
+              <a:br>
+                <a:rPr lang="fr-BE" dirty="0"/>
+              </a:br>
+              <a:r>
+                <a:rPr lang="fr-BE" dirty="0"/>
+                <a:t>Rue du </a:t>
+              </a:r>
+              <a:r>
+                <a:rPr lang="fr-BE" dirty="0" err="1"/>
+                <a:t>Joncquois</a:t>
+              </a:r>
+              <a:r>
+                <a:rPr lang="fr-BE" dirty="0"/>
+                <a:t> 53</a:t>
+              </a:r>
+            </a:p>
+            <a:p>
+              <a:r>
+                <a:rPr lang="fr-BE" dirty="0"/>
+                <a:t>7000 Mons</a:t>
+              </a:r>
+            </a:p>
+          </p:txBody>
+        </p:sp>
+        <p:sp>
+          <p:nvSpPr>
+            <p:cNvPr id="8" name="Rectangle : coins arrondis 7">
+              <a:extLst>
+                <a:ext uri="{FF2B5EF4-FFF2-40B4-BE49-F238E27FC236}">
+                  <a16:creationId xmlns:a16="http://schemas.microsoft.com/office/drawing/2014/main" id="{E980F9F8-E1B7-4ACF-B77C-A112DAD26F2C}"/>
+                </a:ext>
+              </a:extLst>
+            </p:cNvPr>
+            <p:cNvSpPr/>
+            <p:nvPr/>
+          </p:nvSpPr>
+          <p:spPr>
+            <a:xfrm>
+              <a:off x="4651022" y="4707467"/>
+              <a:ext cx="2889956" cy="1072444"/>
+            </a:xfrm>
+            <a:prstGeom prst="roundRect">
+              <a:avLst/>
+            </a:prstGeom>
+          </p:spPr>
+          <p:style>
+            <a:lnRef idx="1">
+              <a:schemeClr val="accent3"/>
+            </a:lnRef>
+            <a:fillRef idx="2">
+              <a:schemeClr val="accent3"/>
+            </a:fillRef>
+            <a:effectRef idx="1">
+              <a:schemeClr val="accent3"/>
+            </a:effectRef>
+            <a:fontRef idx="minor">
+              <a:schemeClr val="dk1"/>
+            </a:fontRef>
+          </p:style>
+          <p:txBody>
+            <a:bodyPr rtlCol="0" anchor="ctr"/>
+            <a:lstStyle/>
+            <a:p>
+              <a:r>
+                <a:rPr lang="fr-BE" dirty="0"/>
+                <a:t>Anciens Abattoirs de Mons</a:t>
+              </a:r>
+            </a:p>
+            <a:p>
+              <a:r>
+                <a:rPr lang="fr-FR" dirty="0"/>
+                <a:t>Rue de la Trouille 17</a:t>
+              </a:r>
+            </a:p>
+            <a:p>
+              <a:r>
+                <a:rPr lang="fr-FR" dirty="0"/>
+                <a:t>7000 Mons</a:t>
+              </a:r>
+              <a:endParaRPr lang="fr-BE" dirty="0"/>
+            </a:p>
+          </p:txBody>
+        </p:sp>
+        <p:sp>
+          <p:nvSpPr>
+            <p:cNvPr id="9" name="ZoneTexte 8">
+              <a:extLst>
+                <a:ext uri="{FF2B5EF4-FFF2-40B4-BE49-F238E27FC236}">
+                  <a16:creationId xmlns:a16="http://schemas.microsoft.com/office/drawing/2014/main" id="{6A8BC68B-1449-46EF-AB03-F5C0C3E746BB}"/>
+                </a:ext>
+              </a:extLst>
+            </p:cNvPr>
+            <p:cNvSpPr txBox="1"/>
+            <p:nvPr/>
+          </p:nvSpPr>
+          <p:spPr>
+            <a:xfrm>
+              <a:off x="3427764" y="2719211"/>
+              <a:ext cx="1478845" cy="646331"/>
+            </a:xfrm>
+            <a:prstGeom prst="rect">
+              <a:avLst/>
+            </a:prstGeom>
+            <a:noFill/>
+          </p:spPr>
+          <p:txBody>
+            <a:bodyPr wrap="square" rtlCol="0">
+              <a:spAutoFit/>
+            </a:bodyPr>
+            <a:lstStyle/>
+            <a:p>
+              <a:r>
+                <a:rPr lang="fr-BE" b="1" dirty="0">
+                  <a:solidFill>
+                    <a:schemeClr val="accent2"/>
+                  </a:solidFill>
+                </a:rPr>
+                <a:t>Adresse expéditeur</a:t>
+              </a:r>
+            </a:p>
+          </p:txBody>
+        </p:sp>
+        <p:sp>
+          <p:nvSpPr>
+            <p:cNvPr id="10" name="ZoneTexte 9">
+              <a:extLst>
+                <a:ext uri="{FF2B5EF4-FFF2-40B4-BE49-F238E27FC236}">
+                  <a16:creationId xmlns:a16="http://schemas.microsoft.com/office/drawing/2014/main" id="{19DEE608-15B7-4E63-8CA7-8CFDCA5D2C4C}"/>
+                </a:ext>
+              </a:extLst>
+            </p:cNvPr>
+            <p:cNvSpPr txBox="1"/>
+            <p:nvPr/>
+          </p:nvSpPr>
+          <p:spPr>
+            <a:xfrm>
+              <a:off x="7540978" y="5295218"/>
+              <a:ext cx="1456268" cy="646331"/>
+            </a:xfrm>
+            <a:prstGeom prst="rect">
+              <a:avLst/>
+            </a:prstGeom>
+            <a:noFill/>
+          </p:spPr>
+          <p:txBody>
+            <a:bodyPr wrap="square" rtlCol="0">
+              <a:spAutoFit/>
+            </a:bodyPr>
+            <a:lstStyle/>
+            <a:p>
+              <a:r>
+                <a:rPr lang="fr-BE" b="1" dirty="0">
+                  <a:solidFill>
+                    <a:schemeClr val="accent3"/>
+                  </a:solidFill>
+                </a:rPr>
+                <a:t>Adresse destinataire</a:t>
+              </a:r>
+            </a:p>
+          </p:txBody>
+        </p:sp>
+      </p:grpSp>
+    </p:spTree>
+    <p:extLst>
+      <p:ext uri="{BB962C8B-B14F-4D97-AF65-F5344CB8AC3E}">
+        <p14:creationId xmlns:p14="http://schemas.microsoft.com/office/powerpoint/2010/main" val="651875494"/>
+      </p:ext>
+    </p:extLst>
+  </p:cSld>
+  <p:clrMapOvr>
+    <a:masterClrMapping/>
+  </p:clrMapOvr>
+</p:sld>
+</file>
+
+<file path=ppt/slides/slide24.xml><?xml version="1.0" encoding="utf-8"?>
+<p:sld xmlns:a="http://schemas.openxmlformats.org/drawingml/2006/main" xmlns:r="http://schemas.openxmlformats.org/officeDocument/2006/relationships" xmlns:p="http://schemas.openxmlformats.org/presentationml/2006/main">
+  <p:cSld>
+    <p:spTree>
+      <p:nvGrpSpPr>
+        <p:cNvPr id="1" name=""/>
+        <p:cNvGrpSpPr/>
+        <p:nvPr/>
+      </p:nvGrpSpPr>
+      <p:grpSpPr>
+        <a:xfrm>
+          <a:off x="0" y="0"/>
+          <a:ext cx="0" cy="0"/>
+          <a:chOff x="0" y="0"/>
+          <a:chExt cx="0" cy="0"/>
+        </a:xfrm>
+      </p:grpSpPr>
+      <p:sp>
+        <p:nvSpPr>
+          <p:cNvPr id="4" name="Espace réservé du numéro de diapositive 3">
+            <a:extLst>
+              <a:ext uri="{FF2B5EF4-FFF2-40B4-BE49-F238E27FC236}">
+                <a16:creationId xmlns:a16="http://schemas.microsoft.com/office/drawing/2014/main" id="{40B29775-FB27-4B50-8AF5-3E0C32DEA5E5}"/>
+              </a:ext>
+            </a:extLst>
+          </p:cNvPr>
+          <p:cNvSpPr>
+            <a:spLocks noGrp="1"/>
+          </p:cNvSpPr>
+          <p:nvPr>
+            <p:ph type="sldNum" sz="quarter" idx="12"/>
+          </p:nvPr>
+        </p:nvSpPr>
+        <p:spPr/>
+        <p:txBody>
+          <a:bodyPr/>
+          <a:lstStyle/>
+          <a:p>
+            <a:fld id="{7D3627B9-1F90-4568-B521-4CB3E5CC102E}" type="slidenum">
+              <a:rPr lang="fr-BE" smtClean="0"/>
+              <a:t>24</a:t>
+            </a:fld>
+            <a:endParaRPr lang="fr-BE"/>
+          </a:p>
+        </p:txBody>
+      </p:sp>
+      <p:grpSp>
+        <p:nvGrpSpPr>
+          <p:cNvPr id="6" name="Groupe 5">
+            <a:extLst>
+              <a:ext uri="{FF2B5EF4-FFF2-40B4-BE49-F238E27FC236}">
+                <a16:creationId xmlns:a16="http://schemas.microsoft.com/office/drawing/2014/main" id="{BFCBE7CD-EC5A-4098-9C10-2FB8A291AA98}"/>
+              </a:ext>
+            </a:extLst>
+          </p:cNvPr>
+          <p:cNvGrpSpPr/>
+          <p:nvPr/>
+        </p:nvGrpSpPr>
+        <p:grpSpPr>
+          <a:xfrm>
+            <a:off x="838198" y="1253331"/>
+            <a:ext cx="10515601" cy="4351339"/>
+            <a:chOff x="838198" y="1823682"/>
+            <a:chExt cx="10515601" cy="4351339"/>
+          </a:xfrm>
+        </p:grpSpPr>
+        <p:sp>
+          <p:nvSpPr>
+            <p:cNvPr id="5" name="Rectangle 4">
+              <a:extLst>
+                <a:ext uri="{FF2B5EF4-FFF2-40B4-BE49-F238E27FC236}">
+                  <a16:creationId xmlns:a16="http://schemas.microsoft.com/office/drawing/2014/main" id="{EF40113C-9193-4407-A0D2-6FF7AE52DA1E}"/>
+                </a:ext>
+              </a:extLst>
+            </p:cNvPr>
+            <p:cNvSpPr/>
+            <p:nvPr/>
+          </p:nvSpPr>
+          <p:spPr>
+            <a:xfrm>
+              <a:off x="838198" y="1823682"/>
+              <a:ext cx="10515601" cy="4351339"/>
+            </a:xfrm>
+            <a:prstGeom prst="rect">
+              <a:avLst/>
+            </a:prstGeom>
+          </p:spPr>
+          <p:style>
+            <a:lnRef idx="2">
+              <a:schemeClr val="dk1"/>
+            </a:lnRef>
+            <a:fillRef idx="1">
+              <a:schemeClr val="lt1"/>
+            </a:fillRef>
+            <a:effectRef idx="0">
+              <a:schemeClr val="dk1"/>
+            </a:effectRef>
+            <a:fontRef idx="minor">
+              <a:schemeClr val="dk1"/>
+            </a:fontRef>
+          </p:style>
+          <p:txBody>
+            <a:bodyPr rtlCol="0" anchor="ctr"/>
+            <a:lstStyle/>
+            <a:p>
+              <a:pPr algn="ctr"/>
+              <a:endParaRPr lang="fr-BE" dirty="0"/>
+            </a:p>
+          </p:txBody>
+        </p:sp>
+        <p:sp>
+          <p:nvSpPr>
+            <p:cNvPr id="7" name="Rectangle : coins arrondis 6">
+              <a:extLst>
+                <a:ext uri="{FF2B5EF4-FFF2-40B4-BE49-F238E27FC236}">
+                  <a16:creationId xmlns:a16="http://schemas.microsoft.com/office/drawing/2014/main" id="{0B0081B5-FA47-48A2-B295-5A00B61926E3}"/>
+                </a:ext>
+              </a:extLst>
+            </p:cNvPr>
+            <p:cNvSpPr/>
+            <p:nvPr/>
+          </p:nvSpPr>
+          <p:spPr>
+            <a:xfrm>
+              <a:off x="1011943" y="2009422"/>
+              <a:ext cx="2415821" cy="1016000"/>
+            </a:xfrm>
+            <a:prstGeom prst="roundRect">
+              <a:avLst/>
+            </a:prstGeom>
+          </p:spPr>
+          <p:style>
+            <a:lnRef idx="1">
+              <a:schemeClr val="accent2"/>
+            </a:lnRef>
+            <a:fillRef idx="2">
+              <a:schemeClr val="accent2"/>
+            </a:fillRef>
+            <a:effectRef idx="1">
+              <a:schemeClr val="accent2"/>
+            </a:effectRef>
+            <a:fontRef idx="minor">
+              <a:schemeClr val="dk1"/>
+            </a:fontRef>
+          </p:style>
+          <p:txBody>
+            <a:bodyPr rtlCol="0" anchor="ctr"/>
+            <a:lstStyle/>
+            <a:p>
+              <a:pPr algn="ctr"/>
+              <a:r>
+                <a:rPr lang="fr-BE" dirty="0"/>
+                <a:t>192.168.16.74</a:t>
+              </a:r>
+            </a:p>
+          </p:txBody>
+        </p:sp>
+        <p:sp>
+          <p:nvSpPr>
+            <p:cNvPr id="8" name="Rectangle : coins arrondis 7">
+              <a:extLst>
+                <a:ext uri="{FF2B5EF4-FFF2-40B4-BE49-F238E27FC236}">
+                  <a16:creationId xmlns:a16="http://schemas.microsoft.com/office/drawing/2014/main" id="{E980F9F8-E1B7-4ACF-B77C-A112DAD26F2C}"/>
+                </a:ext>
+              </a:extLst>
+            </p:cNvPr>
+            <p:cNvSpPr/>
+            <p:nvPr/>
+          </p:nvSpPr>
+          <p:spPr>
+            <a:xfrm>
+              <a:off x="4651022" y="4707467"/>
+              <a:ext cx="2889956" cy="1072444"/>
+            </a:xfrm>
+            <a:prstGeom prst="roundRect">
+              <a:avLst/>
+            </a:prstGeom>
+          </p:spPr>
+          <p:style>
+            <a:lnRef idx="1">
+              <a:schemeClr val="accent3"/>
+            </a:lnRef>
+            <a:fillRef idx="2">
+              <a:schemeClr val="accent3"/>
+            </a:fillRef>
+            <a:effectRef idx="1">
+              <a:schemeClr val="accent3"/>
+            </a:effectRef>
+            <a:fontRef idx="minor">
+              <a:schemeClr val="dk1"/>
+            </a:fontRef>
+          </p:style>
+          <p:txBody>
+            <a:bodyPr rtlCol="0" anchor="ctr"/>
+            <a:lstStyle/>
+            <a:p>
+              <a:pPr algn="ctr"/>
+              <a:r>
+                <a:rPr lang="fr-BE" dirty="0"/>
+                <a:t>10.18.0.25</a:t>
+              </a:r>
+            </a:p>
+          </p:txBody>
+        </p:sp>
+        <p:sp>
+          <p:nvSpPr>
+            <p:cNvPr id="9" name="ZoneTexte 8">
+              <a:extLst>
+                <a:ext uri="{FF2B5EF4-FFF2-40B4-BE49-F238E27FC236}">
+                  <a16:creationId xmlns:a16="http://schemas.microsoft.com/office/drawing/2014/main" id="{6A8BC68B-1449-46EF-AB03-F5C0C3E746BB}"/>
+                </a:ext>
+              </a:extLst>
+            </p:cNvPr>
+            <p:cNvSpPr txBox="1"/>
+            <p:nvPr/>
+          </p:nvSpPr>
+          <p:spPr>
+            <a:xfrm>
+              <a:off x="3427764" y="2719211"/>
+              <a:ext cx="1478845" cy="646331"/>
+            </a:xfrm>
+            <a:prstGeom prst="rect">
+              <a:avLst/>
+            </a:prstGeom>
+            <a:noFill/>
+          </p:spPr>
+          <p:txBody>
+            <a:bodyPr wrap="square" rtlCol="0">
+              <a:spAutoFit/>
+            </a:bodyPr>
+            <a:lstStyle/>
+            <a:p>
+              <a:r>
+                <a:rPr lang="fr-BE" b="1" dirty="0">
+                  <a:solidFill>
+                    <a:schemeClr val="accent2"/>
+                  </a:solidFill>
+                </a:rPr>
+                <a:t>Adresse expéditeur</a:t>
+              </a:r>
+            </a:p>
+          </p:txBody>
+        </p:sp>
+        <p:sp>
+          <p:nvSpPr>
+            <p:cNvPr id="10" name="ZoneTexte 9">
+              <a:extLst>
+                <a:ext uri="{FF2B5EF4-FFF2-40B4-BE49-F238E27FC236}">
+                  <a16:creationId xmlns:a16="http://schemas.microsoft.com/office/drawing/2014/main" id="{19DEE608-15B7-4E63-8CA7-8CFDCA5D2C4C}"/>
+                </a:ext>
+              </a:extLst>
+            </p:cNvPr>
+            <p:cNvSpPr txBox="1"/>
+            <p:nvPr/>
+          </p:nvSpPr>
+          <p:spPr>
+            <a:xfrm>
+              <a:off x="7540978" y="5295218"/>
+              <a:ext cx="1456268" cy="646331"/>
+            </a:xfrm>
+            <a:prstGeom prst="rect">
+              <a:avLst/>
+            </a:prstGeom>
+            <a:noFill/>
+          </p:spPr>
+          <p:txBody>
+            <a:bodyPr wrap="square" rtlCol="0">
+              <a:spAutoFit/>
+            </a:bodyPr>
+            <a:lstStyle/>
+            <a:p>
+              <a:r>
+                <a:rPr lang="fr-BE" b="1" dirty="0">
+                  <a:solidFill>
+                    <a:schemeClr val="accent3"/>
+                  </a:solidFill>
+                </a:rPr>
+                <a:t>Adresse destinataire</a:t>
+              </a:r>
+            </a:p>
+          </p:txBody>
+        </p:sp>
+      </p:grpSp>
+      <p:sp>
+        <p:nvSpPr>
+          <p:cNvPr id="11" name="ZoneTexte 10">
+            <a:extLst>
+              <a:ext uri="{FF2B5EF4-FFF2-40B4-BE49-F238E27FC236}">
+                <a16:creationId xmlns:a16="http://schemas.microsoft.com/office/drawing/2014/main" id="{BEB6882E-B2BB-4066-AFAC-59A77F571248}"/>
+              </a:ext>
+            </a:extLst>
+          </p:cNvPr>
+          <p:cNvSpPr txBox="1"/>
+          <p:nvPr/>
+        </p:nvSpPr>
+        <p:spPr>
+          <a:xfrm>
+            <a:off x="6527181" y="1703149"/>
+            <a:ext cx="3206045" cy="646331"/>
+          </a:xfrm>
+          <a:prstGeom prst="rect">
+            <a:avLst/>
+          </a:prstGeom>
+          <a:noFill/>
+        </p:spPr>
+        <p:txBody>
+          <a:bodyPr wrap="square" rtlCol="0">
+            <a:spAutoFit/>
+          </a:bodyPr>
+          <a:lstStyle/>
+          <a:p>
+            <a:r>
+              <a:rPr lang="fr-BE" sz="3600" dirty="0">
+                <a:solidFill>
+                  <a:schemeClr val="accent5"/>
+                </a:solidFill>
+              </a:rPr>
+              <a:t>Adresses IP</a:t>
+            </a:r>
+          </a:p>
+        </p:txBody>
+      </p:sp>
+      <p:cxnSp>
+        <p:nvCxnSpPr>
+          <p:cNvPr id="13" name="Connecteur droit avec flèche 12">
+            <a:extLst>
+              <a:ext uri="{FF2B5EF4-FFF2-40B4-BE49-F238E27FC236}">
+                <a16:creationId xmlns:a16="http://schemas.microsoft.com/office/drawing/2014/main" id="{E1746D60-7C1C-425F-849B-1249240CF234}"/>
+              </a:ext>
+            </a:extLst>
+          </p:cNvPr>
+          <p:cNvCxnSpPr/>
+          <p:nvPr/>
+        </p:nvCxnSpPr>
+        <p:spPr>
+          <a:xfrm flipH="1">
+            <a:off x="4312356" y="1947071"/>
+            <a:ext cx="1941688" cy="0"/>
+          </a:xfrm>
+          <a:prstGeom prst="straightConnector1">
+            <a:avLst/>
+          </a:prstGeom>
+          <a:ln w="76200">
+            <a:solidFill>
+              <a:schemeClr val="accent5"/>
+            </a:solidFill>
+            <a:tailEnd type="triangle"/>
+          </a:ln>
+        </p:spPr>
+        <p:style>
+          <a:lnRef idx="1">
+            <a:schemeClr val="accent1"/>
+          </a:lnRef>
+          <a:fillRef idx="0">
+            <a:schemeClr val="accent1"/>
+          </a:fillRef>
+          <a:effectRef idx="0">
+            <a:schemeClr val="accent1"/>
+          </a:effectRef>
+          <a:fontRef idx="minor">
+            <a:schemeClr val="tx1"/>
+          </a:fontRef>
+        </p:style>
+      </p:cxnSp>
+      <p:cxnSp>
+        <p:nvCxnSpPr>
+          <p:cNvPr id="15" name="Connecteur droit avec flèche 14">
+            <a:extLst>
+              <a:ext uri="{FF2B5EF4-FFF2-40B4-BE49-F238E27FC236}">
+                <a16:creationId xmlns:a16="http://schemas.microsoft.com/office/drawing/2014/main" id="{115E059F-48E5-4417-BD48-C10C3825F905}"/>
+              </a:ext>
+            </a:extLst>
+          </p:cNvPr>
+          <p:cNvCxnSpPr/>
+          <p:nvPr/>
+        </p:nvCxnSpPr>
+        <p:spPr>
+          <a:xfrm flipH="1">
+            <a:off x="6287911" y="2472025"/>
+            <a:ext cx="846667" cy="1287175"/>
+          </a:xfrm>
+          <a:prstGeom prst="straightConnector1">
+            <a:avLst/>
+          </a:prstGeom>
+          <a:ln w="76200">
+            <a:solidFill>
+              <a:schemeClr val="accent5"/>
+            </a:solidFill>
+            <a:tailEnd type="triangle"/>
+          </a:ln>
+        </p:spPr>
+        <p:style>
+          <a:lnRef idx="1">
+            <a:schemeClr val="accent1"/>
+          </a:lnRef>
+          <a:fillRef idx="0">
+            <a:schemeClr val="accent1"/>
+          </a:fillRef>
+          <a:effectRef idx="0">
+            <a:schemeClr val="accent1"/>
+          </a:effectRef>
+          <a:fontRef idx="minor">
+            <a:schemeClr val="tx1"/>
+          </a:fontRef>
+        </p:style>
+      </p:cxnSp>
+    </p:spTree>
+    <p:extLst>
+      <p:ext uri="{BB962C8B-B14F-4D97-AF65-F5344CB8AC3E}">
+        <p14:creationId xmlns:p14="http://schemas.microsoft.com/office/powerpoint/2010/main" val="1058087612"/>
+      </p:ext>
+    </p:extLst>
+  </p:cSld>
+  <p:clrMapOvr>
+    <a:masterClrMapping/>
+  </p:clrMapOvr>
+  <p:timing>
+    <p:tnLst>
+      <p:par>
+        <p:cTn id="1" dur="indefinite" restart="never" nodeType="tmRoot">
+          <p:childTnLst>
+            <p:seq concurrent="1" nextAc="seek">
+              <p:cTn id="2" dur="indefinite" nodeType="mainSeq">
+                <p:childTnLst>
+                  <p:par>
+                    <p:cTn id="3" fill="hold">
+                      <p:stCondLst>
+                        <p:cond delay="indefinite"/>
+                      </p:stCondLst>
+                      <p:childTnLst>
+                        <p:par>
+                          <p:cTn id="4" fill="hold">
+                            <p:stCondLst>
+                              <p:cond delay="0"/>
+                            </p:stCondLst>
+                            <p:childTnLst>
+                              <p:par>
+                                <p:cTn id="5" presetID="10" presetClass="entr" presetSubtype="0" fill="hold" nodeType="clickEffect">
+                                  <p:stCondLst>
+                                    <p:cond delay="0"/>
+                                  </p:stCondLst>
+                                  <p:childTnLst>
+                                    <p:set>
+                                      <p:cBhvr>
+                                        <p:cTn id="6" dur="1" fill="hold">
+                                          <p:stCondLst>
+                                            <p:cond delay="0"/>
+                                          </p:stCondLst>
+                                        </p:cTn>
+                                        <p:tgtEl>
+                                          <p:spTgt spid="13"/>
+                                        </p:tgtEl>
+                                        <p:attrNameLst>
+                                          <p:attrName>style.visibility</p:attrName>
+                                        </p:attrNameLst>
+                                      </p:cBhvr>
+                                      <p:to>
+                                        <p:strVal val="visible"/>
+                                      </p:to>
+                                    </p:set>
+                                    <p:animEffect transition="in" filter="fade">
+                                      <p:cBhvr>
+                                        <p:cTn id="7" dur="500"/>
+                                        <p:tgtEl>
+                                          <p:spTgt spid="13"/>
+                                        </p:tgtEl>
+                                      </p:cBhvr>
+                                    </p:animEffect>
+                                  </p:childTnLst>
+                                </p:cTn>
+                              </p:par>
+                              <p:par>
+                                <p:cTn id="8" presetID="10" presetClass="entr" presetSubtype="0" fill="hold" nodeType="withEffect">
+                                  <p:stCondLst>
+                                    <p:cond delay="0"/>
+                                  </p:stCondLst>
+                                  <p:childTnLst>
+                                    <p:set>
+                                      <p:cBhvr>
+                                        <p:cTn id="9" dur="1" fill="hold">
+                                          <p:stCondLst>
+                                            <p:cond delay="0"/>
+                                          </p:stCondLst>
+                                        </p:cTn>
+                                        <p:tgtEl>
+                                          <p:spTgt spid="15"/>
+                                        </p:tgtEl>
+                                        <p:attrNameLst>
+                                          <p:attrName>style.visibility</p:attrName>
+                                        </p:attrNameLst>
+                                      </p:cBhvr>
+                                      <p:to>
+                                        <p:strVal val="visible"/>
+                                      </p:to>
+                                    </p:set>
+                                    <p:animEffect transition="in" filter="fade">
+                                      <p:cBhvr>
+                                        <p:cTn id="10" dur="500"/>
+                                        <p:tgtEl>
+                                          <p:spTgt spid="15"/>
+                                        </p:tgtEl>
+                                      </p:cBhvr>
+                                    </p:animEffect>
+                                  </p:childTnLst>
+                                </p:cTn>
+                              </p:par>
+                              <p:par>
+                                <p:cTn id="11" presetID="10" presetClass="entr" presetSubtype="0" fill="hold" grpId="0" nodeType="withEffect">
+                                  <p:stCondLst>
+                                    <p:cond delay="0"/>
+                                  </p:stCondLst>
+                                  <p:childTnLst>
+                                    <p:set>
+                                      <p:cBhvr>
+                                        <p:cTn id="12" dur="1" fill="hold">
+                                          <p:stCondLst>
+                                            <p:cond delay="0"/>
+                                          </p:stCondLst>
+                                        </p:cTn>
+                                        <p:tgtEl>
+                                          <p:spTgt spid="11"/>
+                                        </p:tgtEl>
+                                        <p:attrNameLst>
+                                          <p:attrName>style.visibility</p:attrName>
+                                        </p:attrNameLst>
+                                      </p:cBhvr>
+                                      <p:to>
+                                        <p:strVal val="visible"/>
+                                      </p:to>
+                                    </p:set>
+                                    <p:animEffect transition="in" filter="fade">
+                                      <p:cBhvr>
+                                        <p:cTn id="13" dur="500"/>
+                                        <p:tgtEl>
+                                          <p:spTgt spid="11"/>
+                                        </p:tgtEl>
+                                      </p:cBhvr>
+                                    </p:animEffect>
+                                  </p:childTnLst>
+                                </p:cTn>
+                              </p:par>
+                            </p:childTnLst>
+                          </p:cTn>
+                        </p:par>
+                      </p:childTnLst>
+                    </p:cTn>
+                  </p:par>
+                </p:childTnLst>
+              </p:cTn>
+              <p:prevCondLst>
+                <p:cond evt="onPrev" delay="0">
+                  <p:tgtEl>
+                    <p:sldTgt/>
+                  </p:tgtEl>
+                </p:cond>
+              </p:prevCondLst>
+              <p:nextCondLst>
+                <p:cond evt="onNext" delay="0">
+                  <p:tgtEl>
+                    <p:sldTgt/>
+                  </p:tgtEl>
+                </p:cond>
+              </p:nextCondLst>
+            </p:seq>
+          </p:childTnLst>
+        </p:cTn>
+      </p:par>
+    </p:tnLst>
+    <p:bldLst>
+      <p:bldP spid="11" grpId="0"/>
+    </p:bldLst>
+  </p:timing>
+</p:sld>
+</file>
+
+<file path=ppt/slides/slide25.xml><?xml version="1.0" encoding="utf-8"?>
+<p:sld xmlns:a="http://schemas.openxmlformats.org/drawingml/2006/main" xmlns:r="http://schemas.openxmlformats.org/officeDocument/2006/relationships" xmlns:p="http://schemas.openxmlformats.org/presentationml/2006/main">
+  <p:cSld>
+    <p:spTree>
+      <p:nvGrpSpPr>
+        <p:cNvPr id="1" name=""/>
+        <p:cNvGrpSpPr/>
+        <p:nvPr/>
+      </p:nvGrpSpPr>
+      <p:grpSpPr>
+        <a:xfrm>
+          <a:off x="0" y="0"/>
+          <a:ext cx="0" cy="0"/>
+          <a:chOff x="0" y="0"/>
+          <a:chExt cx="0" cy="0"/>
+        </a:xfrm>
+      </p:grpSpPr>
+      <p:sp>
+        <p:nvSpPr>
+          <p:cNvPr id="2" name="Titre 1">
+            <a:extLst>
+              <a:ext uri="{FF2B5EF4-FFF2-40B4-BE49-F238E27FC236}">
+                <a16:creationId xmlns:a16="http://schemas.microsoft.com/office/drawing/2014/main" id="{46DB43F5-9381-4300-817E-49CE48E3C137}"/>
+              </a:ext>
+            </a:extLst>
+          </p:cNvPr>
+          <p:cNvSpPr>
+            <a:spLocks noGrp="1"/>
+          </p:cNvSpPr>
+          <p:nvPr>
+            <p:ph type="title"/>
+          </p:nvPr>
+        </p:nvSpPr>
+        <p:spPr/>
+        <p:txBody>
+          <a:bodyPr/>
+          <a:lstStyle/>
+          <a:p>
+            <a:r>
+              <a:rPr lang="fr-BE" dirty="0"/>
+              <a:t>Exercice 5</a:t>
+            </a:r>
+          </a:p>
+        </p:txBody>
+      </p:sp>
+      <p:sp>
+        <p:nvSpPr>
+          <p:cNvPr id="3" name="Espace réservé du contenu 2">
+            <a:extLst>
+              <a:ext uri="{FF2B5EF4-FFF2-40B4-BE49-F238E27FC236}">
+                <a16:creationId xmlns:a16="http://schemas.microsoft.com/office/drawing/2014/main" id="{AF426914-CE4A-4748-932A-AA8BA86C8906}"/>
+              </a:ext>
+            </a:extLst>
+          </p:cNvPr>
+          <p:cNvSpPr>
+            <a:spLocks noGrp="1"/>
+          </p:cNvSpPr>
+          <p:nvPr>
+            <p:ph idx="1"/>
+          </p:nvPr>
+        </p:nvSpPr>
+        <p:spPr/>
+        <p:txBody>
+          <a:bodyPr/>
+          <a:lstStyle/>
+          <a:p>
+            <a:r>
+              <a:rPr lang="fr-BE" dirty="0"/>
+              <a:t>Se connecter au </a:t>
+            </a:r>
+            <a:r>
+              <a:rPr lang="fr-BE" dirty="0" err="1"/>
+              <a:t>WiFi</a:t>
+            </a:r>
+            <a:r>
+              <a:rPr lang="fr-BE" dirty="0"/>
+              <a:t> et afficher l’adresse IP</a:t>
+            </a:r>
+          </a:p>
+        </p:txBody>
+      </p:sp>
+      <p:sp>
+        <p:nvSpPr>
+          <p:cNvPr id="5" name="Espace réservé du numéro de diapositive 4">
+            <a:extLst>
+              <a:ext uri="{FF2B5EF4-FFF2-40B4-BE49-F238E27FC236}">
+                <a16:creationId xmlns:a16="http://schemas.microsoft.com/office/drawing/2014/main" id="{9A74F923-0830-492D-8CFB-E00B65C2B701}"/>
+              </a:ext>
+            </a:extLst>
+          </p:cNvPr>
+          <p:cNvSpPr>
+            <a:spLocks noGrp="1"/>
+          </p:cNvSpPr>
+          <p:nvPr>
+            <p:ph type="sldNum" sz="quarter" idx="12"/>
+          </p:nvPr>
+        </p:nvSpPr>
+        <p:spPr/>
+        <p:txBody>
+          <a:bodyPr/>
+          <a:lstStyle/>
+          <a:p>
+            <a:fld id="{7D3627B9-1F90-4568-B521-4CB3E5CC102E}" type="slidenum">
+              <a:rPr lang="fr-BE" smtClean="0"/>
+              <a:t>25</a:t>
+            </a:fld>
+            <a:endParaRPr lang="fr-BE"/>
+          </a:p>
+        </p:txBody>
+      </p:sp>
+    </p:spTree>
+    <p:extLst>
+      <p:ext uri="{BB962C8B-B14F-4D97-AF65-F5344CB8AC3E}">
+        <p14:creationId xmlns:p14="http://schemas.microsoft.com/office/powerpoint/2010/main" val="2134143814"/>
+      </p:ext>
+    </p:extLst>
+  </p:cSld>
+  <p:clrMapOvr>
+    <a:masterClrMapping/>
+  </p:clrMapOvr>
+</p:sld>
+</file>
+
+<file path=ppt/slides/slide26.xml><?xml version="1.0" encoding="utf-8"?>
+<p:sld xmlns:a="http://schemas.openxmlformats.org/drawingml/2006/main" xmlns:r="http://schemas.openxmlformats.org/officeDocument/2006/relationships" xmlns:p="http://schemas.openxmlformats.org/presentationml/2006/main">
+  <p:cSld>
+    <p:spTree>
+      <p:nvGrpSpPr>
+        <p:cNvPr id="1" name=""/>
+        <p:cNvGrpSpPr/>
+        <p:nvPr/>
+      </p:nvGrpSpPr>
+      <p:grpSpPr>
+        <a:xfrm>
+          <a:off x="0" y="0"/>
+          <a:ext cx="0" cy="0"/>
+          <a:chOff x="0" y="0"/>
+          <a:chExt cx="0" cy="0"/>
+        </a:xfrm>
+      </p:grpSpPr>
+      <p:sp>
+        <p:nvSpPr>
+          <p:cNvPr id="2" name="Titre 1">
+            <a:extLst>
+              <a:ext uri="{FF2B5EF4-FFF2-40B4-BE49-F238E27FC236}">
+                <a16:creationId xmlns:a16="http://schemas.microsoft.com/office/drawing/2014/main" id="{8FF24F8E-356C-4CC3-BC1E-183A9E686F01}"/>
+              </a:ext>
+            </a:extLst>
+          </p:cNvPr>
+          <p:cNvSpPr>
+            <a:spLocks noGrp="1"/>
+          </p:cNvSpPr>
+          <p:nvPr>
+            <p:ph type="title"/>
+          </p:nvPr>
+        </p:nvSpPr>
+        <p:spPr/>
+        <p:txBody>
+          <a:bodyPr/>
+          <a:lstStyle/>
+          <a:p>
+            <a:r>
+              <a:rPr lang="fr-BE" dirty="0"/>
+              <a:t>Exercice 6</a:t>
+            </a:r>
+          </a:p>
+        </p:txBody>
+      </p:sp>
+      <p:sp>
+        <p:nvSpPr>
+          <p:cNvPr id="3" name="Espace réservé du contenu 2">
+            <a:extLst>
+              <a:ext uri="{FF2B5EF4-FFF2-40B4-BE49-F238E27FC236}">
+                <a16:creationId xmlns:a16="http://schemas.microsoft.com/office/drawing/2014/main" id="{9EBC696B-CBBE-40F0-942D-93CF2E900B7C}"/>
+              </a:ext>
+            </a:extLst>
+          </p:cNvPr>
+          <p:cNvSpPr>
+            <a:spLocks noGrp="1"/>
+          </p:cNvSpPr>
+          <p:nvPr>
+            <p:ph idx="1"/>
+          </p:nvPr>
+        </p:nvSpPr>
+        <p:spPr/>
+        <p:txBody>
+          <a:bodyPr/>
+          <a:lstStyle/>
+          <a:p>
+            <a:r>
+              <a:rPr lang="fr-BE" dirty="0"/>
+              <a:t>Envoyer une information vers un serveur</a:t>
+            </a:r>
+          </a:p>
+        </p:txBody>
+      </p:sp>
+      <p:sp>
+        <p:nvSpPr>
+          <p:cNvPr id="5" name="Espace réservé du numéro de diapositive 4">
+            <a:extLst>
+              <a:ext uri="{FF2B5EF4-FFF2-40B4-BE49-F238E27FC236}">
+                <a16:creationId xmlns:a16="http://schemas.microsoft.com/office/drawing/2014/main" id="{00ABB6BD-737D-40A7-A9AF-7C82D81D4EB5}"/>
+              </a:ext>
+            </a:extLst>
+          </p:cNvPr>
+          <p:cNvSpPr>
+            <a:spLocks noGrp="1"/>
+          </p:cNvSpPr>
+          <p:nvPr>
+            <p:ph type="sldNum" sz="quarter" idx="12"/>
+          </p:nvPr>
+        </p:nvSpPr>
+        <p:spPr/>
+        <p:txBody>
+          <a:bodyPr/>
+          <a:lstStyle/>
+          <a:p>
+            <a:fld id="{7D3627B9-1F90-4568-B521-4CB3E5CC102E}" type="slidenum">
+              <a:rPr lang="fr-BE" smtClean="0"/>
+              <a:t>26</a:t>
+            </a:fld>
+            <a:endParaRPr lang="fr-BE"/>
+          </a:p>
+        </p:txBody>
+      </p:sp>
+    </p:spTree>
+    <p:extLst>
+      <p:ext uri="{BB962C8B-B14F-4D97-AF65-F5344CB8AC3E}">
+        <p14:creationId xmlns:p14="http://schemas.microsoft.com/office/powerpoint/2010/main" val="1120077723"/>
+      </p:ext>
+    </p:extLst>
+  </p:cSld>
+  <p:clrMapOvr>
+    <a:masterClrMapping/>
+  </p:clrMapOvr>
+</p:sld>
+</file>
+
+<file path=ppt/slides/slide27.xml><?xml version="1.0" encoding="utf-8"?>
+<p:sld xmlns:a="http://schemas.openxmlformats.org/drawingml/2006/main" xmlns:r="http://schemas.openxmlformats.org/officeDocument/2006/relationships" xmlns:p="http://schemas.openxmlformats.org/presentationml/2006/main">
+  <p:cSld>
+    <p:spTree>
+      <p:nvGrpSpPr>
+        <p:cNvPr id="1" name=""/>
+        <p:cNvGrpSpPr/>
+        <p:nvPr/>
+      </p:nvGrpSpPr>
+      <p:grpSpPr>
+        <a:xfrm>
+          <a:off x="0" y="0"/>
+          <a:ext cx="0" cy="0"/>
+          <a:chOff x="0" y="0"/>
+          <a:chExt cx="0" cy="0"/>
+        </a:xfrm>
+      </p:grpSpPr>
+      <p:sp>
+        <p:nvSpPr>
+          <p:cNvPr id="2" name="Titre 1">
+            <a:extLst>
+              <a:ext uri="{FF2B5EF4-FFF2-40B4-BE49-F238E27FC236}">
+                <a16:creationId xmlns:a16="http://schemas.microsoft.com/office/drawing/2014/main" id="{D718C334-CD41-4112-92DE-B952B89E10D6}"/>
+              </a:ext>
+            </a:extLst>
+          </p:cNvPr>
+          <p:cNvSpPr>
+            <a:spLocks noGrp="1"/>
+          </p:cNvSpPr>
+          <p:nvPr>
+            <p:ph type="title"/>
+          </p:nvPr>
+        </p:nvSpPr>
+        <p:spPr/>
+        <p:txBody>
+          <a:bodyPr/>
+          <a:lstStyle/>
+          <a:p>
+            <a:r>
+              <a:rPr lang="fr-BE" dirty="0"/>
+              <a:t>Exercice 7</a:t>
+            </a:r>
+          </a:p>
+        </p:txBody>
+      </p:sp>
+      <p:sp>
+        <p:nvSpPr>
+          <p:cNvPr id="3" name="Espace réservé du contenu 2">
+            <a:extLst>
+              <a:ext uri="{FF2B5EF4-FFF2-40B4-BE49-F238E27FC236}">
+                <a16:creationId xmlns:a16="http://schemas.microsoft.com/office/drawing/2014/main" id="{9EB17D71-8B46-438B-BF63-8C435F610624}"/>
+              </a:ext>
+            </a:extLst>
+          </p:cNvPr>
+          <p:cNvSpPr>
+            <a:spLocks noGrp="1"/>
+          </p:cNvSpPr>
+          <p:nvPr>
+            <p:ph idx="1"/>
+          </p:nvPr>
+        </p:nvSpPr>
+        <p:spPr/>
+        <p:txBody>
+          <a:bodyPr/>
+          <a:lstStyle/>
+          <a:p>
+            <a:r>
+              <a:rPr lang="fr-BE" dirty="0"/>
+              <a:t>Recevoir l’angle souhaité d’un serveur</a:t>
+            </a:r>
+          </a:p>
+          <a:p>
+            <a:r>
+              <a:rPr lang="fr-BE" dirty="0"/>
+              <a:t>Aligner le servo sur l’angle souhaité</a:t>
+            </a:r>
+          </a:p>
+        </p:txBody>
+      </p:sp>
+      <p:sp>
+        <p:nvSpPr>
+          <p:cNvPr id="5" name="Espace réservé du numéro de diapositive 4">
+            <a:extLst>
+              <a:ext uri="{FF2B5EF4-FFF2-40B4-BE49-F238E27FC236}">
+                <a16:creationId xmlns:a16="http://schemas.microsoft.com/office/drawing/2014/main" id="{9F915E8F-2DE2-4702-B95B-83CF60D60451}"/>
+              </a:ext>
+            </a:extLst>
+          </p:cNvPr>
+          <p:cNvSpPr>
+            <a:spLocks noGrp="1"/>
+          </p:cNvSpPr>
+          <p:nvPr>
+            <p:ph type="sldNum" sz="quarter" idx="12"/>
+          </p:nvPr>
+        </p:nvSpPr>
+        <p:spPr/>
+        <p:txBody>
+          <a:bodyPr/>
+          <a:lstStyle/>
+          <a:p>
+            <a:fld id="{7D3627B9-1F90-4568-B521-4CB3E5CC102E}" type="slidenum">
+              <a:rPr lang="fr-BE" smtClean="0"/>
+              <a:t>27</a:t>
+            </a:fld>
+            <a:endParaRPr lang="fr-BE"/>
+          </a:p>
+        </p:txBody>
+      </p:sp>
+    </p:spTree>
+    <p:extLst>
+      <p:ext uri="{BB962C8B-B14F-4D97-AF65-F5344CB8AC3E}">
+        <p14:creationId xmlns:p14="http://schemas.microsoft.com/office/powerpoint/2010/main" val="591758498"/>
+      </p:ext>
+    </p:extLst>
+  </p:cSld>
+  <p:clrMapOvr>
+    <a:masterClrMapping/>
+  </p:clrMapOvr>
+</p:sld>
+</file>
+
+<file path=ppt/slides/slide28.xml><?xml version="1.0" encoding="utf-8"?>
 <p:sld xmlns:a="http://schemas.openxmlformats.org/drawingml/2006/main" xmlns:r="http://schemas.openxmlformats.org/officeDocument/2006/relationships" xmlns:p="http://schemas.openxmlformats.org/presentationml/2006/main">
   <p:cSld>
     <p:bg>
@@ -10279,10 +13541,10 @@
       </p:pic>
       <p:sp>
         <p:nvSpPr>
-          <p:cNvPr id="6" name="Espace réservé du numéro de diapositive 5">
+          <p:cNvPr id="4" name="Espace réservé du numéro de diapositive 3">
             <a:extLst>
               <a:ext uri="{FF2B5EF4-FFF2-40B4-BE49-F238E27FC236}">
-                <a16:creationId xmlns:a16="http://schemas.microsoft.com/office/drawing/2014/main" id="{7B488EB4-2C97-417A-882F-6E65ADBBFB90}"/>
+                <a16:creationId xmlns:a16="http://schemas.microsoft.com/office/drawing/2014/main" id="{4E59CD37-8033-483A-9815-4DE204971171}"/>
               </a:ext>
             </a:extLst>
           </p:cNvPr>
@@ -10293,47 +13555,16 @@
             <p:ph type="sldNum" sz="quarter" idx="12"/>
           </p:nvPr>
         </p:nvSpPr>
-        <p:spPr>
-          <a:xfrm>
-            <a:off x="9057372" y="6536267"/>
-            <a:ext cx="2743200" cy="306928"/>
-          </a:xfrm>
-        </p:spPr>
-        <p:txBody>
-          <a:bodyPr vert="horz" lIns="91440" tIns="45720" rIns="91440" bIns="45720" rtlCol="0" anchor="ctr">
-            <a:normAutofit/>
-          </a:bodyPr>
+        <p:spPr/>
+        <p:txBody>
+          <a:bodyPr/>
           <a:lstStyle/>
           <a:p>
-            <a:pPr defTabSz="914400">
-              <a:spcAft>
-                <a:spcPts val="600"/>
-              </a:spcAft>
-            </a:pPr>
-            <a:fld id="{DF8E93BF-75B7-47EB-9B92-DB07C204767B}" type="slidenum">
-              <a:rPr lang="en-US" smtClean="0">
-                <a:solidFill>
-                  <a:schemeClr val="tx1">
-                    <a:lumMod val="75000"/>
-                    <a:lumOff val="25000"/>
-                  </a:schemeClr>
-                </a:solidFill>
-              </a:rPr>
-              <a:pPr defTabSz="914400">
-                <a:spcAft>
-                  <a:spcPts val="600"/>
-                </a:spcAft>
-              </a:pPr>
-              <a:t>23</a:t>
+            <a:fld id="{7D3627B9-1F90-4568-B521-4CB3E5CC102E}" type="slidenum">
+              <a:rPr lang="fr-BE" smtClean="0"/>
+              <a:t>28</a:t>
             </a:fld>
-            <a:endParaRPr lang="en-US">
-              <a:solidFill>
-                <a:schemeClr val="tx1">
-                  <a:lumMod val="75000"/>
-                  <a:lumOff val="25000"/>
-                </a:schemeClr>
-              </a:solidFill>
-            </a:endParaRPr>
+            <a:endParaRPr lang="fr-BE"/>
           </a:p>
         </p:txBody>
       </p:sp>
@@ -10350,7 +13581,7 @@
 </p:sld>
 </file>
 
-<file path=ppt/slides/slide24.xml><?xml version="1.0" encoding="utf-8"?>
+<file path=ppt/slides/slide29.xml><?xml version="1.0" encoding="utf-8"?>
 <p:sld xmlns:a="http://schemas.openxmlformats.org/drawingml/2006/main" xmlns:r="http://schemas.openxmlformats.org/officeDocument/2006/relationships" xmlns:p="http://schemas.openxmlformats.org/presentationml/2006/main">
   <p:cSld>
     <p:bg>
@@ -10632,10 +13863,10 @@
       </p:sp>
       <p:sp>
         <p:nvSpPr>
-          <p:cNvPr id="5" name="Espace réservé du numéro de diapositive 4">
+          <p:cNvPr id="4" name="Espace réservé du numéro de diapositive 3">
             <a:extLst>
               <a:ext uri="{FF2B5EF4-FFF2-40B4-BE49-F238E27FC236}">
-                <a16:creationId xmlns:a16="http://schemas.microsoft.com/office/drawing/2014/main" id="{C6AB6979-0E81-4E3A-B016-9E73B1159F16}"/>
+                <a16:creationId xmlns:a16="http://schemas.microsoft.com/office/drawing/2014/main" id="{2037B5A5-A1B9-4A40-8746-6B8CAF48326F}"/>
               </a:ext>
             </a:extLst>
           </p:cNvPr>
@@ -10646,41 +13877,16 @@
             <p:ph type="sldNum" sz="quarter" idx="12"/>
           </p:nvPr>
         </p:nvSpPr>
-        <p:spPr>
-          <a:xfrm>
-            <a:off x="10825930" y="6223702"/>
-            <a:ext cx="570728" cy="314067"/>
-          </a:xfrm>
-        </p:spPr>
-        <p:txBody>
-          <a:bodyPr vert="horz" lIns="91440" tIns="45720" rIns="91440" bIns="45720" rtlCol="0" anchor="ctr">
-            <a:normAutofit/>
-          </a:bodyPr>
+        <p:spPr/>
+        <p:txBody>
+          <a:bodyPr/>
           <a:lstStyle/>
           <a:p>
-            <a:pPr defTabSz="914400">
-              <a:spcAft>
-                <a:spcPts val="600"/>
-              </a:spcAft>
-            </a:pPr>
-            <a:fld id="{DF8E93BF-75B7-47EB-9B92-DB07C204767B}" type="slidenum">
-              <a:rPr lang="en-US" sz="1000">
-                <a:solidFill>
-                  <a:srgbClr val="898989"/>
-                </a:solidFill>
-              </a:rPr>
-              <a:pPr defTabSz="914400">
-                <a:spcAft>
-                  <a:spcPts val="600"/>
-                </a:spcAft>
-              </a:pPr>
-              <a:t>24</a:t>
+            <a:fld id="{7D3627B9-1F90-4568-B521-4CB3E5CC102E}" type="slidenum">
+              <a:rPr lang="fr-BE" smtClean="0"/>
+              <a:t>29</a:t>
             </a:fld>
-            <a:endParaRPr lang="en-US" sz="1000">
-              <a:solidFill>
-                <a:srgbClr val="898989"/>
-              </a:solidFill>
-            </a:endParaRPr>
+            <a:endParaRPr lang="fr-BE"/>
           </a:p>
         </p:txBody>
       </p:sp>
@@ -10697,7 +13903,7 @@
 </p:sld>
 </file>
 
-<file path=ppt/slides/slide25.xml><?xml version="1.0" encoding="utf-8"?>
+<file path=ppt/slides/slide3.xml><?xml version="1.0" encoding="utf-8"?>
 <p:sld xmlns:a="http://schemas.openxmlformats.org/drawingml/2006/main" xmlns:r="http://schemas.openxmlformats.org/officeDocument/2006/relationships" xmlns:p="http://schemas.openxmlformats.org/presentationml/2006/main">
   <p:cSld>
     <p:spTree>
@@ -10719,6 +13925,429 @@
           <p:cNvPr id="2" name="Titre 1">
             <a:extLst>
               <a:ext uri="{FF2B5EF4-FFF2-40B4-BE49-F238E27FC236}">
+                <a16:creationId xmlns:a16="http://schemas.microsoft.com/office/drawing/2014/main" id="{1DAC0631-35C4-4BF8-8A99-6DA24F68225C}"/>
+              </a:ext>
+            </a:extLst>
+          </p:cNvPr>
+          <p:cNvSpPr>
+            <a:spLocks noGrp="1"/>
+          </p:cNvSpPr>
+          <p:nvPr>
+            <p:ph type="title"/>
+          </p:nvPr>
+        </p:nvSpPr>
+        <p:spPr/>
+        <p:txBody>
+          <a:bodyPr/>
+          <a:lstStyle/>
+          <a:p>
+            <a:r>
+              <a:rPr lang="fr-BE" dirty="0"/>
+              <a:t>Plan</a:t>
+            </a:r>
+          </a:p>
+        </p:txBody>
+      </p:sp>
+      <mc:AlternateContent xmlns:mc="http://schemas.openxmlformats.org/markup-compatibility/2006">
+        <mc:Choice xmlns:psuz="http://schemas.microsoft.com/office/powerpoint/2016/summaryzoom" Requires="psuz">
+          <p:graphicFrame>
+            <p:nvGraphicFramePr>
+              <p:cNvPr id="5" name="Zoom de résumé 4">
+                <a:extLst>
+                  <a:ext uri="{FF2B5EF4-FFF2-40B4-BE49-F238E27FC236}">
+                    <a16:creationId xmlns:a16="http://schemas.microsoft.com/office/drawing/2014/main" id="{B6E0B44D-E297-4C4B-9932-8A191224B708}"/>
+                  </a:ext>
+                </a:extLst>
+              </p:cNvPr>
+              <p:cNvGraphicFramePr>
+                <a:graphicFrameLocks noChangeAspect="1"/>
+              </p:cNvGraphicFramePr>
+              <p:nvPr>
+                <p:extLst>
+                  <p:ext uri="{D42A27DB-BD31-4B8C-83A1-F6EECF244321}">
+                    <p14:modId xmlns:p14="http://schemas.microsoft.com/office/powerpoint/2010/main" val="4067990869"/>
+                  </p:ext>
+                </p:extLst>
+              </p:nvPr>
+            </p:nvGraphicFramePr>
+            <p:xfrm>
+              <a:off x="838200" y="1825625"/>
+              <a:ext cx="10515600" cy="4351338"/>
+            </p:xfrm>
+            <a:graphic>
+              <a:graphicData uri="http://schemas.microsoft.com/office/powerpoint/2016/summaryzoom">
+                <psuz:summaryZm>
+                  <psuz:summaryZmObj sectionId="{7EF9436B-4AEE-4824-9D4D-C0AF51E109BD}">
+                    <psuz:zmPr id="{C38544BA-C55A-4FAE-9CED-9D0A6C20CA8A}" transitionDur="1000">
+                      <p166:blipFill xmlns:p166="http://schemas.microsoft.com/office/powerpoint/2016/6/main">
+                        <a:blip r:embed="rId2"/>
+                        <a:stretch>
+                          <a:fillRect/>
+                        </a:stretch>
+                      </p166:blipFill>
+                      <p166:spPr xmlns:p166="http://schemas.microsoft.com/office/powerpoint/2016/6/main">
+                        <a:xfrm>
+                          <a:off x="407479" y="342010"/>
+                          <a:ext cx="3154680" cy="1774508"/>
+                        </a:xfrm>
+                        <a:prstGeom prst="rect">
+                          <a:avLst/>
+                        </a:prstGeom>
+                        <a:ln w="3175">
+                          <a:solidFill>
+                            <a:prstClr val="ltGray"/>
+                          </a:solidFill>
+                        </a:ln>
+                      </p166:spPr>
+                    </psuz:zmPr>
+                  </psuz:summaryZmObj>
+                  <psuz:summaryZmObj sectionId="{EF162FA9-BD80-45DC-89CE-72E082FCC661}">
+                    <psuz:zmPr id="{9BF240B9-C0C0-4C6B-B4D9-4BBE5B41349F}" transitionDur="1000">
+                      <p166:blipFill xmlns:p166="http://schemas.microsoft.com/office/powerpoint/2016/6/main">
+                        <a:blip r:embed="rId3"/>
+                        <a:stretch>
+                          <a:fillRect/>
+                        </a:stretch>
+                      </p166:blipFill>
+                      <p166:spPr xmlns:p166="http://schemas.microsoft.com/office/powerpoint/2016/6/main">
+                        <a:xfrm>
+                          <a:off x="3680460" y="342010"/>
+                          <a:ext cx="3154680" cy="1774508"/>
+                        </a:xfrm>
+                        <a:prstGeom prst="rect">
+                          <a:avLst/>
+                        </a:prstGeom>
+                        <a:ln w="3175">
+                          <a:solidFill>
+                            <a:prstClr val="ltGray"/>
+                          </a:solidFill>
+                        </a:ln>
+                      </p166:spPr>
+                    </psuz:zmPr>
+                  </psuz:summaryZmObj>
+                  <psuz:summaryZmObj sectionId="{3D04415E-25EB-4B32-8339-F01BEF25E62C}">
+                    <psuz:zmPr id="{7A55E7CD-B3D5-4F45-8AC0-283D4066B70F}" transitionDur="1000">
+                      <p166:blipFill xmlns:p166="http://schemas.microsoft.com/office/powerpoint/2016/6/main">
+                        <a:blip r:embed="rId4"/>
+                        <a:stretch>
+                          <a:fillRect/>
+                        </a:stretch>
+                      </p166:blipFill>
+                      <p166:spPr xmlns:p166="http://schemas.microsoft.com/office/powerpoint/2016/6/main">
+                        <a:xfrm>
+                          <a:off x="6953441" y="342010"/>
+                          <a:ext cx="3154680" cy="1774508"/>
+                        </a:xfrm>
+                        <a:prstGeom prst="rect">
+                          <a:avLst/>
+                        </a:prstGeom>
+                        <a:ln w="3175">
+                          <a:solidFill>
+                            <a:prstClr val="ltGray"/>
+                          </a:solidFill>
+                        </a:ln>
+                      </p166:spPr>
+                    </psuz:zmPr>
+                  </psuz:summaryZmObj>
+                  <psuz:summaryZmObj sectionId="{60C9ACD0-DFAA-404D-A581-BCDD9B90EE68}">
+                    <psuz:zmPr id="{F5B89861-F3C6-4567-AF39-8D6ACE539B91}" transitionDur="1000">
+                      <p166:blipFill xmlns:p166="http://schemas.microsoft.com/office/powerpoint/2016/6/main">
+                        <a:blip r:embed="rId5"/>
+                        <a:stretch>
+                          <a:fillRect/>
+                        </a:stretch>
+                      </p166:blipFill>
+                      <p166:spPr xmlns:p166="http://schemas.microsoft.com/office/powerpoint/2016/6/main">
+                        <a:xfrm>
+                          <a:off x="407479" y="2234819"/>
+                          <a:ext cx="3154680" cy="1774508"/>
+                        </a:xfrm>
+                        <a:prstGeom prst="rect">
+                          <a:avLst/>
+                        </a:prstGeom>
+                        <a:ln w="3175">
+                          <a:solidFill>
+                            <a:prstClr val="ltGray"/>
+                          </a:solidFill>
+                        </a:ln>
+                      </p166:spPr>
+                    </psuz:zmPr>
+                  </psuz:summaryZmObj>
+                  <psuz:summaryZmObj sectionId="{632FD5BC-F45B-4B29-A518-694AB73951F4}">
+                    <psuz:zmPr id="{A807A35B-C75E-43FB-B6AB-652ED4D3F6BD}" transitionDur="1000">
+                      <p166:blipFill xmlns:p166="http://schemas.microsoft.com/office/powerpoint/2016/6/main">
+                        <a:blip r:embed="rId6"/>
+                        <a:stretch>
+                          <a:fillRect/>
+                        </a:stretch>
+                      </p166:blipFill>
+                      <p166:spPr xmlns:p166="http://schemas.microsoft.com/office/powerpoint/2016/6/main">
+                        <a:xfrm>
+                          <a:off x="3680460" y="2234819"/>
+                          <a:ext cx="3154680" cy="1774508"/>
+                        </a:xfrm>
+                        <a:prstGeom prst="rect">
+                          <a:avLst/>
+                        </a:prstGeom>
+                        <a:ln w="3175">
+                          <a:solidFill>
+                            <a:prstClr val="ltGray"/>
+                          </a:solidFill>
+                        </a:ln>
+                      </p166:spPr>
+                    </psuz:zmPr>
+                  </psuz:summaryZmObj>
+                  <psuz:gridLayout/>
+                </psuz:summaryZm>
+              </a:graphicData>
+            </a:graphic>
+          </p:graphicFrame>
+        </mc:Choice>
+        <mc:Fallback>
+          <p:grpSp>
+            <p:nvGrpSpPr>
+              <p:cNvPr id="5" name="Zoom de résumé 4">
+                <a:extLst>
+                  <a:ext uri="{FF2B5EF4-FFF2-40B4-BE49-F238E27FC236}">
+                    <a16:creationId xmlns:a16="http://schemas.microsoft.com/office/drawing/2014/main" id="{B6E0B44D-E297-4C4B-9932-8A191224B708}"/>
+                  </a:ext>
+                </a:extLst>
+              </p:cNvPr>
+              <p:cNvGrpSpPr>
+                <a:grpSpLocks noGrp="1" noUngrp="1" noRot="1" noChangeAspect="1" noMove="1" noResize="1"/>
+              </p:cNvGrpSpPr>
+              <p:nvPr/>
+            </p:nvGrpSpPr>
+            <p:grpSpPr>
+              <a:xfrm>
+                <a:off x="838200" y="1825625"/>
+                <a:ext cx="10515600" cy="4351338"/>
+                <a:chOff x="838200" y="1825625"/>
+                <a:chExt cx="10515600" cy="4351338"/>
+              </a:xfrm>
+            </p:grpSpPr>
+            <p:pic>
+              <p:nvPicPr>
+                <p:cNvPr id="6" name="Image 6">
+                  <a:hlinkClick r:id="rId7" action="ppaction://hlinksldjump"/>
+                </p:cNvPr>
+                <p:cNvPicPr>
+                  <a:picLocks noSelect="1" noRot="1" noChangeAspect="1" noMove="1" noResize="1" noEditPoints="1" noAdjustHandles="1" noChangeArrowheads="1" noChangeShapeType="1"/>
+                </p:cNvPicPr>
+                <p:nvPr/>
+              </p:nvPicPr>
+              <p:blipFill>
+                <a:blip r:embed="rId2"/>
+                <a:stretch>
+                  <a:fillRect/>
+                </a:stretch>
+              </p:blipFill>
+              <p:spPr>
+                <a:xfrm>
+                  <a:off x="1245679" y="2167635"/>
+                  <a:ext cx="3154680" cy="1774508"/>
+                </a:xfrm>
+                <a:prstGeom prst="rect">
+                  <a:avLst/>
+                </a:prstGeom>
+                <a:ln w="3175">
+                  <a:solidFill>
+                    <a:prstClr val="ltGray"/>
+                  </a:solidFill>
+                </a:ln>
+              </p:spPr>
+            </p:pic>
+            <p:pic>
+              <p:nvPicPr>
+                <p:cNvPr id="7" name="Image 7">
+                  <a:hlinkClick r:id="rId8" action="ppaction://hlinksldjump"/>
+                </p:cNvPr>
+                <p:cNvPicPr>
+                  <a:picLocks noSelect="1" noRot="1" noChangeAspect="1" noMove="1" noResize="1" noEditPoints="1" noAdjustHandles="1" noChangeArrowheads="1" noChangeShapeType="1"/>
+                </p:cNvPicPr>
+                <p:nvPr/>
+              </p:nvPicPr>
+              <p:blipFill>
+                <a:blip r:embed="rId3"/>
+                <a:stretch>
+                  <a:fillRect/>
+                </a:stretch>
+              </p:blipFill>
+              <p:spPr>
+                <a:xfrm>
+                  <a:off x="4518660" y="2167635"/>
+                  <a:ext cx="3154680" cy="1774508"/>
+                </a:xfrm>
+                <a:prstGeom prst="rect">
+                  <a:avLst/>
+                </a:prstGeom>
+                <a:ln w="3175">
+                  <a:solidFill>
+                    <a:prstClr val="ltGray"/>
+                  </a:solidFill>
+                </a:ln>
+              </p:spPr>
+            </p:pic>
+            <p:pic>
+              <p:nvPicPr>
+                <p:cNvPr id="8" name="Image 8">
+                  <a:hlinkClick r:id="rId9" action="ppaction://hlinksldjump"/>
+                </p:cNvPr>
+                <p:cNvPicPr>
+                  <a:picLocks noSelect="1" noRot="1" noChangeAspect="1" noMove="1" noResize="1" noEditPoints="1" noAdjustHandles="1" noChangeArrowheads="1" noChangeShapeType="1"/>
+                </p:cNvPicPr>
+                <p:nvPr/>
+              </p:nvPicPr>
+              <p:blipFill>
+                <a:blip r:embed="rId4"/>
+                <a:stretch>
+                  <a:fillRect/>
+                </a:stretch>
+              </p:blipFill>
+              <p:spPr>
+                <a:xfrm>
+                  <a:off x="7791641" y="2167635"/>
+                  <a:ext cx="3154680" cy="1774508"/>
+                </a:xfrm>
+                <a:prstGeom prst="rect">
+                  <a:avLst/>
+                </a:prstGeom>
+                <a:ln w="3175">
+                  <a:solidFill>
+                    <a:prstClr val="ltGray"/>
+                  </a:solidFill>
+                </a:ln>
+              </p:spPr>
+            </p:pic>
+            <p:pic>
+              <p:nvPicPr>
+                <p:cNvPr id="9" name="Image 9">
+                  <a:hlinkClick r:id="rId10" action="ppaction://hlinksldjump"/>
+                </p:cNvPr>
+                <p:cNvPicPr>
+                  <a:picLocks noSelect="1" noRot="1" noChangeAspect="1" noMove="1" noResize="1" noEditPoints="1" noAdjustHandles="1" noChangeArrowheads="1" noChangeShapeType="1"/>
+                </p:cNvPicPr>
+                <p:nvPr/>
+              </p:nvPicPr>
+              <p:blipFill>
+                <a:blip r:embed="rId5"/>
+                <a:stretch>
+                  <a:fillRect/>
+                </a:stretch>
+              </p:blipFill>
+              <p:spPr>
+                <a:xfrm>
+                  <a:off x="1245679" y="4060444"/>
+                  <a:ext cx="3154680" cy="1774508"/>
+                </a:xfrm>
+                <a:prstGeom prst="rect">
+                  <a:avLst/>
+                </a:prstGeom>
+                <a:ln w="3175">
+                  <a:solidFill>
+                    <a:prstClr val="ltGray"/>
+                  </a:solidFill>
+                </a:ln>
+              </p:spPr>
+            </p:pic>
+            <p:pic>
+              <p:nvPicPr>
+                <p:cNvPr id="10" name="Image 10">
+                  <a:hlinkClick r:id="rId11" action="ppaction://hlinksldjump"/>
+                </p:cNvPr>
+                <p:cNvPicPr>
+                  <a:picLocks noSelect="1" noRot="1" noChangeAspect="1" noMove="1" noResize="1" noEditPoints="1" noAdjustHandles="1" noChangeArrowheads="1" noChangeShapeType="1"/>
+                </p:cNvPicPr>
+                <p:nvPr/>
+              </p:nvPicPr>
+              <p:blipFill>
+                <a:blip r:embed="rId6"/>
+                <a:stretch>
+                  <a:fillRect/>
+                </a:stretch>
+              </p:blipFill>
+              <p:spPr>
+                <a:xfrm>
+                  <a:off x="4518660" y="4060444"/>
+                  <a:ext cx="3154680" cy="1774508"/>
+                </a:xfrm>
+                <a:prstGeom prst="rect">
+                  <a:avLst/>
+                </a:prstGeom>
+                <a:ln w="3175">
+                  <a:solidFill>
+                    <a:prstClr val="ltGray"/>
+                  </a:solidFill>
+                </a:ln>
+              </p:spPr>
+            </p:pic>
+          </p:grpSp>
+        </mc:Fallback>
+      </mc:AlternateContent>
+      <p:sp>
+        <p:nvSpPr>
+          <p:cNvPr id="12" name="Espace réservé du numéro de diapositive 11">
+            <a:extLst>
+              <a:ext uri="{FF2B5EF4-FFF2-40B4-BE49-F238E27FC236}">
+                <a16:creationId xmlns:a16="http://schemas.microsoft.com/office/drawing/2014/main" id="{159D6F4A-9514-4168-BCBC-E7196EA49585}"/>
+              </a:ext>
+            </a:extLst>
+          </p:cNvPr>
+          <p:cNvSpPr>
+            <a:spLocks noGrp="1"/>
+          </p:cNvSpPr>
+          <p:nvPr>
+            <p:ph type="sldNum" sz="quarter" idx="12"/>
+          </p:nvPr>
+        </p:nvSpPr>
+        <p:spPr/>
+        <p:txBody>
+          <a:bodyPr/>
+          <a:lstStyle/>
+          <a:p>
+            <a:fld id="{7D3627B9-1F90-4568-B521-4CB3E5CC102E}" type="slidenum">
+              <a:rPr lang="fr-BE" smtClean="0"/>
+              <a:t>3</a:t>
+            </a:fld>
+            <a:endParaRPr lang="fr-BE"/>
+          </a:p>
+        </p:txBody>
+      </p:sp>
+    </p:spTree>
+    <p:extLst>
+      <p:ext uri="{BB962C8B-B14F-4D97-AF65-F5344CB8AC3E}">
+        <p14:creationId xmlns:p14="http://schemas.microsoft.com/office/powerpoint/2010/main" val="114969481"/>
+      </p:ext>
+    </p:extLst>
+  </p:cSld>
+  <p:clrMapOvr>
+    <a:masterClrMapping/>
+  </p:clrMapOvr>
+</p:sld>
+</file>
+
+<file path=ppt/slides/slide30.xml><?xml version="1.0" encoding="utf-8"?>
+<p:sld xmlns:a="http://schemas.openxmlformats.org/drawingml/2006/main" xmlns:r="http://schemas.openxmlformats.org/officeDocument/2006/relationships" xmlns:p="http://schemas.openxmlformats.org/presentationml/2006/main">
+  <p:cSld>
+    <p:spTree>
+      <p:nvGrpSpPr>
+        <p:cNvPr id="1" name=""/>
+        <p:cNvGrpSpPr/>
+        <p:nvPr/>
+      </p:nvGrpSpPr>
+      <p:grpSpPr>
+        <a:xfrm>
+          <a:off x="0" y="0"/>
+          <a:ext cx="0" cy="0"/>
+          <a:chOff x="0" y="0"/>
+          <a:chExt cx="0" cy="0"/>
+        </a:xfrm>
+      </p:grpSpPr>
+      <p:sp>
+        <p:nvSpPr>
+          <p:cNvPr id="2" name="Titre 1">
+            <a:extLst>
+              <a:ext uri="{FF2B5EF4-FFF2-40B4-BE49-F238E27FC236}">
                 <a16:creationId xmlns:a16="http://schemas.microsoft.com/office/drawing/2014/main" id="{BD96AA03-57BD-432D-88C4-5DA65781DE72}"/>
               </a:ext>
             </a:extLst>
@@ -10835,10 +14464,10 @@
       </p:sp>
       <p:sp>
         <p:nvSpPr>
-          <p:cNvPr id="4" name="Espace réservé du numéro de diapositive 3">
+          <p:cNvPr id="6" name="Espace réservé du numéro de diapositive 5">
             <a:extLst>
               <a:ext uri="{FF2B5EF4-FFF2-40B4-BE49-F238E27FC236}">
-                <a16:creationId xmlns:a16="http://schemas.microsoft.com/office/drawing/2014/main" id="{EAF9F080-A5FE-4B3C-9D62-1A7C13277750}"/>
+                <a16:creationId xmlns:a16="http://schemas.microsoft.com/office/drawing/2014/main" id="{A32E2021-9613-4390-976A-439897B08FB1}"/>
               </a:ext>
             </a:extLst>
           </p:cNvPr>
@@ -10854,9 +14483,9 @@
           <a:bodyPr/>
           <a:lstStyle/>
           <a:p>
-            <a:fld id="{DF8E93BF-75B7-47EB-9B92-DB07C204767B}" type="slidenum">
+            <a:fld id="{7D3627B9-1F90-4568-B521-4CB3E5CC102E}" type="slidenum">
               <a:rPr lang="fr-BE" smtClean="0"/>
-              <a:t>25</a:t>
+              <a:t>30</a:t>
             </a:fld>
             <a:endParaRPr lang="fr-BE"/>
           </a:p>
@@ -10875,7 +14504,7 @@
 </p:sld>
 </file>
 
-<file path=ppt/slides/slide3.xml><?xml version="1.0" encoding="utf-8"?>
+<file path=ppt/slides/slide4.xml><?xml version="1.0" encoding="utf-8"?>
 <p:sld xmlns:a="http://schemas.openxmlformats.org/drawingml/2006/main" xmlns:r="http://schemas.openxmlformats.org/officeDocument/2006/relationships" xmlns:p="http://schemas.openxmlformats.org/presentationml/2006/main">
   <p:cSld>
     <p:bg>
@@ -11157,10 +14786,10 @@
       </p:sp>
       <p:sp>
         <p:nvSpPr>
-          <p:cNvPr id="3" name="Espace réservé du numéro de diapositive 2">
+          <p:cNvPr id="5" name="Espace réservé du numéro de diapositive 4">
             <a:extLst>
               <a:ext uri="{FF2B5EF4-FFF2-40B4-BE49-F238E27FC236}">
-                <a16:creationId xmlns:a16="http://schemas.microsoft.com/office/drawing/2014/main" id="{1D95B4CB-BF20-4D74-9610-486D8FA99CB1}"/>
+                <a16:creationId xmlns:a16="http://schemas.microsoft.com/office/drawing/2014/main" id="{283A00C4-72B8-41F4-9640-A3A4CD94A1E5}"/>
               </a:ext>
             </a:extLst>
           </p:cNvPr>
@@ -11171,41 +14800,16 @@
             <p:ph type="sldNum" sz="quarter" idx="12"/>
           </p:nvPr>
         </p:nvSpPr>
-        <p:spPr>
-          <a:xfrm>
-            <a:off x="10825930" y="6223702"/>
-            <a:ext cx="570728" cy="314067"/>
-          </a:xfrm>
-        </p:spPr>
-        <p:txBody>
-          <a:bodyPr vert="horz" lIns="91440" tIns="45720" rIns="91440" bIns="45720" rtlCol="0" anchor="ctr">
-            <a:normAutofit/>
-          </a:bodyPr>
+        <p:spPr/>
+        <p:txBody>
+          <a:bodyPr/>
           <a:lstStyle/>
           <a:p>
-            <a:pPr defTabSz="914400">
-              <a:spcAft>
-                <a:spcPts val="600"/>
-              </a:spcAft>
-            </a:pPr>
-            <a:fld id="{DF8E93BF-75B7-47EB-9B92-DB07C204767B}" type="slidenum">
-              <a:rPr lang="en-US" sz="1000">
-                <a:solidFill>
-                  <a:srgbClr val="898989"/>
-                </a:solidFill>
-              </a:rPr>
-              <a:pPr defTabSz="914400">
-                <a:spcAft>
-                  <a:spcPts val="600"/>
-                </a:spcAft>
-              </a:pPr>
-              <a:t>3</a:t>
+            <a:fld id="{7D3627B9-1F90-4568-B521-4CB3E5CC102E}" type="slidenum">
+              <a:rPr lang="fr-BE" smtClean="0"/>
+              <a:t>4</a:t>
             </a:fld>
-            <a:endParaRPr lang="en-US" sz="1000">
-              <a:solidFill>
-                <a:srgbClr val="898989"/>
-              </a:solidFill>
-            </a:endParaRPr>
+            <a:endParaRPr lang="fr-BE"/>
           </a:p>
         </p:txBody>
       </p:sp>
@@ -11222,7 +14826,7 @@
 </p:sld>
 </file>
 
-<file path=ppt/slides/slide4.xml><?xml version="1.0" encoding="utf-8"?>
+<file path=ppt/slides/slide5.xml><?xml version="1.0" encoding="utf-8"?>
 <p:sld xmlns:a="http://schemas.openxmlformats.org/drawingml/2006/main" xmlns:r="http://schemas.openxmlformats.org/officeDocument/2006/relationships" xmlns:p="http://schemas.openxmlformats.org/presentationml/2006/main">
   <p:cSld>
     <p:spTree>
@@ -11347,10 +14951,10 @@
       </p:pic>
       <p:sp>
         <p:nvSpPr>
-          <p:cNvPr id="3" name="Espace réservé du numéro de diapositive 2">
+          <p:cNvPr id="5" name="Espace réservé du numéro de diapositive 4">
             <a:extLst>
               <a:ext uri="{FF2B5EF4-FFF2-40B4-BE49-F238E27FC236}">
-                <a16:creationId xmlns:a16="http://schemas.microsoft.com/office/drawing/2014/main" id="{0A5C3ED1-FF24-43C9-A0F8-D087995EB27B}"/>
+                <a16:creationId xmlns:a16="http://schemas.microsoft.com/office/drawing/2014/main" id="{9A43EBC4-261A-4A9D-A733-F5D8FF996C77}"/>
               </a:ext>
             </a:extLst>
           </p:cNvPr>
@@ -11366,9 +14970,9 @@
           <a:bodyPr/>
           <a:lstStyle/>
           <a:p>
-            <a:fld id="{DF8E93BF-75B7-47EB-9B92-DB07C204767B}" type="slidenum">
+            <a:fld id="{7D3627B9-1F90-4568-B521-4CB3E5CC102E}" type="slidenum">
               <a:rPr lang="fr-BE" smtClean="0"/>
-              <a:t>4</a:t>
+              <a:t>5</a:t>
             </a:fld>
             <a:endParaRPr lang="fr-BE"/>
           </a:p>
@@ -11387,7 +14991,7 @@
 </p:sld>
 </file>
 
-<file path=ppt/slides/slide5.xml><?xml version="1.0" encoding="utf-8"?>
+<file path=ppt/slides/slide6.xml><?xml version="1.0" encoding="utf-8"?>
 <p:sld xmlns:a="http://schemas.openxmlformats.org/drawingml/2006/main" xmlns:r="http://schemas.openxmlformats.org/officeDocument/2006/relationships" xmlns:p="http://schemas.openxmlformats.org/presentationml/2006/main">
   <p:cSld>
     <p:spTree>
@@ -11444,10 +15048,10 @@
       </p:pic>
       <p:sp>
         <p:nvSpPr>
-          <p:cNvPr id="2" name="Espace réservé du numéro de diapositive 1">
+          <p:cNvPr id="4" name="Espace réservé du numéro de diapositive 3">
             <a:extLst>
               <a:ext uri="{FF2B5EF4-FFF2-40B4-BE49-F238E27FC236}">
-                <a16:creationId xmlns:a16="http://schemas.microsoft.com/office/drawing/2014/main" id="{48C28387-5B45-476B-87F1-09C71A47A5D2}"/>
+                <a16:creationId xmlns:a16="http://schemas.microsoft.com/office/drawing/2014/main" id="{1FB0FEB1-1455-411C-BE19-4594C1F5C317}"/>
               </a:ext>
             </a:extLst>
           </p:cNvPr>
@@ -11463,9 +15067,9 @@
           <a:bodyPr/>
           <a:lstStyle/>
           <a:p>
-            <a:fld id="{DF8E93BF-75B7-47EB-9B92-DB07C204767B}" type="slidenum">
+            <a:fld id="{7D3627B9-1F90-4568-B521-4CB3E5CC102E}" type="slidenum">
               <a:rPr lang="fr-BE" smtClean="0"/>
-              <a:t>5</a:t>
+              <a:t>6</a:t>
             </a:fld>
             <a:endParaRPr lang="fr-BE"/>
           </a:p>
@@ -11484,7 +15088,7 @@
 </p:sld>
 </file>
 
-<file path=ppt/slides/slide6.xml><?xml version="1.0" encoding="utf-8"?>
+<file path=ppt/slides/slide7.xml><?xml version="1.0" encoding="utf-8"?>
 <p:sld xmlns:a="http://schemas.openxmlformats.org/drawingml/2006/main" xmlns:r="http://schemas.openxmlformats.org/officeDocument/2006/relationships" xmlns:p="http://schemas.openxmlformats.org/presentationml/2006/main">
   <p:cSld>
     <p:bg>
@@ -11766,10 +15370,10 @@
       </p:sp>
       <p:sp>
         <p:nvSpPr>
-          <p:cNvPr id="3" name="Espace réservé du numéro de diapositive 2">
+          <p:cNvPr id="5" name="Espace réservé du numéro de diapositive 4">
             <a:extLst>
               <a:ext uri="{FF2B5EF4-FFF2-40B4-BE49-F238E27FC236}">
-                <a16:creationId xmlns:a16="http://schemas.microsoft.com/office/drawing/2014/main" id="{FB2F9709-1D36-4BA5-AD6E-2906342249C9}"/>
+                <a16:creationId xmlns:a16="http://schemas.microsoft.com/office/drawing/2014/main" id="{65768B4A-51C9-4342-A9C3-5D4587815908}"/>
               </a:ext>
             </a:extLst>
           </p:cNvPr>
@@ -11780,41 +15384,16 @@
             <p:ph type="sldNum" sz="quarter" idx="12"/>
           </p:nvPr>
         </p:nvSpPr>
-        <p:spPr>
-          <a:xfrm>
-            <a:off x="10825930" y="6223702"/>
-            <a:ext cx="570728" cy="314067"/>
-          </a:xfrm>
-        </p:spPr>
-        <p:txBody>
-          <a:bodyPr vert="horz" lIns="91440" tIns="45720" rIns="91440" bIns="45720" rtlCol="0" anchor="ctr">
-            <a:normAutofit/>
-          </a:bodyPr>
+        <p:spPr/>
+        <p:txBody>
+          <a:bodyPr/>
           <a:lstStyle/>
           <a:p>
-            <a:pPr defTabSz="914400">
-              <a:spcAft>
-                <a:spcPts val="600"/>
-              </a:spcAft>
-            </a:pPr>
-            <a:fld id="{DF8E93BF-75B7-47EB-9B92-DB07C204767B}" type="slidenum">
-              <a:rPr lang="en-US" sz="1000">
-                <a:solidFill>
-                  <a:srgbClr val="898989"/>
-                </a:solidFill>
-              </a:rPr>
-              <a:pPr defTabSz="914400">
-                <a:spcAft>
-                  <a:spcPts val="600"/>
-                </a:spcAft>
-              </a:pPr>
-              <a:t>6</a:t>
+            <a:fld id="{7D3627B9-1F90-4568-B521-4CB3E5CC102E}" type="slidenum">
+              <a:rPr lang="fr-BE" smtClean="0"/>
+              <a:t>7</a:t>
             </a:fld>
-            <a:endParaRPr lang="en-US" sz="1000">
-              <a:solidFill>
-                <a:srgbClr val="898989"/>
-              </a:solidFill>
-            </a:endParaRPr>
+            <a:endParaRPr lang="fr-BE"/>
           </a:p>
         </p:txBody>
       </p:sp>
@@ -11831,7 +15410,7 @@
 </p:sld>
 </file>
 
-<file path=ppt/slides/slide7.xml><?xml version="1.0" encoding="utf-8"?>
+<file path=ppt/slides/slide8.xml><?xml version="1.0" encoding="utf-8"?>
 <p:sld xmlns:a="http://schemas.openxmlformats.org/drawingml/2006/main" xmlns:r="http://schemas.openxmlformats.org/officeDocument/2006/relationships" xmlns:p="http://schemas.openxmlformats.org/presentationml/2006/main">
   <p:cSld>
     <p:bg>
@@ -12111,155 +15690,39 @@
           </a:p>
         </p:txBody>
       </p:sp>
+      <p:sp>
+        <p:nvSpPr>
+          <p:cNvPr id="3" name="Espace réservé du numéro de diapositive 2">
+            <a:extLst>
+              <a:ext uri="{FF2B5EF4-FFF2-40B4-BE49-F238E27FC236}">
+                <a16:creationId xmlns:a16="http://schemas.microsoft.com/office/drawing/2014/main" id="{5FB7E4E2-0DF0-4527-958C-D90E55FC1790}"/>
+              </a:ext>
+            </a:extLst>
+          </p:cNvPr>
+          <p:cNvSpPr>
+            <a:spLocks noGrp="1"/>
+          </p:cNvSpPr>
+          <p:nvPr>
+            <p:ph type="sldNum" sz="quarter" idx="12"/>
+          </p:nvPr>
+        </p:nvSpPr>
+        <p:spPr/>
+        <p:txBody>
+          <a:bodyPr/>
+          <a:lstStyle/>
+          <a:p>
+            <a:fld id="{7D3627B9-1F90-4568-B521-4CB3E5CC102E}" type="slidenum">
+              <a:rPr lang="fr-BE" smtClean="0"/>
+              <a:t>8</a:t>
+            </a:fld>
+            <a:endParaRPr lang="fr-BE"/>
+          </a:p>
+        </p:txBody>
+      </p:sp>
     </p:spTree>
     <p:extLst>
       <p:ext uri="{BB962C8B-B14F-4D97-AF65-F5344CB8AC3E}">
         <p14:creationId xmlns:p14="http://schemas.microsoft.com/office/powerpoint/2010/main" val="4124027447"/>
-      </p:ext>
-    </p:extLst>
-  </p:cSld>
-  <p:clrMapOvr>
-    <a:masterClrMapping/>
-  </p:clrMapOvr>
-</p:sld>
-</file>
-
-<file path=ppt/slides/slide8.xml><?xml version="1.0" encoding="utf-8"?>
-<p:sld xmlns:a="http://schemas.openxmlformats.org/drawingml/2006/main" xmlns:r="http://schemas.openxmlformats.org/officeDocument/2006/relationships" xmlns:p="http://schemas.openxmlformats.org/presentationml/2006/main">
-  <p:cSld>
-    <p:bg>
-      <p:bgPr>
-        <a:solidFill>
-          <a:schemeClr val="bg1"/>
-        </a:solidFill>
-        <a:effectLst/>
-      </p:bgPr>
-    </p:bg>
-    <p:spTree>
-      <p:nvGrpSpPr>
-        <p:cNvPr id="1" name=""/>
-        <p:cNvGrpSpPr/>
-        <p:nvPr/>
-      </p:nvGrpSpPr>
-      <p:grpSpPr>
-        <a:xfrm>
-          <a:off x="0" y="0"/>
-          <a:ext cx="0" cy="0"/>
-          <a:chOff x="0" y="0"/>
-          <a:chExt cx="0" cy="0"/>
-        </a:xfrm>
-      </p:grpSpPr>
-      <p:sp>
-        <p:nvSpPr>
-          <p:cNvPr id="2" name="Titre 1">
-            <a:extLst>
-              <a:ext uri="{FF2B5EF4-FFF2-40B4-BE49-F238E27FC236}">
-                <a16:creationId xmlns:a16="http://schemas.microsoft.com/office/drawing/2014/main" id="{C5F8775F-9662-4050-98FB-A838A4FEE2C8}"/>
-              </a:ext>
-            </a:extLst>
-          </p:cNvPr>
-          <p:cNvSpPr>
-            <a:spLocks noGrp="1"/>
-          </p:cNvSpPr>
-          <p:nvPr>
-            <p:ph type="title"/>
-          </p:nvPr>
-        </p:nvSpPr>
-        <p:spPr>
-          <a:xfrm>
-            <a:off x="640080" y="2074363"/>
-            <a:ext cx="2752354" cy="2709275"/>
-          </a:xfrm>
-          <a:prstGeom prst="ellipse">
-            <a:avLst/>
-          </a:prstGeom>
-          <a:solidFill>
-            <a:schemeClr val="tx1">
-              <a:lumMod val="85000"/>
-              <a:lumOff val="15000"/>
-            </a:schemeClr>
-          </a:solidFill>
-          <a:ln w="174625" cmpd="thinThick">
-            <a:solidFill>
-              <a:schemeClr val="tx1">
-                <a:lumMod val="85000"/>
-                <a:lumOff val="15000"/>
-              </a:schemeClr>
-            </a:solidFill>
-          </a:ln>
-        </p:spPr>
-        <p:txBody>
-          <a:bodyPr vert="horz" lIns="91440" tIns="45720" rIns="91440" bIns="45720" rtlCol="0" anchor="ctr">
-            <a:normAutofit/>
-          </a:bodyPr>
-          <a:lstStyle/>
-          <a:p>
-            <a:pPr algn="ctr"/>
-            <a:r>
-              <a:rPr lang="en-US" sz="2600" kern="1200">
-                <a:solidFill>
-                  <a:schemeClr val="bg1"/>
-                </a:solidFill>
-                <a:latin typeface="+mj-lt"/>
-                <a:ea typeface="+mj-ea"/>
-                <a:cs typeface="+mj-cs"/>
-              </a:rPr>
-              <a:t>ESP8266</a:t>
-            </a:r>
-          </a:p>
-        </p:txBody>
-      </p:sp>
-      <p:pic>
-        <p:nvPicPr>
-          <p:cNvPr id="1026" name="Picture 2" descr="RÃ©sultat de recherche d'images pour &quot;nodemcu esp8266 amica&quot;">
-            <a:extLst>
-              <a:ext uri="{FF2B5EF4-FFF2-40B4-BE49-F238E27FC236}">
-                <a16:creationId xmlns:a16="http://schemas.microsoft.com/office/drawing/2014/main" id="{C57719E7-0D22-41C8-B7F4-DEC8BBF076D5}"/>
-              </a:ext>
-            </a:extLst>
-          </p:cNvPr>
-          <p:cNvPicPr>
-            <a:picLocks noGrp="1" noChangeAspect="1" noChangeArrowheads="1"/>
-          </p:cNvPicPr>
-          <p:nvPr>
-            <p:ph idx="1"/>
-          </p:nvPr>
-        </p:nvPicPr>
-        <p:blipFill rotWithShape="1">
-          <a:blip r:embed="rId3">
-            <a:extLst>
-              <a:ext uri="{28A0092B-C50C-407E-A947-70E740481C1C}">
-                <a14:useLocalDpi xmlns:a14="http://schemas.microsoft.com/office/drawing/2010/main" val="0"/>
-              </a:ext>
-            </a:extLst>
-          </a:blip>
-          <a:srcRect t="6758" b="8972"/>
-          <a:stretch/>
-        </p:blipFill>
-        <p:spPr bwMode="auto">
-          <a:xfrm>
-            <a:off x="4038600" y="1405617"/>
-            <a:ext cx="7188199" cy="4043377"/>
-          </a:xfrm>
-          <a:prstGeom prst="rect">
-            <a:avLst/>
-          </a:prstGeom>
-          <a:noFill/>
-          <a:extLst>
-            <a:ext uri="{909E8E84-426E-40DD-AFC4-6F175D3DCCD1}">
-              <a14:hiddenFill xmlns:a14="http://schemas.microsoft.com/office/drawing/2010/main">
-                <a:solidFill>
-                  <a:srgbClr val="FFFFFF"/>
-                </a:solidFill>
-              </a14:hiddenFill>
-            </a:ext>
-          </a:extLst>
-        </p:spPr>
-      </p:pic>
-    </p:spTree>
-    <p:extLst>
-      <p:ext uri="{BB962C8B-B14F-4D97-AF65-F5344CB8AC3E}">
-        <p14:creationId xmlns:p14="http://schemas.microsoft.com/office/powerpoint/2010/main" val="3504272572"/>
       </p:ext>
     </p:extLst>
   </p:cSld>
@@ -12294,12 +15757,40 @@
           <a:chExt cx="0" cy="0"/>
         </a:xfrm>
       </p:grpSpPr>
+      <p:sp>
+        <p:nvSpPr>
+          <p:cNvPr id="2" name="Titre 1">
+            <a:extLst>
+              <a:ext uri="{FF2B5EF4-FFF2-40B4-BE49-F238E27FC236}">
+                <a16:creationId xmlns:a16="http://schemas.microsoft.com/office/drawing/2014/main" id="{C5F8775F-9662-4050-98FB-A838A4FEE2C8}"/>
+              </a:ext>
+            </a:extLst>
+          </p:cNvPr>
+          <p:cNvSpPr>
+            <a:spLocks noGrp="1"/>
+          </p:cNvSpPr>
+          <p:nvPr>
+            <p:ph type="title"/>
+          </p:nvPr>
+        </p:nvSpPr>
+        <p:spPr/>
+        <p:txBody>
+          <a:bodyPr/>
+          <a:lstStyle/>
+          <a:p>
+            <a:r>
+              <a:rPr lang="en-US"/>
+              <a:t>ESP8266</a:t>
+            </a:r>
+          </a:p>
+        </p:txBody>
+      </p:sp>
       <p:pic>
         <p:nvPicPr>
-          <p:cNvPr id="9" name="Picture 2" descr="https://acrobotic.com/media/wysiwyg/products/esp8266_devkit_horizontal-01.png">
+          <p:cNvPr id="1026" name="Picture 2" descr="RÃ©sultat de recherche d'images pour &quot;nodemcu esp8266 amica&quot;">
             <a:extLst>
               <a:ext uri="{FF2B5EF4-FFF2-40B4-BE49-F238E27FC236}">
-                <a16:creationId xmlns:a16="http://schemas.microsoft.com/office/drawing/2014/main" id="{1729906A-2629-40F0-8577-C8AC046533DD}"/>
+                <a16:creationId xmlns:a16="http://schemas.microsoft.com/office/drawing/2014/main" id="{C57719E7-0D22-41C8-B7F4-DEC8BBF076D5}"/>
               </a:ext>
             </a:extLst>
           </p:cNvPr>
@@ -12310,43 +15801,58 @@
             <p:ph idx="1"/>
           </p:nvPr>
         </p:nvPicPr>
-        <p:blipFill>
-          <a:blip r:embed="rId2">
+        <p:blipFill rotWithShape="1">
+          <a:blip r:embed="rId3">
             <a:extLst>
               <a:ext uri="{28A0092B-C50C-407E-A947-70E740481C1C}">
                 <a14:useLocalDpi xmlns:a14="http://schemas.microsoft.com/office/drawing/2010/main" val="0"/>
               </a:ext>
             </a:extLst>
           </a:blip>
-          <a:srcRect/>
-          <a:stretch>
-            <a:fillRect/>
-          </a:stretch>
+          <a:srcRect t="6758" b="8972"/>
+          <a:stretch/>
         </p:blipFill>
-        <p:spPr bwMode="auto">
+        <p:spPr>
           <a:xfrm>
-            <a:off x="1416041" y="-186267"/>
-            <a:ext cx="9359918" cy="7230534"/>
+            <a:off x="2224534" y="1825625"/>
+            <a:ext cx="7742931" cy="4351338"/>
           </a:xfrm>
-          <a:prstGeom prst="rect">
-            <a:avLst/>
-          </a:prstGeom>
-          <a:noFill/>
-          <a:extLst>
-            <a:ext uri="{909E8E84-426E-40DD-AFC4-6F175D3DCCD1}">
-              <a14:hiddenFill xmlns:a14="http://schemas.microsoft.com/office/drawing/2010/main">
-                <a:solidFill>
-                  <a:srgbClr val="FFFFFF"/>
-                </a:solidFill>
-              </a14:hiddenFill>
-            </a:ext>
-          </a:extLst>
         </p:spPr>
       </p:pic>
+      <p:sp>
+        <p:nvSpPr>
+          <p:cNvPr id="4" name="Espace réservé du numéro de diapositive 3">
+            <a:extLst>
+              <a:ext uri="{FF2B5EF4-FFF2-40B4-BE49-F238E27FC236}">
+                <a16:creationId xmlns:a16="http://schemas.microsoft.com/office/drawing/2014/main" id="{0A0CA7B0-2512-4C05-8663-5F6BFE309B05}"/>
+              </a:ext>
+            </a:extLst>
+          </p:cNvPr>
+          <p:cNvSpPr>
+            <a:spLocks noGrp="1"/>
+          </p:cNvSpPr>
+          <p:nvPr>
+            <p:ph type="sldNum" sz="quarter" idx="12"/>
+          </p:nvPr>
+        </p:nvSpPr>
+        <p:spPr/>
+        <p:txBody>
+          <a:bodyPr/>
+          <a:lstStyle/>
+          <a:p>
+            <a:fld id="{7D3627B9-1F90-4568-B521-4CB3E5CC102E}" type="slidenum">
+              <a:rPr lang="en-US" smtClean="0"/>
+              <a:pPr/>
+              <a:t>9</a:t>
+            </a:fld>
+            <a:endParaRPr lang="en-US"/>
+          </a:p>
+        </p:txBody>
+      </p:sp>
     </p:spTree>
     <p:extLst>
       <p:ext uri="{BB962C8B-B14F-4D97-AF65-F5344CB8AC3E}">
-        <p14:creationId xmlns:p14="http://schemas.microsoft.com/office/powerpoint/2010/main" val="4074127439"/>
+        <p14:creationId xmlns:p14="http://schemas.microsoft.com/office/powerpoint/2010/main" val="3504272572"/>
       </p:ext>
     </p:extLst>
   </p:cSld>
@@ -12910,4 +16416,299 @@
     </a:ext>
   </a:extLst>
 </a:theme>
+</file>
+
+<file path=ppt/theme/theme3.xml><?xml version="1.0" encoding="utf-8"?>
+<a:theme xmlns:a="http://schemas.openxmlformats.org/drawingml/2006/main" name="Thème Office">
+  <a:themeElements>
+    <a:clrScheme name="Office">
+      <a:dk1>
+        <a:sysClr val="windowText" lastClr="000000"/>
+      </a:dk1>
+      <a:lt1>
+        <a:sysClr val="window" lastClr="FFFFFF"/>
+      </a:lt1>
+      <a:dk2>
+        <a:srgbClr val="44546A"/>
+      </a:dk2>
+      <a:lt2>
+        <a:srgbClr val="E7E6E6"/>
+      </a:lt2>
+      <a:accent1>
+        <a:srgbClr val="4472C4"/>
+      </a:accent1>
+      <a:accent2>
+        <a:srgbClr val="ED7D31"/>
+      </a:accent2>
+      <a:accent3>
+        <a:srgbClr val="A5A5A5"/>
+      </a:accent3>
+      <a:accent4>
+        <a:srgbClr val="FFC000"/>
+      </a:accent4>
+      <a:accent5>
+        <a:srgbClr val="5B9BD5"/>
+      </a:accent5>
+      <a:accent6>
+        <a:srgbClr val="70AD47"/>
+      </a:accent6>
+      <a:hlink>
+        <a:srgbClr val="0563C1"/>
+      </a:hlink>
+      <a:folHlink>
+        <a:srgbClr val="954F72"/>
+      </a:folHlink>
+    </a:clrScheme>
+    <a:fontScheme name="Office">
+      <a:majorFont>
+        <a:latin typeface="Calibri Light" panose="020F0302020204030204"/>
+        <a:ea typeface=""/>
+        <a:cs typeface=""/>
+        <a:font script="Jpan" typeface="游ゴシック Light"/>
+        <a:font script="Hang" typeface="맑은 고딕"/>
+        <a:font script="Hans" typeface="等线 Light"/>
+        <a:font script="Hant" typeface="新細明體"/>
+        <a:font script="Arab" typeface="Times New Roman"/>
+        <a:font script="Hebr" typeface="Times New Roman"/>
+        <a:font script="Thai" typeface="Angsana New"/>
+        <a:font script="Ethi" typeface="Nyala"/>
+        <a:font script="Beng" typeface="Vrinda"/>
+        <a:font script="Gujr" typeface="Shruti"/>
+        <a:font script="Khmr" typeface="MoolBoran"/>
+        <a:font script="Knda" typeface="Tunga"/>
+        <a:font script="Guru" typeface="Raavi"/>
+        <a:font script="Cans" typeface="Euphemia"/>
+        <a:font script="Cher" typeface="Plantagenet Cherokee"/>
+        <a:font script="Yiii" typeface="Microsoft Yi Baiti"/>
+        <a:font script="Tibt" typeface="Microsoft Himalaya"/>
+        <a:font script="Thaa" typeface="MV Boli"/>
+        <a:font script="Deva" typeface="Mangal"/>
+        <a:font script="Telu" typeface="Gautami"/>
+        <a:font script="Taml" typeface="Latha"/>
+        <a:font script="Syrc" typeface="Estrangelo Edessa"/>
+        <a:font script="Orya" typeface="Kalinga"/>
+        <a:font script="Mlym" typeface="Kartika"/>
+        <a:font script="Laoo" typeface="DokChampa"/>
+        <a:font script="Sinh" typeface="Iskoola Pota"/>
+        <a:font script="Mong" typeface="Mongolian Baiti"/>
+        <a:font script="Viet" typeface="Times New Roman"/>
+        <a:font script="Uigh" typeface="Microsoft Uighur"/>
+        <a:font script="Geor" typeface="Sylfaen"/>
+        <a:font script="Armn" typeface="Arial"/>
+        <a:font script="Bugi" typeface="Leelawadee UI"/>
+        <a:font script="Bopo" typeface="Microsoft JhengHei"/>
+        <a:font script="Java" typeface="Javanese Text"/>
+        <a:font script="Lisu" typeface="Segoe UI"/>
+        <a:font script="Mymr" typeface="Myanmar Text"/>
+        <a:font script="Nkoo" typeface="Ebrima"/>
+        <a:font script="Olck" typeface="Nirmala UI"/>
+        <a:font script="Osma" typeface="Ebrima"/>
+        <a:font script="Phag" typeface="Phagspa"/>
+        <a:font script="Syrn" typeface="Estrangelo Edessa"/>
+        <a:font script="Syrj" typeface="Estrangelo Edessa"/>
+        <a:font script="Syre" typeface="Estrangelo Edessa"/>
+        <a:font script="Sora" typeface="Nirmala UI"/>
+        <a:font script="Tale" typeface="Microsoft Tai Le"/>
+        <a:font script="Talu" typeface="Microsoft New Tai Lue"/>
+        <a:font script="Tfng" typeface="Ebrima"/>
+      </a:majorFont>
+      <a:minorFont>
+        <a:latin typeface="Calibri" panose="020F0502020204030204"/>
+        <a:ea typeface=""/>
+        <a:cs typeface=""/>
+        <a:font script="Jpan" typeface="游ゴシック"/>
+        <a:font script="Hang" typeface="맑은 고딕"/>
+        <a:font script="Hans" typeface="等线"/>
+        <a:font script="Hant" typeface="新細明體"/>
+        <a:font script="Arab" typeface="Arial"/>
+        <a:font script="Hebr" typeface="Arial"/>
+        <a:font script="Thai" typeface="Cordia New"/>
+        <a:font script="Ethi" typeface="Nyala"/>
+        <a:font script="Beng" typeface="Vrinda"/>
+        <a:font script="Gujr" typeface="Shruti"/>
+        <a:font script="Khmr" typeface="DaunPenh"/>
+        <a:font script="Knda" typeface="Tunga"/>
+        <a:font script="Guru" typeface="Raavi"/>
+        <a:font script="Cans" typeface="Euphemia"/>
+        <a:font script="Cher" typeface="Plantagenet Cherokee"/>
+        <a:font script="Yiii" typeface="Microsoft Yi Baiti"/>
+        <a:font script="Tibt" typeface="Microsoft Himalaya"/>
+        <a:font script="Thaa" typeface="MV Boli"/>
+        <a:font script="Deva" typeface="Mangal"/>
+        <a:font script="Telu" typeface="Gautami"/>
+        <a:font script="Taml" typeface="Latha"/>
+        <a:font script="Syrc" typeface="Estrangelo Edessa"/>
+        <a:font script="Orya" typeface="Kalinga"/>
+        <a:font script="Mlym" typeface="Kartika"/>
+        <a:font script="Laoo" typeface="DokChampa"/>
+        <a:font script="Sinh" typeface="Iskoola Pota"/>
+        <a:font script="Mong" typeface="Mongolian Baiti"/>
+        <a:font script="Viet" typeface="Arial"/>
+        <a:font script="Uigh" typeface="Microsoft Uighur"/>
+        <a:font script="Geor" typeface="Sylfaen"/>
+        <a:font script="Armn" typeface="Arial"/>
+        <a:font script="Bugi" typeface="Leelawadee UI"/>
+        <a:font script="Bopo" typeface="Microsoft JhengHei"/>
+        <a:font script="Java" typeface="Javanese Text"/>
+        <a:font script="Lisu" typeface="Segoe UI"/>
+        <a:font script="Mymr" typeface="Myanmar Text"/>
+        <a:font script="Nkoo" typeface="Ebrima"/>
+        <a:font script="Olck" typeface="Nirmala UI"/>
+        <a:font script="Osma" typeface="Ebrima"/>
+        <a:font script="Phag" typeface="Phagspa"/>
+        <a:font script="Syrn" typeface="Estrangelo Edessa"/>
+        <a:font script="Syrj" typeface="Estrangelo Edessa"/>
+        <a:font script="Syre" typeface="Estrangelo Edessa"/>
+        <a:font script="Sora" typeface="Nirmala UI"/>
+        <a:font script="Tale" typeface="Microsoft Tai Le"/>
+        <a:font script="Talu" typeface="Microsoft New Tai Lue"/>
+        <a:font script="Tfng" typeface="Ebrima"/>
+      </a:minorFont>
+    </a:fontScheme>
+    <a:fmtScheme name="Office">
+      <a:fillStyleLst>
+        <a:solidFill>
+          <a:schemeClr val="phClr"/>
+        </a:solidFill>
+        <a:gradFill rotWithShape="1">
+          <a:gsLst>
+            <a:gs pos="0">
+              <a:schemeClr val="phClr">
+                <a:lumMod val="110000"/>
+                <a:satMod val="105000"/>
+                <a:tint val="67000"/>
+              </a:schemeClr>
+            </a:gs>
+            <a:gs pos="50000">
+              <a:schemeClr val="phClr">
+                <a:lumMod val="105000"/>
+                <a:satMod val="103000"/>
+                <a:tint val="73000"/>
+              </a:schemeClr>
+            </a:gs>
+            <a:gs pos="100000">
+              <a:schemeClr val="phClr">
+                <a:lumMod val="105000"/>
+                <a:satMod val="109000"/>
+                <a:tint val="81000"/>
+              </a:schemeClr>
+            </a:gs>
+          </a:gsLst>
+          <a:lin ang="5400000" scaled="0"/>
+        </a:gradFill>
+        <a:gradFill rotWithShape="1">
+          <a:gsLst>
+            <a:gs pos="0">
+              <a:schemeClr val="phClr">
+                <a:satMod val="103000"/>
+                <a:lumMod val="102000"/>
+                <a:tint val="94000"/>
+              </a:schemeClr>
+            </a:gs>
+            <a:gs pos="50000">
+              <a:schemeClr val="phClr">
+                <a:satMod val="110000"/>
+                <a:lumMod val="100000"/>
+                <a:shade val="100000"/>
+              </a:schemeClr>
+            </a:gs>
+            <a:gs pos="100000">
+              <a:schemeClr val="phClr">
+                <a:lumMod val="99000"/>
+                <a:satMod val="120000"/>
+                <a:shade val="78000"/>
+              </a:schemeClr>
+            </a:gs>
+          </a:gsLst>
+          <a:lin ang="5400000" scaled="0"/>
+        </a:gradFill>
+      </a:fillStyleLst>
+      <a:lnStyleLst>
+        <a:ln w="6350" cap="flat" cmpd="sng" algn="ctr">
+          <a:solidFill>
+            <a:schemeClr val="phClr"/>
+          </a:solidFill>
+          <a:prstDash val="solid"/>
+          <a:miter lim="800000"/>
+        </a:ln>
+        <a:ln w="12700" cap="flat" cmpd="sng" algn="ctr">
+          <a:solidFill>
+            <a:schemeClr val="phClr"/>
+          </a:solidFill>
+          <a:prstDash val="solid"/>
+          <a:miter lim="800000"/>
+        </a:ln>
+        <a:ln w="19050" cap="flat" cmpd="sng" algn="ctr">
+          <a:solidFill>
+            <a:schemeClr val="phClr"/>
+          </a:solidFill>
+          <a:prstDash val="solid"/>
+          <a:miter lim="800000"/>
+        </a:ln>
+      </a:lnStyleLst>
+      <a:effectStyleLst>
+        <a:effectStyle>
+          <a:effectLst/>
+        </a:effectStyle>
+        <a:effectStyle>
+          <a:effectLst/>
+        </a:effectStyle>
+        <a:effectStyle>
+          <a:effectLst>
+            <a:outerShdw blurRad="57150" dist="19050" dir="5400000" algn="ctr" rotWithShape="0">
+              <a:srgbClr val="000000">
+                <a:alpha val="63000"/>
+              </a:srgbClr>
+            </a:outerShdw>
+          </a:effectLst>
+        </a:effectStyle>
+      </a:effectStyleLst>
+      <a:bgFillStyleLst>
+        <a:solidFill>
+          <a:schemeClr val="phClr"/>
+        </a:solidFill>
+        <a:solidFill>
+          <a:schemeClr val="phClr">
+            <a:tint val="95000"/>
+            <a:satMod val="170000"/>
+          </a:schemeClr>
+        </a:solidFill>
+        <a:gradFill rotWithShape="1">
+          <a:gsLst>
+            <a:gs pos="0">
+              <a:schemeClr val="phClr">
+                <a:tint val="93000"/>
+                <a:satMod val="150000"/>
+                <a:shade val="98000"/>
+                <a:lumMod val="102000"/>
+              </a:schemeClr>
+            </a:gs>
+            <a:gs pos="50000">
+              <a:schemeClr val="phClr">
+                <a:tint val="98000"/>
+                <a:satMod val="130000"/>
+                <a:shade val="90000"/>
+                <a:lumMod val="103000"/>
+              </a:schemeClr>
+            </a:gs>
+            <a:gs pos="100000">
+              <a:schemeClr val="phClr">
+                <a:shade val="63000"/>
+                <a:satMod val="120000"/>
+              </a:schemeClr>
+            </a:gs>
+          </a:gsLst>
+          <a:lin ang="5400000" scaled="0"/>
+        </a:gradFill>
+      </a:bgFillStyleLst>
+    </a:fmtScheme>
+  </a:themeElements>
+  <a:objectDefaults/>
+  <a:extraClrSchemeLst/>
+  <a:extLst>
+    <a:ext uri="{05A4C25C-085E-4340-85A3-A5531E510DB2}">
+      <thm15:themeFamily xmlns:thm15="http://schemas.microsoft.com/office/thememl/2012/main" name="Office Theme" id="{62F939B6-93AF-4DB8-9C6B-D6C7DFDC589F}" vid="{4A3C46E8-61CC-4603-A589-7422A47A8E4A}"/>
+    </a:ext>
+  </a:extLst>
+</a:theme>
 </file>
--- a/201809-FabIoTLab-Objet connecte.pptx
+++ b/201809-FabIoTLab-Objet connecte.pptx
@@ -5,10 +5,10 @@
     <p:sldMasterId id="2147483660" r:id="rId1"/>
   </p:sldMasterIdLst>
   <p:notesMasterIdLst>
-    <p:notesMasterId r:id="rId32"/>
+    <p:notesMasterId r:id="rId33"/>
   </p:notesMasterIdLst>
   <p:handoutMasterIdLst>
-    <p:handoutMasterId r:id="rId33"/>
+    <p:handoutMasterId r:id="rId34"/>
   </p:handoutMasterIdLst>
   <p:sldIdLst>
     <p:sldId id="256" r:id="rId2"/>
@@ -18,29 +18,30 @@
     <p:sldId id="273" r:id="rId6"/>
     <p:sldId id="274" r:id="rId7"/>
     <p:sldId id="259" r:id="rId8"/>
-    <p:sldId id="293" r:id="rId9"/>
-    <p:sldId id="295" r:id="rId10"/>
-    <p:sldId id="296" r:id="rId11"/>
-    <p:sldId id="297" r:id="rId12"/>
-    <p:sldId id="298" r:id="rId13"/>
-    <p:sldId id="299" r:id="rId14"/>
-    <p:sldId id="300" r:id="rId15"/>
-    <p:sldId id="301" r:id="rId16"/>
-    <p:sldId id="302" r:id="rId17"/>
-    <p:sldId id="303" r:id="rId18"/>
-    <p:sldId id="305" r:id="rId19"/>
-    <p:sldId id="306" r:id="rId20"/>
-    <p:sldId id="312" r:id="rId21"/>
-    <p:sldId id="313" r:id="rId22"/>
-    <p:sldId id="314" r:id="rId23"/>
-    <p:sldId id="315" r:id="rId24"/>
-    <p:sldId id="316" r:id="rId25"/>
-    <p:sldId id="307" r:id="rId26"/>
-    <p:sldId id="308" r:id="rId27"/>
-    <p:sldId id="309" r:id="rId28"/>
-    <p:sldId id="275" r:id="rId29"/>
-    <p:sldId id="266" r:id="rId30"/>
-    <p:sldId id="291" r:id="rId31"/>
+    <p:sldId id="317" r:id="rId9"/>
+    <p:sldId id="293" r:id="rId10"/>
+    <p:sldId id="295" r:id="rId11"/>
+    <p:sldId id="296" r:id="rId12"/>
+    <p:sldId id="297" r:id="rId13"/>
+    <p:sldId id="298" r:id="rId14"/>
+    <p:sldId id="299" r:id="rId15"/>
+    <p:sldId id="300" r:id="rId16"/>
+    <p:sldId id="301" r:id="rId17"/>
+    <p:sldId id="302" r:id="rId18"/>
+    <p:sldId id="303" r:id="rId19"/>
+    <p:sldId id="305" r:id="rId20"/>
+    <p:sldId id="306" r:id="rId21"/>
+    <p:sldId id="312" r:id="rId22"/>
+    <p:sldId id="313" r:id="rId23"/>
+    <p:sldId id="314" r:id="rId24"/>
+    <p:sldId id="315" r:id="rId25"/>
+    <p:sldId id="316" r:id="rId26"/>
+    <p:sldId id="307" r:id="rId27"/>
+    <p:sldId id="308" r:id="rId28"/>
+    <p:sldId id="309" r:id="rId29"/>
+    <p:sldId id="275" r:id="rId30"/>
+    <p:sldId id="266" r:id="rId31"/>
+    <p:sldId id="291" r:id="rId32"/>
   </p:sldIdLst>
   <p:sldSz cx="12192000" cy="6858000"/>
   <p:notesSz cx="6858000" cy="9144000"/>
@@ -159,6 +160,7 @@
             <p14:sldId id="273"/>
             <p14:sldId id="274"/>
             <p14:sldId id="259"/>
+            <p14:sldId id="317"/>
           </p14:sldIdLst>
         </p14:section>
         <p14:section name="Microcontrôleur" id="{EF162FA9-BD80-45DC-89CE-72E082FCC661}">
@@ -3861,7 +3863,7 @@
           <a:p>
             <a:fld id="{84053696-5A28-49B8-AD53-284C40D5F931}" type="slidenum">
               <a:rPr lang="fr-BE" smtClean="0"/>
-              <a:t>30</a:t>
+              <a:t>31</a:t>
             </a:fld>
             <a:endParaRPr lang="fr-BE"/>
           </a:p>
@@ -4588,7 +4590,7 @@
           <a:p>
             <a:fld id="{2E287E8F-1FAE-423F-A76E-7D2F0B0D4198}" type="slidenum">
               <a:rPr lang="fr-BE" smtClean="0"/>
-              <a:t>9</a:t>
+              <a:t>10</a:t>
             </a:fld>
             <a:endParaRPr lang="fr-BE"/>
           </a:p>
@@ -4810,7 +4812,7 @@
           <a:p>
             <a:fld id="{2E287E8F-1FAE-423F-A76E-7D2F0B0D4198}" type="slidenum">
               <a:rPr lang="fr-BE" smtClean="0"/>
-              <a:t>11</a:t>
+              <a:t>12</a:t>
             </a:fld>
             <a:endParaRPr lang="fr-BE"/>
           </a:p>
@@ -4971,7 +4973,7 @@
           <a:p>
             <a:fld id="{2E287E8F-1FAE-423F-A76E-7D2F0B0D4198}" type="slidenum">
               <a:rPr lang="fr-BE" smtClean="0"/>
-              <a:t>21</a:t>
+              <a:t>22</a:t>
             </a:fld>
             <a:endParaRPr lang="fr-BE"/>
           </a:p>
@@ -5137,7 +5139,7 @@
           <a:p>
             <a:fld id="{84053696-5A28-49B8-AD53-284C40D5F931}" type="slidenum">
               <a:rPr lang="fr-BE" smtClean="0"/>
-              <a:t>28</a:t>
+              <a:t>29</a:t>
             </a:fld>
             <a:endParaRPr lang="fr-BE"/>
           </a:p>
@@ -5250,7 +5252,7 @@
           <a:p>
             <a:fld id="{84053696-5A28-49B8-AD53-284C40D5F931}" type="slidenum">
               <a:rPr lang="fr-BE" smtClean="0"/>
-              <a:t>29</a:t>
+              <a:t>30</a:t>
             </a:fld>
             <a:endParaRPr lang="fr-BE"/>
           </a:p>
@@ -5429,7 +5431,7 @@
           <a:p>
             <a:fld id="{3A567DEB-8635-4319-A1E1-9377413CA911}" type="datetime1">
               <a:rPr lang="fr-BE" smtClean="0"/>
-              <a:t>16-09-18</a:t>
+              <a:t>17-09-18</a:t>
             </a:fld>
             <a:endParaRPr lang="fr-BE"/>
           </a:p>
@@ -5599,7 +5601,7 @@
           <a:p>
             <a:fld id="{0CBE051F-498F-4C45-80EC-ED9104545F83}" type="datetime1">
               <a:rPr lang="fr-BE" smtClean="0"/>
-              <a:t>16-09-18</a:t>
+              <a:t>17-09-18</a:t>
             </a:fld>
             <a:endParaRPr lang="fr-BE"/>
           </a:p>
@@ -5779,7 +5781,7 @@
           <a:p>
             <a:fld id="{EFC1E6E9-C1D5-47F6-BDB5-7600151E1073}" type="datetime1">
               <a:rPr lang="fr-BE" smtClean="0"/>
-              <a:t>16-09-18</a:t>
+              <a:t>17-09-18</a:t>
             </a:fld>
             <a:endParaRPr lang="fr-BE"/>
           </a:p>
@@ -5949,7 +5951,7 @@
           <a:p>
             <a:fld id="{A3363593-CB55-4106-9932-2FA27BBDB81C}" type="datetime1">
               <a:rPr lang="fr-BE" smtClean="0"/>
-              <a:t>16-09-18</a:t>
+              <a:t>17-09-18</a:t>
             </a:fld>
             <a:endParaRPr lang="fr-BE"/>
           </a:p>
@@ -6195,7 +6197,7 @@
           <a:p>
             <a:fld id="{50E5FA2B-2087-48F8-8BDE-3B823FFE30DF}" type="datetime1">
               <a:rPr lang="fr-BE" smtClean="0"/>
-              <a:t>16-09-18</a:t>
+              <a:t>17-09-18</a:t>
             </a:fld>
             <a:endParaRPr lang="fr-BE"/>
           </a:p>
@@ -6427,7 +6429,7 @@
           <a:p>
             <a:fld id="{14535104-D043-4D85-A0FA-80DEDC5FE087}" type="datetime1">
               <a:rPr lang="fr-BE" smtClean="0"/>
-              <a:t>16-09-18</a:t>
+              <a:t>17-09-18</a:t>
             </a:fld>
             <a:endParaRPr lang="fr-BE"/>
           </a:p>
@@ -6794,7 +6796,7 @@
           <a:p>
             <a:fld id="{062387A1-EBA7-4196-A57D-48155766B455}" type="datetime1">
               <a:rPr lang="fr-BE" smtClean="0"/>
-              <a:t>16-09-18</a:t>
+              <a:t>17-09-18</a:t>
             </a:fld>
             <a:endParaRPr lang="fr-BE"/>
           </a:p>
@@ -6912,7 +6914,7 @@
           <a:p>
             <a:fld id="{A41267EF-624E-4A1F-BF99-3633CECA0E02}" type="datetime1">
               <a:rPr lang="fr-BE" smtClean="0"/>
-              <a:t>16-09-18</a:t>
+              <a:t>17-09-18</a:t>
             </a:fld>
             <a:endParaRPr lang="fr-BE"/>
           </a:p>
@@ -7007,7 +7009,7 @@
           <a:p>
             <a:fld id="{FDD99070-9B2D-47B1-873E-A4CCF3DE25AC}" type="datetime1">
               <a:rPr lang="fr-BE" smtClean="0"/>
-              <a:t>16-09-18</a:t>
+              <a:t>17-09-18</a:t>
             </a:fld>
             <a:endParaRPr lang="fr-BE"/>
           </a:p>
@@ -7284,7 +7286,7 @@
           <a:p>
             <a:fld id="{7B4102C4-C38C-45D4-A46D-D72F1FCEEF1A}" type="datetime1">
               <a:rPr lang="fr-BE" smtClean="0"/>
-              <a:t>16-09-18</a:t>
+              <a:t>17-09-18</a:t>
             </a:fld>
             <a:endParaRPr lang="fr-BE"/>
           </a:p>
@@ -7541,7 +7543,7 @@
           <a:p>
             <a:fld id="{4439CAD1-362D-4610-9313-3B594B7118BE}" type="datetime1">
               <a:rPr lang="fr-BE" smtClean="0"/>
-              <a:t>16-09-18</a:t>
+              <a:t>17-09-18</a:t>
             </a:fld>
             <a:endParaRPr lang="fr-BE"/>
           </a:p>
@@ -7754,7 +7756,7 @@
           <a:p>
             <a:fld id="{8591E4D5-B6AB-4D27-AEB3-3F0BF7D7AF83}" type="datetime1">
               <a:rPr lang="fr-BE" smtClean="0"/>
-              <a:t>16-09-18</a:t>
+              <a:t>17-09-18</a:t>
             </a:fld>
             <a:endParaRPr lang="fr-BE"/>
           </a:p>
@@ -8416,6 +8418,136 @@
       </p:grpSpPr>
       <p:sp>
         <p:nvSpPr>
+          <p:cNvPr id="2" name="Titre 1">
+            <a:extLst>
+              <a:ext uri="{FF2B5EF4-FFF2-40B4-BE49-F238E27FC236}">
+                <a16:creationId xmlns:a16="http://schemas.microsoft.com/office/drawing/2014/main" id="{C5F8775F-9662-4050-98FB-A838A4FEE2C8}"/>
+              </a:ext>
+            </a:extLst>
+          </p:cNvPr>
+          <p:cNvSpPr>
+            <a:spLocks noGrp="1"/>
+          </p:cNvSpPr>
+          <p:nvPr>
+            <p:ph type="title"/>
+          </p:nvPr>
+        </p:nvSpPr>
+        <p:spPr/>
+        <p:txBody>
+          <a:bodyPr/>
+          <a:lstStyle/>
+          <a:p>
+            <a:r>
+              <a:rPr lang="en-US"/>
+              <a:t>ESP8266</a:t>
+            </a:r>
+          </a:p>
+        </p:txBody>
+      </p:sp>
+      <p:pic>
+        <p:nvPicPr>
+          <p:cNvPr id="1026" name="Picture 2" descr="RÃ©sultat de recherche d'images pour &quot;nodemcu esp8266 amica&quot;">
+            <a:extLst>
+              <a:ext uri="{FF2B5EF4-FFF2-40B4-BE49-F238E27FC236}">
+                <a16:creationId xmlns:a16="http://schemas.microsoft.com/office/drawing/2014/main" id="{C57719E7-0D22-41C8-B7F4-DEC8BBF076D5}"/>
+              </a:ext>
+            </a:extLst>
+          </p:cNvPr>
+          <p:cNvPicPr>
+            <a:picLocks noGrp="1" noChangeAspect="1" noChangeArrowheads="1"/>
+          </p:cNvPicPr>
+          <p:nvPr>
+            <p:ph idx="1"/>
+          </p:nvPr>
+        </p:nvPicPr>
+        <p:blipFill rotWithShape="1">
+          <a:blip r:embed="rId3">
+            <a:extLst>
+              <a:ext uri="{28A0092B-C50C-407E-A947-70E740481C1C}">
+                <a14:useLocalDpi xmlns:a14="http://schemas.microsoft.com/office/drawing/2010/main" val="0"/>
+              </a:ext>
+            </a:extLst>
+          </a:blip>
+          <a:srcRect t="6758" b="8972"/>
+          <a:stretch/>
+        </p:blipFill>
+        <p:spPr>
+          <a:xfrm>
+            <a:off x="2224534" y="1825625"/>
+            <a:ext cx="7742931" cy="4351338"/>
+          </a:xfrm>
+        </p:spPr>
+      </p:pic>
+      <p:sp>
+        <p:nvSpPr>
+          <p:cNvPr id="4" name="Espace réservé du numéro de diapositive 3">
+            <a:extLst>
+              <a:ext uri="{FF2B5EF4-FFF2-40B4-BE49-F238E27FC236}">
+                <a16:creationId xmlns:a16="http://schemas.microsoft.com/office/drawing/2014/main" id="{0A0CA7B0-2512-4C05-8663-5F6BFE309B05}"/>
+              </a:ext>
+            </a:extLst>
+          </p:cNvPr>
+          <p:cNvSpPr>
+            <a:spLocks noGrp="1"/>
+          </p:cNvSpPr>
+          <p:nvPr>
+            <p:ph type="sldNum" sz="quarter" idx="12"/>
+          </p:nvPr>
+        </p:nvSpPr>
+        <p:spPr/>
+        <p:txBody>
+          <a:bodyPr/>
+          <a:lstStyle/>
+          <a:p>
+            <a:fld id="{7D3627B9-1F90-4568-B521-4CB3E5CC102E}" type="slidenum">
+              <a:rPr lang="en-US" smtClean="0"/>
+              <a:pPr/>
+              <a:t>10</a:t>
+            </a:fld>
+            <a:endParaRPr lang="en-US"/>
+          </a:p>
+        </p:txBody>
+      </p:sp>
+    </p:spTree>
+    <p:extLst>
+      <p:ext uri="{BB962C8B-B14F-4D97-AF65-F5344CB8AC3E}">
+        <p14:creationId xmlns:p14="http://schemas.microsoft.com/office/powerpoint/2010/main" val="3504272572"/>
+      </p:ext>
+    </p:extLst>
+  </p:cSld>
+  <p:clrMapOvr>
+    <a:masterClrMapping/>
+  </p:clrMapOvr>
+</p:sld>
+</file>
+
+<file path=ppt/slides/slide11.xml><?xml version="1.0" encoding="utf-8"?>
+<p:sld xmlns:a="http://schemas.openxmlformats.org/drawingml/2006/main" xmlns:r="http://schemas.openxmlformats.org/officeDocument/2006/relationships" xmlns:p="http://schemas.openxmlformats.org/presentationml/2006/main">
+  <p:cSld>
+    <p:bg>
+      <p:bgPr>
+        <a:solidFill>
+          <a:schemeClr val="bg1"/>
+        </a:solidFill>
+        <a:effectLst/>
+      </p:bgPr>
+    </p:bg>
+    <p:spTree>
+      <p:nvGrpSpPr>
+        <p:cNvPr id="1" name=""/>
+        <p:cNvGrpSpPr/>
+        <p:nvPr/>
+      </p:nvGrpSpPr>
+      <p:grpSpPr>
+        <a:xfrm>
+          <a:off x="0" y="0"/>
+          <a:ext cx="0" cy="0"/>
+          <a:chOff x="0" y="0"/>
+          <a:chExt cx="0" cy="0"/>
+        </a:xfrm>
+      </p:grpSpPr>
+      <p:sp>
+        <p:nvSpPr>
           <p:cNvPr id="3" name="Espace réservé du numéro de diapositive 2">
             <a:extLst>
               <a:ext uri="{FF2B5EF4-FFF2-40B4-BE49-F238E27FC236}">
@@ -8437,7 +8569,7 @@
           <a:p>
             <a:fld id="{7D3627B9-1F90-4568-B521-4CB3E5CC102E}" type="slidenum">
               <a:rPr lang="fr-BE" smtClean="0"/>
-              <a:t>10</a:t>
+              <a:t>11</a:t>
             </a:fld>
             <a:endParaRPr lang="fr-BE"/>
           </a:p>
@@ -8505,121 +8637,6 @@
 </p:sld>
 </file>
 
-<file path=ppt/slides/slide11.xml><?xml version="1.0" encoding="utf-8"?>
-<p:sld xmlns:a="http://schemas.openxmlformats.org/drawingml/2006/main" xmlns:r="http://schemas.openxmlformats.org/officeDocument/2006/relationships" xmlns:p="http://schemas.openxmlformats.org/presentationml/2006/main">
-  <p:cSld>
-    <p:spTree>
-      <p:nvGrpSpPr>
-        <p:cNvPr id="1" name=""/>
-        <p:cNvGrpSpPr/>
-        <p:nvPr/>
-      </p:nvGrpSpPr>
-      <p:grpSpPr>
-        <a:xfrm>
-          <a:off x="0" y="0"/>
-          <a:ext cx="0" cy="0"/>
-          <a:chOff x="0" y="0"/>
-          <a:chExt cx="0" cy="0"/>
-        </a:xfrm>
-      </p:grpSpPr>
-      <p:sp>
-        <p:nvSpPr>
-          <p:cNvPr id="2" name="Titre 1">
-            <a:extLst>
-              <a:ext uri="{FF2B5EF4-FFF2-40B4-BE49-F238E27FC236}">
-                <a16:creationId xmlns:a16="http://schemas.microsoft.com/office/drawing/2014/main" id="{E7253B32-417E-4C48-918C-CE54FDF90181}"/>
-              </a:ext>
-            </a:extLst>
-          </p:cNvPr>
-          <p:cNvSpPr>
-            <a:spLocks noGrp="1"/>
-          </p:cNvSpPr>
-          <p:nvPr>
-            <p:ph type="title"/>
-          </p:nvPr>
-        </p:nvSpPr>
-        <p:spPr/>
-        <p:txBody>
-          <a:bodyPr/>
-          <a:lstStyle/>
-          <a:p>
-            <a:r>
-              <a:rPr lang="fr-BE" dirty="0"/>
-              <a:t>Exercice 1</a:t>
-            </a:r>
-          </a:p>
-        </p:txBody>
-      </p:sp>
-      <p:sp>
-        <p:nvSpPr>
-          <p:cNvPr id="3" name="Espace réservé du contenu 2">
-            <a:extLst>
-              <a:ext uri="{FF2B5EF4-FFF2-40B4-BE49-F238E27FC236}">
-                <a16:creationId xmlns:a16="http://schemas.microsoft.com/office/drawing/2014/main" id="{C190E0AF-5E1E-48CB-861F-7CA9A2AD777B}"/>
-              </a:ext>
-            </a:extLst>
-          </p:cNvPr>
-          <p:cNvSpPr>
-            <a:spLocks noGrp="1"/>
-          </p:cNvSpPr>
-          <p:nvPr>
-            <p:ph idx="1"/>
-          </p:nvPr>
-        </p:nvSpPr>
-        <p:spPr/>
-        <p:txBody>
-          <a:bodyPr/>
-          <a:lstStyle/>
-          <a:p>
-            <a:r>
-              <a:rPr lang="fr-BE" dirty="0"/>
-              <a:t>Faire clignoter la LED</a:t>
-            </a:r>
-          </a:p>
-        </p:txBody>
-      </p:sp>
-      <p:sp>
-        <p:nvSpPr>
-          <p:cNvPr id="5" name="Espace réservé du numéro de diapositive 4">
-            <a:extLst>
-              <a:ext uri="{FF2B5EF4-FFF2-40B4-BE49-F238E27FC236}">
-                <a16:creationId xmlns:a16="http://schemas.microsoft.com/office/drawing/2014/main" id="{95A66774-C3BB-4F2A-ABE4-88A87D52382F}"/>
-              </a:ext>
-            </a:extLst>
-          </p:cNvPr>
-          <p:cNvSpPr>
-            <a:spLocks noGrp="1"/>
-          </p:cNvSpPr>
-          <p:nvPr>
-            <p:ph type="sldNum" sz="quarter" idx="12"/>
-          </p:nvPr>
-        </p:nvSpPr>
-        <p:spPr/>
-        <p:txBody>
-          <a:bodyPr/>
-          <a:lstStyle/>
-          <a:p>
-            <a:fld id="{7D3627B9-1F90-4568-B521-4CB3E5CC102E}" type="slidenum">
-              <a:rPr lang="fr-BE" smtClean="0"/>
-              <a:t>11</a:t>
-            </a:fld>
-            <a:endParaRPr lang="fr-BE"/>
-          </a:p>
-        </p:txBody>
-      </p:sp>
-    </p:spTree>
-    <p:extLst>
-      <p:ext uri="{BB962C8B-B14F-4D97-AF65-F5344CB8AC3E}">
-        <p14:creationId xmlns:p14="http://schemas.microsoft.com/office/powerpoint/2010/main" val="3145874301"/>
-      </p:ext>
-    </p:extLst>
-  </p:cSld>
-  <p:clrMapOvr>
-    <a:masterClrMapping/>
-  </p:clrMapOvr>
-</p:sld>
-</file>
-
 <file path=ppt/slides/slide12.xml><?xml version="1.0" encoding="utf-8"?>
 <p:sld xmlns:a="http://schemas.openxmlformats.org/drawingml/2006/main" xmlns:r="http://schemas.openxmlformats.org/officeDocument/2006/relationships" xmlns:p="http://schemas.openxmlformats.org/presentationml/2006/main">
   <p:cSld>
@@ -8642,7 +8659,7 @@
           <p:cNvPr id="2" name="Titre 1">
             <a:extLst>
               <a:ext uri="{FF2B5EF4-FFF2-40B4-BE49-F238E27FC236}">
-                <a16:creationId xmlns:a16="http://schemas.microsoft.com/office/drawing/2014/main" id="{46C634C0-9572-4976-A098-7D7FEE55D519}"/>
+                <a16:creationId xmlns:a16="http://schemas.microsoft.com/office/drawing/2014/main" id="{E7253B32-417E-4C48-918C-CE54FDF90181}"/>
               </a:ext>
             </a:extLst>
           </p:cNvPr>
@@ -8660,7 +8677,7 @@
           <a:p>
             <a:r>
               <a:rPr lang="fr-BE" dirty="0"/>
-              <a:t>Exercice 2</a:t>
+              <a:t>Exercice 1</a:t>
             </a:r>
           </a:p>
         </p:txBody>
@@ -8670,7 +8687,7 @@
           <p:cNvPr id="3" name="Espace réservé du contenu 2">
             <a:extLst>
               <a:ext uri="{FF2B5EF4-FFF2-40B4-BE49-F238E27FC236}">
-                <a16:creationId xmlns:a16="http://schemas.microsoft.com/office/drawing/2014/main" id="{AB687D2F-A2CD-4AF6-B076-65D05AA934C0}"/>
+                <a16:creationId xmlns:a16="http://schemas.microsoft.com/office/drawing/2014/main" id="{C190E0AF-5E1E-48CB-861F-7CA9A2AD777B}"/>
               </a:ext>
             </a:extLst>
           </p:cNvPr>
@@ -8688,7 +8705,7 @@
           <a:p>
             <a:r>
               <a:rPr lang="fr-BE" dirty="0"/>
-              <a:t>Afficher un message sur la console</a:t>
+              <a:t>Faire clignoter la LED</a:t>
             </a:r>
           </a:p>
         </p:txBody>
@@ -8698,7 +8715,7 @@
           <p:cNvPr id="5" name="Espace réservé du numéro de diapositive 4">
             <a:extLst>
               <a:ext uri="{FF2B5EF4-FFF2-40B4-BE49-F238E27FC236}">
-                <a16:creationId xmlns:a16="http://schemas.microsoft.com/office/drawing/2014/main" id="{1376EC85-1025-4B01-98B2-C2A358713579}"/>
+                <a16:creationId xmlns:a16="http://schemas.microsoft.com/office/drawing/2014/main" id="{95A66774-C3BB-4F2A-ABE4-88A87D52382F}"/>
               </a:ext>
             </a:extLst>
           </p:cNvPr>
@@ -8725,7 +8742,7 @@
     </p:spTree>
     <p:extLst>
       <p:ext uri="{BB962C8B-B14F-4D97-AF65-F5344CB8AC3E}">
-        <p14:creationId xmlns:p14="http://schemas.microsoft.com/office/powerpoint/2010/main" val="3215653391"/>
+        <p14:creationId xmlns:p14="http://schemas.microsoft.com/office/powerpoint/2010/main" val="3145874301"/>
       </p:ext>
     </p:extLst>
   </p:cSld>
@@ -8757,6 +8774,121 @@
           <p:cNvPr id="2" name="Titre 1">
             <a:extLst>
               <a:ext uri="{FF2B5EF4-FFF2-40B4-BE49-F238E27FC236}">
+                <a16:creationId xmlns:a16="http://schemas.microsoft.com/office/drawing/2014/main" id="{46C634C0-9572-4976-A098-7D7FEE55D519}"/>
+              </a:ext>
+            </a:extLst>
+          </p:cNvPr>
+          <p:cNvSpPr>
+            <a:spLocks noGrp="1"/>
+          </p:cNvSpPr>
+          <p:nvPr>
+            <p:ph type="title"/>
+          </p:nvPr>
+        </p:nvSpPr>
+        <p:spPr/>
+        <p:txBody>
+          <a:bodyPr/>
+          <a:lstStyle/>
+          <a:p>
+            <a:r>
+              <a:rPr lang="fr-BE" dirty="0"/>
+              <a:t>Exercice 2</a:t>
+            </a:r>
+          </a:p>
+        </p:txBody>
+      </p:sp>
+      <p:sp>
+        <p:nvSpPr>
+          <p:cNvPr id="3" name="Espace réservé du contenu 2">
+            <a:extLst>
+              <a:ext uri="{FF2B5EF4-FFF2-40B4-BE49-F238E27FC236}">
+                <a16:creationId xmlns:a16="http://schemas.microsoft.com/office/drawing/2014/main" id="{AB687D2F-A2CD-4AF6-B076-65D05AA934C0}"/>
+              </a:ext>
+            </a:extLst>
+          </p:cNvPr>
+          <p:cNvSpPr>
+            <a:spLocks noGrp="1"/>
+          </p:cNvSpPr>
+          <p:nvPr>
+            <p:ph idx="1"/>
+          </p:nvPr>
+        </p:nvSpPr>
+        <p:spPr/>
+        <p:txBody>
+          <a:bodyPr/>
+          <a:lstStyle/>
+          <a:p>
+            <a:r>
+              <a:rPr lang="fr-BE" dirty="0"/>
+              <a:t>Afficher un message sur la console</a:t>
+            </a:r>
+          </a:p>
+        </p:txBody>
+      </p:sp>
+      <p:sp>
+        <p:nvSpPr>
+          <p:cNvPr id="5" name="Espace réservé du numéro de diapositive 4">
+            <a:extLst>
+              <a:ext uri="{FF2B5EF4-FFF2-40B4-BE49-F238E27FC236}">
+                <a16:creationId xmlns:a16="http://schemas.microsoft.com/office/drawing/2014/main" id="{1376EC85-1025-4B01-98B2-C2A358713579}"/>
+              </a:ext>
+            </a:extLst>
+          </p:cNvPr>
+          <p:cNvSpPr>
+            <a:spLocks noGrp="1"/>
+          </p:cNvSpPr>
+          <p:nvPr>
+            <p:ph type="sldNum" sz="quarter" idx="12"/>
+          </p:nvPr>
+        </p:nvSpPr>
+        <p:spPr/>
+        <p:txBody>
+          <a:bodyPr/>
+          <a:lstStyle/>
+          <a:p>
+            <a:fld id="{7D3627B9-1F90-4568-B521-4CB3E5CC102E}" type="slidenum">
+              <a:rPr lang="fr-BE" smtClean="0"/>
+              <a:t>13</a:t>
+            </a:fld>
+            <a:endParaRPr lang="fr-BE"/>
+          </a:p>
+        </p:txBody>
+      </p:sp>
+    </p:spTree>
+    <p:extLst>
+      <p:ext uri="{BB962C8B-B14F-4D97-AF65-F5344CB8AC3E}">
+        <p14:creationId xmlns:p14="http://schemas.microsoft.com/office/powerpoint/2010/main" val="3215653391"/>
+      </p:ext>
+    </p:extLst>
+  </p:cSld>
+  <p:clrMapOvr>
+    <a:masterClrMapping/>
+  </p:clrMapOvr>
+</p:sld>
+</file>
+
+<file path=ppt/slides/slide14.xml><?xml version="1.0" encoding="utf-8"?>
+<p:sld xmlns:a="http://schemas.openxmlformats.org/drawingml/2006/main" xmlns:r="http://schemas.openxmlformats.org/officeDocument/2006/relationships" xmlns:p="http://schemas.openxmlformats.org/presentationml/2006/main">
+  <p:cSld>
+    <p:spTree>
+      <p:nvGrpSpPr>
+        <p:cNvPr id="1" name=""/>
+        <p:cNvGrpSpPr/>
+        <p:nvPr/>
+      </p:nvGrpSpPr>
+      <p:grpSpPr>
+        <a:xfrm>
+          <a:off x="0" y="0"/>
+          <a:ext cx="0" cy="0"/>
+          <a:chOff x="0" y="0"/>
+          <a:chExt cx="0" cy="0"/>
+        </a:xfrm>
+      </p:grpSpPr>
+      <p:sp>
+        <p:nvSpPr>
+          <p:cNvPr id="2" name="Titre 1">
+            <a:extLst>
+              <a:ext uri="{FF2B5EF4-FFF2-40B4-BE49-F238E27FC236}">
                 <a16:creationId xmlns:a16="http://schemas.microsoft.com/office/drawing/2014/main" id="{CF7E30A0-B290-4E16-B467-D53A1A0D8E6B}"/>
               </a:ext>
             </a:extLst>
@@ -8831,7 +8963,7 @@
           <a:p>
             <a:fld id="{7D3627B9-1F90-4568-B521-4CB3E5CC102E}" type="slidenum">
               <a:rPr lang="fr-BE" smtClean="0"/>
-              <a:t>13</a:t>
+              <a:t>14</a:t>
             </a:fld>
             <a:endParaRPr lang="fr-BE"/>
           </a:p>
@@ -8850,7 +8982,7 @@
 </p:sld>
 </file>
 
-<file path=ppt/slides/slide14.xml><?xml version="1.0" encoding="utf-8"?>
+<file path=ppt/slides/slide15.xml><?xml version="1.0" encoding="utf-8"?>
 <p:sld xmlns:a="http://schemas.openxmlformats.org/drawingml/2006/main" xmlns:r="http://schemas.openxmlformats.org/officeDocument/2006/relationships" xmlns:p="http://schemas.openxmlformats.org/presentationml/2006/main">
   <p:cSld>
     <p:bg>
@@ -9153,7 +9285,7 @@
           <a:p>
             <a:fld id="{7D3627B9-1F90-4568-B521-4CB3E5CC102E}" type="slidenum">
               <a:rPr lang="fr-BE" smtClean="0"/>
-              <a:t>14</a:t>
+              <a:t>15</a:t>
             </a:fld>
             <a:endParaRPr lang="fr-BE"/>
           </a:p>
@@ -9172,7 +9304,7 @@
 </p:sld>
 </file>
 
-<file path=ppt/slides/slide15.xml><?xml version="1.0" encoding="utf-8"?>
+<file path=ppt/slides/slide16.xml><?xml version="1.0" encoding="utf-8"?>
 <p:sld xmlns:a="http://schemas.openxmlformats.org/drawingml/2006/main" xmlns:r="http://schemas.openxmlformats.org/officeDocument/2006/relationships" xmlns:p="http://schemas.openxmlformats.org/presentationml/2006/main">
   <p:cSld>
     <p:spTree>
@@ -9344,7 +9476,7 @@
           <a:p>
             <a:fld id="{7D3627B9-1F90-4568-B521-4CB3E5CC102E}" type="slidenum">
               <a:rPr lang="fr-BE" smtClean="0"/>
-              <a:t>15</a:t>
+              <a:t>16</a:t>
             </a:fld>
             <a:endParaRPr lang="fr-BE"/>
           </a:p>
@@ -9363,7 +9495,7 @@
 </p:sld>
 </file>
 
-<file path=ppt/slides/slide16.xml><?xml version="1.0" encoding="utf-8"?>
+<file path=ppt/slides/slide17.xml><?xml version="1.0" encoding="utf-8"?>
 <p:sld xmlns:a="http://schemas.openxmlformats.org/drawingml/2006/main" xmlns:r="http://schemas.openxmlformats.org/officeDocument/2006/relationships" xmlns:p="http://schemas.openxmlformats.org/presentationml/2006/main">
   <p:cSld>
     <p:spTree>
@@ -9579,7 +9711,7 @@
           <a:p>
             <a:fld id="{7D3627B9-1F90-4568-B521-4CB3E5CC102E}" type="slidenum">
               <a:rPr lang="fr-BE" smtClean="0"/>
-              <a:t>16</a:t>
+              <a:t>17</a:t>
             </a:fld>
             <a:endParaRPr lang="fr-BE"/>
           </a:p>
@@ -9738,7 +9870,7 @@
 </p:sld>
 </file>
 
-<file path=ppt/slides/slide17.xml><?xml version="1.0" encoding="utf-8"?>
+<file path=ppt/slides/slide18.xml><?xml version="1.0" encoding="utf-8"?>
 <p:sld xmlns:a="http://schemas.openxmlformats.org/drawingml/2006/main" xmlns:r="http://schemas.openxmlformats.org/officeDocument/2006/relationships" xmlns:p="http://schemas.openxmlformats.org/presentationml/2006/main">
   <p:cSld>
     <p:spTree>
@@ -9890,7 +10022,7 @@
           <a:p>
             <a:fld id="{7D3627B9-1F90-4568-B521-4CB3E5CC102E}" type="slidenum">
               <a:rPr lang="fr-BE" smtClean="0"/>
-              <a:t>17</a:t>
+              <a:t>18</a:t>
             </a:fld>
             <a:endParaRPr lang="fr-BE"/>
           </a:p>
@@ -9995,121 +10127,6 @@
 </p:sld>
 </file>
 
-<file path=ppt/slides/slide18.xml><?xml version="1.0" encoding="utf-8"?>
-<p:sld xmlns:a="http://schemas.openxmlformats.org/drawingml/2006/main" xmlns:r="http://schemas.openxmlformats.org/officeDocument/2006/relationships" xmlns:p="http://schemas.openxmlformats.org/presentationml/2006/main">
-  <p:cSld>
-    <p:spTree>
-      <p:nvGrpSpPr>
-        <p:cNvPr id="1" name=""/>
-        <p:cNvGrpSpPr/>
-        <p:nvPr/>
-      </p:nvGrpSpPr>
-      <p:grpSpPr>
-        <a:xfrm>
-          <a:off x="0" y="0"/>
-          <a:ext cx="0" cy="0"/>
-          <a:chOff x="0" y="0"/>
-          <a:chExt cx="0" cy="0"/>
-        </a:xfrm>
-      </p:grpSpPr>
-      <p:sp>
-        <p:nvSpPr>
-          <p:cNvPr id="2" name="Titre 1">
-            <a:extLst>
-              <a:ext uri="{FF2B5EF4-FFF2-40B4-BE49-F238E27FC236}">
-                <a16:creationId xmlns:a16="http://schemas.microsoft.com/office/drawing/2014/main" id="{CF7E30A0-B290-4E16-B467-D53A1A0D8E6B}"/>
-              </a:ext>
-            </a:extLst>
-          </p:cNvPr>
-          <p:cNvSpPr>
-            <a:spLocks noGrp="1"/>
-          </p:cNvSpPr>
-          <p:nvPr>
-            <p:ph type="title"/>
-          </p:nvPr>
-        </p:nvSpPr>
-        <p:spPr/>
-        <p:txBody>
-          <a:bodyPr/>
-          <a:lstStyle/>
-          <a:p>
-            <a:r>
-              <a:rPr lang="fr-BE" dirty="0"/>
-              <a:t>Exercice 3</a:t>
-            </a:r>
-          </a:p>
-        </p:txBody>
-      </p:sp>
-      <p:sp>
-        <p:nvSpPr>
-          <p:cNvPr id="3" name="Espace réservé du contenu 2">
-            <a:extLst>
-              <a:ext uri="{FF2B5EF4-FFF2-40B4-BE49-F238E27FC236}">
-                <a16:creationId xmlns:a16="http://schemas.microsoft.com/office/drawing/2014/main" id="{561712A7-9091-4977-BA95-BC39AB981D90}"/>
-              </a:ext>
-            </a:extLst>
-          </p:cNvPr>
-          <p:cNvSpPr>
-            <a:spLocks noGrp="1"/>
-          </p:cNvSpPr>
-          <p:nvPr>
-            <p:ph idx="1"/>
-          </p:nvPr>
-        </p:nvSpPr>
-        <p:spPr/>
-        <p:txBody>
-          <a:bodyPr/>
-          <a:lstStyle/>
-          <a:p>
-            <a:r>
-              <a:rPr lang="fr-BE" dirty="0"/>
-              <a:t>Calibrer le servomoteur</a:t>
-            </a:r>
-          </a:p>
-        </p:txBody>
-      </p:sp>
-      <p:sp>
-        <p:nvSpPr>
-          <p:cNvPr id="5" name="Espace réservé du numéro de diapositive 4">
-            <a:extLst>
-              <a:ext uri="{FF2B5EF4-FFF2-40B4-BE49-F238E27FC236}">
-                <a16:creationId xmlns:a16="http://schemas.microsoft.com/office/drawing/2014/main" id="{F898B870-352E-43C7-90E9-B4271F6D478E}"/>
-              </a:ext>
-            </a:extLst>
-          </p:cNvPr>
-          <p:cNvSpPr>
-            <a:spLocks noGrp="1"/>
-          </p:cNvSpPr>
-          <p:nvPr>
-            <p:ph type="sldNum" sz="quarter" idx="12"/>
-          </p:nvPr>
-        </p:nvSpPr>
-        <p:spPr/>
-        <p:txBody>
-          <a:bodyPr/>
-          <a:lstStyle/>
-          <a:p>
-            <a:fld id="{7D3627B9-1F90-4568-B521-4CB3E5CC102E}" type="slidenum">
-              <a:rPr lang="fr-BE" smtClean="0"/>
-              <a:t>18</a:t>
-            </a:fld>
-            <a:endParaRPr lang="fr-BE"/>
-          </a:p>
-        </p:txBody>
-      </p:sp>
-    </p:spTree>
-    <p:extLst>
-      <p:ext uri="{BB962C8B-B14F-4D97-AF65-F5344CB8AC3E}">
-        <p14:creationId xmlns:p14="http://schemas.microsoft.com/office/powerpoint/2010/main" val="2974726621"/>
-      </p:ext>
-    </p:extLst>
-  </p:cSld>
-  <p:clrMapOvr>
-    <a:masterClrMapping/>
-  </p:clrMapOvr>
-</p:sld>
-</file>
-
 <file path=ppt/slides/slide19.xml><?xml version="1.0" encoding="utf-8"?>
 <p:sld xmlns:a="http://schemas.openxmlformats.org/drawingml/2006/main" xmlns:r="http://schemas.openxmlformats.org/officeDocument/2006/relationships" xmlns:p="http://schemas.openxmlformats.org/presentationml/2006/main">
   <p:cSld>
@@ -10132,7 +10149,7 @@
           <p:cNvPr id="2" name="Titre 1">
             <a:extLst>
               <a:ext uri="{FF2B5EF4-FFF2-40B4-BE49-F238E27FC236}">
-                <a16:creationId xmlns:a16="http://schemas.microsoft.com/office/drawing/2014/main" id="{ED53924C-752C-48BC-922C-49FC0354DC17}"/>
+                <a16:creationId xmlns:a16="http://schemas.microsoft.com/office/drawing/2014/main" id="{CF7E30A0-B290-4E16-B467-D53A1A0D8E6B}"/>
               </a:ext>
             </a:extLst>
           </p:cNvPr>
@@ -10150,7 +10167,7 @@
           <a:p>
             <a:r>
               <a:rPr lang="fr-BE" dirty="0"/>
-              <a:t>Exercice 4</a:t>
+              <a:t>Exercice 3</a:t>
             </a:r>
           </a:p>
         </p:txBody>
@@ -10160,7 +10177,7 @@
           <p:cNvPr id="3" name="Espace réservé du contenu 2">
             <a:extLst>
               <a:ext uri="{FF2B5EF4-FFF2-40B4-BE49-F238E27FC236}">
-                <a16:creationId xmlns:a16="http://schemas.microsoft.com/office/drawing/2014/main" id="{B2D9B98B-E330-4BD5-8FDF-A261E12E526B}"/>
+                <a16:creationId xmlns:a16="http://schemas.microsoft.com/office/drawing/2014/main" id="{561712A7-9091-4977-BA95-BC39AB981D90}"/>
               </a:ext>
             </a:extLst>
           </p:cNvPr>
@@ -10178,7 +10195,7 @@
           <a:p>
             <a:r>
               <a:rPr lang="fr-BE" dirty="0"/>
-              <a:t>Envoyer l’angle souhaité au servomoteur</a:t>
+              <a:t>Calibrer le servomoteur</a:t>
             </a:r>
           </a:p>
         </p:txBody>
@@ -10188,7 +10205,7 @@
           <p:cNvPr id="5" name="Espace réservé du numéro de diapositive 4">
             <a:extLst>
               <a:ext uri="{FF2B5EF4-FFF2-40B4-BE49-F238E27FC236}">
-                <a16:creationId xmlns:a16="http://schemas.microsoft.com/office/drawing/2014/main" id="{EC4AF2FD-F567-479A-B41A-CFFD3219684D}"/>
+                <a16:creationId xmlns:a16="http://schemas.microsoft.com/office/drawing/2014/main" id="{F898B870-352E-43C7-90E9-B4271F6D478E}"/>
               </a:ext>
             </a:extLst>
           </p:cNvPr>
@@ -10215,7 +10232,7 @@
     </p:spTree>
     <p:extLst>
       <p:ext uri="{BB962C8B-B14F-4D97-AF65-F5344CB8AC3E}">
-        <p14:creationId xmlns:p14="http://schemas.microsoft.com/office/powerpoint/2010/main" val="958880033"/>
+        <p14:creationId xmlns:p14="http://schemas.microsoft.com/office/powerpoint/2010/main" val="2974726621"/>
       </p:ext>
     </p:extLst>
   </p:cSld>
@@ -10399,6 +10416,121 @@
 </file>
 
 <file path=ppt/slides/slide20.xml><?xml version="1.0" encoding="utf-8"?>
+<p:sld xmlns:a="http://schemas.openxmlformats.org/drawingml/2006/main" xmlns:r="http://schemas.openxmlformats.org/officeDocument/2006/relationships" xmlns:p="http://schemas.openxmlformats.org/presentationml/2006/main">
+  <p:cSld>
+    <p:spTree>
+      <p:nvGrpSpPr>
+        <p:cNvPr id="1" name=""/>
+        <p:cNvGrpSpPr/>
+        <p:nvPr/>
+      </p:nvGrpSpPr>
+      <p:grpSpPr>
+        <a:xfrm>
+          <a:off x="0" y="0"/>
+          <a:ext cx="0" cy="0"/>
+          <a:chOff x="0" y="0"/>
+          <a:chExt cx="0" cy="0"/>
+        </a:xfrm>
+      </p:grpSpPr>
+      <p:sp>
+        <p:nvSpPr>
+          <p:cNvPr id="2" name="Titre 1">
+            <a:extLst>
+              <a:ext uri="{FF2B5EF4-FFF2-40B4-BE49-F238E27FC236}">
+                <a16:creationId xmlns:a16="http://schemas.microsoft.com/office/drawing/2014/main" id="{ED53924C-752C-48BC-922C-49FC0354DC17}"/>
+              </a:ext>
+            </a:extLst>
+          </p:cNvPr>
+          <p:cNvSpPr>
+            <a:spLocks noGrp="1"/>
+          </p:cNvSpPr>
+          <p:nvPr>
+            <p:ph type="title"/>
+          </p:nvPr>
+        </p:nvSpPr>
+        <p:spPr/>
+        <p:txBody>
+          <a:bodyPr/>
+          <a:lstStyle/>
+          <a:p>
+            <a:r>
+              <a:rPr lang="fr-BE" dirty="0"/>
+              <a:t>Exercice 4</a:t>
+            </a:r>
+          </a:p>
+        </p:txBody>
+      </p:sp>
+      <p:sp>
+        <p:nvSpPr>
+          <p:cNvPr id="3" name="Espace réservé du contenu 2">
+            <a:extLst>
+              <a:ext uri="{FF2B5EF4-FFF2-40B4-BE49-F238E27FC236}">
+                <a16:creationId xmlns:a16="http://schemas.microsoft.com/office/drawing/2014/main" id="{B2D9B98B-E330-4BD5-8FDF-A261E12E526B}"/>
+              </a:ext>
+            </a:extLst>
+          </p:cNvPr>
+          <p:cNvSpPr>
+            <a:spLocks noGrp="1"/>
+          </p:cNvSpPr>
+          <p:nvPr>
+            <p:ph idx="1"/>
+          </p:nvPr>
+        </p:nvSpPr>
+        <p:spPr/>
+        <p:txBody>
+          <a:bodyPr/>
+          <a:lstStyle/>
+          <a:p>
+            <a:r>
+              <a:rPr lang="fr-BE" dirty="0"/>
+              <a:t>Envoyer l’angle souhaité au servomoteur</a:t>
+            </a:r>
+          </a:p>
+        </p:txBody>
+      </p:sp>
+      <p:sp>
+        <p:nvSpPr>
+          <p:cNvPr id="5" name="Espace réservé du numéro de diapositive 4">
+            <a:extLst>
+              <a:ext uri="{FF2B5EF4-FFF2-40B4-BE49-F238E27FC236}">
+                <a16:creationId xmlns:a16="http://schemas.microsoft.com/office/drawing/2014/main" id="{EC4AF2FD-F567-479A-B41A-CFFD3219684D}"/>
+              </a:ext>
+            </a:extLst>
+          </p:cNvPr>
+          <p:cNvSpPr>
+            <a:spLocks noGrp="1"/>
+          </p:cNvSpPr>
+          <p:nvPr>
+            <p:ph type="sldNum" sz="quarter" idx="12"/>
+          </p:nvPr>
+        </p:nvSpPr>
+        <p:spPr/>
+        <p:txBody>
+          <a:bodyPr/>
+          <a:lstStyle/>
+          <a:p>
+            <a:fld id="{7D3627B9-1F90-4568-B521-4CB3E5CC102E}" type="slidenum">
+              <a:rPr lang="fr-BE" smtClean="0"/>
+              <a:t>20</a:t>
+            </a:fld>
+            <a:endParaRPr lang="fr-BE"/>
+          </a:p>
+        </p:txBody>
+      </p:sp>
+    </p:spTree>
+    <p:extLst>
+      <p:ext uri="{BB962C8B-B14F-4D97-AF65-F5344CB8AC3E}">
+        <p14:creationId xmlns:p14="http://schemas.microsoft.com/office/powerpoint/2010/main" val="958880033"/>
+      </p:ext>
+    </p:extLst>
+  </p:cSld>
+  <p:clrMapOvr>
+    <a:masterClrMapping/>
+  </p:clrMapOvr>
+</p:sld>
+</file>
+
+<file path=ppt/slides/slide21.xml><?xml version="1.0" encoding="utf-8"?>
 <p:sld xmlns:a="http://schemas.openxmlformats.org/drawingml/2006/main" xmlns:r="http://schemas.openxmlformats.org/officeDocument/2006/relationships" xmlns:p="http://schemas.openxmlformats.org/presentationml/2006/main">
   <p:cSld>
     <p:bg>
@@ -10723,7 +10855,7 @@
           <a:p>
             <a:fld id="{7D3627B9-1F90-4568-B521-4CB3E5CC102E}" type="slidenum">
               <a:rPr lang="fr-BE" smtClean="0"/>
-              <a:t>20</a:t>
+              <a:t>21</a:t>
             </a:fld>
             <a:endParaRPr lang="fr-BE"/>
           </a:p>
@@ -10742,7 +10874,7 @@
 </p:sld>
 </file>
 
-<file path=ppt/slides/slide21.xml><?xml version="1.0" encoding="utf-8"?>
+<file path=ppt/slides/slide22.xml><?xml version="1.0" encoding="utf-8"?>
 <p:sld xmlns:a="http://schemas.openxmlformats.org/drawingml/2006/main" xmlns:r="http://schemas.openxmlformats.org/officeDocument/2006/relationships" xmlns:p="http://schemas.openxmlformats.org/presentationml/2006/main">
   <p:cSld>
     <p:bg>
@@ -10852,7 +10984,7 @@
             <a:fld id="{7D3627B9-1F90-4568-B521-4CB3E5CC102E}" type="slidenum">
               <a:rPr lang="en-US" smtClean="0"/>
               <a:pPr/>
-              <a:t>21</a:t>
+              <a:t>22</a:t>
             </a:fld>
             <a:endParaRPr lang="en-US"/>
           </a:p>
@@ -10918,7 +11050,7 @@
 </p:sld>
 </file>
 
-<file path=ppt/slides/slide22.xml><?xml version="1.0" encoding="utf-8"?>
+<file path=ppt/slides/slide23.xml><?xml version="1.0" encoding="utf-8"?>
 <p:sld xmlns:a="http://schemas.openxmlformats.org/drawingml/2006/main" xmlns:r="http://schemas.openxmlformats.org/officeDocument/2006/relationships" xmlns:p="http://schemas.openxmlformats.org/presentationml/2006/main">
   <p:cSld>
     <p:spTree>
@@ -10987,7 +11119,7 @@
             <a:fld id="{7D3627B9-1F90-4568-B521-4CB3E5CC102E}" type="slidenum">
               <a:rPr lang="fr-BE" smtClean="0"/>
               <a:pPr/>
-              <a:t>22</a:t>
+              <a:t>23</a:t>
             </a:fld>
             <a:endParaRPr lang="fr-BE"/>
           </a:p>
@@ -11720,7 +11852,7 @@
 </p:sld>
 </file>
 
-<file path=ppt/slides/slide23.xml><?xml version="1.0" encoding="utf-8"?>
+<file path=ppt/slides/slide24.xml><?xml version="1.0" encoding="utf-8"?>
 <p:sld xmlns:a="http://schemas.openxmlformats.org/drawingml/2006/main" xmlns:r="http://schemas.openxmlformats.org/officeDocument/2006/relationships" xmlns:p="http://schemas.openxmlformats.org/presentationml/2006/main">
   <p:cSld>
     <p:spTree>
@@ -11760,7 +11892,7 @@
           <a:p>
             <a:fld id="{7D3627B9-1F90-4568-B521-4CB3E5CC102E}" type="slidenum">
               <a:rPr lang="fr-BE" smtClean="0"/>
-              <a:t>23</a:t>
+              <a:t>24</a:t>
             </a:fld>
             <a:endParaRPr lang="fr-BE"/>
           </a:p>
@@ -12099,7 +12231,7 @@
 </p:sld>
 </file>
 
-<file path=ppt/slides/slide24.xml><?xml version="1.0" encoding="utf-8"?>
+<file path=ppt/slides/slide25.xml><?xml version="1.0" encoding="utf-8"?>
 <p:sld xmlns:a="http://schemas.openxmlformats.org/drawingml/2006/main" xmlns:r="http://schemas.openxmlformats.org/officeDocument/2006/relationships" xmlns:p="http://schemas.openxmlformats.org/presentationml/2006/main">
   <p:cSld>
     <p:spTree>
@@ -12139,7 +12271,7 @@
           <a:p>
             <a:fld id="{7D3627B9-1F90-4568-B521-4CB3E5CC102E}" type="slidenum">
               <a:rPr lang="fr-BE" smtClean="0"/>
-              <a:t>24</a:t>
+              <a:t>25</a:t>
             </a:fld>
             <a:endParaRPr lang="fr-BE"/>
           </a:p>
@@ -12674,129 +12806,6 @@
 </p:sld>
 </file>
 
-<file path=ppt/slides/slide25.xml><?xml version="1.0" encoding="utf-8"?>
-<p:sld xmlns:a="http://schemas.openxmlformats.org/drawingml/2006/main" xmlns:r="http://schemas.openxmlformats.org/officeDocument/2006/relationships" xmlns:p="http://schemas.openxmlformats.org/presentationml/2006/main">
-  <p:cSld>
-    <p:spTree>
-      <p:nvGrpSpPr>
-        <p:cNvPr id="1" name=""/>
-        <p:cNvGrpSpPr/>
-        <p:nvPr/>
-      </p:nvGrpSpPr>
-      <p:grpSpPr>
-        <a:xfrm>
-          <a:off x="0" y="0"/>
-          <a:ext cx="0" cy="0"/>
-          <a:chOff x="0" y="0"/>
-          <a:chExt cx="0" cy="0"/>
-        </a:xfrm>
-      </p:grpSpPr>
-      <p:sp>
-        <p:nvSpPr>
-          <p:cNvPr id="2" name="Titre 1">
-            <a:extLst>
-              <a:ext uri="{FF2B5EF4-FFF2-40B4-BE49-F238E27FC236}">
-                <a16:creationId xmlns:a16="http://schemas.microsoft.com/office/drawing/2014/main" id="{46DB43F5-9381-4300-817E-49CE48E3C137}"/>
-              </a:ext>
-            </a:extLst>
-          </p:cNvPr>
-          <p:cNvSpPr>
-            <a:spLocks noGrp="1"/>
-          </p:cNvSpPr>
-          <p:nvPr>
-            <p:ph type="title"/>
-          </p:nvPr>
-        </p:nvSpPr>
-        <p:spPr/>
-        <p:txBody>
-          <a:bodyPr/>
-          <a:lstStyle/>
-          <a:p>
-            <a:r>
-              <a:rPr lang="fr-BE" dirty="0"/>
-              <a:t>Exercice 5</a:t>
-            </a:r>
-          </a:p>
-        </p:txBody>
-      </p:sp>
-      <p:sp>
-        <p:nvSpPr>
-          <p:cNvPr id="3" name="Espace réservé du contenu 2">
-            <a:extLst>
-              <a:ext uri="{FF2B5EF4-FFF2-40B4-BE49-F238E27FC236}">
-                <a16:creationId xmlns:a16="http://schemas.microsoft.com/office/drawing/2014/main" id="{AF426914-CE4A-4748-932A-AA8BA86C8906}"/>
-              </a:ext>
-            </a:extLst>
-          </p:cNvPr>
-          <p:cNvSpPr>
-            <a:spLocks noGrp="1"/>
-          </p:cNvSpPr>
-          <p:nvPr>
-            <p:ph idx="1"/>
-          </p:nvPr>
-        </p:nvSpPr>
-        <p:spPr/>
-        <p:txBody>
-          <a:bodyPr/>
-          <a:lstStyle/>
-          <a:p>
-            <a:r>
-              <a:rPr lang="fr-BE" dirty="0"/>
-              <a:t>Se connecter au </a:t>
-            </a:r>
-            <a:r>
-              <a:rPr lang="fr-BE" dirty="0" err="1"/>
-              <a:t>WiFi</a:t>
-            </a:r>
-            <a:r>
-              <a:rPr lang="fr-BE" dirty="0"/>
-              <a:t> et afficher l’adresse IP</a:t>
-            </a:r>
-          </a:p>
-        </p:txBody>
-      </p:sp>
-      <p:sp>
-        <p:nvSpPr>
-          <p:cNvPr id="5" name="Espace réservé du numéro de diapositive 4">
-            <a:extLst>
-              <a:ext uri="{FF2B5EF4-FFF2-40B4-BE49-F238E27FC236}">
-                <a16:creationId xmlns:a16="http://schemas.microsoft.com/office/drawing/2014/main" id="{9A74F923-0830-492D-8CFB-E00B65C2B701}"/>
-              </a:ext>
-            </a:extLst>
-          </p:cNvPr>
-          <p:cNvSpPr>
-            <a:spLocks noGrp="1"/>
-          </p:cNvSpPr>
-          <p:nvPr>
-            <p:ph type="sldNum" sz="quarter" idx="12"/>
-          </p:nvPr>
-        </p:nvSpPr>
-        <p:spPr/>
-        <p:txBody>
-          <a:bodyPr/>
-          <a:lstStyle/>
-          <a:p>
-            <a:fld id="{7D3627B9-1F90-4568-B521-4CB3E5CC102E}" type="slidenum">
-              <a:rPr lang="fr-BE" smtClean="0"/>
-              <a:t>25</a:t>
-            </a:fld>
-            <a:endParaRPr lang="fr-BE"/>
-          </a:p>
-        </p:txBody>
-      </p:sp>
-    </p:spTree>
-    <p:extLst>
-      <p:ext uri="{BB962C8B-B14F-4D97-AF65-F5344CB8AC3E}">
-        <p14:creationId xmlns:p14="http://schemas.microsoft.com/office/powerpoint/2010/main" val="2134143814"/>
-      </p:ext>
-    </p:extLst>
-  </p:cSld>
-  <p:clrMapOvr>
-    <a:masterClrMapping/>
-  </p:clrMapOvr>
-</p:sld>
-</file>
-
 <file path=ppt/slides/slide26.xml><?xml version="1.0" encoding="utf-8"?>
 <p:sld xmlns:a="http://schemas.openxmlformats.org/drawingml/2006/main" xmlns:r="http://schemas.openxmlformats.org/officeDocument/2006/relationships" xmlns:p="http://schemas.openxmlformats.org/presentationml/2006/main">
   <p:cSld>
@@ -12819,7 +12828,7 @@
           <p:cNvPr id="2" name="Titre 1">
             <a:extLst>
               <a:ext uri="{FF2B5EF4-FFF2-40B4-BE49-F238E27FC236}">
-                <a16:creationId xmlns:a16="http://schemas.microsoft.com/office/drawing/2014/main" id="{8FF24F8E-356C-4CC3-BC1E-183A9E686F01}"/>
+                <a16:creationId xmlns:a16="http://schemas.microsoft.com/office/drawing/2014/main" id="{46DB43F5-9381-4300-817E-49CE48E3C137}"/>
               </a:ext>
             </a:extLst>
           </p:cNvPr>
@@ -12837,7 +12846,7 @@
           <a:p>
             <a:r>
               <a:rPr lang="fr-BE" dirty="0"/>
-              <a:t>Exercice 6</a:t>
+              <a:t>Exercice 5</a:t>
             </a:r>
           </a:p>
         </p:txBody>
@@ -12847,7 +12856,7 @@
           <p:cNvPr id="3" name="Espace réservé du contenu 2">
             <a:extLst>
               <a:ext uri="{FF2B5EF4-FFF2-40B4-BE49-F238E27FC236}">
-                <a16:creationId xmlns:a16="http://schemas.microsoft.com/office/drawing/2014/main" id="{9EBC696B-CBBE-40F0-942D-93CF2E900B7C}"/>
+                <a16:creationId xmlns:a16="http://schemas.microsoft.com/office/drawing/2014/main" id="{AF426914-CE4A-4748-932A-AA8BA86C8906}"/>
               </a:ext>
             </a:extLst>
           </p:cNvPr>
@@ -12865,7 +12874,15 @@
           <a:p>
             <a:r>
               <a:rPr lang="fr-BE" dirty="0"/>
-              <a:t>Envoyer une information vers un serveur</a:t>
+              <a:t>Se connecter au </a:t>
+            </a:r>
+            <a:r>
+              <a:rPr lang="fr-BE" dirty="0" err="1"/>
+              <a:t>WiFi</a:t>
+            </a:r>
+            <a:r>
+              <a:rPr lang="fr-BE" dirty="0"/>
+              <a:t> et afficher l’adresse IP</a:t>
             </a:r>
           </a:p>
         </p:txBody>
@@ -12875,7 +12892,7 @@
           <p:cNvPr id="5" name="Espace réservé du numéro de diapositive 4">
             <a:extLst>
               <a:ext uri="{FF2B5EF4-FFF2-40B4-BE49-F238E27FC236}">
-                <a16:creationId xmlns:a16="http://schemas.microsoft.com/office/drawing/2014/main" id="{00ABB6BD-737D-40A7-A9AF-7C82D81D4EB5}"/>
+                <a16:creationId xmlns:a16="http://schemas.microsoft.com/office/drawing/2014/main" id="{9A74F923-0830-492D-8CFB-E00B65C2B701}"/>
               </a:ext>
             </a:extLst>
           </p:cNvPr>
@@ -12902,7 +12919,7 @@
     </p:spTree>
     <p:extLst>
       <p:ext uri="{BB962C8B-B14F-4D97-AF65-F5344CB8AC3E}">
-        <p14:creationId xmlns:p14="http://schemas.microsoft.com/office/powerpoint/2010/main" val="1120077723"/>
+        <p14:creationId xmlns:p14="http://schemas.microsoft.com/office/powerpoint/2010/main" val="2134143814"/>
       </p:ext>
     </p:extLst>
   </p:cSld>
@@ -12934,6 +12951,121 @@
           <p:cNvPr id="2" name="Titre 1">
             <a:extLst>
               <a:ext uri="{FF2B5EF4-FFF2-40B4-BE49-F238E27FC236}">
+                <a16:creationId xmlns:a16="http://schemas.microsoft.com/office/drawing/2014/main" id="{8FF24F8E-356C-4CC3-BC1E-183A9E686F01}"/>
+              </a:ext>
+            </a:extLst>
+          </p:cNvPr>
+          <p:cNvSpPr>
+            <a:spLocks noGrp="1"/>
+          </p:cNvSpPr>
+          <p:nvPr>
+            <p:ph type="title"/>
+          </p:nvPr>
+        </p:nvSpPr>
+        <p:spPr/>
+        <p:txBody>
+          <a:bodyPr/>
+          <a:lstStyle/>
+          <a:p>
+            <a:r>
+              <a:rPr lang="fr-BE" dirty="0"/>
+              <a:t>Exercice 6</a:t>
+            </a:r>
+          </a:p>
+        </p:txBody>
+      </p:sp>
+      <p:sp>
+        <p:nvSpPr>
+          <p:cNvPr id="3" name="Espace réservé du contenu 2">
+            <a:extLst>
+              <a:ext uri="{FF2B5EF4-FFF2-40B4-BE49-F238E27FC236}">
+                <a16:creationId xmlns:a16="http://schemas.microsoft.com/office/drawing/2014/main" id="{9EBC696B-CBBE-40F0-942D-93CF2E900B7C}"/>
+              </a:ext>
+            </a:extLst>
+          </p:cNvPr>
+          <p:cNvSpPr>
+            <a:spLocks noGrp="1"/>
+          </p:cNvSpPr>
+          <p:nvPr>
+            <p:ph idx="1"/>
+          </p:nvPr>
+        </p:nvSpPr>
+        <p:spPr/>
+        <p:txBody>
+          <a:bodyPr/>
+          <a:lstStyle/>
+          <a:p>
+            <a:r>
+              <a:rPr lang="fr-BE" dirty="0"/>
+              <a:t>Envoyer une information vers un serveur</a:t>
+            </a:r>
+          </a:p>
+        </p:txBody>
+      </p:sp>
+      <p:sp>
+        <p:nvSpPr>
+          <p:cNvPr id="5" name="Espace réservé du numéro de diapositive 4">
+            <a:extLst>
+              <a:ext uri="{FF2B5EF4-FFF2-40B4-BE49-F238E27FC236}">
+                <a16:creationId xmlns:a16="http://schemas.microsoft.com/office/drawing/2014/main" id="{00ABB6BD-737D-40A7-A9AF-7C82D81D4EB5}"/>
+              </a:ext>
+            </a:extLst>
+          </p:cNvPr>
+          <p:cNvSpPr>
+            <a:spLocks noGrp="1"/>
+          </p:cNvSpPr>
+          <p:nvPr>
+            <p:ph type="sldNum" sz="quarter" idx="12"/>
+          </p:nvPr>
+        </p:nvSpPr>
+        <p:spPr/>
+        <p:txBody>
+          <a:bodyPr/>
+          <a:lstStyle/>
+          <a:p>
+            <a:fld id="{7D3627B9-1F90-4568-B521-4CB3E5CC102E}" type="slidenum">
+              <a:rPr lang="fr-BE" smtClean="0"/>
+              <a:t>27</a:t>
+            </a:fld>
+            <a:endParaRPr lang="fr-BE"/>
+          </a:p>
+        </p:txBody>
+      </p:sp>
+    </p:spTree>
+    <p:extLst>
+      <p:ext uri="{BB962C8B-B14F-4D97-AF65-F5344CB8AC3E}">
+        <p14:creationId xmlns:p14="http://schemas.microsoft.com/office/powerpoint/2010/main" val="1120077723"/>
+      </p:ext>
+    </p:extLst>
+  </p:cSld>
+  <p:clrMapOvr>
+    <a:masterClrMapping/>
+  </p:clrMapOvr>
+</p:sld>
+</file>
+
+<file path=ppt/slides/slide28.xml><?xml version="1.0" encoding="utf-8"?>
+<p:sld xmlns:a="http://schemas.openxmlformats.org/drawingml/2006/main" xmlns:r="http://schemas.openxmlformats.org/officeDocument/2006/relationships" xmlns:p="http://schemas.openxmlformats.org/presentationml/2006/main">
+  <p:cSld>
+    <p:spTree>
+      <p:nvGrpSpPr>
+        <p:cNvPr id="1" name=""/>
+        <p:cNvGrpSpPr/>
+        <p:nvPr/>
+      </p:nvGrpSpPr>
+      <p:grpSpPr>
+        <a:xfrm>
+          <a:off x="0" y="0"/>
+          <a:ext cx="0" cy="0"/>
+          <a:chOff x="0" y="0"/>
+          <a:chExt cx="0" cy="0"/>
+        </a:xfrm>
+      </p:grpSpPr>
+      <p:sp>
+        <p:nvSpPr>
+          <p:cNvPr id="2" name="Titre 1">
+            <a:extLst>
+              <a:ext uri="{FF2B5EF4-FFF2-40B4-BE49-F238E27FC236}">
                 <a16:creationId xmlns:a16="http://schemas.microsoft.com/office/drawing/2014/main" id="{D718C334-CD41-4112-92DE-B952B89E10D6}"/>
               </a:ext>
             </a:extLst>
@@ -13014,7 +13146,7 @@
           <a:p>
             <a:fld id="{7D3627B9-1F90-4568-B521-4CB3E5CC102E}" type="slidenum">
               <a:rPr lang="fr-BE" smtClean="0"/>
-              <a:t>27</a:t>
+              <a:t>28</a:t>
             </a:fld>
             <a:endParaRPr lang="fr-BE"/>
           </a:p>
@@ -13033,7 +13165,7 @@
 </p:sld>
 </file>
 
-<file path=ppt/slides/slide28.xml><?xml version="1.0" encoding="utf-8"?>
+<file path=ppt/slides/slide29.xml><?xml version="1.0" encoding="utf-8"?>
 <p:sld xmlns:a="http://schemas.openxmlformats.org/drawingml/2006/main" xmlns:r="http://schemas.openxmlformats.org/officeDocument/2006/relationships" xmlns:p="http://schemas.openxmlformats.org/presentationml/2006/main">
   <p:cSld>
     <p:bg>
@@ -13562,7 +13694,7 @@
           <a:p>
             <a:fld id="{7D3627B9-1F90-4568-B521-4CB3E5CC102E}" type="slidenum">
               <a:rPr lang="fr-BE" smtClean="0"/>
-              <a:t>28</a:t>
+              <a:t>29</a:t>
             </a:fld>
             <a:endParaRPr lang="fr-BE"/>
           </a:p>
@@ -13572,328 +13704,6 @@
     <p:extLst>
       <p:ext uri="{BB962C8B-B14F-4D97-AF65-F5344CB8AC3E}">
         <p14:creationId xmlns:p14="http://schemas.microsoft.com/office/powerpoint/2010/main" val="1339261554"/>
-      </p:ext>
-    </p:extLst>
-  </p:cSld>
-  <p:clrMapOvr>
-    <a:masterClrMapping/>
-  </p:clrMapOvr>
-</p:sld>
-</file>
-
-<file path=ppt/slides/slide29.xml><?xml version="1.0" encoding="utf-8"?>
-<p:sld xmlns:a="http://schemas.openxmlformats.org/drawingml/2006/main" xmlns:r="http://schemas.openxmlformats.org/officeDocument/2006/relationships" xmlns:p="http://schemas.openxmlformats.org/presentationml/2006/main">
-  <p:cSld>
-    <p:bg>
-      <p:bgPr>
-        <a:solidFill>
-          <a:schemeClr val="bg1"/>
-        </a:solidFill>
-        <a:effectLst/>
-      </p:bgPr>
-    </p:bg>
-    <p:spTree>
-      <p:nvGrpSpPr>
-        <p:cNvPr id="1" name=""/>
-        <p:cNvGrpSpPr/>
-        <p:nvPr/>
-      </p:nvGrpSpPr>
-      <p:grpSpPr>
-        <a:xfrm>
-          <a:off x="0" y="0"/>
-          <a:ext cx="0" cy="0"/>
-          <a:chOff x="0" y="0"/>
-          <a:chExt cx="0" cy="0"/>
-        </a:xfrm>
-      </p:grpSpPr>
-      <p:sp>
-        <p:nvSpPr>
-          <p:cNvPr id="12" name="Rectangle 11">
-            <a:extLst>
-              <a:ext uri="{FF2B5EF4-FFF2-40B4-BE49-F238E27FC236}">
-                <a16:creationId xmlns:a16="http://schemas.microsoft.com/office/drawing/2014/main" id="{86197D16-FE75-4A0E-A0C9-28C0F04A43DF}"/>
-              </a:ext>
-              <a:ext uri="{C183D7F6-B498-43B3-948B-1728B52AA6E4}">
-                <adec:decorative xmlns:adec="http://schemas.microsoft.com/office/drawing/2017/decorative" val="1"/>
-              </a:ext>
-            </a:extLst>
-          </p:cNvPr>
-          <p:cNvSpPr>
-            <a:spLocks noGrp="1" noRot="1" noChangeAspect="1" noMove="1" noResize="1" noEditPoints="1" noAdjustHandles="1" noChangeArrowheads="1" noChangeShapeType="1" noTextEdit="1"/>
-          </p:cNvSpPr>
-          <p:nvPr>
-            <p:extLst>
-              <p:ext uri="{386F3935-93C4-4BCD-93E2-E3B085C9AB24}">
-                <p16:designElem xmlns:p16="http://schemas.microsoft.com/office/powerpoint/2015/main" val="1"/>
-              </p:ext>
-            </p:extLst>
-          </p:nvPr>
-        </p:nvSpPr>
-        <p:spPr>
-          <a:xfrm>
-            <a:off x="0" y="0"/>
-            <a:ext cx="12192000" cy="5570220"/>
-          </a:xfrm>
-          <a:prstGeom prst="rect">
-            <a:avLst/>
-          </a:prstGeom>
-          <a:gradFill>
-            <a:gsLst>
-              <a:gs pos="0">
-                <a:schemeClr val="accent1">
-                  <a:lumMod val="90000"/>
-                </a:schemeClr>
-              </a:gs>
-              <a:gs pos="25000">
-                <a:schemeClr val="accent1">
-                  <a:lumMod val="90000"/>
-                </a:schemeClr>
-              </a:gs>
-              <a:gs pos="94000">
-                <a:schemeClr val="bg2">
-                  <a:lumMod val="25000"/>
-                </a:schemeClr>
-              </a:gs>
-              <a:gs pos="100000">
-                <a:schemeClr val="bg2">
-                  <a:lumMod val="25000"/>
-                </a:schemeClr>
-              </a:gs>
-            </a:gsLst>
-            <a:lin ang="4200000" scaled="0"/>
-          </a:gradFill>
-          <a:ln>
-            <a:noFill/>
-          </a:ln>
-        </p:spPr>
-        <p:style>
-          <a:lnRef idx="2">
-            <a:schemeClr val="accent1">
-              <a:shade val="50000"/>
-            </a:schemeClr>
-          </a:lnRef>
-          <a:fillRef idx="1">
-            <a:schemeClr val="accent1"/>
-          </a:fillRef>
-          <a:effectRef idx="0">
-            <a:schemeClr val="accent1"/>
-          </a:effectRef>
-          <a:fontRef idx="minor">
-            <a:schemeClr val="lt1"/>
-          </a:fontRef>
-        </p:style>
-        <p:txBody>
-          <a:bodyPr rtlCol="0" anchor="ctr"/>
-          <a:lstStyle/>
-          <a:p>
-            <a:pPr algn="ctr"/>
-            <a:endParaRPr lang="en-US"/>
-          </a:p>
-        </p:txBody>
-      </p:sp>
-      <p:pic>
-        <p:nvPicPr>
-          <p:cNvPr id="14" name="Picture 13">
-            <a:extLst>
-              <a:ext uri="{FF2B5EF4-FFF2-40B4-BE49-F238E27FC236}">
-                <a16:creationId xmlns:a16="http://schemas.microsoft.com/office/drawing/2014/main" id="{FA8FCEC6-4B30-4FF2-8B32-504BEAEA3A16}"/>
-              </a:ext>
-              <a:ext uri="{C183D7F6-B498-43B3-948B-1728B52AA6E4}">
-                <adec:decorative xmlns:adec="http://schemas.microsoft.com/office/drawing/2017/decorative" val="1"/>
-              </a:ext>
-            </a:extLst>
-          </p:cNvPr>
-          <p:cNvPicPr>
-            <a:picLocks noGrp="1" noRot="1" noChangeAspect="1" noMove="1" noResize="1" noEditPoints="1" noAdjustHandles="1" noChangeArrowheads="1" noChangeShapeType="1" noCrop="1"/>
-          </p:cNvPicPr>
-          <p:nvPr>
-            <p:extLst>
-              <p:ext uri="{386F3935-93C4-4BCD-93E2-E3B085C9AB24}">
-                <p16:designElem xmlns:p16="http://schemas.microsoft.com/office/powerpoint/2015/main" val="1"/>
-              </p:ext>
-            </p:extLst>
-          </p:nvPr>
-        </p:nvPicPr>
-        <p:blipFill>
-          <a:blip r:embed="rId3">
-            <a:extLst>
-              <a:ext uri="{28A0092B-C50C-407E-A947-70E740481C1C}">
-                <a14:useLocalDpi xmlns:a14="http://schemas.microsoft.com/office/drawing/2010/main" val="0"/>
-              </a:ext>
-            </a:extLst>
-          </a:blip>
-          <a:srcRect t="45716" b="9820"/>
-          <a:stretch>
-            <a:fillRect/>
-          </a:stretch>
-        </p:blipFill>
-        <p:spPr>
-          <a:xfrm>
-            <a:off x="0" y="3808676"/>
-            <a:ext cx="12192000" cy="3049325"/>
-          </a:xfrm>
-          <a:custGeom>
-            <a:avLst/>
-            <a:gdLst>
-              <a:gd name="connsiteX0" fmla="*/ 0 w 12192000"/>
-              <a:gd name="connsiteY0" fmla="*/ 0 h 3049325"/>
-              <a:gd name="connsiteX1" fmla="*/ 12192000 w 12192000"/>
-              <a:gd name="connsiteY1" fmla="*/ 0 h 3049325"/>
-              <a:gd name="connsiteX2" fmla="*/ 12192000 w 12192000"/>
-              <a:gd name="connsiteY2" fmla="*/ 3049325 h 3049325"/>
-              <a:gd name="connsiteX3" fmla="*/ 0 w 12192000"/>
-              <a:gd name="connsiteY3" fmla="*/ 3049325 h 3049325"/>
-            </a:gdLst>
-            <a:ahLst/>
-            <a:cxnLst>
-              <a:cxn ang="0">
-                <a:pos x="connsiteX0" y="connsiteY0"/>
-              </a:cxn>
-              <a:cxn ang="0">
-                <a:pos x="connsiteX1" y="connsiteY1"/>
-              </a:cxn>
-              <a:cxn ang="0">
-                <a:pos x="connsiteX2" y="connsiteY2"/>
-              </a:cxn>
-              <a:cxn ang="0">
-                <a:pos x="connsiteX3" y="connsiteY3"/>
-              </a:cxn>
-            </a:cxnLst>
-            <a:rect l="l" t="t" r="r" b="b"/>
-            <a:pathLst>
-              <a:path w="12192000" h="3049325">
-                <a:moveTo>
-                  <a:pt x="0" y="0"/>
-                </a:moveTo>
-                <a:lnTo>
-                  <a:pt x="12192000" y="0"/>
-                </a:lnTo>
-                <a:lnTo>
-                  <a:pt x="12192000" y="3049325"/>
-                </a:lnTo>
-                <a:lnTo>
-                  <a:pt x="0" y="3049325"/>
-                </a:lnTo>
-                <a:close/>
-              </a:path>
-            </a:pathLst>
-          </a:custGeom>
-        </p:spPr>
-      </p:pic>
-      <p:sp>
-        <p:nvSpPr>
-          <p:cNvPr id="2" name="Titre 1">
-            <a:extLst>
-              <a:ext uri="{FF2B5EF4-FFF2-40B4-BE49-F238E27FC236}">
-                <a16:creationId xmlns:a16="http://schemas.microsoft.com/office/drawing/2014/main" id="{BD96AA03-57BD-432D-88C4-5DA65781DE72}"/>
-              </a:ext>
-            </a:extLst>
-          </p:cNvPr>
-          <p:cNvSpPr>
-            <a:spLocks noGrp="1"/>
-          </p:cNvSpPr>
-          <p:nvPr>
-            <p:ph type="title"/>
-          </p:nvPr>
-        </p:nvSpPr>
-        <p:spPr>
-          <a:xfrm>
-            <a:off x="804484" y="1191796"/>
-            <a:ext cx="10021446" cy="2976344"/>
-          </a:xfrm>
-        </p:spPr>
-        <p:txBody>
-          <a:bodyPr vert="horz" lIns="91440" tIns="45720" rIns="91440" bIns="45720" rtlCol="0" anchor="ctr">
-            <a:normAutofit/>
-          </a:bodyPr>
-          <a:lstStyle/>
-          <a:p>
-            <a:r>
-              <a:rPr lang="en-US" sz="6600" kern="1200">
-                <a:solidFill>
-                  <a:srgbClr val="FFFFFF"/>
-                </a:solidFill>
-                <a:latin typeface="+mj-lt"/>
-                <a:ea typeface="+mj-ea"/>
-                <a:cs typeface="+mj-cs"/>
-              </a:rPr>
-              <a:t>Et maintenant ?</a:t>
-            </a:r>
-          </a:p>
-        </p:txBody>
-      </p:sp>
-      <p:sp>
-        <p:nvSpPr>
-          <p:cNvPr id="7" name="Espace réservé du texte 6">
-            <a:extLst>
-              <a:ext uri="{FF2B5EF4-FFF2-40B4-BE49-F238E27FC236}">
-                <a16:creationId xmlns:a16="http://schemas.microsoft.com/office/drawing/2014/main" id="{B1A25F50-4B88-4649-8689-76C23D11618D}"/>
-              </a:ext>
-            </a:extLst>
-          </p:cNvPr>
-          <p:cNvSpPr>
-            <a:spLocks noGrp="1"/>
-          </p:cNvSpPr>
-          <p:nvPr>
-            <p:ph type="body" idx="1"/>
-          </p:nvPr>
-        </p:nvSpPr>
-        <p:spPr>
-          <a:xfrm>
-            <a:off x="804788" y="5318990"/>
-            <a:ext cx="9416898" cy="723670"/>
-          </a:xfrm>
-        </p:spPr>
-        <p:txBody>
-          <a:bodyPr vert="horz" lIns="91440" tIns="45720" rIns="91440" bIns="45720" rtlCol="0" anchor="t">
-            <a:normAutofit/>
-          </a:bodyPr>
-          <a:lstStyle/>
-          <a:p>
-            <a:endParaRPr lang="en-US" sz="1800" kern="1200">
-              <a:solidFill>
-                <a:srgbClr val="000000"/>
-              </a:solidFill>
-              <a:latin typeface="+mn-lt"/>
-              <a:ea typeface="+mn-ea"/>
-              <a:cs typeface="+mn-cs"/>
-            </a:endParaRPr>
-          </a:p>
-        </p:txBody>
-      </p:sp>
-      <p:sp>
-        <p:nvSpPr>
-          <p:cNvPr id="4" name="Espace réservé du numéro de diapositive 3">
-            <a:extLst>
-              <a:ext uri="{FF2B5EF4-FFF2-40B4-BE49-F238E27FC236}">
-                <a16:creationId xmlns:a16="http://schemas.microsoft.com/office/drawing/2014/main" id="{2037B5A5-A1B9-4A40-8746-6B8CAF48326F}"/>
-              </a:ext>
-            </a:extLst>
-          </p:cNvPr>
-          <p:cNvSpPr>
-            <a:spLocks noGrp="1"/>
-          </p:cNvSpPr>
-          <p:nvPr>
-            <p:ph type="sldNum" sz="quarter" idx="12"/>
-          </p:nvPr>
-        </p:nvSpPr>
-        <p:spPr/>
-        <p:txBody>
-          <a:bodyPr/>
-          <a:lstStyle/>
-          <a:p>
-            <a:fld id="{7D3627B9-1F90-4568-B521-4CB3E5CC102E}" type="slidenum">
-              <a:rPr lang="fr-BE" smtClean="0"/>
-              <a:t>29</a:t>
-            </a:fld>
-            <a:endParaRPr lang="fr-BE"/>
-          </a:p>
-        </p:txBody>
-      </p:sp>
-    </p:spTree>
-    <p:extLst>
-      <p:ext uri="{BB962C8B-B14F-4D97-AF65-F5344CB8AC3E}">
-        <p14:creationId xmlns:p14="http://schemas.microsoft.com/office/powerpoint/2010/main" val="2429384979"/>
       </p:ext>
     </p:extLst>
   </p:cSld>
@@ -14128,7 +13938,7 @@
             </p:grpSpPr>
             <p:pic>
               <p:nvPicPr>
-                <p:cNvPr id="6" name="Image 6">
+                <p:cNvPr id="3" name="Image 3">
                   <a:hlinkClick r:id="rId7" action="ppaction://hlinksldjump"/>
                 </p:cNvPr>
                 <p:cNvPicPr>
@@ -14159,7 +13969,7 @@
             </p:pic>
             <p:pic>
               <p:nvPicPr>
-                <p:cNvPr id="7" name="Image 7">
+                <p:cNvPr id="4" name="Image 4">
                   <a:hlinkClick r:id="rId8" action="ppaction://hlinksldjump"/>
                 </p:cNvPr>
                 <p:cNvPicPr>
@@ -14190,7 +14000,7 @@
             </p:pic>
             <p:pic>
               <p:nvPicPr>
-                <p:cNvPr id="8" name="Image 8">
+                <p:cNvPr id="6" name="Image 6">
                   <a:hlinkClick r:id="rId9" action="ppaction://hlinksldjump"/>
                 </p:cNvPr>
                 <p:cNvPicPr>
@@ -14221,7 +14031,7 @@
             </p:pic>
             <p:pic>
               <p:nvPicPr>
-                <p:cNvPr id="9" name="Image 9">
+                <p:cNvPr id="7" name="Image 7">
                   <a:hlinkClick r:id="rId10" action="ppaction://hlinksldjump"/>
                 </p:cNvPr>
                 <p:cNvPicPr>
@@ -14252,7 +14062,7 @@
             </p:pic>
             <p:pic>
               <p:nvPicPr>
-                <p:cNvPr id="10" name="Image 10">
+                <p:cNvPr id="8" name="Image 8">
                   <a:hlinkClick r:id="rId11" action="ppaction://hlinksldjump"/>
                 </p:cNvPr>
                 <p:cNvPicPr>
@@ -14327,184 +14137,6 @@
 </file>
 
 <file path=ppt/slides/slide30.xml><?xml version="1.0" encoding="utf-8"?>
-<p:sld xmlns:a="http://schemas.openxmlformats.org/drawingml/2006/main" xmlns:r="http://schemas.openxmlformats.org/officeDocument/2006/relationships" xmlns:p="http://schemas.openxmlformats.org/presentationml/2006/main">
-  <p:cSld>
-    <p:spTree>
-      <p:nvGrpSpPr>
-        <p:cNvPr id="1" name=""/>
-        <p:cNvGrpSpPr/>
-        <p:nvPr/>
-      </p:nvGrpSpPr>
-      <p:grpSpPr>
-        <a:xfrm>
-          <a:off x="0" y="0"/>
-          <a:ext cx="0" cy="0"/>
-          <a:chOff x="0" y="0"/>
-          <a:chExt cx="0" cy="0"/>
-        </a:xfrm>
-      </p:grpSpPr>
-      <p:sp>
-        <p:nvSpPr>
-          <p:cNvPr id="2" name="Titre 1">
-            <a:extLst>
-              <a:ext uri="{FF2B5EF4-FFF2-40B4-BE49-F238E27FC236}">
-                <a16:creationId xmlns:a16="http://schemas.microsoft.com/office/drawing/2014/main" id="{BD96AA03-57BD-432D-88C4-5DA65781DE72}"/>
-              </a:ext>
-            </a:extLst>
-          </p:cNvPr>
-          <p:cNvSpPr>
-            <a:spLocks noGrp="1"/>
-          </p:cNvSpPr>
-          <p:nvPr>
-            <p:ph type="title"/>
-          </p:nvPr>
-        </p:nvSpPr>
-        <p:spPr/>
-        <p:txBody>
-          <a:bodyPr/>
-          <a:lstStyle/>
-          <a:p>
-            <a:endParaRPr lang="fr-BE" dirty="0"/>
-          </a:p>
-        </p:txBody>
-      </p:sp>
-      <p:sp>
-        <p:nvSpPr>
-          <p:cNvPr id="3" name="Espace réservé du contenu 2">
-            <a:extLst>
-              <a:ext uri="{FF2B5EF4-FFF2-40B4-BE49-F238E27FC236}">
-                <a16:creationId xmlns:a16="http://schemas.microsoft.com/office/drawing/2014/main" id="{7F4BB985-DE47-4CCB-982E-88D4FF516AF9}"/>
-              </a:ext>
-            </a:extLst>
-          </p:cNvPr>
-          <p:cNvSpPr>
-            <a:spLocks noGrp="1"/>
-          </p:cNvSpPr>
-          <p:nvPr>
-            <p:ph idx="1"/>
-          </p:nvPr>
-        </p:nvSpPr>
-        <p:spPr/>
-        <p:txBody>
-          <a:bodyPr/>
-          <a:lstStyle/>
-          <a:p>
-            <a:r>
-              <a:rPr lang="fr-BE" dirty="0"/>
-              <a:t>Apprenez-en plus sur l’IoT</a:t>
-            </a:r>
-          </a:p>
-          <a:p>
-            <a:pPr lvl="1"/>
-            <a:r>
-              <a:rPr lang="fr-BE" dirty="0"/>
-              <a:t>Ateliers </a:t>
-            </a:r>
-            <a:r>
-              <a:rPr lang="fr-BE" dirty="0" err="1"/>
-              <a:t>CRéACTIFS</a:t>
-            </a:r>
-            <a:r>
-              <a:rPr lang="fr-BE" dirty="0"/>
-              <a:t> par l’institut </a:t>
-            </a:r>
-            <a:r>
-              <a:rPr lang="fr-BE" dirty="0" err="1"/>
-              <a:t>Numédiart</a:t>
-            </a:r>
-            <a:endParaRPr lang="fr-BE" dirty="0"/>
-          </a:p>
-          <a:p>
-            <a:pPr lvl="1"/>
-            <a:r>
-              <a:rPr lang="fr-BE" dirty="0"/>
-              <a:t>Formations </a:t>
-            </a:r>
-            <a:r>
-              <a:rPr lang="fr-BE" dirty="0" err="1"/>
-              <a:t>Technocité</a:t>
-            </a:r>
-            <a:endParaRPr lang="fr-BE" dirty="0"/>
-          </a:p>
-          <a:p>
-            <a:r>
-              <a:rPr lang="fr-BE" dirty="0"/>
-              <a:t>Développez votre prototype avec </a:t>
-            </a:r>
-            <a:r>
-              <a:rPr lang="fr-BE" dirty="0" err="1"/>
-              <a:t>Fab</a:t>
-            </a:r>
-            <a:r>
-              <a:rPr lang="fr-BE" dirty="0"/>
-              <a:t>-IoT-</a:t>
-            </a:r>
-            <a:r>
-              <a:rPr lang="fr-BE" dirty="0" err="1"/>
-              <a:t>Lab</a:t>
-            </a:r>
-            <a:endParaRPr lang="fr-BE" dirty="0"/>
-          </a:p>
-          <a:p>
-            <a:endParaRPr lang="fr-BE" dirty="0"/>
-          </a:p>
-          <a:p>
-            <a:pPr marL="0" indent="0" algn="ctr">
-              <a:buNone/>
-            </a:pPr>
-            <a:r>
-              <a:rPr lang="fr-BE" dirty="0">
-                <a:hlinkClick r:id="rId3"/>
-              </a:rPr>
-              <a:t>fabiotlab@fablabmons.be</a:t>
-            </a:r>
-            <a:endParaRPr lang="fr-BE" dirty="0"/>
-          </a:p>
-        </p:txBody>
-      </p:sp>
-      <p:sp>
-        <p:nvSpPr>
-          <p:cNvPr id="6" name="Espace réservé du numéro de diapositive 5">
-            <a:extLst>
-              <a:ext uri="{FF2B5EF4-FFF2-40B4-BE49-F238E27FC236}">
-                <a16:creationId xmlns:a16="http://schemas.microsoft.com/office/drawing/2014/main" id="{A32E2021-9613-4390-976A-439897B08FB1}"/>
-              </a:ext>
-            </a:extLst>
-          </p:cNvPr>
-          <p:cNvSpPr>
-            <a:spLocks noGrp="1"/>
-          </p:cNvSpPr>
-          <p:nvPr>
-            <p:ph type="sldNum" sz="quarter" idx="12"/>
-          </p:nvPr>
-        </p:nvSpPr>
-        <p:spPr/>
-        <p:txBody>
-          <a:bodyPr/>
-          <a:lstStyle/>
-          <a:p>
-            <a:fld id="{7D3627B9-1F90-4568-B521-4CB3E5CC102E}" type="slidenum">
-              <a:rPr lang="fr-BE" smtClean="0"/>
-              <a:t>30</a:t>
-            </a:fld>
-            <a:endParaRPr lang="fr-BE"/>
-          </a:p>
-        </p:txBody>
-      </p:sp>
-    </p:spTree>
-    <p:extLst>
-      <p:ext uri="{BB962C8B-B14F-4D97-AF65-F5344CB8AC3E}">
-        <p14:creationId xmlns:p14="http://schemas.microsoft.com/office/powerpoint/2010/main" val="1910355657"/>
-      </p:ext>
-    </p:extLst>
-  </p:cSld>
-  <p:clrMapOvr>
-    <a:masterClrMapping/>
-  </p:clrMapOvr>
-</p:sld>
-</file>
-
-<file path=ppt/slides/slide4.xml><?xml version="1.0" encoding="utf-8"?>
 <p:sld xmlns:a="http://schemas.openxmlformats.org/drawingml/2006/main" xmlns:r="http://schemas.openxmlformats.org/officeDocument/2006/relationships" xmlns:p="http://schemas.openxmlformats.org/presentationml/2006/main">
   <p:cSld>
     <p:bg>
@@ -14708,7 +14340,7 @@
           <p:cNvPr id="2" name="Titre 1">
             <a:extLst>
               <a:ext uri="{FF2B5EF4-FFF2-40B4-BE49-F238E27FC236}">
-                <a16:creationId xmlns:a16="http://schemas.microsoft.com/office/drawing/2014/main" id="{039C04F1-C087-4722-9AAF-758A18B1D1E3}"/>
+                <a16:creationId xmlns:a16="http://schemas.microsoft.com/office/drawing/2014/main" id="{BD96AA03-57BD-432D-88C4-5DA65781DE72}"/>
               </a:ext>
             </a:extLst>
           </p:cNvPr>
@@ -14740,7 +14372,7 @@
                 <a:ea typeface="+mj-ea"/>
                 <a:cs typeface="+mj-cs"/>
               </a:rPr>
-              <a:t>Qu’est-ce que Fab-IoT-Lab ?</a:t>
+              <a:t>Et maintenant ?</a:t>
             </a:r>
           </a:p>
         </p:txBody>
@@ -14750,7 +14382,7 @@
           <p:cNvPr id="7" name="Espace réservé du texte 6">
             <a:extLst>
               <a:ext uri="{FF2B5EF4-FFF2-40B4-BE49-F238E27FC236}">
-                <a16:creationId xmlns:a16="http://schemas.microsoft.com/office/drawing/2014/main" id="{481CD277-E25B-4923-A709-7B77720D310D}"/>
+                <a16:creationId xmlns:a16="http://schemas.microsoft.com/office/drawing/2014/main" id="{B1A25F50-4B88-4649-8689-76C23D11618D}"/>
               </a:ext>
             </a:extLst>
           </p:cNvPr>
@@ -14786,10 +14418,10 @@
       </p:sp>
       <p:sp>
         <p:nvSpPr>
-          <p:cNvPr id="5" name="Espace réservé du numéro de diapositive 4">
+          <p:cNvPr id="4" name="Espace réservé du numéro de diapositive 3">
             <a:extLst>
               <a:ext uri="{FF2B5EF4-FFF2-40B4-BE49-F238E27FC236}">
-                <a16:creationId xmlns:a16="http://schemas.microsoft.com/office/drawing/2014/main" id="{283A00C4-72B8-41F4-9640-A3A4CD94A1E5}"/>
+                <a16:creationId xmlns:a16="http://schemas.microsoft.com/office/drawing/2014/main" id="{2037B5A5-A1B9-4A40-8746-6B8CAF48326F}"/>
               </a:ext>
             </a:extLst>
           </p:cNvPr>
@@ -14807,7 +14439,7 @@
           <a:p>
             <a:fld id="{7D3627B9-1F90-4568-B521-4CB3E5CC102E}" type="slidenum">
               <a:rPr lang="fr-BE" smtClean="0"/>
-              <a:t>4</a:t>
+              <a:t>30</a:t>
             </a:fld>
             <a:endParaRPr lang="fr-BE"/>
           </a:p>
@@ -14816,7 +14448,7 @@
     </p:spTree>
     <p:extLst>
       <p:ext uri="{BB962C8B-B14F-4D97-AF65-F5344CB8AC3E}">
-        <p14:creationId xmlns:p14="http://schemas.microsoft.com/office/powerpoint/2010/main" val="2415528101"/>
+        <p14:creationId xmlns:p14="http://schemas.microsoft.com/office/powerpoint/2010/main" val="2429384979"/>
       </p:ext>
     </p:extLst>
   </p:cSld>
@@ -14826,7 +14458,7 @@
 </p:sld>
 </file>
 
-<file path=ppt/slides/slide5.xml><?xml version="1.0" encoding="utf-8"?>
+<file path=ppt/slides/slide31.xml><?xml version="1.0" encoding="utf-8"?>
 <p:sld xmlns:a="http://schemas.openxmlformats.org/drawingml/2006/main" xmlns:r="http://schemas.openxmlformats.org/officeDocument/2006/relationships" xmlns:p="http://schemas.openxmlformats.org/presentationml/2006/main">
   <p:cSld>
     <p:spTree>
@@ -14848,7 +14480,7 @@
           <p:cNvPr id="2" name="Titre 1">
             <a:extLst>
               <a:ext uri="{FF2B5EF4-FFF2-40B4-BE49-F238E27FC236}">
-                <a16:creationId xmlns:a16="http://schemas.microsoft.com/office/drawing/2014/main" id="{21729781-F766-44B3-9C6C-44939FE4CA80}"/>
+                <a16:creationId xmlns:a16="http://schemas.microsoft.com/office/drawing/2014/main" id="{BD96AA03-57BD-432D-88C4-5DA65781DE72}"/>
               </a:ext>
             </a:extLst>
           </p:cNvPr>
@@ -14868,96 +14500,109 @@
           </a:p>
         </p:txBody>
       </p:sp>
-      <p:pic>
-        <p:nvPicPr>
-          <p:cNvPr id="7" name="Espace réservé du contenu 6">
+      <p:sp>
+        <p:nvSpPr>
+          <p:cNvPr id="3" name="Espace réservé du contenu 2">
             <a:extLst>
               <a:ext uri="{FF2B5EF4-FFF2-40B4-BE49-F238E27FC236}">
-                <a16:creationId xmlns:a16="http://schemas.microsoft.com/office/drawing/2014/main" id="{C9A3869D-FA32-4C42-974C-910FEAD4849A}"/>
+                <a16:creationId xmlns:a16="http://schemas.microsoft.com/office/drawing/2014/main" id="{7F4BB985-DE47-4CCB-982E-88D4FF516AF9}"/>
               </a:ext>
             </a:extLst>
           </p:cNvPr>
-          <p:cNvPicPr>
-            <a:picLocks noGrp="1" noChangeAspect="1"/>
-          </p:cNvPicPr>
-          <p:nvPr>
-            <p:ph sz="half" idx="1"/>
-          </p:nvPr>
-        </p:nvPicPr>
-        <p:blipFill rotWithShape="1">
-          <a:blip r:embed="rId3">
-            <a:extLst>
-              <a:ext uri="{28A0092B-C50C-407E-A947-70E740481C1C}">
-                <a14:useLocalDpi xmlns:a14="http://schemas.microsoft.com/office/drawing/2010/main" val="0"/>
-              </a:ext>
-            </a:extLst>
-          </a:blip>
-          <a:stretch/>
-        </p:blipFill>
-        <p:spPr>
-          <a:xfrm>
-            <a:off x="838200" y="2167426"/>
-            <a:ext cx="5181600" cy="3667735"/>
-          </a:xfrm>
-        </p:spPr>
-      </p:pic>
-      <p:pic>
-        <p:nvPicPr>
-          <p:cNvPr id="6146" name="Picture 2" descr="RÃ©sultat de recherche d'images pour &quot;umons&quot;">
+          <p:cNvSpPr>
+            <a:spLocks noGrp="1"/>
+          </p:cNvSpPr>
+          <p:nvPr>
+            <p:ph idx="1"/>
+          </p:nvPr>
+        </p:nvSpPr>
+        <p:spPr/>
+        <p:txBody>
+          <a:bodyPr/>
+          <a:lstStyle/>
+          <a:p>
+            <a:r>
+              <a:rPr lang="fr-BE" dirty="0"/>
+              <a:t>Apprenez-en plus sur l’IoT</a:t>
+            </a:r>
+          </a:p>
+          <a:p>
+            <a:pPr lvl="1"/>
+            <a:r>
+              <a:rPr lang="fr-BE" dirty="0"/>
+              <a:t>Ateliers </a:t>
+            </a:r>
+            <a:r>
+              <a:rPr lang="fr-BE" dirty="0" err="1"/>
+              <a:t>CRéACTIFS</a:t>
+            </a:r>
+            <a:r>
+              <a:rPr lang="fr-BE" dirty="0"/>
+              <a:t> par l’institut </a:t>
+            </a:r>
+            <a:r>
+              <a:rPr lang="fr-BE" dirty="0" err="1"/>
+              <a:t>Numédiart</a:t>
+            </a:r>
+            <a:endParaRPr lang="fr-BE" dirty="0"/>
+          </a:p>
+          <a:p>
+            <a:pPr lvl="1"/>
+            <a:r>
+              <a:rPr lang="fr-BE" dirty="0"/>
+              <a:t>Formations </a:t>
+            </a:r>
+            <a:r>
+              <a:rPr lang="fr-BE" dirty="0" err="1"/>
+              <a:t>Technocité</a:t>
+            </a:r>
+            <a:endParaRPr lang="fr-BE" dirty="0"/>
+          </a:p>
+          <a:p>
+            <a:r>
+              <a:rPr lang="fr-BE" dirty="0"/>
+              <a:t>Développez votre prototype avec </a:t>
+            </a:r>
+            <a:r>
+              <a:rPr lang="fr-BE" dirty="0" err="1"/>
+              <a:t>Fab</a:t>
+            </a:r>
+            <a:r>
+              <a:rPr lang="fr-BE" dirty="0"/>
+              <a:t>-IoT-</a:t>
+            </a:r>
+            <a:r>
+              <a:rPr lang="fr-BE" dirty="0" err="1"/>
+              <a:t>Lab</a:t>
+            </a:r>
+            <a:endParaRPr lang="fr-BE" dirty="0"/>
+          </a:p>
+          <a:p>
+            <a:endParaRPr lang="fr-BE" dirty="0"/>
+          </a:p>
+          <a:p>
+            <a:pPr marL="0" indent="0" algn="ctr">
+              <a:buNone/>
+            </a:pPr>
+            <a:r>
+              <a:rPr lang="fr-BE" dirty="0">
+                <a:hlinkClick r:id="rId3"/>
+              </a:rPr>
+              <a:t>fabiotlab@fablabmons.be</a:t>
+            </a:r>
+            <a:endParaRPr lang="fr-BE" dirty="0"/>
+          </a:p>
+        </p:txBody>
+      </p:sp>
+      <p:sp>
+        <p:nvSpPr>
+          <p:cNvPr id="6" name="Espace réservé du numéro de diapositive 5">
             <a:extLst>
               <a:ext uri="{FF2B5EF4-FFF2-40B4-BE49-F238E27FC236}">
-                <a16:creationId xmlns:a16="http://schemas.microsoft.com/office/drawing/2014/main" id="{79C583BB-B5E5-4044-84A3-DD00A2E4AB11}"/>
+                <a16:creationId xmlns:a16="http://schemas.microsoft.com/office/drawing/2014/main" id="{A32E2021-9613-4390-976A-439897B08FB1}"/>
               </a:ext>
             </a:extLst>
           </p:cNvPr>
-          <p:cNvPicPr>
-            <a:picLocks noGrp="1" noChangeAspect="1" noChangeArrowheads="1"/>
-          </p:cNvPicPr>
-          <p:nvPr>
-            <p:ph sz="half" idx="2"/>
-          </p:nvPr>
-        </p:nvPicPr>
-        <p:blipFill>
-          <a:blip r:embed="rId4">
-            <a:extLst>
-              <a:ext uri="{28A0092B-C50C-407E-A947-70E740481C1C}">
-                <a14:useLocalDpi xmlns:a14="http://schemas.microsoft.com/office/drawing/2010/main" val="0"/>
-              </a:ext>
-            </a:extLst>
-          </a:blip>
-          <a:stretch>
-            <a:fillRect/>
-          </a:stretch>
-        </p:blipFill>
-        <p:spPr bwMode="auto">
-          <a:xfrm>
-            <a:off x="6573012" y="3214910"/>
-            <a:ext cx="4379976" cy="1572768"/>
-          </a:xfrm>
-          <a:prstGeom prst="rect">
-            <a:avLst/>
-          </a:prstGeom>
-          <a:noFill/>
-          <a:extLst>
-            <a:ext uri="{909E8E84-426E-40DD-AFC4-6F175D3DCCD1}">
-              <a14:hiddenFill xmlns:a14="http://schemas.microsoft.com/office/drawing/2010/main">
-                <a:solidFill>
-                  <a:srgbClr val="FFFFFF"/>
-                </a:solidFill>
-              </a14:hiddenFill>
-            </a:ext>
-          </a:extLst>
-        </p:spPr>
-      </p:pic>
-      <p:sp>
-        <p:nvSpPr>
-          <p:cNvPr id="5" name="Espace réservé du numéro de diapositive 4">
-            <a:extLst>
-              <a:ext uri="{FF2B5EF4-FFF2-40B4-BE49-F238E27FC236}">
-                <a16:creationId xmlns:a16="http://schemas.microsoft.com/office/drawing/2014/main" id="{9A43EBC4-261A-4A9D-A733-F5D8FF996C77}"/>
-              </a:ext>
-            </a:extLst>
-          </p:cNvPr>
           <p:cNvSpPr>
             <a:spLocks noGrp="1"/>
           </p:cNvSpPr>
@@ -14972,7 +14617,7 @@
           <a:p>
             <a:fld id="{7D3627B9-1F90-4568-B521-4CB3E5CC102E}" type="slidenum">
               <a:rPr lang="fr-BE" smtClean="0"/>
-              <a:t>5</a:t>
+              <a:t>31</a:t>
             </a:fld>
             <a:endParaRPr lang="fr-BE"/>
           </a:p>
@@ -14981,7 +14626,7 @@
     </p:spTree>
     <p:extLst>
       <p:ext uri="{BB962C8B-B14F-4D97-AF65-F5344CB8AC3E}">
-        <p14:creationId xmlns:p14="http://schemas.microsoft.com/office/powerpoint/2010/main" val="953089894"/>
+        <p14:creationId xmlns:p14="http://schemas.microsoft.com/office/powerpoint/2010/main" val="1910355657"/>
       </p:ext>
     </p:extLst>
   </p:cSld>
@@ -14991,104 +14636,7 @@
 </p:sld>
 </file>
 
-<file path=ppt/slides/slide6.xml><?xml version="1.0" encoding="utf-8"?>
-<p:sld xmlns:a="http://schemas.openxmlformats.org/drawingml/2006/main" xmlns:r="http://schemas.openxmlformats.org/officeDocument/2006/relationships" xmlns:p="http://schemas.openxmlformats.org/presentationml/2006/main">
-  <p:cSld>
-    <p:spTree>
-      <p:nvGrpSpPr>
-        <p:cNvPr id="1" name=""/>
-        <p:cNvGrpSpPr/>
-        <p:nvPr/>
-      </p:nvGrpSpPr>
-      <p:grpSpPr>
-        <a:xfrm>
-          <a:off x="0" y="0"/>
-          <a:ext cx="0" cy="0"/>
-          <a:chOff x="0" y="0"/>
-          <a:chExt cx="0" cy="0"/>
-        </a:xfrm>
-      </p:grpSpPr>
-      <p:pic>
-        <p:nvPicPr>
-          <p:cNvPr id="5" name="Espace réservé du contenu 4">
-            <a:extLst>
-              <a:ext uri="{FF2B5EF4-FFF2-40B4-BE49-F238E27FC236}">
-                <a16:creationId xmlns:a16="http://schemas.microsoft.com/office/drawing/2014/main" id="{B6BEDA4F-2E95-491B-8C08-B9B380E2F29F}"/>
-              </a:ext>
-            </a:extLst>
-          </p:cNvPr>
-          <p:cNvPicPr>
-            <a:picLocks noGrp="1" noChangeAspect="1"/>
-          </p:cNvPicPr>
-          <p:nvPr>
-            <p:ph idx="1"/>
-          </p:nvPr>
-        </p:nvPicPr>
-        <p:blipFill>
-          <a:blip r:embed="rId3">
-            <a:extLst>
-              <a:ext uri="{28A0092B-C50C-407E-A947-70E740481C1C}">
-                <a14:useLocalDpi xmlns:a14="http://schemas.microsoft.com/office/drawing/2010/main" val="0"/>
-              </a:ext>
-            </a:extLst>
-          </a:blip>
-          <a:stretch>
-            <a:fillRect/>
-          </a:stretch>
-        </p:blipFill>
-        <p:spPr>
-          <a:xfrm>
-            <a:off x="643467" y="2052235"/>
-            <a:ext cx="10905066" cy="2753529"/>
-          </a:xfrm>
-          <a:prstGeom prst="rect">
-            <a:avLst/>
-          </a:prstGeom>
-        </p:spPr>
-      </p:pic>
-      <p:sp>
-        <p:nvSpPr>
-          <p:cNvPr id="4" name="Espace réservé du numéro de diapositive 3">
-            <a:extLst>
-              <a:ext uri="{FF2B5EF4-FFF2-40B4-BE49-F238E27FC236}">
-                <a16:creationId xmlns:a16="http://schemas.microsoft.com/office/drawing/2014/main" id="{1FB0FEB1-1455-411C-BE19-4594C1F5C317}"/>
-              </a:ext>
-            </a:extLst>
-          </p:cNvPr>
-          <p:cNvSpPr>
-            <a:spLocks noGrp="1"/>
-          </p:cNvSpPr>
-          <p:nvPr>
-            <p:ph type="sldNum" sz="quarter" idx="12"/>
-          </p:nvPr>
-        </p:nvSpPr>
-        <p:spPr/>
-        <p:txBody>
-          <a:bodyPr/>
-          <a:lstStyle/>
-          <a:p>
-            <a:fld id="{7D3627B9-1F90-4568-B521-4CB3E5CC102E}" type="slidenum">
-              <a:rPr lang="fr-BE" smtClean="0"/>
-              <a:t>6</a:t>
-            </a:fld>
-            <a:endParaRPr lang="fr-BE"/>
-          </a:p>
-        </p:txBody>
-      </p:sp>
-    </p:spTree>
-    <p:extLst>
-      <p:ext uri="{BB962C8B-B14F-4D97-AF65-F5344CB8AC3E}">
-        <p14:creationId xmlns:p14="http://schemas.microsoft.com/office/powerpoint/2010/main" val="2676247997"/>
-      </p:ext>
-    </p:extLst>
-  </p:cSld>
-  <p:clrMapOvr>
-    <a:masterClrMapping/>
-  </p:clrMapOvr>
-</p:sld>
-</file>
-
-<file path=ppt/slides/slide7.xml><?xml version="1.0" encoding="utf-8"?>
+<file path=ppt/slides/slide4.xml><?xml version="1.0" encoding="utf-8"?>
 <p:sld xmlns:a="http://schemas.openxmlformats.org/drawingml/2006/main" xmlns:r="http://schemas.openxmlformats.org/officeDocument/2006/relationships" xmlns:p="http://schemas.openxmlformats.org/presentationml/2006/main">
   <p:cSld>
     <p:bg>
@@ -15292,7 +14840,7 @@
           <p:cNvPr id="2" name="Titre 1">
             <a:extLst>
               <a:ext uri="{FF2B5EF4-FFF2-40B4-BE49-F238E27FC236}">
-                <a16:creationId xmlns:a16="http://schemas.microsoft.com/office/drawing/2014/main" id="{8285EAB2-DBE3-4C0C-83E5-C855C6F8981C}"/>
+                <a16:creationId xmlns:a16="http://schemas.microsoft.com/office/drawing/2014/main" id="{039C04F1-C087-4722-9AAF-758A18B1D1E3}"/>
               </a:ext>
             </a:extLst>
           </p:cNvPr>
@@ -15324,7 +14872,7 @@
                 <a:ea typeface="+mj-ea"/>
                 <a:cs typeface="+mj-cs"/>
               </a:rPr>
-              <a:t>Qu’allons-nous créer ?</a:t>
+              <a:t>Qu’est-ce que Fab-IoT-Lab ?</a:t>
             </a:r>
           </a:p>
         </p:txBody>
@@ -15334,7 +14882,7 @@
           <p:cNvPr id="7" name="Espace réservé du texte 6">
             <a:extLst>
               <a:ext uri="{FF2B5EF4-FFF2-40B4-BE49-F238E27FC236}">
-                <a16:creationId xmlns:a16="http://schemas.microsoft.com/office/drawing/2014/main" id="{7151A2E3-79EC-4A76-8046-1CB1F2DC3E34}"/>
+                <a16:creationId xmlns:a16="http://schemas.microsoft.com/office/drawing/2014/main" id="{481CD277-E25B-4923-A709-7B77720D310D}"/>
               </a:ext>
             </a:extLst>
           </p:cNvPr>
@@ -15373,7 +14921,7 @@
           <p:cNvPr id="5" name="Espace réservé du numéro de diapositive 4">
             <a:extLst>
               <a:ext uri="{FF2B5EF4-FFF2-40B4-BE49-F238E27FC236}">
-                <a16:creationId xmlns:a16="http://schemas.microsoft.com/office/drawing/2014/main" id="{65768B4A-51C9-4342-A9C3-5D4587815908}"/>
+                <a16:creationId xmlns:a16="http://schemas.microsoft.com/office/drawing/2014/main" id="{283A00C4-72B8-41F4-9640-A3A4CD94A1E5}"/>
               </a:ext>
             </a:extLst>
           </p:cNvPr>
@@ -15391,7 +14939,7 @@
           <a:p>
             <a:fld id="{7D3627B9-1F90-4568-B521-4CB3E5CC102E}" type="slidenum">
               <a:rPr lang="fr-BE" smtClean="0"/>
-              <a:t>7</a:t>
+              <a:t>4</a:t>
             </a:fld>
             <a:endParaRPr lang="fr-BE"/>
           </a:p>
@@ -15400,7 +14948,7 @@
     </p:spTree>
     <p:extLst>
       <p:ext uri="{BB962C8B-B14F-4D97-AF65-F5344CB8AC3E}">
-        <p14:creationId xmlns:p14="http://schemas.microsoft.com/office/powerpoint/2010/main" val="3414970216"/>
+        <p14:creationId xmlns:p14="http://schemas.microsoft.com/office/powerpoint/2010/main" val="2415528101"/>
       </p:ext>
     </p:extLst>
   </p:cSld>
@@ -15410,7 +14958,269 @@
 </p:sld>
 </file>
 
-<file path=ppt/slides/slide8.xml><?xml version="1.0" encoding="utf-8"?>
+<file path=ppt/slides/slide5.xml><?xml version="1.0" encoding="utf-8"?>
+<p:sld xmlns:a="http://schemas.openxmlformats.org/drawingml/2006/main" xmlns:r="http://schemas.openxmlformats.org/officeDocument/2006/relationships" xmlns:p="http://schemas.openxmlformats.org/presentationml/2006/main">
+  <p:cSld>
+    <p:spTree>
+      <p:nvGrpSpPr>
+        <p:cNvPr id="1" name=""/>
+        <p:cNvGrpSpPr/>
+        <p:nvPr/>
+      </p:nvGrpSpPr>
+      <p:grpSpPr>
+        <a:xfrm>
+          <a:off x="0" y="0"/>
+          <a:ext cx="0" cy="0"/>
+          <a:chOff x="0" y="0"/>
+          <a:chExt cx="0" cy="0"/>
+        </a:xfrm>
+      </p:grpSpPr>
+      <p:sp>
+        <p:nvSpPr>
+          <p:cNvPr id="2" name="Titre 1">
+            <a:extLst>
+              <a:ext uri="{FF2B5EF4-FFF2-40B4-BE49-F238E27FC236}">
+                <a16:creationId xmlns:a16="http://schemas.microsoft.com/office/drawing/2014/main" id="{21729781-F766-44B3-9C6C-44939FE4CA80}"/>
+              </a:ext>
+            </a:extLst>
+          </p:cNvPr>
+          <p:cNvSpPr>
+            <a:spLocks noGrp="1"/>
+          </p:cNvSpPr>
+          <p:nvPr>
+            <p:ph type="title"/>
+          </p:nvPr>
+        </p:nvSpPr>
+        <p:spPr/>
+        <p:txBody>
+          <a:bodyPr/>
+          <a:lstStyle/>
+          <a:p>
+            <a:endParaRPr lang="fr-BE" dirty="0"/>
+          </a:p>
+        </p:txBody>
+      </p:sp>
+      <p:pic>
+        <p:nvPicPr>
+          <p:cNvPr id="7" name="Espace réservé du contenu 6">
+            <a:extLst>
+              <a:ext uri="{FF2B5EF4-FFF2-40B4-BE49-F238E27FC236}">
+                <a16:creationId xmlns:a16="http://schemas.microsoft.com/office/drawing/2014/main" id="{C9A3869D-FA32-4C42-974C-910FEAD4849A}"/>
+              </a:ext>
+            </a:extLst>
+          </p:cNvPr>
+          <p:cNvPicPr>
+            <a:picLocks noGrp="1" noChangeAspect="1"/>
+          </p:cNvPicPr>
+          <p:nvPr>
+            <p:ph sz="half" idx="1"/>
+          </p:nvPr>
+        </p:nvPicPr>
+        <p:blipFill rotWithShape="1">
+          <a:blip r:embed="rId3">
+            <a:extLst>
+              <a:ext uri="{28A0092B-C50C-407E-A947-70E740481C1C}">
+                <a14:useLocalDpi xmlns:a14="http://schemas.microsoft.com/office/drawing/2010/main" val="0"/>
+              </a:ext>
+            </a:extLst>
+          </a:blip>
+          <a:stretch/>
+        </p:blipFill>
+        <p:spPr>
+          <a:xfrm>
+            <a:off x="838200" y="2167426"/>
+            <a:ext cx="5181600" cy="3667735"/>
+          </a:xfrm>
+        </p:spPr>
+      </p:pic>
+      <p:pic>
+        <p:nvPicPr>
+          <p:cNvPr id="6146" name="Picture 2" descr="RÃ©sultat de recherche d'images pour &quot;umons&quot;">
+            <a:extLst>
+              <a:ext uri="{FF2B5EF4-FFF2-40B4-BE49-F238E27FC236}">
+                <a16:creationId xmlns:a16="http://schemas.microsoft.com/office/drawing/2014/main" id="{79C583BB-B5E5-4044-84A3-DD00A2E4AB11}"/>
+              </a:ext>
+            </a:extLst>
+          </p:cNvPr>
+          <p:cNvPicPr>
+            <a:picLocks noGrp="1" noChangeAspect="1" noChangeArrowheads="1"/>
+          </p:cNvPicPr>
+          <p:nvPr>
+            <p:ph sz="half" idx="2"/>
+          </p:nvPr>
+        </p:nvPicPr>
+        <p:blipFill>
+          <a:blip r:embed="rId4">
+            <a:extLst>
+              <a:ext uri="{28A0092B-C50C-407E-A947-70E740481C1C}">
+                <a14:useLocalDpi xmlns:a14="http://schemas.microsoft.com/office/drawing/2010/main" val="0"/>
+              </a:ext>
+            </a:extLst>
+          </a:blip>
+          <a:stretch>
+            <a:fillRect/>
+          </a:stretch>
+        </p:blipFill>
+        <p:spPr bwMode="auto">
+          <a:xfrm>
+            <a:off x="6573012" y="3214910"/>
+            <a:ext cx="4379976" cy="1572768"/>
+          </a:xfrm>
+          <a:prstGeom prst="rect">
+            <a:avLst/>
+          </a:prstGeom>
+          <a:noFill/>
+          <a:extLst>
+            <a:ext uri="{909E8E84-426E-40DD-AFC4-6F175D3DCCD1}">
+              <a14:hiddenFill xmlns:a14="http://schemas.microsoft.com/office/drawing/2010/main">
+                <a:solidFill>
+                  <a:srgbClr val="FFFFFF"/>
+                </a:solidFill>
+              </a14:hiddenFill>
+            </a:ext>
+          </a:extLst>
+        </p:spPr>
+      </p:pic>
+      <p:sp>
+        <p:nvSpPr>
+          <p:cNvPr id="5" name="Espace réservé du numéro de diapositive 4">
+            <a:extLst>
+              <a:ext uri="{FF2B5EF4-FFF2-40B4-BE49-F238E27FC236}">
+                <a16:creationId xmlns:a16="http://schemas.microsoft.com/office/drawing/2014/main" id="{9A43EBC4-261A-4A9D-A733-F5D8FF996C77}"/>
+              </a:ext>
+            </a:extLst>
+          </p:cNvPr>
+          <p:cNvSpPr>
+            <a:spLocks noGrp="1"/>
+          </p:cNvSpPr>
+          <p:nvPr>
+            <p:ph type="sldNum" sz="quarter" idx="12"/>
+          </p:nvPr>
+        </p:nvSpPr>
+        <p:spPr/>
+        <p:txBody>
+          <a:bodyPr/>
+          <a:lstStyle/>
+          <a:p>
+            <a:fld id="{7D3627B9-1F90-4568-B521-4CB3E5CC102E}" type="slidenum">
+              <a:rPr lang="fr-BE" smtClean="0"/>
+              <a:t>5</a:t>
+            </a:fld>
+            <a:endParaRPr lang="fr-BE"/>
+          </a:p>
+        </p:txBody>
+      </p:sp>
+    </p:spTree>
+    <p:extLst>
+      <p:ext uri="{BB962C8B-B14F-4D97-AF65-F5344CB8AC3E}">
+        <p14:creationId xmlns:p14="http://schemas.microsoft.com/office/powerpoint/2010/main" val="953089894"/>
+      </p:ext>
+    </p:extLst>
+  </p:cSld>
+  <p:clrMapOvr>
+    <a:masterClrMapping/>
+  </p:clrMapOvr>
+</p:sld>
+</file>
+
+<file path=ppt/slides/slide6.xml><?xml version="1.0" encoding="utf-8"?>
+<p:sld xmlns:a="http://schemas.openxmlformats.org/drawingml/2006/main" xmlns:r="http://schemas.openxmlformats.org/officeDocument/2006/relationships" xmlns:p="http://schemas.openxmlformats.org/presentationml/2006/main">
+  <p:cSld>
+    <p:spTree>
+      <p:nvGrpSpPr>
+        <p:cNvPr id="1" name=""/>
+        <p:cNvGrpSpPr/>
+        <p:nvPr/>
+      </p:nvGrpSpPr>
+      <p:grpSpPr>
+        <a:xfrm>
+          <a:off x="0" y="0"/>
+          <a:ext cx="0" cy="0"/>
+          <a:chOff x="0" y="0"/>
+          <a:chExt cx="0" cy="0"/>
+        </a:xfrm>
+      </p:grpSpPr>
+      <p:pic>
+        <p:nvPicPr>
+          <p:cNvPr id="5" name="Espace réservé du contenu 4">
+            <a:extLst>
+              <a:ext uri="{FF2B5EF4-FFF2-40B4-BE49-F238E27FC236}">
+                <a16:creationId xmlns:a16="http://schemas.microsoft.com/office/drawing/2014/main" id="{B6BEDA4F-2E95-491B-8C08-B9B380E2F29F}"/>
+              </a:ext>
+            </a:extLst>
+          </p:cNvPr>
+          <p:cNvPicPr>
+            <a:picLocks noGrp="1" noChangeAspect="1"/>
+          </p:cNvPicPr>
+          <p:nvPr>
+            <p:ph idx="1"/>
+          </p:nvPr>
+        </p:nvPicPr>
+        <p:blipFill>
+          <a:blip r:embed="rId3">
+            <a:extLst>
+              <a:ext uri="{28A0092B-C50C-407E-A947-70E740481C1C}">
+                <a14:useLocalDpi xmlns:a14="http://schemas.microsoft.com/office/drawing/2010/main" val="0"/>
+              </a:ext>
+            </a:extLst>
+          </a:blip>
+          <a:stretch>
+            <a:fillRect/>
+          </a:stretch>
+        </p:blipFill>
+        <p:spPr>
+          <a:xfrm>
+            <a:off x="643467" y="2052235"/>
+            <a:ext cx="10905066" cy="2753529"/>
+          </a:xfrm>
+          <a:prstGeom prst="rect">
+            <a:avLst/>
+          </a:prstGeom>
+        </p:spPr>
+      </p:pic>
+      <p:sp>
+        <p:nvSpPr>
+          <p:cNvPr id="4" name="Espace réservé du numéro de diapositive 3">
+            <a:extLst>
+              <a:ext uri="{FF2B5EF4-FFF2-40B4-BE49-F238E27FC236}">
+                <a16:creationId xmlns:a16="http://schemas.microsoft.com/office/drawing/2014/main" id="{1FB0FEB1-1455-411C-BE19-4594C1F5C317}"/>
+              </a:ext>
+            </a:extLst>
+          </p:cNvPr>
+          <p:cNvSpPr>
+            <a:spLocks noGrp="1"/>
+          </p:cNvSpPr>
+          <p:nvPr>
+            <p:ph type="sldNum" sz="quarter" idx="12"/>
+          </p:nvPr>
+        </p:nvSpPr>
+        <p:spPr/>
+        <p:txBody>
+          <a:bodyPr/>
+          <a:lstStyle/>
+          <a:p>
+            <a:fld id="{7D3627B9-1F90-4568-B521-4CB3E5CC102E}" type="slidenum">
+              <a:rPr lang="fr-BE" smtClean="0"/>
+              <a:t>6</a:t>
+            </a:fld>
+            <a:endParaRPr lang="fr-BE"/>
+          </a:p>
+        </p:txBody>
+      </p:sp>
+    </p:spTree>
+    <p:extLst>
+      <p:ext uri="{BB962C8B-B14F-4D97-AF65-F5344CB8AC3E}">
+        <p14:creationId xmlns:p14="http://schemas.microsoft.com/office/powerpoint/2010/main" val="2676247997"/>
+      </p:ext>
+    </p:extLst>
+  </p:cSld>
+  <p:clrMapOvr>
+    <a:masterClrMapping/>
+  </p:clrMapOvr>
+</p:sld>
+</file>
+
+<file path=ppt/slides/slide7.xml><?xml version="1.0" encoding="utf-8"?>
 <p:sld xmlns:a="http://schemas.openxmlformats.org/drawingml/2006/main" xmlns:r="http://schemas.openxmlformats.org/officeDocument/2006/relationships" xmlns:p="http://schemas.openxmlformats.org/presentationml/2006/main">
   <p:cSld>
     <p:bg>
@@ -15437,7 +15247,7 @@
       </p:grpSpPr>
       <p:sp>
         <p:nvSpPr>
-          <p:cNvPr id="10" name="Rectangle 9">
+          <p:cNvPr id="12" name="Rectangle 11">
             <a:extLst>
               <a:ext uri="{FF2B5EF4-FFF2-40B4-BE49-F238E27FC236}">
                 <a16:creationId xmlns:a16="http://schemas.microsoft.com/office/drawing/2014/main" id="{86197D16-FE75-4A0E-A0C9-28C0F04A43DF}"/>
@@ -15522,7 +15332,7 @@
       </p:sp>
       <p:pic>
         <p:nvPicPr>
-          <p:cNvPr id="12" name="Picture 11">
+          <p:cNvPr id="14" name="Picture 13">
             <a:extLst>
               <a:ext uri="{FF2B5EF4-FFF2-40B4-BE49-F238E27FC236}">
                 <a16:creationId xmlns:a16="http://schemas.microsoft.com/office/drawing/2014/main" id="{FA8FCEC6-4B30-4FF2-8B32-504BEAEA3A16}"/>
@@ -15544,7 +15354,7 @@
           </p:nvPr>
         </p:nvPicPr>
         <p:blipFill>
-          <a:blip r:embed="rId2">
+          <a:blip r:embed="rId3">
             <a:extLst>
               <a:ext uri="{28A0092B-C50C-407E-A947-70E740481C1C}">
                 <a14:useLocalDpi xmlns:a14="http://schemas.microsoft.com/office/drawing/2010/main" val="0"/>
@@ -15611,10 +15421,10 @@
       </p:pic>
       <p:sp>
         <p:nvSpPr>
-          <p:cNvPr id="4" name="Titre 3">
+          <p:cNvPr id="2" name="Titre 1">
             <a:extLst>
               <a:ext uri="{FF2B5EF4-FFF2-40B4-BE49-F238E27FC236}">
-                <a16:creationId xmlns:a16="http://schemas.microsoft.com/office/drawing/2014/main" id="{6B89D041-0C38-436F-AB3D-AD4755663581}"/>
+                <a16:creationId xmlns:a16="http://schemas.microsoft.com/office/drawing/2014/main" id="{8285EAB2-DBE3-4C0C-83E5-C855C6F8981C}"/>
               </a:ext>
             </a:extLst>
           </p:cNvPr>
@@ -15646,17 +15456,17 @@
                 <a:ea typeface="+mj-ea"/>
                 <a:cs typeface="+mj-cs"/>
               </a:rPr>
-              <a:t>C’est quoi un microcontrôleur ?</a:t>
-            </a:r>
-          </a:p>
-        </p:txBody>
-      </p:sp>
-      <p:sp>
-        <p:nvSpPr>
-          <p:cNvPr id="5" name="Espace réservé du texte 4">
+              <a:t>Qu’allons-nous créer ?</a:t>
+            </a:r>
+          </a:p>
+        </p:txBody>
+      </p:sp>
+      <p:sp>
+        <p:nvSpPr>
+          <p:cNvPr id="7" name="Espace réservé du texte 6">
             <a:extLst>
               <a:ext uri="{FF2B5EF4-FFF2-40B4-BE49-F238E27FC236}">
-                <a16:creationId xmlns:a16="http://schemas.microsoft.com/office/drawing/2014/main" id="{5AAE6025-AC30-4ABD-B63E-53C027F280AA}"/>
+                <a16:creationId xmlns:a16="http://schemas.microsoft.com/office/drawing/2014/main" id="{7151A2E3-79EC-4A76-8046-1CB1F2DC3E34}"/>
               </a:ext>
             </a:extLst>
           </p:cNvPr>
@@ -15692,10 +15502,128 @@
       </p:sp>
       <p:sp>
         <p:nvSpPr>
-          <p:cNvPr id="3" name="Espace réservé du numéro de diapositive 2">
+          <p:cNvPr id="5" name="Espace réservé du numéro de diapositive 4">
             <a:extLst>
               <a:ext uri="{FF2B5EF4-FFF2-40B4-BE49-F238E27FC236}">
-                <a16:creationId xmlns:a16="http://schemas.microsoft.com/office/drawing/2014/main" id="{5FB7E4E2-0DF0-4527-958C-D90E55FC1790}"/>
+                <a16:creationId xmlns:a16="http://schemas.microsoft.com/office/drawing/2014/main" id="{65768B4A-51C9-4342-A9C3-5D4587815908}"/>
+              </a:ext>
+            </a:extLst>
+          </p:cNvPr>
+          <p:cNvSpPr>
+            <a:spLocks noGrp="1"/>
+          </p:cNvSpPr>
+          <p:nvPr>
+            <p:ph type="sldNum" sz="quarter" idx="12"/>
+          </p:nvPr>
+        </p:nvSpPr>
+        <p:spPr/>
+        <p:txBody>
+          <a:bodyPr/>
+          <a:lstStyle/>
+          <a:p>
+            <a:fld id="{7D3627B9-1F90-4568-B521-4CB3E5CC102E}" type="slidenum">
+              <a:rPr lang="fr-BE" smtClean="0"/>
+              <a:t>7</a:t>
+            </a:fld>
+            <a:endParaRPr lang="fr-BE"/>
+          </a:p>
+        </p:txBody>
+      </p:sp>
+    </p:spTree>
+    <p:extLst>
+      <p:ext uri="{BB962C8B-B14F-4D97-AF65-F5344CB8AC3E}">
+        <p14:creationId xmlns:p14="http://schemas.microsoft.com/office/powerpoint/2010/main" val="3414970216"/>
+      </p:ext>
+    </p:extLst>
+  </p:cSld>
+  <p:clrMapOvr>
+    <a:masterClrMapping/>
+  </p:clrMapOvr>
+</p:sld>
+</file>
+
+<file path=ppt/slides/slide8.xml><?xml version="1.0" encoding="utf-8"?>
+<p:sld xmlns:a="http://schemas.openxmlformats.org/drawingml/2006/main" xmlns:r="http://schemas.openxmlformats.org/officeDocument/2006/relationships" xmlns:p="http://schemas.openxmlformats.org/presentationml/2006/main">
+  <p:cSld>
+    <p:spTree>
+      <p:nvGrpSpPr>
+        <p:cNvPr id="1" name=""/>
+        <p:cNvGrpSpPr/>
+        <p:nvPr/>
+      </p:nvGrpSpPr>
+      <p:grpSpPr>
+        <a:xfrm>
+          <a:off x="0" y="0"/>
+          <a:ext cx="0" cy="0"/>
+          <a:chOff x="0" y="0"/>
+          <a:chExt cx="0" cy="0"/>
+        </a:xfrm>
+      </p:grpSpPr>
+      <p:sp>
+        <p:nvSpPr>
+          <p:cNvPr id="5" name="Titre 4">
+            <a:extLst>
+              <a:ext uri="{FF2B5EF4-FFF2-40B4-BE49-F238E27FC236}">
+                <a16:creationId xmlns:a16="http://schemas.microsoft.com/office/drawing/2014/main" id="{A833588F-8E9F-4646-A593-5367F5967DFE}"/>
+              </a:ext>
+            </a:extLst>
+          </p:cNvPr>
+          <p:cNvSpPr>
+            <a:spLocks noGrp="1"/>
+          </p:cNvSpPr>
+          <p:nvPr>
+            <p:ph type="title"/>
+          </p:nvPr>
+        </p:nvSpPr>
+        <p:spPr/>
+        <p:txBody>
+          <a:bodyPr/>
+          <a:lstStyle/>
+          <a:p>
+            <a:endParaRPr lang="fr-BE"/>
+          </a:p>
+        </p:txBody>
+      </p:sp>
+      <p:sp>
+        <p:nvSpPr>
+          <p:cNvPr id="6" name="Espace réservé du contenu 5">
+            <a:extLst>
+              <a:ext uri="{FF2B5EF4-FFF2-40B4-BE49-F238E27FC236}">
+                <a16:creationId xmlns:a16="http://schemas.microsoft.com/office/drawing/2014/main" id="{566AEC96-D2B4-475B-86FF-6A91DCBDA576}"/>
+              </a:ext>
+            </a:extLst>
+          </p:cNvPr>
+          <p:cNvSpPr>
+            <a:spLocks noGrp="1"/>
+          </p:cNvSpPr>
+          <p:nvPr>
+            <p:ph idx="1"/>
+          </p:nvPr>
+        </p:nvSpPr>
+        <p:spPr/>
+        <p:txBody>
+          <a:bodyPr anchor="ctr"/>
+          <a:lstStyle/>
+          <a:p>
+            <a:pPr marL="0" indent="0" algn="ctr">
+              <a:buNone/>
+            </a:pPr>
+            <a:r>
+              <a:rPr lang="fr-BE" dirty="0">
+                <a:hlinkClick r:id="rId2"/>
+              </a:rPr>
+              <a:t>https://github.com/FabLabMons/iotlab-connectedobject-workshop</a:t>
+            </a:r>
+            <a:endParaRPr lang="fr-BE" dirty="0"/>
+          </a:p>
+        </p:txBody>
+      </p:sp>
+      <p:sp>
+        <p:nvSpPr>
+          <p:cNvPr id="4" name="Espace réservé du numéro de diapositive 3">
+            <a:extLst>
+              <a:ext uri="{FF2B5EF4-FFF2-40B4-BE49-F238E27FC236}">
+                <a16:creationId xmlns:a16="http://schemas.microsoft.com/office/drawing/2014/main" id="{7CCEA6B9-DD4B-4658-A5D5-388656D2D143}"/>
               </a:ext>
             </a:extLst>
           </p:cNvPr>
@@ -15722,7 +15650,7 @@
     </p:spTree>
     <p:extLst>
       <p:ext uri="{BB962C8B-B14F-4D97-AF65-F5344CB8AC3E}">
-        <p14:creationId xmlns:p14="http://schemas.microsoft.com/office/powerpoint/2010/main" val="4124027447"/>
+        <p14:creationId xmlns:p14="http://schemas.microsoft.com/office/powerpoint/2010/main" val="3287411062"/>
       </p:ext>
     </p:extLst>
   </p:cSld>
@@ -15759,72 +15687,226 @@
       </p:grpSpPr>
       <p:sp>
         <p:nvSpPr>
-          <p:cNvPr id="2" name="Titre 1">
+          <p:cNvPr id="10" name="Rectangle 9">
             <a:extLst>
               <a:ext uri="{FF2B5EF4-FFF2-40B4-BE49-F238E27FC236}">
-                <a16:creationId xmlns:a16="http://schemas.microsoft.com/office/drawing/2014/main" id="{C5F8775F-9662-4050-98FB-A838A4FEE2C8}"/>
+                <a16:creationId xmlns:a16="http://schemas.microsoft.com/office/drawing/2014/main" id="{86197D16-FE75-4A0E-A0C9-28C0F04A43DF}"/>
+              </a:ext>
+              <a:ext uri="{C183D7F6-B498-43B3-948B-1728B52AA6E4}">
+                <adec:decorative xmlns:adec="http://schemas.microsoft.com/office/drawing/2017/decorative" val="1"/>
               </a:ext>
             </a:extLst>
           </p:cNvPr>
           <p:cNvSpPr>
-            <a:spLocks noGrp="1"/>
-          </p:cNvSpPr>
-          <p:nvPr>
-            <p:ph type="title"/>
-          </p:nvPr>
-        </p:nvSpPr>
-        <p:spPr/>
-        <p:txBody>
-          <a:bodyPr/>
+            <a:spLocks noGrp="1" noRot="1" noChangeAspect="1" noMove="1" noResize="1" noEditPoints="1" noAdjustHandles="1" noChangeArrowheads="1" noChangeShapeType="1" noTextEdit="1"/>
+          </p:cNvSpPr>
+          <p:nvPr>
+            <p:extLst>
+              <p:ext uri="{386F3935-93C4-4BCD-93E2-E3B085C9AB24}">
+                <p16:designElem xmlns:p16="http://schemas.microsoft.com/office/powerpoint/2015/main" val="1"/>
+              </p:ext>
+            </p:extLst>
+          </p:nvPr>
+        </p:nvSpPr>
+        <p:spPr>
+          <a:xfrm>
+            <a:off x="0" y="0"/>
+            <a:ext cx="12192000" cy="5570220"/>
+          </a:xfrm>
+          <a:prstGeom prst="rect">
+            <a:avLst/>
+          </a:prstGeom>
+          <a:gradFill>
+            <a:gsLst>
+              <a:gs pos="0">
+                <a:schemeClr val="accent1">
+                  <a:lumMod val="90000"/>
+                </a:schemeClr>
+              </a:gs>
+              <a:gs pos="25000">
+                <a:schemeClr val="accent1">
+                  <a:lumMod val="90000"/>
+                </a:schemeClr>
+              </a:gs>
+              <a:gs pos="94000">
+                <a:schemeClr val="bg2">
+                  <a:lumMod val="25000"/>
+                </a:schemeClr>
+              </a:gs>
+              <a:gs pos="100000">
+                <a:schemeClr val="bg2">
+                  <a:lumMod val="25000"/>
+                </a:schemeClr>
+              </a:gs>
+            </a:gsLst>
+            <a:lin ang="4200000" scaled="0"/>
+          </a:gradFill>
+          <a:ln>
+            <a:noFill/>
+          </a:ln>
+        </p:spPr>
+        <p:style>
+          <a:lnRef idx="2">
+            <a:schemeClr val="accent1">
+              <a:shade val="50000"/>
+            </a:schemeClr>
+          </a:lnRef>
+          <a:fillRef idx="1">
+            <a:schemeClr val="accent1"/>
+          </a:fillRef>
+          <a:effectRef idx="0">
+            <a:schemeClr val="accent1"/>
+          </a:effectRef>
+          <a:fontRef idx="minor">
+            <a:schemeClr val="lt1"/>
+          </a:fontRef>
+        </p:style>
+        <p:txBody>
+          <a:bodyPr rtlCol="0" anchor="ctr"/>
           <a:lstStyle/>
           <a:p>
-            <a:r>
-              <a:rPr lang="en-US"/>
-              <a:t>ESP8266</a:t>
-            </a:r>
+            <a:pPr algn="ctr"/>
+            <a:endParaRPr lang="en-US"/>
           </a:p>
         </p:txBody>
       </p:sp>
       <p:pic>
         <p:nvPicPr>
-          <p:cNvPr id="1026" name="Picture 2" descr="RÃ©sultat de recherche d'images pour &quot;nodemcu esp8266 amica&quot;">
+          <p:cNvPr id="12" name="Picture 11">
             <a:extLst>
               <a:ext uri="{FF2B5EF4-FFF2-40B4-BE49-F238E27FC236}">
-                <a16:creationId xmlns:a16="http://schemas.microsoft.com/office/drawing/2014/main" id="{C57719E7-0D22-41C8-B7F4-DEC8BBF076D5}"/>
+                <a16:creationId xmlns:a16="http://schemas.microsoft.com/office/drawing/2014/main" id="{FA8FCEC6-4B30-4FF2-8B32-504BEAEA3A16}"/>
+              </a:ext>
+              <a:ext uri="{C183D7F6-B498-43B3-948B-1728B52AA6E4}">
+                <adec:decorative xmlns:adec="http://schemas.microsoft.com/office/drawing/2017/decorative" val="1"/>
               </a:ext>
             </a:extLst>
           </p:cNvPr>
           <p:cNvPicPr>
-            <a:picLocks noGrp="1" noChangeAspect="1" noChangeArrowheads="1"/>
+            <a:picLocks noGrp="1" noRot="1" noChangeAspect="1" noMove="1" noResize="1" noEditPoints="1" noAdjustHandles="1" noChangeArrowheads="1" noChangeShapeType="1" noCrop="1"/>
           </p:cNvPicPr>
           <p:nvPr>
-            <p:ph idx="1"/>
+            <p:extLst>
+              <p:ext uri="{386F3935-93C4-4BCD-93E2-E3B085C9AB24}">
+                <p16:designElem xmlns:p16="http://schemas.microsoft.com/office/powerpoint/2015/main" val="1"/>
+              </p:ext>
+            </p:extLst>
           </p:nvPr>
         </p:nvPicPr>
-        <p:blipFill rotWithShape="1">
-          <a:blip r:embed="rId3">
+        <p:blipFill>
+          <a:blip r:embed="rId2">
             <a:extLst>
               <a:ext uri="{28A0092B-C50C-407E-A947-70E740481C1C}">
                 <a14:useLocalDpi xmlns:a14="http://schemas.microsoft.com/office/drawing/2010/main" val="0"/>
               </a:ext>
             </a:extLst>
           </a:blip>
-          <a:srcRect t="6758" b="8972"/>
-          <a:stretch/>
+          <a:srcRect t="45716" b="9820"/>
+          <a:stretch>
+            <a:fillRect/>
+          </a:stretch>
         </p:blipFill>
         <p:spPr>
           <a:xfrm>
-            <a:off x="2224534" y="1825625"/>
-            <a:ext cx="7742931" cy="4351338"/>
+            <a:off x="0" y="3808676"/>
+            <a:ext cx="12192000" cy="3049325"/>
+          </a:xfrm>
+          <a:custGeom>
+            <a:avLst/>
+            <a:gdLst>
+              <a:gd name="connsiteX0" fmla="*/ 0 w 12192000"/>
+              <a:gd name="connsiteY0" fmla="*/ 0 h 3049325"/>
+              <a:gd name="connsiteX1" fmla="*/ 12192000 w 12192000"/>
+              <a:gd name="connsiteY1" fmla="*/ 0 h 3049325"/>
+              <a:gd name="connsiteX2" fmla="*/ 12192000 w 12192000"/>
+              <a:gd name="connsiteY2" fmla="*/ 3049325 h 3049325"/>
+              <a:gd name="connsiteX3" fmla="*/ 0 w 12192000"/>
+              <a:gd name="connsiteY3" fmla="*/ 3049325 h 3049325"/>
+            </a:gdLst>
+            <a:ahLst/>
+            <a:cxnLst>
+              <a:cxn ang="0">
+                <a:pos x="connsiteX0" y="connsiteY0"/>
+              </a:cxn>
+              <a:cxn ang="0">
+                <a:pos x="connsiteX1" y="connsiteY1"/>
+              </a:cxn>
+              <a:cxn ang="0">
+                <a:pos x="connsiteX2" y="connsiteY2"/>
+              </a:cxn>
+              <a:cxn ang="0">
+                <a:pos x="connsiteX3" y="connsiteY3"/>
+              </a:cxn>
+            </a:cxnLst>
+            <a:rect l="l" t="t" r="r" b="b"/>
+            <a:pathLst>
+              <a:path w="12192000" h="3049325">
+                <a:moveTo>
+                  <a:pt x="0" y="0"/>
+                </a:moveTo>
+                <a:lnTo>
+                  <a:pt x="12192000" y="0"/>
+                </a:lnTo>
+                <a:lnTo>
+                  <a:pt x="12192000" y="3049325"/>
+                </a:lnTo>
+                <a:lnTo>
+                  <a:pt x="0" y="3049325"/>
+                </a:lnTo>
+                <a:close/>
+              </a:path>
+            </a:pathLst>
+          </a:custGeom>
+        </p:spPr>
+      </p:pic>
+      <p:sp>
+        <p:nvSpPr>
+          <p:cNvPr id="4" name="Titre 3">
+            <a:extLst>
+              <a:ext uri="{FF2B5EF4-FFF2-40B4-BE49-F238E27FC236}">
+                <a16:creationId xmlns:a16="http://schemas.microsoft.com/office/drawing/2014/main" id="{6B89D041-0C38-436F-AB3D-AD4755663581}"/>
+              </a:ext>
+            </a:extLst>
+          </p:cNvPr>
+          <p:cNvSpPr>
+            <a:spLocks noGrp="1"/>
+          </p:cNvSpPr>
+          <p:nvPr>
+            <p:ph type="title"/>
+          </p:nvPr>
+        </p:nvSpPr>
+        <p:spPr>
+          <a:xfrm>
+            <a:off x="804484" y="1191796"/>
+            <a:ext cx="10021446" cy="2976344"/>
           </a:xfrm>
         </p:spPr>
-      </p:pic>
-      <p:sp>
-        <p:nvSpPr>
-          <p:cNvPr id="4" name="Espace réservé du numéro de diapositive 3">
+        <p:txBody>
+          <a:bodyPr vert="horz" lIns="91440" tIns="45720" rIns="91440" bIns="45720" rtlCol="0" anchor="ctr">
+            <a:normAutofit/>
+          </a:bodyPr>
+          <a:lstStyle/>
+          <a:p>
+            <a:r>
+              <a:rPr lang="en-US" sz="6600" kern="1200">
+                <a:solidFill>
+                  <a:srgbClr val="FFFFFF"/>
+                </a:solidFill>
+                <a:latin typeface="+mj-lt"/>
+                <a:ea typeface="+mj-ea"/>
+                <a:cs typeface="+mj-cs"/>
+              </a:rPr>
+              <a:t>C’est quoi un microcontrôleur ?</a:t>
+            </a:r>
+          </a:p>
+        </p:txBody>
+      </p:sp>
+      <p:sp>
+        <p:nvSpPr>
+          <p:cNvPr id="5" name="Espace réservé du texte 4">
             <a:extLst>
               <a:ext uri="{FF2B5EF4-FFF2-40B4-BE49-F238E27FC236}">
-                <a16:creationId xmlns:a16="http://schemas.microsoft.com/office/drawing/2014/main" id="{0A0CA7B0-2512-4C05-8663-5F6BFE309B05}"/>
+                <a16:creationId xmlns:a16="http://schemas.microsoft.com/office/drawing/2014/main" id="{5AAE6025-AC30-4ABD-B63E-53C027F280AA}"/>
               </a:ext>
             </a:extLst>
           </p:cNvPr>
@@ -15832,6 +15914,45 @@
             <a:spLocks noGrp="1"/>
           </p:cNvSpPr>
           <p:nvPr>
+            <p:ph type="body" idx="1"/>
+          </p:nvPr>
+        </p:nvSpPr>
+        <p:spPr>
+          <a:xfrm>
+            <a:off x="804788" y="5318990"/>
+            <a:ext cx="9416898" cy="723670"/>
+          </a:xfrm>
+        </p:spPr>
+        <p:txBody>
+          <a:bodyPr vert="horz" lIns="91440" tIns="45720" rIns="91440" bIns="45720" rtlCol="0" anchor="t">
+            <a:normAutofit/>
+          </a:bodyPr>
+          <a:lstStyle/>
+          <a:p>
+            <a:endParaRPr lang="en-US" sz="1800" kern="1200">
+              <a:solidFill>
+                <a:srgbClr val="000000"/>
+              </a:solidFill>
+              <a:latin typeface="+mn-lt"/>
+              <a:ea typeface="+mn-ea"/>
+              <a:cs typeface="+mn-cs"/>
+            </a:endParaRPr>
+          </a:p>
+        </p:txBody>
+      </p:sp>
+      <p:sp>
+        <p:nvSpPr>
+          <p:cNvPr id="3" name="Espace réservé du numéro de diapositive 2">
+            <a:extLst>
+              <a:ext uri="{FF2B5EF4-FFF2-40B4-BE49-F238E27FC236}">
+                <a16:creationId xmlns:a16="http://schemas.microsoft.com/office/drawing/2014/main" id="{5FB7E4E2-0DF0-4527-958C-D90E55FC1790}"/>
+              </a:ext>
+            </a:extLst>
+          </p:cNvPr>
+          <p:cNvSpPr>
+            <a:spLocks noGrp="1"/>
+          </p:cNvSpPr>
+          <p:nvPr>
             <p:ph type="sldNum" sz="quarter" idx="12"/>
           </p:nvPr>
         </p:nvSpPr>
@@ -15841,18 +15962,17 @@
           <a:lstStyle/>
           <a:p>
             <a:fld id="{7D3627B9-1F90-4568-B521-4CB3E5CC102E}" type="slidenum">
-              <a:rPr lang="en-US" smtClean="0"/>
-              <a:pPr/>
+              <a:rPr lang="fr-BE" smtClean="0"/>
               <a:t>9</a:t>
             </a:fld>
-            <a:endParaRPr lang="en-US"/>
+            <a:endParaRPr lang="fr-BE"/>
           </a:p>
         </p:txBody>
       </p:sp>
     </p:spTree>
     <p:extLst>
       <p:ext uri="{BB962C8B-B14F-4D97-AF65-F5344CB8AC3E}">
-        <p14:creationId xmlns:p14="http://schemas.microsoft.com/office/powerpoint/2010/main" val="3504272572"/>
+        <p14:creationId xmlns:p14="http://schemas.microsoft.com/office/powerpoint/2010/main" val="4124027447"/>
       </p:ext>
     </p:extLst>
   </p:cSld>

--- a/201809-FabIoTLab-Objet connecte.pptx
+++ b/201809-FabIoTLab-Objet connecte.pptx
@@ -10229,6 +10229,42 @@
           </a:p>
         </p:txBody>
       </p:sp>
+      <p:pic>
+        <p:nvPicPr>
+          <p:cNvPr id="6" name="Image 5" descr="Une image contenant équipement électronique&#10;&#10;Description générée avec un niveau de confiance élevé">
+            <a:extLst>
+              <a:ext uri="{FF2B5EF4-FFF2-40B4-BE49-F238E27FC236}">
+                <a16:creationId xmlns:a16="http://schemas.microsoft.com/office/drawing/2014/main" id="{ECDC42D4-EEDC-467E-8B1B-C1B4D1744893}"/>
+              </a:ext>
+            </a:extLst>
+          </p:cNvPr>
+          <p:cNvPicPr>
+            <a:picLocks noChangeAspect="1"/>
+          </p:cNvPicPr>
+          <p:nvPr/>
+        </p:nvPicPr>
+        <p:blipFill>
+          <a:blip r:embed="rId2">
+            <a:extLst>
+              <a:ext uri="{28A0092B-C50C-407E-A947-70E740481C1C}">
+                <a14:useLocalDpi xmlns:a14="http://schemas.microsoft.com/office/drawing/2010/main" val="0"/>
+              </a:ext>
+            </a:extLst>
+          </a:blip>
+          <a:stretch>
+            <a:fillRect/>
+          </a:stretch>
+        </p:blipFill>
+        <p:spPr>
+          <a:xfrm>
+            <a:off x="3578578" y="2452909"/>
+            <a:ext cx="7775222" cy="3724054"/>
+          </a:xfrm>
+          <a:prstGeom prst="rect">
+            <a:avLst/>
+          </a:prstGeom>
+        </p:spPr>
+      </p:pic>
     </p:spTree>
     <p:extLst>
       <p:ext uri="{BB962C8B-B14F-4D97-AF65-F5344CB8AC3E}">
